--- a/ppt/Modulo 4_Ocupacion2023.pptx
+++ b/ppt/Modulo 4_Ocupacion2023.pptx
@@ -4,7 +4,7 @@
   <p:sldMasterIdLst>
     <p:sldMasterId id="2147484440" r:id="rId1"/>
     <p:sldMasterId id="2147484452" r:id="rId2"/>
-    <p:sldMasterId id="2147484536" r:id="rId3"/>
+    <p:sldMasterId id="2147484548" r:id="rId3"/>
   </p:sldMasterIdLst>
   <p:notesMasterIdLst>
     <p:notesMasterId r:id="rId17"/>
@@ -274,7 +274,7 @@
               <a:pPr>
                 <a:defRPr/>
               </a:pPr>
-              <a:t>23/03/2023</a:t>
+              <a:t>27/03/2023</a:t>
             </a:fld>
             <a:endParaRPr lang="es-ES"/>
           </a:p>
@@ -445,7 +445,7 @@
             <a:fld id="{0A37165C-6ECF-4EEF-943C-C2B6859891A8}" type="slidenum">
               <a:rPr lang="es-ES" altLang="es-AR"/>
               <a:pPr/>
-              <a:t>‹Nº›</a:t>
+              <a:t>‹#›</a:t>
             </a:fld>
             <a:endParaRPr lang="es-ES" altLang="es-AR"/>
           </a:p>
@@ -1306,7 +1306,7 @@
               <a:pPr>
                 <a:defRPr/>
               </a:pPr>
-              <a:t>23/3/2023</a:t>
+              <a:t>27/03/2023</a:t>
             </a:fld>
             <a:endParaRPr lang="es-AR"/>
           </a:p>
@@ -1352,7 +1352,7 @@
             <a:fld id="{BE6A9779-67F1-4867-A584-55A69026F865}" type="slidenum">
               <a:rPr lang="es-AR" altLang="es-AR" smtClean="0"/>
               <a:pPr/>
-              <a:t>‹Nº›</a:t>
+              <a:t>‹#›</a:t>
             </a:fld>
             <a:endParaRPr lang="es-AR" altLang="es-AR"/>
           </a:p>
@@ -1368,6 +1368,13 @@
   <p:clrMapOvr>
     <a:masterClrMapping/>
   </p:clrMapOvr>
+  <p:timing>
+    <p:tnLst>
+      <p:par>
+        <p:cTn id="1" dur="indefinite" restart="never" nodeType="tmRoot"/>
+      </p:par>
+    </p:tnLst>
+  </p:timing>
 </p:sldLayout>
 </file>
 
@@ -1486,7 +1493,7 @@
               <a:pPr>
                 <a:defRPr/>
               </a:pPr>
-              <a:t>23/3/2023</a:t>
+              <a:t>27/03/2023</a:t>
             </a:fld>
             <a:endParaRPr lang="es-AR"/>
           </a:p>
@@ -1532,7 +1539,7 @@
             <a:fld id="{BE6A9779-67F1-4867-A584-55A69026F865}" type="slidenum">
               <a:rPr lang="es-AR" altLang="es-AR" smtClean="0"/>
               <a:pPr/>
-              <a:t>‹Nº›</a:t>
+              <a:t>‹#›</a:t>
             </a:fld>
             <a:endParaRPr lang="es-AR" altLang="es-AR"/>
           </a:p>
@@ -1676,7 +1683,7 @@
               <a:pPr>
                 <a:defRPr/>
               </a:pPr>
-              <a:t>23/3/2023</a:t>
+              <a:t>27/03/2023</a:t>
             </a:fld>
             <a:endParaRPr lang="es-AR"/>
           </a:p>
@@ -1722,7 +1729,7 @@
             <a:fld id="{BE6A9779-67F1-4867-A584-55A69026F865}" type="slidenum">
               <a:rPr lang="es-AR" altLang="es-AR" smtClean="0"/>
               <a:pPr/>
-              <a:t>‹Nº›</a:t>
+              <a:t>‹#›</a:t>
             </a:fld>
             <a:endParaRPr lang="es-AR" altLang="es-AR"/>
           </a:p>
@@ -1928,7 +1935,7 @@
               <a:pPr>
                 <a:defRPr/>
               </a:pPr>
-              <a:t>23/3/2023</a:t>
+              <a:t>27/03/2023</a:t>
             </a:fld>
             <a:endParaRPr lang="es-AR"/>
           </a:p>
@@ -1974,7 +1981,7 @@
             <a:fld id="{BE6A9779-67F1-4867-A584-55A69026F865}" type="slidenum">
               <a:rPr lang="es-AR" altLang="es-AR" smtClean="0"/>
               <a:pPr/>
-              <a:t>‹Nº›</a:t>
+              <a:t>‹#›</a:t>
             </a:fld>
             <a:endParaRPr lang="es-AR" altLang="es-AR"/>
           </a:p>
@@ -2108,7 +2115,7 @@
               <a:pPr>
                 <a:defRPr/>
               </a:pPr>
-              <a:t>23/3/2023</a:t>
+              <a:t>27/03/2023</a:t>
             </a:fld>
             <a:endParaRPr lang="es-AR"/>
           </a:p>
@@ -2154,7 +2161,7 @@
             <a:fld id="{BE6A9779-67F1-4867-A584-55A69026F865}" type="slidenum">
               <a:rPr lang="es-AR" altLang="es-AR" smtClean="0"/>
               <a:pPr/>
-              <a:t>‹Nº›</a:t>
+              <a:t>‹#›</a:t>
             </a:fld>
             <a:endParaRPr lang="es-AR" altLang="es-AR"/>
           </a:p>
@@ -2364,7 +2371,7 @@
               <a:pPr>
                 <a:defRPr/>
               </a:pPr>
-              <a:t>23/3/2023</a:t>
+              <a:t>27/03/2023</a:t>
             </a:fld>
             <a:endParaRPr lang="es-AR"/>
           </a:p>
@@ -2410,7 +2417,7 @@
             <a:fld id="{BE6A9779-67F1-4867-A584-55A69026F865}" type="slidenum">
               <a:rPr lang="es-AR" altLang="es-AR" smtClean="0"/>
               <a:pPr/>
-              <a:t>‹Nº›</a:t>
+              <a:t>‹#›</a:t>
             </a:fld>
             <a:endParaRPr lang="es-AR" altLang="es-AR"/>
           </a:p>
@@ -2662,7 +2669,7 @@
               <a:pPr>
                 <a:defRPr/>
               </a:pPr>
-              <a:t>23/3/2023</a:t>
+              <a:t>27/03/2023</a:t>
             </a:fld>
             <a:endParaRPr lang="es-AR"/>
           </a:p>
@@ -2708,7 +2715,7 @@
             <a:fld id="{BE6A9779-67F1-4867-A584-55A69026F865}" type="slidenum">
               <a:rPr lang="es-AR" altLang="es-AR" smtClean="0"/>
               <a:pPr/>
-              <a:t>‹Nº›</a:t>
+              <a:t>‹#›</a:t>
             </a:fld>
             <a:endParaRPr lang="es-AR" altLang="es-AR"/>
           </a:p>
@@ -3094,7 +3101,7 @@
               <a:pPr>
                 <a:defRPr/>
               </a:pPr>
-              <a:t>23/3/2023</a:t>
+              <a:t>27/03/2023</a:t>
             </a:fld>
             <a:endParaRPr lang="es-AR"/>
           </a:p>
@@ -3140,7 +3147,7 @@
             <a:fld id="{BE6A9779-67F1-4867-A584-55A69026F865}" type="slidenum">
               <a:rPr lang="es-AR" altLang="es-AR" smtClean="0"/>
               <a:pPr/>
-              <a:t>‹Nº›</a:t>
+              <a:t>‹#›</a:t>
             </a:fld>
             <a:endParaRPr lang="es-AR" altLang="es-AR"/>
           </a:p>
@@ -3222,7 +3229,7 @@
               <a:pPr>
                 <a:defRPr/>
               </a:pPr>
-              <a:t>23/3/2023</a:t>
+              <a:t>27/03/2023</a:t>
             </a:fld>
             <a:endParaRPr lang="es-AR"/>
           </a:p>
@@ -3268,7 +3275,7 @@
             <a:fld id="{BE6A9779-67F1-4867-A584-55A69026F865}" type="slidenum">
               <a:rPr lang="es-AR" altLang="es-AR" smtClean="0"/>
               <a:pPr/>
-              <a:t>‹Nº›</a:t>
+              <a:t>‹#›</a:t>
             </a:fld>
             <a:endParaRPr lang="es-AR" altLang="es-AR"/>
           </a:p>
@@ -3327,7 +3334,7 @@
               <a:pPr>
                 <a:defRPr/>
               </a:pPr>
-              <a:t>23/3/2023</a:t>
+              <a:t>27/03/2023</a:t>
             </a:fld>
             <a:endParaRPr lang="es-AR"/>
           </a:p>
@@ -3373,7 +3380,7 @@
             <a:fld id="{BE6A9779-67F1-4867-A584-55A69026F865}" type="slidenum">
               <a:rPr lang="es-AR" altLang="es-AR" smtClean="0"/>
               <a:pPr/>
-              <a:t>‹Nº›</a:t>
+              <a:t>‹#›</a:t>
             </a:fld>
             <a:endParaRPr lang="es-AR" altLang="es-AR"/>
           </a:p>
@@ -3614,7 +3621,7 @@
               <a:pPr>
                 <a:defRPr/>
               </a:pPr>
-              <a:t>23/3/2023</a:t>
+              <a:t>27/03/2023</a:t>
             </a:fld>
             <a:endParaRPr lang="es-AR"/>
           </a:p>
@@ -3660,7 +3667,7 @@
             <a:fld id="{BE6A9779-67F1-4867-A584-55A69026F865}" type="slidenum">
               <a:rPr lang="es-AR" altLang="es-AR" smtClean="0"/>
               <a:pPr/>
-              <a:t>‹Nº›</a:t>
+              <a:t>‹#›</a:t>
             </a:fld>
             <a:endParaRPr lang="es-AR" altLang="es-AR"/>
           </a:p>
@@ -3794,7 +3801,7 @@
               <a:pPr>
                 <a:defRPr/>
               </a:pPr>
-              <a:t>23/3/2023</a:t>
+              <a:t>27/03/2023</a:t>
             </a:fld>
             <a:endParaRPr lang="es-AR"/>
           </a:p>
@@ -3840,7 +3847,7 @@
             <a:fld id="{BE6A9779-67F1-4867-A584-55A69026F865}" type="slidenum">
               <a:rPr lang="es-AR" altLang="es-AR" smtClean="0"/>
               <a:pPr/>
-              <a:t>‹Nº›</a:t>
+              <a:t>‹#›</a:t>
             </a:fld>
             <a:endParaRPr lang="es-AR" altLang="es-AR"/>
           </a:p>
@@ -4061,7 +4068,7 @@
               <a:pPr>
                 <a:defRPr/>
               </a:pPr>
-              <a:t>23/3/2023</a:t>
+              <a:t>27/03/2023</a:t>
             </a:fld>
             <a:endParaRPr lang="es-AR"/>
           </a:p>
@@ -4107,7 +4114,7 @@
             <a:fld id="{BE6A9779-67F1-4867-A584-55A69026F865}" type="slidenum">
               <a:rPr lang="es-AR" altLang="es-AR" smtClean="0"/>
               <a:pPr/>
-              <a:t>‹Nº›</a:t>
+              <a:t>‹#›</a:t>
             </a:fld>
             <a:endParaRPr lang="es-AR" altLang="es-AR"/>
           </a:p>
@@ -4241,7 +4248,7 @@
               <a:pPr>
                 <a:defRPr/>
               </a:pPr>
-              <a:t>23/3/2023</a:t>
+              <a:t>27/03/2023</a:t>
             </a:fld>
             <a:endParaRPr lang="es-AR"/>
           </a:p>
@@ -4287,7 +4294,7 @@
             <a:fld id="{BE6A9779-67F1-4867-A584-55A69026F865}" type="slidenum">
               <a:rPr lang="es-AR" altLang="es-AR" smtClean="0"/>
               <a:pPr/>
-              <a:t>‹Nº›</a:t>
+              <a:t>‹#›</a:t>
             </a:fld>
             <a:endParaRPr lang="es-AR" altLang="es-AR"/>
           </a:p>
@@ -4431,7 +4438,7 @@
               <a:pPr>
                 <a:defRPr/>
               </a:pPr>
-              <a:t>23/3/2023</a:t>
+              <a:t>27/03/2023</a:t>
             </a:fld>
             <a:endParaRPr lang="es-AR"/>
           </a:p>
@@ -4477,7 +4484,7 @@
             <a:fld id="{BE6A9779-67F1-4867-A584-55A69026F865}" type="slidenum">
               <a:rPr lang="es-AR" altLang="es-AR" smtClean="0"/>
               <a:pPr/>
-              <a:t>‹Nº›</a:t>
+              <a:t>‹#›</a:t>
             </a:fld>
             <a:endParaRPr lang="es-AR" altLang="es-AR"/>
           </a:p>
@@ -4728,7 +4735,7 @@
               <a:pPr>
                 <a:defRPr/>
               </a:pPr>
-              <a:t>23/3/2023</a:t>
+              <a:t>27/03/2023</a:t>
             </a:fld>
             <a:endParaRPr lang="es-AR"/>
           </a:p>
@@ -4774,7 +4781,7 @@
             <a:fld id="{BE6A9779-67F1-4867-A584-55A69026F865}" type="slidenum">
               <a:rPr lang="es-AR" altLang="es-AR" smtClean="0"/>
               <a:pPr/>
-              <a:t>‹Nº›</a:t>
+              <a:t>‹#›</a:t>
             </a:fld>
             <a:endParaRPr lang="es-AR" altLang="es-AR"/>
           </a:p>
@@ -4821,7 +4828,7 @@
     </p:spTree>
     <p:extLst>
       <p:ext uri="{BB962C8B-B14F-4D97-AF65-F5344CB8AC3E}">
-        <p14:creationId xmlns:p14="http://schemas.microsoft.com/office/powerpoint/2010/main" val="28783520"/>
+        <p14:creationId xmlns:p14="http://schemas.microsoft.com/office/powerpoint/2010/main" val="3033082554"/>
       </p:ext>
     </p:extLst>
   </p:cSld>
@@ -4946,7 +4953,7 @@
               <a:pPr>
                 <a:defRPr/>
               </a:pPr>
-              <a:t>23/3/2023</a:t>
+              <a:t>27/03/2023</a:t>
             </a:fld>
             <a:endParaRPr lang="es-AR"/>
           </a:p>
@@ -4992,7 +4999,7 @@
             <a:fld id="{BE6A9779-67F1-4867-A584-55A69026F865}" type="slidenum">
               <a:rPr lang="es-AR" altLang="es-AR" smtClean="0"/>
               <a:pPr/>
-              <a:t>‹Nº›</a:t>
+              <a:t>‹#›</a:t>
             </a:fld>
             <a:endParaRPr lang="es-AR" altLang="es-AR"/>
           </a:p>
@@ -5001,7 +5008,7 @@
     </p:spTree>
     <p:extLst>
       <p:ext uri="{BB962C8B-B14F-4D97-AF65-F5344CB8AC3E}">
-        <p14:creationId xmlns:p14="http://schemas.microsoft.com/office/powerpoint/2010/main" val="1012052855"/>
+        <p14:creationId xmlns:p14="http://schemas.microsoft.com/office/powerpoint/2010/main" val="1224164603"/>
       </p:ext>
     </p:extLst>
   </p:cSld>
@@ -5299,7 +5306,7 @@
               <a:pPr>
                 <a:defRPr/>
               </a:pPr>
-              <a:t>23/3/2023</a:t>
+              <a:t>27/03/2023</a:t>
             </a:fld>
             <a:endParaRPr lang="es-AR"/>
           </a:p>
@@ -5345,7 +5352,7 @@
             <a:fld id="{BE6A9779-67F1-4867-A584-55A69026F865}" type="slidenum">
               <a:rPr lang="es-AR" altLang="es-AR" smtClean="0"/>
               <a:pPr/>
-              <a:t>‹Nº›</a:t>
+              <a:t>‹#›</a:t>
             </a:fld>
             <a:endParaRPr lang="es-AR" altLang="es-AR"/>
           </a:p>
@@ -5392,7 +5399,7 @@
     </p:spTree>
     <p:extLst>
       <p:ext uri="{BB962C8B-B14F-4D97-AF65-F5344CB8AC3E}">
-        <p14:creationId xmlns:p14="http://schemas.microsoft.com/office/powerpoint/2010/main" val="2403245720"/>
+        <p14:creationId xmlns:p14="http://schemas.microsoft.com/office/powerpoint/2010/main" val="2058153077"/>
       </p:ext>
     </p:extLst>
   </p:cSld>
@@ -5584,7 +5591,7 @@
               <a:pPr>
                 <a:defRPr/>
               </a:pPr>
-              <a:t>23/3/2023</a:t>
+              <a:t>27/03/2023</a:t>
             </a:fld>
             <a:endParaRPr lang="es-AR"/>
           </a:p>
@@ -5630,7 +5637,7 @@
             <a:fld id="{BE6A9779-67F1-4867-A584-55A69026F865}" type="slidenum">
               <a:rPr lang="es-AR" altLang="es-AR" smtClean="0"/>
               <a:pPr/>
-              <a:t>‹Nº›</a:t>
+              <a:t>‹#›</a:t>
             </a:fld>
             <a:endParaRPr lang="es-AR" altLang="es-AR"/>
           </a:p>
@@ -5639,7 +5646,7 @@
     </p:spTree>
     <p:extLst>
       <p:ext uri="{BB962C8B-B14F-4D97-AF65-F5344CB8AC3E}">
-        <p14:creationId xmlns:p14="http://schemas.microsoft.com/office/powerpoint/2010/main" val="224843057"/>
+        <p14:creationId xmlns:p14="http://schemas.microsoft.com/office/powerpoint/2010/main" val="568988264"/>
       </p:ext>
     </p:extLst>
   </p:cSld>
@@ -5973,7 +5980,7 @@
               <a:pPr>
                 <a:defRPr/>
               </a:pPr>
-              <a:t>23/3/2023</a:t>
+              <a:t>27/03/2023</a:t>
             </a:fld>
             <a:endParaRPr lang="es-AR"/>
           </a:p>
@@ -6019,7 +6026,7 @@
             <a:fld id="{BE6A9779-67F1-4867-A584-55A69026F865}" type="slidenum">
               <a:rPr lang="es-AR" altLang="es-AR" smtClean="0"/>
               <a:pPr/>
-              <a:t>‹Nº›</a:t>
+              <a:t>‹#›</a:t>
             </a:fld>
             <a:endParaRPr lang="es-AR" altLang="es-AR"/>
           </a:p>
@@ -6028,7 +6035,7 @@
     </p:spTree>
     <p:extLst>
       <p:ext uri="{BB962C8B-B14F-4D97-AF65-F5344CB8AC3E}">
-        <p14:creationId xmlns:p14="http://schemas.microsoft.com/office/powerpoint/2010/main" val="303256490"/>
+        <p14:creationId xmlns:p14="http://schemas.microsoft.com/office/powerpoint/2010/main" val="3274344587"/>
       </p:ext>
     </p:extLst>
   </p:cSld>
@@ -6101,7 +6108,7 @@
               <a:pPr>
                 <a:defRPr/>
               </a:pPr>
-              <a:t>23/3/2023</a:t>
+              <a:t>27/03/2023</a:t>
             </a:fld>
             <a:endParaRPr lang="es-AR"/>
           </a:p>
@@ -6147,7 +6154,7 @@
             <a:fld id="{BE6A9779-67F1-4867-A584-55A69026F865}" type="slidenum">
               <a:rPr lang="es-AR" altLang="es-AR" smtClean="0"/>
               <a:pPr/>
-              <a:t>‹Nº›</a:t>
+              <a:t>‹#›</a:t>
             </a:fld>
             <a:endParaRPr lang="es-AR" altLang="es-AR"/>
           </a:p>
@@ -6156,7 +6163,7 @@
     </p:spTree>
     <p:extLst>
       <p:ext uri="{BB962C8B-B14F-4D97-AF65-F5344CB8AC3E}">
-        <p14:creationId xmlns:p14="http://schemas.microsoft.com/office/powerpoint/2010/main" val="3725957231"/>
+        <p14:creationId xmlns:p14="http://schemas.microsoft.com/office/powerpoint/2010/main" val="623959042"/>
       </p:ext>
     </p:extLst>
   </p:cSld>
@@ -6282,7 +6289,7 @@
               <a:pPr>
                 <a:defRPr/>
               </a:pPr>
-              <a:t>23/3/2023</a:t>
+              <a:t>27/03/2023</a:t>
             </a:fld>
             <a:endParaRPr lang="es-AR"/>
           </a:p>
@@ -6336,22 +6343,81 @@
             <a:fld id="{BE6A9779-67F1-4867-A584-55A69026F865}" type="slidenum">
               <a:rPr lang="es-AR" altLang="es-AR" smtClean="0"/>
               <a:pPr/>
-              <a:t>‹Nº›</a:t>
+              <a:t>‹#›</a:t>
             </a:fld>
             <a:endParaRPr lang="es-AR" altLang="es-AR"/>
+          </a:p>
+        </p:txBody>
+      </p:sp>
+      <p:sp>
+        <p:nvSpPr>
+          <p:cNvPr id="2" name="TextBox 1"/>
+          <p:cNvSpPr txBox="1"/>
+          <p:nvPr userDrawn="1"/>
+        </p:nvSpPr>
+        <p:spPr>
+          <a:xfrm rot="20049298">
+            <a:off x="1551754" y="3085722"/>
+            <a:ext cx="5848139" cy="523220"/>
+          </a:xfrm>
+          <a:prstGeom prst="rect">
+            <a:avLst/>
+          </a:prstGeom>
+          <a:noFill/>
+        </p:spPr>
+        <p:txBody>
+          <a:bodyPr wrap="none" rtlCol="0">
+            <a:spAutoFit/>
+          </a:bodyPr>
+          <a:lstStyle/>
+          <a:p>
+            <a:r>
+              <a:rPr lang="es-AR" sz="2800" dirty="0" smtClean="0">
+                <a:solidFill>
+                  <a:schemeClr val="bg1">
+                    <a:lumMod val="85000"/>
+                  </a:schemeClr>
+                </a:solidFill>
+              </a:rPr>
+              <a:t>GOIJMAN, SERAFINI,</a:t>
+            </a:r>
+            <a:r>
+              <a:rPr lang="es-AR" sz="2800" baseline="0" dirty="0" smtClean="0">
+                <a:solidFill>
+                  <a:schemeClr val="bg1">
+                    <a:lumMod val="85000"/>
+                  </a:schemeClr>
+                </a:solidFill>
+              </a:rPr>
+              <a:t> CONTRERAS 2023</a:t>
+            </a:r>
+            <a:endParaRPr lang="es-ES" sz="2800" dirty="0">
+              <a:solidFill>
+                <a:schemeClr val="bg1">
+                  <a:lumMod val="85000"/>
+                </a:schemeClr>
+              </a:solidFill>
+            </a:endParaRPr>
           </a:p>
         </p:txBody>
       </p:sp>
     </p:spTree>
     <p:extLst>
       <p:ext uri="{BB962C8B-B14F-4D97-AF65-F5344CB8AC3E}">
-        <p14:creationId xmlns:p14="http://schemas.microsoft.com/office/powerpoint/2010/main" val="2186034424"/>
+        <p14:creationId xmlns:p14="http://schemas.microsoft.com/office/powerpoint/2010/main" val="1470963633"/>
       </p:ext>
     </p:extLst>
   </p:cSld>
   <p:clrMapOvr>
     <a:masterClrMapping/>
   </p:clrMapOvr>
+  <p:timing>
+    <p:tnLst>
+      <p:par>
+        <p:cTn id="1" dur="indefinite" restart="never" nodeType="tmRoot"/>
+      </p:par>
+    </p:tnLst>
+  </p:timing>
 </p:sldLayout>
 </file>
 
@@ -6546,7 +6612,7 @@
               <a:pPr>
                 <a:defRPr/>
               </a:pPr>
-              <a:t>23/3/2023</a:t>
+              <a:t>27/03/2023</a:t>
             </a:fld>
             <a:endParaRPr lang="es-AR"/>
           </a:p>
@@ -6592,7 +6658,7 @@
             <a:fld id="{BE6A9779-67F1-4867-A584-55A69026F865}" type="slidenum">
               <a:rPr lang="es-AR" altLang="es-AR" smtClean="0"/>
               <a:pPr/>
-              <a:t>‹Nº›</a:t>
+              <a:t>‹#›</a:t>
             </a:fld>
             <a:endParaRPr lang="es-AR" altLang="es-AR"/>
           </a:p>
@@ -6902,7 +6968,7 @@
               <a:pPr>
                 <a:defRPr/>
               </a:pPr>
-              <a:t>23/3/2023</a:t>
+              <a:t>27/03/2023</a:t>
             </a:fld>
             <a:endParaRPr lang="es-AR"/>
           </a:p>
@@ -6969,7 +7035,7 @@
             <a:fld id="{BE6A9779-67F1-4867-A584-55A69026F865}" type="slidenum">
               <a:rPr lang="es-AR" altLang="es-AR" smtClean="0"/>
               <a:pPr/>
-              <a:t>‹Nº›</a:t>
+              <a:t>‹#›</a:t>
             </a:fld>
             <a:endParaRPr lang="es-AR" altLang="es-AR"/>
           </a:p>
@@ -6978,7 +7044,7 @@
     </p:spTree>
     <p:extLst>
       <p:ext uri="{BB962C8B-B14F-4D97-AF65-F5344CB8AC3E}">
-        <p14:creationId xmlns:p14="http://schemas.microsoft.com/office/powerpoint/2010/main" val="521114187"/>
+        <p14:creationId xmlns:p14="http://schemas.microsoft.com/office/powerpoint/2010/main" val="809773531"/>
       </p:ext>
     </p:extLst>
   </p:cSld>
@@ -7289,7 +7355,7 @@
               <a:pPr>
                 <a:defRPr/>
               </a:pPr>
-              <a:t>23/3/2023</a:t>
+              <a:t>27/03/2023</a:t>
             </a:fld>
             <a:endParaRPr lang="es-AR"/>
           </a:p>
@@ -7335,7 +7401,7 @@
             <a:fld id="{BE6A9779-67F1-4867-A584-55A69026F865}" type="slidenum">
               <a:rPr lang="es-AR" altLang="es-AR" smtClean="0"/>
               <a:pPr/>
-              <a:t>‹Nº›</a:t>
+              <a:t>‹#›</a:t>
             </a:fld>
             <a:endParaRPr lang="es-AR" altLang="es-AR"/>
           </a:p>
@@ -7344,7 +7410,7 @@
     </p:spTree>
     <p:extLst>
       <p:ext uri="{BB962C8B-B14F-4D97-AF65-F5344CB8AC3E}">
-        <p14:creationId xmlns:p14="http://schemas.microsoft.com/office/powerpoint/2010/main" val="3929037432"/>
+        <p14:creationId xmlns:p14="http://schemas.microsoft.com/office/powerpoint/2010/main" val="848666400"/>
       </p:ext>
     </p:extLst>
   </p:cSld>
@@ -7469,7 +7535,7 @@
               <a:pPr>
                 <a:defRPr/>
               </a:pPr>
-              <a:t>23/3/2023</a:t>
+              <a:t>27/03/2023</a:t>
             </a:fld>
             <a:endParaRPr lang="es-AR"/>
           </a:p>
@@ -7515,7 +7581,7 @@
             <a:fld id="{BE6A9779-67F1-4867-A584-55A69026F865}" type="slidenum">
               <a:rPr lang="es-AR" altLang="es-AR" smtClean="0"/>
               <a:pPr/>
-              <a:t>‹Nº›</a:t>
+              <a:t>‹#›</a:t>
             </a:fld>
             <a:endParaRPr lang="es-AR" altLang="es-AR"/>
           </a:p>
@@ -7524,7 +7590,7 @@
     </p:spTree>
     <p:extLst>
       <p:ext uri="{BB962C8B-B14F-4D97-AF65-F5344CB8AC3E}">
-        <p14:creationId xmlns:p14="http://schemas.microsoft.com/office/powerpoint/2010/main" val="4194619438"/>
+        <p14:creationId xmlns:p14="http://schemas.microsoft.com/office/powerpoint/2010/main" val="1986649017"/>
       </p:ext>
     </p:extLst>
   </p:cSld>
@@ -7735,7 +7801,7 @@
               <a:pPr>
                 <a:defRPr/>
               </a:pPr>
-              <a:t>23/3/2023</a:t>
+              <a:t>27/03/2023</a:t>
             </a:fld>
             <a:endParaRPr lang="es-AR"/>
           </a:p>
@@ -7781,7 +7847,7 @@
             <a:fld id="{BE6A9779-67F1-4867-A584-55A69026F865}" type="slidenum">
               <a:rPr lang="es-AR" altLang="es-AR" smtClean="0"/>
               <a:pPr/>
-              <a:t>‹Nº›</a:t>
+              <a:t>‹#›</a:t>
             </a:fld>
             <a:endParaRPr lang="es-AR" altLang="es-AR"/>
           </a:p>
@@ -7790,7 +7856,7 @@
     </p:spTree>
     <p:extLst>
       <p:ext uri="{BB962C8B-B14F-4D97-AF65-F5344CB8AC3E}">
-        <p14:creationId xmlns:p14="http://schemas.microsoft.com/office/powerpoint/2010/main" val="314444185"/>
+        <p14:creationId xmlns:p14="http://schemas.microsoft.com/office/powerpoint/2010/main" val="2700961326"/>
       </p:ext>
     </p:extLst>
   </p:cSld>
@@ -8033,7 +8099,7 @@
               <a:pPr>
                 <a:defRPr/>
               </a:pPr>
-              <a:t>23/3/2023</a:t>
+              <a:t>27/03/2023</a:t>
             </a:fld>
             <a:endParaRPr lang="es-AR"/>
           </a:p>
@@ -8079,7 +8145,7 @@
             <a:fld id="{BE6A9779-67F1-4867-A584-55A69026F865}" type="slidenum">
               <a:rPr lang="es-AR" altLang="es-AR" smtClean="0"/>
               <a:pPr/>
-              <a:t>‹Nº›</a:t>
+              <a:t>‹#›</a:t>
             </a:fld>
             <a:endParaRPr lang="es-AR" altLang="es-AR"/>
           </a:p>
@@ -8465,7 +8531,7 @@
               <a:pPr>
                 <a:defRPr/>
               </a:pPr>
-              <a:t>23/3/2023</a:t>
+              <a:t>27/03/2023</a:t>
             </a:fld>
             <a:endParaRPr lang="es-AR"/>
           </a:p>
@@ -8511,7 +8577,7 @@
             <a:fld id="{BE6A9779-67F1-4867-A584-55A69026F865}" type="slidenum">
               <a:rPr lang="es-AR" altLang="es-AR" smtClean="0"/>
               <a:pPr/>
-              <a:t>‹Nº›</a:t>
+              <a:t>‹#›</a:t>
             </a:fld>
             <a:endParaRPr lang="es-AR" altLang="es-AR"/>
           </a:p>
@@ -8593,7 +8659,7 @@
               <a:pPr>
                 <a:defRPr/>
               </a:pPr>
-              <a:t>23/3/2023</a:t>
+              <a:t>27/03/2023</a:t>
             </a:fld>
             <a:endParaRPr lang="es-AR"/>
           </a:p>
@@ -8639,7 +8705,7 @@
             <a:fld id="{BE6A9779-67F1-4867-A584-55A69026F865}" type="slidenum">
               <a:rPr lang="es-AR" altLang="es-AR" smtClean="0"/>
               <a:pPr/>
-              <a:t>‹Nº›</a:t>
+              <a:t>‹#›</a:t>
             </a:fld>
             <a:endParaRPr lang="es-AR" altLang="es-AR"/>
           </a:p>
@@ -8698,7 +8764,7 @@
               <a:pPr>
                 <a:defRPr/>
               </a:pPr>
-              <a:t>23/3/2023</a:t>
+              <a:t>27/03/2023</a:t>
             </a:fld>
             <a:endParaRPr lang="es-AR"/>
           </a:p>
@@ -8744,7 +8810,7 @@
             <a:fld id="{BE6A9779-67F1-4867-A584-55A69026F865}" type="slidenum">
               <a:rPr lang="es-AR" altLang="es-AR" smtClean="0"/>
               <a:pPr/>
-              <a:t>‹Nº›</a:t>
+              <a:t>‹#›</a:t>
             </a:fld>
             <a:endParaRPr lang="es-AR" altLang="es-AR"/>
           </a:p>
@@ -8985,7 +9051,7 @@
               <a:pPr>
                 <a:defRPr/>
               </a:pPr>
-              <a:t>23/3/2023</a:t>
+              <a:t>27/03/2023</a:t>
             </a:fld>
             <a:endParaRPr lang="es-AR"/>
           </a:p>
@@ -9031,7 +9097,7 @@
             <a:fld id="{BE6A9779-67F1-4867-A584-55A69026F865}" type="slidenum">
               <a:rPr lang="es-AR" altLang="es-AR" smtClean="0"/>
               <a:pPr/>
-              <a:t>‹Nº›</a:t>
+              <a:t>‹#›</a:t>
             </a:fld>
             <a:endParaRPr lang="es-AR" altLang="es-AR"/>
           </a:p>
@@ -9252,7 +9318,7 @@
               <a:pPr>
                 <a:defRPr/>
               </a:pPr>
-              <a:t>23/3/2023</a:t>
+              <a:t>27/03/2023</a:t>
             </a:fld>
             <a:endParaRPr lang="es-AR"/>
           </a:p>
@@ -9298,7 +9364,7 @@
             <a:fld id="{BE6A9779-67F1-4867-A584-55A69026F865}" type="slidenum">
               <a:rPr lang="es-AR" altLang="es-AR" smtClean="0"/>
               <a:pPr/>
-              <a:t>‹Nº›</a:t>
+              <a:t>‹#›</a:t>
             </a:fld>
             <a:endParaRPr lang="es-AR" altLang="es-AR"/>
           </a:p>
@@ -9322,9 +9388,15 @@
   <p:cSld>
     <p:bg>
       <p:bgPr>
-        <a:solidFill>
-          <a:schemeClr val="bg1"/>
-        </a:solidFill>
+        <a:blipFill dpi="0" rotWithShape="1">
+          <a:blip r:embed="rId13">
+            <a:lum/>
+          </a:blip>
+          <a:srcRect/>
+          <a:stretch>
+            <a:fillRect/>
+          </a:stretch>
+        </a:blipFill>
         <a:effectLst/>
       </p:bgPr>
     </p:bg>
@@ -9478,7 +9550,7 @@
               <a:pPr>
                 <a:defRPr/>
               </a:pPr>
-              <a:t>23/3/2023</a:t>
+              <a:t>27/03/2023</a:t>
             </a:fld>
             <a:endParaRPr lang="es-AR"/>
           </a:p>
@@ -9560,7 +9632,7 @@
             <a:fld id="{BE6A9779-67F1-4867-A584-55A69026F865}" type="slidenum">
               <a:rPr lang="es-AR" altLang="es-AR" smtClean="0"/>
               <a:pPr/>
-              <a:t>‹Nº›</a:t>
+              <a:t>‹#›</a:t>
             </a:fld>
             <a:endParaRPr lang="es-AR" altLang="es-AR"/>
           </a:p>
@@ -9587,6 +9659,13 @@
     <p:sldLayoutId id="2147484450" r:id="rId10"/>
     <p:sldLayoutId id="2147484451" r:id="rId11"/>
   </p:sldLayoutIdLst>
+  <p:timing>
+    <p:tnLst>
+      <p:par>
+        <p:cTn id="1" dur="indefinite" restart="never" nodeType="tmRoot"/>
+      </p:par>
+    </p:tnLst>
+  </p:timing>
   <p:txStyles>
     <p:titleStyle>
       <a:lvl1pPr algn="ctr" defTabSz="914400" rtl="0" eaLnBrk="1" latinLnBrk="0" hangingPunct="1">
@@ -9845,9 +9924,15 @@
   <p:cSld>
     <p:bg>
       <p:bgPr>
-        <a:solidFill>
-          <a:schemeClr val="bg1"/>
-        </a:solidFill>
+        <a:blipFill dpi="0" rotWithShape="1">
+          <a:blip r:embed="rId13">
+            <a:lum/>
+          </a:blip>
+          <a:srcRect/>
+          <a:stretch>
+            <a:fillRect/>
+          </a:stretch>
+        </a:blipFill>
         <a:effectLst/>
       </p:bgPr>
     </p:bg>
@@ -10001,7 +10086,7 @@
               <a:pPr>
                 <a:defRPr/>
               </a:pPr>
-              <a:t>23/3/2023</a:t>
+              <a:t>27/03/2023</a:t>
             </a:fld>
             <a:endParaRPr lang="es-AR"/>
           </a:p>
@@ -10083,7 +10168,7 @@
             <a:fld id="{BE6A9779-67F1-4867-A584-55A69026F865}" type="slidenum">
               <a:rPr lang="es-AR" altLang="es-AR" smtClean="0"/>
               <a:pPr/>
-              <a:t>‹Nº›</a:t>
+              <a:t>‹#›</a:t>
             </a:fld>
             <a:endParaRPr lang="es-AR" altLang="es-AR"/>
           </a:p>
@@ -10595,7 +10680,7 @@
               <a:pPr>
                 <a:defRPr/>
               </a:pPr>
-              <a:t>23/3/2023</a:t>
+              <a:t>27/03/2023</a:t>
             </a:fld>
             <a:endParaRPr lang="es-AR"/>
           </a:p>
@@ -10673,7 +10758,7 @@
             <a:fld id="{BE6A9779-67F1-4867-A584-55A69026F865}" type="slidenum">
               <a:rPr lang="es-AR" altLang="es-AR" smtClean="0"/>
               <a:pPr/>
-              <a:t>‹Nº›</a:t>
+              <a:t>‹#›</a:t>
             </a:fld>
             <a:endParaRPr lang="es-AR" altLang="es-AR"/>
           </a:p>
@@ -10720,24 +10805,31 @@
     </p:spTree>
     <p:extLst>
       <p:ext uri="{BB962C8B-B14F-4D97-AF65-F5344CB8AC3E}">
-        <p14:creationId xmlns:p14="http://schemas.microsoft.com/office/powerpoint/2010/main" val="2943751760"/>
+        <p14:creationId xmlns:p14="http://schemas.microsoft.com/office/powerpoint/2010/main" val="3755424731"/>
       </p:ext>
     </p:extLst>
   </p:cSld>
   <p:clrMap bg1="lt1" tx1="dk1" bg2="lt2" tx2="dk2" accent1="accent1" accent2="accent2" accent3="accent3" accent4="accent4" accent5="accent5" accent6="accent6" hlink="hlink" folHlink="folHlink"/>
   <p:sldLayoutIdLst>
-    <p:sldLayoutId id="2147484537" r:id="rId1"/>
-    <p:sldLayoutId id="2147484538" r:id="rId2"/>
-    <p:sldLayoutId id="2147484539" r:id="rId3"/>
-    <p:sldLayoutId id="2147484540" r:id="rId4"/>
-    <p:sldLayoutId id="2147484541" r:id="rId5"/>
-    <p:sldLayoutId id="2147484542" r:id="rId6"/>
-    <p:sldLayoutId id="2147484543" r:id="rId7"/>
-    <p:sldLayoutId id="2147484544" r:id="rId8"/>
-    <p:sldLayoutId id="2147484545" r:id="rId9"/>
-    <p:sldLayoutId id="2147484546" r:id="rId10"/>
-    <p:sldLayoutId id="2147484547" r:id="rId11"/>
+    <p:sldLayoutId id="2147484549" r:id="rId1"/>
+    <p:sldLayoutId id="2147484550" r:id="rId2"/>
+    <p:sldLayoutId id="2147484551" r:id="rId3"/>
+    <p:sldLayoutId id="2147484552" r:id="rId4"/>
+    <p:sldLayoutId id="2147484553" r:id="rId5"/>
+    <p:sldLayoutId id="2147484554" r:id="rId6"/>
+    <p:sldLayoutId id="2147484555" r:id="rId7"/>
+    <p:sldLayoutId id="2147484556" r:id="rId8"/>
+    <p:sldLayoutId id="2147484557" r:id="rId9"/>
+    <p:sldLayoutId id="2147484558" r:id="rId10"/>
+    <p:sldLayoutId id="2147484559" r:id="rId11"/>
   </p:sldLayoutIdLst>
+  <p:timing>
+    <p:tnLst>
+      <p:par>
+        <p:cTn id="1" dur="indefinite" restart="never" nodeType="tmRoot"/>
+      </p:par>
+    </p:tnLst>
+  </p:timing>
   <p:txStyles>
     <p:titleStyle>
       <a:lvl1pPr algn="l" defTabSz="914400" rtl="0" eaLnBrk="1" latinLnBrk="0" hangingPunct="1">
@@ -11923,8 +12015,8 @@
           </a:p>
         </p:txBody>
       </p:sp>
-      <mc:AlternateContent xmlns:mc="http://schemas.openxmlformats.org/markup-compatibility/2006">
-        <mc:Choice xmlns:a14="http://schemas.microsoft.com/office/drawing/2010/main" Requires="a14">
+      <mc:AlternateContent xmlns:mc="http://schemas.openxmlformats.org/markup-compatibility/2006" xmlns:a14="http://schemas.microsoft.com/office/drawing/2010/main">
+        <mc:Choice Requires="a14">
           <p:sp>
             <p:nvSpPr>
               <p:cNvPr id="15" name="Rectángulo 14"/>
@@ -12299,7 +12391,7 @@
             </p:txBody>
           </p:sp>
         </mc:Choice>
-        <mc:Fallback>
+        <mc:Fallback xmlns="">
           <p:sp>
             <p:nvSpPr>
               <p:cNvPr id="15" name="Rectángulo 14"/>
@@ -12427,8 +12519,8 @@
           </a:p>
         </p:txBody>
       </p:sp>
-      <mc:AlternateContent xmlns:mc="http://schemas.openxmlformats.org/markup-compatibility/2006">
-        <mc:Choice xmlns:a14="http://schemas.microsoft.com/office/drawing/2010/main" Requires="a14">
+      <mc:AlternateContent xmlns:mc="http://schemas.openxmlformats.org/markup-compatibility/2006" xmlns:a14="http://schemas.microsoft.com/office/drawing/2010/main">
+        <mc:Choice Requires="a14">
           <p:sp>
             <p:nvSpPr>
               <p:cNvPr id="4" name="Rectángulo 3"/>
@@ -12455,11 +12547,11 @@
                     <m:sSub>
                       <m:sSubPr>
                         <m:ctrlPr>
-                          <a:rPr lang="es-ES">
+                          <a:rPr lang="es-ES" i="1">
                             <a:solidFill>
                               <a:srgbClr val="636382"/>
                             </a:solidFill>
-                            <a:latin typeface="Gill Sans MT" panose="020B0502020104020203" pitchFamily="34" charset="0"/>
+                            <a:latin typeface="Cambria Math" panose="02040503050406030204" pitchFamily="18" charset="0"/>
                           </a:rPr>
                         </m:ctrlPr>
                       </m:sSubPr>
@@ -12486,7 +12578,7 @@
                             <a:solidFill>
                               <a:srgbClr val="636382"/>
                             </a:solidFill>
-                            <a:latin typeface="Gill Sans MT" panose="020B0502020104020203" pitchFamily="34" charset="0"/>
+                            <a:latin typeface="Cambria Math" panose="02040503050406030204" pitchFamily="18" charset="0"/>
                           </a:rPr>
                           <m:t>i</m:t>
                         </m:r>
@@ -12501,25 +12593,7 @@
                     </a:solidFill>
                     <a:latin typeface="Gill Sans MT" panose="020B0502020104020203" pitchFamily="34" charset="0"/>
                   </a:rPr>
-                  <a:t> es el </a:t>
-                </a:r>
-                <a:r>
-                  <a:rPr lang="es-ES" dirty="0">
-                    <a:solidFill>
-                      <a:srgbClr val="636382"/>
-                    </a:solidFill>
-                    <a:latin typeface="Gill Sans MT" panose="020B0502020104020203" pitchFamily="34" charset="0"/>
-                  </a:rPr>
-                  <a:t>conteo </a:t>
-                </a:r>
-                <a:r>
-                  <a:rPr lang="es-ES" dirty="0">
-                    <a:solidFill>
-                      <a:srgbClr val="636382"/>
-                    </a:solidFill>
-                    <a:latin typeface="Gill Sans MT" panose="020B0502020104020203" pitchFamily="34" charset="0"/>
-                  </a:rPr>
-                  <a:t>esperado </a:t>
+                  <a:t> es el conteo esperado </a:t>
                 </a:r>
                 <a:endParaRPr lang="es-ES" dirty="0" smtClean="0">
                   <a:solidFill>
@@ -12547,17 +12621,11 @@
                   </a:rPr>
                   <a:t>respuesta media)</a:t>
                 </a:r>
-                <a:endParaRPr lang="es-ES" dirty="0">
-                  <a:solidFill>
-                    <a:srgbClr val="636382"/>
-                  </a:solidFill>
-                  <a:latin typeface="Gill Sans MT" panose="020B0502020104020203" pitchFamily="34" charset="0"/>
-                </a:endParaRPr>
               </a:p>
             </p:txBody>
           </p:sp>
         </mc:Choice>
-        <mc:Fallback>
+        <mc:Fallback xmlns="">
           <p:sp>
             <p:nvSpPr>
               <p:cNvPr id="4" name="Rectángulo 3"/>
@@ -12735,8 +12803,8 @@
           </a:p>
         </p:txBody>
       </p:sp>
-      <mc:AlternateContent xmlns:mc="http://schemas.openxmlformats.org/markup-compatibility/2006">
-        <mc:Choice xmlns:a14="http://schemas.microsoft.com/office/drawing/2010/main" Requires="a14">
+      <mc:AlternateContent xmlns:mc="http://schemas.openxmlformats.org/markup-compatibility/2006" xmlns:a14="http://schemas.microsoft.com/office/drawing/2010/main">
+        <mc:Choice Requires="a14">
           <p:sp>
             <p:nvSpPr>
               <p:cNvPr id="14" name="Rectángulo 13"/>
@@ -13383,17 +13451,11 @@
                   </a:rPr>
                   <a:t> </a:t>
                 </a:r>
-                <a:endParaRPr lang="en-US" sz="2400" dirty="0" smtClean="0">
-                  <a:solidFill>
-                    <a:srgbClr val="636382"/>
-                  </a:solidFill>
-                  <a:latin typeface="Gill Sans MT" panose="020B0502020104020203" pitchFamily="34" charset="0"/>
-                </a:endParaRPr>
               </a:p>
             </p:txBody>
           </p:sp>
         </mc:Choice>
-        <mc:Fallback>
+        <mc:Fallback xmlns="">
           <p:sp>
             <p:nvSpPr>
               <p:cNvPr id="14" name="Rectángulo 13"/>
@@ -13521,8 +13583,8 @@
           </a:p>
         </p:txBody>
       </p:sp>
-      <mc:AlternateContent xmlns:mc="http://schemas.openxmlformats.org/markup-compatibility/2006">
-        <mc:Choice xmlns:a14="http://schemas.microsoft.com/office/drawing/2010/main" Requires="a14">
+      <mc:AlternateContent xmlns:mc="http://schemas.openxmlformats.org/markup-compatibility/2006" xmlns:a14="http://schemas.microsoft.com/office/drawing/2010/main">
+        <mc:Choice Requires="a14">
           <p:sp>
             <p:nvSpPr>
               <p:cNvPr id="19" name="Rectángulo 18"/>
@@ -13549,11 +13611,11 @@
                     <m:sSub>
                       <m:sSubPr>
                         <m:ctrlPr>
-                          <a:rPr lang="es-ES" smtClean="0">
+                          <a:rPr lang="es-ES" i="1" smtClean="0">
                             <a:solidFill>
                               <a:srgbClr val="636382"/>
                             </a:solidFill>
-                            <a:latin typeface="Gill Sans MT" panose="020B0502020104020203" pitchFamily="34" charset="0"/>
+                            <a:latin typeface="Cambria Math" panose="02040503050406030204" pitchFamily="18" charset="0"/>
                           </a:rPr>
                         </m:ctrlPr>
                       </m:sSubPr>
@@ -13580,7 +13642,7 @@
                             <a:solidFill>
                               <a:srgbClr val="636382"/>
                             </a:solidFill>
-                            <a:latin typeface="Gill Sans MT" panose="020B0502020104020203" pitchFamily="34" charset="0"/>
+                            <a:latin typeface="Cambria Math" panose="02040503050406030204" pitchFamily="18" charset="0"/>
                           </a:rPr>
                           <m:t>i</m:t>
                         </m:r>
@@ -13635,17 +13697,11 @@
                   </a:rPr>
                   <a:t>probabilidad de éxito</a:t>
                 </a:r>
-                <a:endParaRPr lang="es-ES" dirty="0">
-                  <a:solidFill>
-                    <a:srgbClr val="636382"/>
-                  </a:solidFill>
-                  <a:latin typeface="Gill Sans MT" panose="020B0502020104020203" pitchFamily="34" charset="0"/>
-                </a:endParaRPr>
               </a:p>
             </p:txBody>
           </p:sp>
         </mc:Choice>
-        <mc:Fallback>
+        <mc:Fallback xmlns="">
           <p:sp>
             <p:nvSpPr>
               <p:cNvPr id="19" name="Rectángulo 18"/>
@@ -18520,6 +18576,13 @@
   <p:clrMapOvr>
     <a:masterClrMapping/>
   </p:clrMapOvr>
+  <p:timing>
+    <p:tnLst>
+      <p:par>
+        <p:cTn id="1" dur="indefinite" restart="never" nodeType="tmRoot"/>
+      </p:par>
+    </p:tnLst>
+  </p:timing>
 </p:sld>
 </file>
 
@@ -20062,12 +20125,6 @@
               </a:rPr>
               <a:t>Hasta ahora asumimos una distribución normal para la parte aleatoria de la respuesta  </a:t>
             </a:r>
-            <a:endParaRPr lang="es-ES" sz="2400" dirty="0" smtClean="0">
-              <a:solidFill>
-                <a:srgbClr val="636382"/>
-              </a:solidFill>
-              <a:latin typeface="Gill Sans MT" panose="020B0502020104020203" pitchFamily="34" charset="0"/>
-            </a:endParaRPr>
           </a:p>
           <a:p>
             <a:pPr marL="342900" indent="-342900" fontAlgn="auto">
@@ -20843,8 +20900,8 @@
           </a:p>
         </p:txBody>
       </p:sp>
-      <mc:AlternateContent xmlns:mc="http://schemas.openxmlformats.org/markup-compatibility/2006">
-        <mc:Choice xmlns:a14="http://schemas.microsoft.com/office/drawing/2010/main" Requires="a14">
+      <mc:AlternateContent xmlns:mc="http://schemas.openxmlformats.org/markup-compatibility/2006" xmlns:a14="http://schemas.microsoft.com/office/drawing/2010/main">
+        <mc:Choice Requires="a14">
           <p:sp>
             <p:nvSpPr>
               <p:cNvPr id="15" name="Rectángulo 14"/>
@@ -21208,7 +21265,7 @@
             </p:txBody>
           </p:sp>
         </mc:Choice>
-        <mc:Fallback>
+        <mc:Fallback xmlns="">
           <p:sp>
             <p:nvSpPr>
               <p:cNvPr id="15" name="Rectángulo 14"/>

--- a/ppt/Modulo 4_Ocupacion2023.pptx
+++ b/ppt/Modulo 4_Ocupacion2023.pptx
@@ -6375,7 +6375,7 @@
               <a:rPr lang="es-AR" sz="2800" dirty="0" smtClean="0">
                 <a:solidFill>
                   <a:schemeClr val="bg1">
-                    <a:lumMod val="85000"/>
+                    <a:lumMod val="95000"/>
                   </a:schemeClr>
                 </a:solidFill>
               </a:rPr>
@@ -6385,7 +6385,7 @@
               <a:rPr lang="es-AR" sz="2800" baseline="0" dirty="0" smtClean="0">
                 <a:solidFill>
                   <a:schemeClr val="bg1">
-                    <a:lumMod val="85000"/>
+                    <a:lumMod val="95000"/>
                   </a:schemeClr>
                 </a:solidFill>
               </a:rPr>
@@ -6394,7 +6394,7 @@
             <a:endParaRPr lang="es-ES" sz="2800" dirty="0">
               <a:solidFill>
                 <a:schemeClr val="bg1">
-                  <a:lumMod val="85000"/>
+                  <a:lumMod val="95000"/>
                 </a:schemeClr>
               </a:solidFill>
             </a:endParaRPr>

--- a/ppt/Modulo 4_Ocupacion2023.pptx
+++ b/ppt/Modulo 4_Ocupacion2023.pptx
@@ -7,7 +7,7 @@
     <p:sldMasterId id="2147484548" r:id="rId3"/>
   </p:sldMasterIdLst>
   <p:notesMasterIdLst>
-    <p:notesMasterId r:id="rId17"/>
+    <p:notesMasterId r:id="rId27"/>
   </p:notesMasterIdLst>
   <p:sldIdLst>
     <p:sldId id="281" r:id="rId4"/>
@@ -21,8 +21,18 @@
     <p:sldId id="293" r:id="rId12"/>
     <p:sldId id="295" r:id="rId13"/>
     <p:sldId id="294" r:id="rId14"/>
-    <p:sldId id="285" r:id="rId15"/>
-    <p:sldId id="287" r:id="rId16"/>
+    <p:sldId id="296" r:id="rId15"/>
+    <p:sldId id="298" r:id="rId16"/>
+    <p:sldId id="297" r:id="rId17"/>
+    <p:sldId id="285" r:id="rId18"/>
+    <p:sldId id="301" r:id="rId19"/>
+    <p:sldId id="300" r:id="rId20"/>
+    <p:sldId id="302" r:id="rId21"/>
+    <p:sldId id="303" r:id="rId22"/>
+    <p:sldId id="304" r:id="rId23"/>
+    <p:sldId id="305" r:id="rId24"/>
+    <p:sldId id="306" r:id="rId25"/>
+    <p:sldId id="287" r:id="rId26"/>
   </p:sldIdLst>
   <p:sldSz cx="9144000" cy="6858000" type="screen4x3"/>
   <p:notesSz cx="7315200" cy="9601200"/>
@@ -1015,7 +1025,7 @@
             <a:fld id="{0A37165C-6ECF-4EEF-943C-C2B6859891A8}" type="slidenum">
               <a:rPr lang="es-ES" altLang="es-AR" smtClean="0"/>
               <a:pPr/>
-              <a:t>12</a:t>
+              <a:t>15</a:t>
             </a:fld>
             <a:endParaRPr lang="es-ES" altLang="es-AR"/>
           </a:p>
@@ -1100,7 +1110,7 @@
             <a:fld id="{0A37165C-6ECF-4EEF-943C-C2B6859891A8}" type="slidenum">
               <a:rPr lang="es-ES" altLang="es-AR" smtClean="0"/>
               <a:pPr/>
-              <a:t>13</a:t>
+              <a:t>23</a:t>
             </a:fld>
             <a:endParaRPr lang="es-ES" altLang="es-AR"/>
           </a:p>
@@ -6374,8 +6384,9 @@
             <a:r>
               <a:rPr lang="es-AR" sz="2800" dirty="0" smtClean="0">
                 <a:solidFill>
-                  <a:schemeClr val="bg1">
-                    <a:lumMod val="95000"/>
+                  <a:schemeClr val="tx2">
+                    <a:lumMod val="20000"/>
+                    <a:lumOff val="80000"/>
                   </a:schemeClr>
                 </a:solidFill>
               </a:rPr>
@@ -6384,8 +6395,9 @@
             <a:r>
               <a:rPr lang="es-AR" sz="2800" baseline="0" dirty="0" smtClean="0">
                 <a:solidFill>
-                  <a:schemeClr val="bg1">
-                    <a:lumMod val="95000"/>
+                  <a:schemeClr val="tx2">
+                    <a:lumMod val="20000"/>
+                    <a:lumOff val="80000"/>
                   </a:schemeClr>
                 </a:solidFill>
               </a:rPr>
@@ -6393,8 +6405,9 @@
             </a:r>
             <a:endParaRPr lang="es-ES" sz="2800" dirty="0">
               <a:solidFill>
-                <a:schemeClr val="bg1">
-                  <a:lumMod val="95000"/>
+                <a:schemeClr val="tx2">
+                  <a:lumMod val="20000"/>
+                  <a:lumOff val="80000"/>
                 </a:schemeClr>
               </a:solidFill>
             </a:endParaRPr>
@@ -12803,8 +12816,8 @@
           </a:p>
         </p:txBody>
       </p:sp>
-      <mc:AlternateContent xmlns:mc="http://schemas.openxmlformats.org/markup-compatibility/2006" xmlns:a14="http://schemas.microsoft.com/office/drawing/2010/main">
-        <mc:Choice Requires="a14">
+      <mc:AlternateContent xmlns:mc="http://schemas.openxmlformats.org/markup-compatibility/2006">
+        <mc:Choice xmlns:a14="http://schemas.microsoft.com/office/drawing/2010/main" Requires="a14">
           <p:sp>
             <p:nvSpPr>
               <p:cNvPr id="14" name="Rectángulo 13"/>
@@ -12814,7 +12827,7 @@
             <p:spPr>
               <a:xfrm>
                 <a:off x="136402" y="980728"/>
-                <a:ext cx="8928992" cy="2337948"/>
+                <a:ext cx="8928992" cy="2861168"/>
               </a:xfrm>
               <a:prstGeom prst="rect">
                 <a:avLst/>
@@ -13451,11 +13464,33 @@
                   </a:rPr>
                   <a:t> </a:t>
                 </a:r>
+                <a:endParaRPr lang="en-US" sz="2400" dirty="0" smtClean="0">
+                  <a:solidFill>
+                    <a:srgbClr val="636382"/>
+                  </a:solidFill>
+                  <a:latin typeface="Gill Sans MT" panose="020B0502020104020203" pitchFamily="34" charset="0"/>
+                </a:endParaRPr>
+              </a:p>
+              <a:p>
+                <a:pPr algn="ctr" fontAlgn="auto">
+                  <a:spcBef>
+                    <a:spcPts val="600"/>
+                  </a:spcBef>
+                  <a:spcAft>
+                    <a:spcPts val="600"/>
+                  </a:spcAft>
+                </a:pPr>
+                <a:endParaRPr lang="en-US" sz="2400" dirty="0" smtClean="0">
+                  <a:solidFill>
+                    <a:srgbClr val="636382"/>
+                  </a:solidFill>
+                  <a:latin typeface="Gill Sans MT" panose="020B0502020104020203" pitchFamily="34" charset="0"/>
+                </a:endParaRPr>
               </a:p>
             </p:txBody>
           </p:sp>
         </mc:Choice>
-        <mc:Fallback xmlns="">
+        <mc:Fallback>
           <p:sp>
             <p:nvSpPr>
               <p:cNvPr id="14" name="Rectángulo 13"/>
@@ -13467,12 +13502,12 @@
             <p:spPr>
               <a:xfrm>
                 <a:off x="136402" y="980728"/>
-                <a:ext cx="8928992" cy="2337948"/>
+                <a:ext cx="8928992" cy="2861168"/>
               </a:xfrm>
               <a:prstGeom prst="rect">
                 <a:avLst/>
               </a:prstGeom>
-              <a:blipFill>
+              <a:blipFill rotWithShape="0">
                 <a:blip r:embed="rId2"/>
                 <a:stretch>
                   <a:fillRect/>
@@ -13583,8 +13618,8 @@
           </a:p>
         </p:txBody>
       </p:sp>
-      <mc:AlternateContent xmlns:mc="http://schemas.openxmlformats.org/markup-compatibility/2006" xmlns:a14="http://schemas.microsoft.com/office/drawing/2010/main">
-        <mc:Choice Requires="a14">
+      <mc:AlternateContent xmlns:mc="http://schemas.openxmlformats.org/markup-compatibility/2006">
+        <mc:Choice xmlns:a14="http://schemas.microsoft.com/office/drawing/2010/main" Requires="a14">
           <p:sp>
             <p:nvSpPr>
               <p:cNvPr id="19" name="Rectángulo 18"/>
@@ -13593,15 +13628,15 @@
             </p:nvSpPr>
             <p:spPr>
               <a:xfrm>
-                <a:off x="6321817" y="2672345"/>
-                <a:ext cx="2822183" cy="646331"/>
+                <a:off x="6228184" y="2865710"/>
+                <a:ext cx="2822183" cy="923330"/>
               </a:xfrm>
               <a:prstGeom prst="rect">
                 <a:avLst/>
               </a:prstGeom>
             </p:spPr>
             <p:txBody>
-              <a:bodyPr wrap="none">
+              <a:bodyPr wrap="square">
                 <a:spAutoFit/>
               </a:bodyPr>
               <a:lstStyle/>
@@ -13695,13 +13730,28 @@
                     </a:solidFill>
                     <a:latin typeface="Gill Sans MT" panose="020B0502020104020203" pitchFamily="34" charset="0"/>
                   </a:rPr>
-                  <a:t>probabilidad de éxito</a:t>
+                  <a:t>probabilidad de </a:t>
                 </a:r>
+                <a:r>
+                  <a:rPr lang="es-ES" dirty="0" smtClean="0">
+                    <a:solidFill>
+                      <a:srgbClr val="636382"/>
+                    </a:solidFill>
+                    <a:latin typeface="Gill Sans MT" panose="020B0502020104020203" pitchFamily="34" charset="0"/>
+                  </a:rPr>
+                  <a:t>éxito (sólo dos eventos)</a:t>
+                </a:r>
+                <a:endParaRPr lang="es-ES" dirty="0">
+                  <a:solidFill>
+                    <a:srgbClr val="636382"/>
+                  </a:solidFill>
+                  <a:latin typeface="Gill Sans MT" panose="020B0502020104020203" pitchFamily="34" charset="0"/>
+                </a:endParaRPr>
               </a:p>
             </p:txBody>
           </p:sp>
         </mc:Choice>
-        <mc:Fallback xmlns="">
+        <mc:Fallback>
           <p:sp>
             <p:nvSpPr>
               <p:cNvPr id="19" name="Rectángulo 18"/>
@@ -13712,16 +13762,16 @@
             </p:nvSpPr>
             <p:spPr>
               <a:xfrm>
-                <a:off x="6321817" y="2672345"/>
-                <a:ext cx="2822183" cy="646331"/>
+                <a:off x="6228184" y="2865710"/>
+                <a:ext cx="2822183" cy="923330"/>
               </a:xfrm>
               <a:prstGeom prst="rect">
                 <a:avLst/>
               </a:prstGeom>
-              <a:blipFill>
+              <a:blipFill rotWithShape="0">
                 <a:blip r:embed="rId3"/>
                 <a:stretch>
-                  <a:fillRect l="-1728" t="-4717" r="-1512" b="-14151"/>
+                  <a:fillRect l="-1944" t="-3289" r="-1728" b="-9211"/>
                 </a:stretch>
               </a:blipFill>
             </p:spPr>
@@ -13740,6 +13790,30 @@
           </p:sp>
         </mc:Fallback>
       </mc:AlternateContent>
+      <p:pic>
+        <p:nvPicPr>
+          <p:cNvPr id="3" name="Picture 2"/>
+          <p:cNvPicPr>
+            <a:picLocks noChangeAspect="1"/>
+          </p:cNvPicPr>
+          <p:nvPr/>
+        </p:nvPicPr>
+        <p:blipFill>
+          <a:blip r:embed="rId4"/>
+          <a:stretch>
+            <a:fillRect/>
+          </a:stretch>
+        </p:blipFill>
+        <p:spPr>
+          <a:xfrm>
+            <a:off x="230508" y="3095952"/>
+            <a:ext cx="4845548" cy="3670470"/>
+          </a:xfrm>
+          <a:prstGeom prst="rect">
+            <a:avLst/>
+          </a:prstGeom>
+        </p:spPr>
+      </p:pic>
     </p:spTree>
     <p:extLst>
       <p:ext uri="{BB962C8B-B14F-4D97-AF65-F5344CB8AC3E}">
@@ -13779,14 +13853,14 @@
       </p:grpSpPr>
       <p:sp>
         <p:nvSpPr>
-          <p:cNvPr id="13" name="TextBox 12"/>
+          <p:cNvPr id="2" name="TextBox 12"/>
           <p:cNvSpPr txBox="1"/>
           <p:nvPr/>
         </p:nvSpPr>
         <p:spPr>
           <a:xfrm>
-            <a:off x="971600" y="107921"/>
-            <a:ext cx="8136904" cy="584775"/>
+            <a:off x="323528" y="116632"/>
+            <a:ext cx="8496944" cy="584775"/>
           </a:xfrm>
           <a:prstGeom prst="rect">
             <a:avLst/>
@@ -13813,7 +13887,23 @@
                 </a:effectLst>
                 <a:latin typeface="Gill Sans MT" panose="020B0502020104020203" pitchFamily="34" charset="0"/>
               </a:rPr>
-              <a:t>MODELOS JERÁRQUICOS</a:t>
+              <a:t>INTRODUCCIÓN A </a:t>
+            </a:r>
+            <a:r>
+              <a:rPr lang="es-ES" sz="3200" dirty="0" smtClean="0">
+                <a:solidFill>
+                  <a:schemeClr val="accent2"/>
+                </a:solidFill>
+                <a:effectLst>
+                  <a:outerShdw blurRad="38100" dist="38100" dir="2700000" algn="tl">
+                    <a:srgbClr val="000000">
+                      <a:alpha val="43137"/>
+                    </a:srgbClr>
+                  </a:outerShdw>
+                </a:effectLst>
+                <a:latin typeface="Gill Sans MT" panose="020B0502020104020203" pitchFamily="34" charset="0"/>
+              </a:rPr>
+              <a:t>GLMM – Efectos Aleatorios</a:t>
             </a:r>
             <a:endParaRPr lang="es-ES" sz="3600" dirty="0">
               <a:solidFill>
@@ -13833,563 +13923,109 @@
       </p:sp>
       <p:sp>
         <p:nvSpPr>
-          <p:cNvPr id="57" name="Content Placeholder 4"/>
-          <p:cNvSpPr txBox="1">
-            <a:spLocks/>
-          </p:cNvSpPr>
+          <p:cNvPr id="3" name="Rectángulo 2"/>
+          <p:cNvSpPr/>
           <p:nvPr/>
         </p:nvSpPr>
         <p:spPr>
           <a:xfrm>
-            <a:off x="1187624" y="980728"/>
-            <a:ext cx="7864887" cy="5374320"/>
+            <a:off x="179512" y="980728"/>
+            <a:ext cx="8825108" cy="1354217"/>
           </a:xfrm>
           <a:prstGeom prst="rect">
             <a:avLst/>
           </a:prstGeom>
         </p:spPr>
         <p:txBody>
-          <a:bodyPr>
-            <a:noAutofit/>
+          <a:bodyPr wrap="square">
+            <a:spAutoFit/>
           </a:bodyPr>
-          <a:lstStyle>
-            <a:lvl1pPr marL="342900" indent="-342900" algn="l" defTabSz="914400" rtl="0" eaLnBrk="1" latinLnBrk="0" hangingPunct="1">
-              <a:spcBef>
-                <a:spcPct val="20000"/>
-              </a:spcBef>
-              <a:buFont typeface="Arial" panose="020B0604020202020204" pitchFamily="34" charset="0"/>
-              <a:buChar char="•"/>
-              <a:defRPr sz="3200" kern="1200">
-                <a:solidFill>
-                  <a:schemeClr val="tx1"/>
-                </a:solidFill>
-                <a:latin typeface="+mn-lt"/>
-                <a:ea typeface="+mn-ea"/>
-                <a:cs typeface="+mn-cs"/>
-              </a:defRPr>
-            </a:lvl1pPr>
-            <a:lvl2pPr marL="742950" indent="-285750" algn="l" defTabSz="914400" rtl="0" eaLnBrk="1" latinLnBrk="0" hangingPunct="1">
-              <a:spcBef>
-                <a:spcPct val="20000"/>
-              </a:spcBef>
-              <a:buFont typeface="Arial" panose="020B0604020202020204" pitchFamily="34" charset="0"/>
-              <a:buChar char="–"/>
-              <a:defRPr sz="2800" kern="1200">
-                <a:solidFill>
-                  <a:schemeClr val="tx1"/>
-                </a:solidFill>
-                <a:latin typeface="+mn-lt"/>
-                <a:ea typeface="+mn-ea"/>
-                <a:cs typeface="+mn-cs"/>
-              </a:defRPr>
-            </a:lvl2pPr>
-            <a:lvl3pPr marL="1143000" indent="-228600" algn="l" defTabSz="914400" rtl="0" eaLnBrk="1" latinLnBrk="0" hangingPunct="1">
-              <a:spcBef>
-                <a:spcPct val="20000"/>
-              </a:spcBef>
-              <a:buFont typeface="Arial" panose="020B0604020202020204" pitchFamily="34" charset="0"/>
-              <a:buChar char="•"/>
-              <a:defRPr sz="2400" kern="1200">
-                <a:solidFill>
-                  <a:schemeClr val="tx1"/>
-                </a:solidFill>
-                <a:latin typeface="+mn-lt"/>
-                <a:ea typeface="+mn-ea"/>
-                <a:cs typeface="+mn-cs"/>
-              </a:defRPr>
-            </a:lvl3pPr>
-            <a:lvl4pPr marL="1600200" indent="-228600" algn="l" defTabSz="914400" rtl="0" eaLnBrk="1" latinLnBrk="0" hangingPunct="1">
-              <a:spcBef>
-                <a:spcPct val="20000"/>
-              </a:spcBef>
-              <a:buFont typeface="Arial" panose="020B0604020202020204" pitchFamily="34" charset="0"/>
-              <a:buChar char="–"/>
-              <a:defRPr sz="2000" kern="1200">
-                <a:solidFill>
-                  <a:schemeClr val="tx1"/>
-                </a:solidFill>
-                <a:latin typeface="+mn-lt"/>
-                <a:ea typeface="+mn-ea"/>
-                <a:cs typeface="+mn-cs"/>
-              </a:defRPr>
-            </a:lvl4pPr>
-            <a:lvl5pPr marL="2057400" indent="-228600" algn="l" defTabSz="914400" rtl="0" eaLnBrk="1" latinLnBrk="0" hangingPunct="1">
-              <a:spcBef>
-                <a:spcPct val="20000"/>
-              </a:spcBef>
-              <a:buFont typeface="Arial" panose="020B0604020202020204" pitchFamily="34" charset="0"/>
-              <a:buChar char="»"/>
-              <a:defRPr sz="2000" kern="1200">
-                <a:solidFill>
-                  <a:schemeClr val="tx1"/>
-                </a:solidFill>
-                <a:latin typeface="+mn-lt"/>
-                <a:ea typeface="+mn-ea"/>
-                <a:cs typeface="+mn-cs"/>
-              </a:defRPr>
-            </a:lvl5pPr>
-            <a:lvl6pPr marL="2514600" indent="-228600" algn="l" defTabSz="914400" rtl="0" eaLnBrk="1" latinLnBrk="0" hangingPunct="1">
-              <a:spcBef>
-                <a:spcPct val="20000"/>
-              </a:spcBef>
-              <a:buFont typeface="Arial" panose="020B0604020202020204" pitchFamily="34" charset="0"/>
-              <a:buChar char="•"/>
-              <a:defRPr sz="2000" kern="1200">
-                <a:solidFill>
-                  <a:schemeClr val="tx1"/>
-                </a:solidFill>
-                <a:latin typeface="+mn-lt"/>
-                <a:ea typeface="+mn-ea"/>
-                <a:cs typeface="+mn-cs"/>
-              </a:defRPr>
-            </a:lvl6pPr>
-            <a:lvl7pPr marL="2971800" indent="-228600" algn="l" defTabSz="914400" rtl="0" eaLnBrk="1" latinLnBrk="0" hangingPunct="1">
-              <a:spcBef>
-                <a:spcPct val="20000"/>
-              </a:spcBef>
-              <a:buFont typeface="Arial" panose="020B0604020202020204" pitchFamily="34" charset="0"/>
-              <a:buChar char="•"/>
-              <a:defRPr sz="2000" kern="1200">
-                <a:solidFill>
-                  <a:schemeClr val="tx1"/>
-                </a:solidFill>
-                <a:latin typeface="+mn-lt"/>
-                <a:ea typeface="+mn-ea"/>
-                <a:cs typeface="+mn-cs"/>
-              </a:defRPr>
-            </a:lvl7pPr>
-            <a:lvl8pPr marL="3429000" indent="-228600" algn="l" defTabSz="914400" rtl="0" eaLnBrk="1" latinLnBrk="0" hangingPunct="1">
-              <a:spcBef>
-                <a:spcPct val="20000"/>
-              </a:spcBef>
-              <a:buFont typeface="Arial" panose="020B0604020202020204" pitchFamily="34" charset="0"/>
-              <a:buChar char="•"/>
-              <a:defRPr sz="2000" kern="1200">
-                <a:solidFill>
-                  <a:schemeClr val="tx1"/>
-                </a:solidFill>
-                <a:latin typeface="+mn-lt"/>
-                <a:ea typeface="+mn-ea"/>
-                <a:cs typeface="+mn-cs"/>
-              </a:defRPr>
-            </a:lvl8pPr>
-            <a:lvl9pPr marL="3886200" indent="-228600" algn="l" defTabSz="914400" rtl="0" eaLnBrk="1" latinLnBrk="0" hangingPunct="1">
-              <a:spcBef>
-                <a:spcPct val="20000"/>
-              </a:spcBef>
-              <a:buFont typeface="Arial" panose="020B0604020202020204" pitchFamily="34" charset="0"/>
-              <a:buChar char="•"/>
-              <a:defRPr sz="2000" kern="1200">
-                <a:solidFill>
-                  <a:schemeClr val="tx1"/>
-                </a:solidFill>
-                <a:latin typeface="+mn-lt"/>
-                <a:ea typeface="+mn-ea"/>
-                <a:cs typeface="+mn-cs"/>
-              </a:defRPr>
-            </a:lvl9pPr>
-          </a:lstStyle>
-          <a:p>
-            <a:pPr fontAlgn="auto">
+          <a:lstStyle/>
+          <a:p>
+            <a:pPr marL="342900" indent="-342900" fontAlgn="auto">
               <a:spcBef>
                 <a:spcPts val="600"/>
               </a:spcBef>
               <a:spcAft>
                 <a:spcPts val="600"/>
               </a:spcAft>
+              <a:buFont typeface="Arial" panose="020B0604020202020204" pitchFamily="34" charset="0"/>
+              <a:buChar char="•"/>
             </a:pPr>
             <a:r>
-              <a:rPr lang="en-US" sz="2600" dirty="0" err="1" smtClean="0">
-                <a:solidFill>
-                  <a:srgbClr val="636382"/>
-                </a:solidFill>
-                <a:latin typeface="Gill Sans MT" panose="020B0502020104020203" pitchFamily="34" charset="0"/>
-              </a:rPr>
-              <a:t>Secuencia</a:t>
-            </a:r>
-            <a:r>
-              <a:rPr lang="en-US" sz="2600" dirty="0" smtClean="0">
-                <a:solidFill>
-                  <a:srgbClr val="636382"/>
-                </a:solidFill>
-                <a:latin typeface="Gill Sans MT" panose="020B0502020104020203" pitchFamily="34" charset="0"/>
-              </a:rPr>
-              <a:t> </a:t>
-            </a:r>
-            <a:r>
-              <a:rPr lang="en-US" sz="2600" dirty="0" err="1" smtClean="0">
-                <a:solidFill>
-                  <a:srgbClr val="636382"/>
-                </a:solidFill>
-                <a:latin typeface="Gill Sans MT" panose="020B0502020104020203" pitchFamily="34" charset="0"/>
-              </a:rPr>
-              <a:t>dependiente</a:t>
-            </a:r>
-            <a:r>
-              <a:rPr lang="en-US" sz="2600" dirty="0" smtClean="0">
-                <a:solidFill>
-                  <a:srgbClr val="636382"/>
-                </a:solidFill>
-                <a:latin typeface="Gill Sans MT" panose="020B0502020104020203" pitchFamily="34" charset="0"/>
-              </a:rPr>
-              <a:t> de variables </a:t>
-            </a:r>
-            <a:r>
-              <a:rPr lang="en-US" sz="2600" dirty="0" err="1" smtClean="0">
-                <a:solidFill>
-                  <a:srgbClr val="636382"/>
-                </a:solidFill>
-                <a:latin typeface="Gill Sans MT" panose="020B0502020104020203" pitchFamily="34" charset="0"/>
-              </a:rPr>
-              <a:t>aleatorias</a:t>
-            </a:r>
-            <a:r>
-              <a:rPr lang="en-US" sz="2600" dirty="0" smtClean="0">
-                <a:solidFill>
-                  <a:srgbClr val="636382"/>
-                </a:solidFill>
-                <a:latin typeface="Gill Sans MT" panose="020B0502020104020203" pitchFamily="34" charset="0"/>
-              </a:rPr>
-              <a:t> (</a:t>
-            </a:r>
-            <a:r>
-              <a:rPr lang="en-US" sz="2600" dirty="0" err="1" smtClean="0">
-                <a:solidFill>
-                  <a:srgbClr val="636382"/>
-                </a:solidFill>
-                <a:latin typeface="Gill Sans MT" panose="020B0502020104020203" pitchFamily="34" charset="0"/>
-              </a:rPr>
-              <a:t>observadas</a:t>
-            </a:r>
-            <a:r>
-              <a:rPr lang="en-US" sz="2600" dirty="0" smtClean="0">
-                <a:solidFill>
-                  <a:srgbClr val="636382"/>
-                </a:solidFill>
-                <a:latin typeface="Gill Sans MT" panose="020B0502020104020203" pitchFamily="34" charset="0"/>
-              </a:rPr>
-              <a:t> y no </a:t>
-            </a:r>
-            <a:r>
-              <a:rPr lang="en-US" sz="2600" dirty="0" err="1" smtClean="0">
-                <a:solidFill>
-                  <a:srgbClr val="636382"/>
-                </a:solidFill>
-                <a:latin typeface="Gill Sans MT" panose="020B0502020104020203" pitchFamily="34" charset="0"/>
-              </a:rPr>
-              <a:t>observadas</a:t>
-            </a:r>
-            <a:r>
-              <a:rPr lang="en-US" sz="2600" dirty="0" smtClean="0">
-                <a:solidFill>
-                  <a:srgbClr val="636382"/>
-                </a:solidFill>
-                <a:latin typeface="Gill Sans MT" panose="020B0502020104020203" pitchFamily="34" charset="0"/>
-              </a:rPr>
-              <a:t>) – </a:t>
-            </a:r>
-            <a:r>
-              <a:rPr lang="en-US" sz="2600" dirty="0" err="1" smtClean="0">
-                <a:solidFill>
-                  <a:srgbClr val="636382"/>
-                </a:solidFill>
-                <a:latin typeface="Gill Sans MT" panose="020B0502020104020203" pitchFamily="34" charset="0"/>
-              </a:rPr>
-              <a:t>Ej</a:t>
-            </a:r>
-            <a:r>
-              <a:rPr lang="en-US" sz="2600" dirty="0" smtClean="0">
-                <a:solidFill>
-                  <a:srgbClr val="636382"/>
-                </a:solidFill>
-                <a:latin typeface="Gill Sans MT" panose="020B0502020104020203" pitchFamily="34" charset="0"/>
-              </a:rPr>
-              <a:t>. ANOVA </a:t>
-            </a:r>
-            <a:r>
-              <a:rPr lang="en-US" sz="2600" dirty="0" err="1" smtClean="0">
-                <a:solidFill>
-                  <a:srgbClr val="636382"/>
-                </a:solidFill>
-                <a:latin typeface="Gill Sans MT" panose="020B0502020104020203" pitchFamily="34" charset="0"/>
-              </a:rPr>
-              <a:t>en</a:t>
-            </a:r>
-            <a:r>
-              <a:rPr lang="en-US" sz="2600" dirty="0" smtClean="0">
-                <a:solidFill>
-                  <a:srgbClr val="636382"/>
-                </a:solidFill>
-                <a:latin typeface="Gill Sans MT" panose="020B0502020104020203" pitchFamily="34" charset="0"/>
-              </a:rPr>
-              <a:t> </a:t>
-            </a:r>
-            <a:r>
-              <a:rPr lang="en-US" sz="2600" dirty="0" err="1" smtClean="0">
-                <a:solidFill>
-                  <a:srgbClr val="636382"/>
-                </a:solidFill>
-                <a:latin typeface="Gill Sans MT" panose="020B0502020104020203" pitchFamily="34" charset="0"/>
-              </a:rPr>
-              <a:t>bloques</a:t>
-            </a:r>
-            <a:r>
-              <a:rPr lang="en-US" sz="2600" dirty="0" smtClean="0">
-                <a:solidFill>
-                  <a:srgbClr val="636382"/>
-                </a:solidFill>
-                <a:latin typeface="Gill Sans MT" panose="020B0502020104020203" pitchFamily="34" charset="0"/>
-              </a:rPr>
-              <a:t> </a:t>
-            </a:r>
-            <a:r>
-              <a:rPr lang="en-US" sz="2600" dirty="0" err="1" smtClean="0">
-                <a:solidFill>
-                  <a:srgbClr val="636382"/>
-                </a:solidFill>
-                <a:latin typeface="Gill Sans MT" panose="020B0502020104020203" pitchFamily="34" charset="0"/>
-              </a:rPr>
-              <a:t>aleatorios</a:t>
-            </a:r>
-            <a:endParaRPr lang="en-US" sz="2600" dirty="0" smtClean="0">
-              <a:solidFill>
-                <a:srgbClr val="636382"/>
-              </a:solidFill>
-              <a:latin typeface="Gill Sans MT" panose="020B0502020104020203" pitchFamily="34" charset="0"/>
-            </a:endParaRPr>
-          </a:p>
-          <a:p>
-            <a:pPr fontAlgn="auto">
+              <a:rPr lang="es-AR" sz="2400" dirty="0" smtClean="0">
+                <a:solidFill>
+                  <a:srgbClr val="636382"/>
+                </a:solidFill>
+                <a:latin typeface="Gill Sans MT" panose="020B0502020104020203" pitchFamily="34" charset="0"/>
+              </a:rPr>
+              <a:t>Es un GLM con efectos fijos y aleatorios</a:t>
+            </a:r>
+          </a:p>
+          <a:p>
+            <a:pPr marL="342900" indent="-342900" fontAlgn="auto">
               <a:spcBef>
                 <a:spcPts val="600"/>
               </a:spcBef>
               <a:spcAft>
                 <a:spcPts val="600"/>
               </a:spcAft>
+              <a:buFont typeface="Arial" panose="020B0604020202020204" pitchFamily="34" charset="0"/>
+              <a:buChar char="•"/>
             </a:pPr>
-            <a:endParaRPr lang="en-US" sz="2600" dirty="0">
-              <a:solidFill>
-                <a:srgbClr val="636382"/>
-              </a:solidFill>
-              <a:latin typeface="Gill Sans MT" panose="020B0502020104020203" pitchFamily="34" charset="0"/>
-            </a:endParaRPr>
-          </a:p>
-          <a:p>
-            <a:pPr fontAlgn="auto">
-              <a:spcBef>
-                <a:spcPts val="600"/>
-              </a:spcBef>
-              <a:spcAft>
-                <a:spcPts val="600"/>
-              </a:spcAft>
-            </a:pPr>
-            <a:endParaRPr lang="en-US" sz="2600" dirty="0" smtClean="0">
-              <a:solidFill>
-                <a:srgbClr val="636382"/>
-              </a:solidFill>
-              <a:latin typeface="Gill Sans MT" panose="020B0502020104020203" pitchFamily="34" charset="0"/>
-            </a:endParaRPr>
-          </a:p>
-          <a:p>
-            <a:pPr fontAlgn="auto">
-              <a:spcBef>
-                <a:spcPts val="600"/>
-              </a:spcBef>
-              <a:spcAft>
-                <a:spcPts val="600"/>
-              </a:spcAft>
-            </a:pPr>
-            <a:endParaRPr lang="en-US" sz="2600" dirty="0">
-              <a:solidFill>
-                <a:srgbClr val="636382"/>
-              </a:solidFill>
-              <a:latin typeface="Gill Sans MT" panose="020B0502020104020203" pitchFamily="34" charset="0"/>
-            </a:endParaRPr>
-          </a:p>
-          <a:p>
-            <a:pPr fontAlgn="auto">
-              <a:spcBef>
-                <a:spcPts val="600"/>
-              </a:spcBef>
-              <a:spcAft>
-                <a:spcPts val="600"/>
-              </a:spcAft>
-            </a:pPr>
-            <a:endParaRPr lang="en-US" sz="2600" dirty="0" smtClean="0">
-              <a:solidFill>
-                <a:srgbClr val="636382"/>
-              </a:solidFill>
-              <a:latin typeface="Gill Sans MT" panose="020B0502020104020203" pitchFamily="34" charset="0"/>
-            </a:endParaRPr>
-          </a:p>
-          <a:p>
-            <a:pPr fontAlgn="auto">
-              <a:spcBef>
-                <a:spcPts val="600"/>
-              </a:spcBef>
-              <a:spcAft>
-                <a:spcPts val="600"/>
-              </a:spcAft>
-            </a:pPr>
-            <a:endParaRPr lang="en-US" sz="2800" dirty="0">
-              <a:solidFill>
-                <a:srgbClr val="636382"/>
-              </a:solidFill>
-              <a:latin typeface="Gill Sans MT" panose="020B0502020104020203" pitchFamily="34" charset="0"/>
-            </a:endParaRPr>
-          </a:p>
-          <a:p>
-            <a:pPr lvl="1" fontAlgn="auto">
-              <a:spcBef>
-                <a:spcPts val="600"/>
-              </a:spcBef>
-              <a:spcAft>
-                <a:spcPts val="600"/>
-              </a:spcAft>
-            </a:pPr>
-            <a:r>
-              <a:rPr lang="en-US" sz="2400" dirty="0" err="1" smtClean="0">
-                <a:solidFill>
-                  <a:srgbClr val="636382"/>
-                </a:solidFill>
-                <a:latin typeface="Gill Sans MT" panose="020B0502020104020203" pitchFamily="34" charset="0"/>
-              </a:rPr>
-              <a:t>Otros</a:t>
-            </a:r>
-            <a:r>
-              <a:rPr lang="en-US" sz="2400" dirty="0" smtClean="0">
-                <a:solidFill>
-                  <a:srgbClr val="636382"/>
-                </a:solidFill>
-                <a:latin typeface="Gill Sans MT" panose="020B0502020104020203" pitchFamily="34" charset="0"/>
-              </a:rPr>
-              <a:t> </a:t>
-            </a:r>
-            <a:r>
-              <a:rPr lang="en-US" sz="2400" dirty="0" err="1" smtClean="0">
-                <a:solidFill>
-                  <a:srgbClr val="636382"/>
-                </a:solidFill>
-                <a:latin typeface="Gill Sans MT" panose="020B0502020104020203" pitchFamily="34" charset="0"/>
-              </a:rPr>
-              <a:t>nombres</a:t>
-            </a:r>
-            <a:r>
-              <a:rPr lang="en-US" sz="2400" dirty="0" smtClean="0">
-                <a:solidFill>
-                  <a:srgbClr val="636382"/>
-                </a:solidFill>
-                <a:latin typeface="Gill Sans MT" panose="020B0502020104020203" pitchFamily="34" charset="0"/>
-              </a:rPr>
-              <a:t>: </a:t>
-            </a:r>
-            <a:r>
-              <a:rPr lang="en-US" sz="2400" dirty="0" err="1" smtClean="0">
-                <a:solidFill>
-                  <a:srgbClr val="636382"/>
-                </a:solidFill>
-                <a:latin typeface="Gill Sans MT" panose="020B0502020104020203" pitchFamily="34" charset="0"/>
-              </a:rPr>
-              <a:t>estado-espacio</a:t>
-            </a:r>
-            <a:r>
-              <a:rPr lang="en-US" sz="2400" dirty="0" smtClean="0">
-                <a:solidFill>
-                  <a:srgbClr val="636382"/>
-                </a:solidFill>
-                <a:latin typeface="Gill Sans MT" panose="020B0502020104020203" pitchFamily="34" charset="0"/>
-              </a:rPr>
-              <a:t>, </a:t>
-            </a:r>
-            <a:r>
-              <a:rPr lang="en-US" sz="2400" dirty="0" err="1" smtClean="0">
-                <a:solidFill>
-                  <a:srgbClr val="636382"/>
-                </a:solidFill>
-                <a:latin typeface="Gill Sans MT" panose="020B0502020104020203" pitchFamily="34" charset="0"/>
-              </a:rPr>
-              <a:t>aleatorios</a:t>
-            </a:r>
-            <a:r>
-              <a:rPr lang="en-US" sz="2400" dirty="0" smtClean="0">
-                <a:solidFill>
-                  <a:srgbClr val="636382"/>
-                </a:solidFill>
-                <a:latin typeface="Gill Sans MT" panose="020B0502020104020203" pitchFamily="34" charset="0"/>
-              </a:rPr>
-              <a:t>, </a:t>
-            </a:r>
-            <a:r>
-              <a:rPr lang="en-US" sz="2400" dirty="0" err="1" smtClean="0">
-                <a:solidFill>
-                  <a:srgbClr val="636382"/>
-                </a:solidFill>
-                <a:latin typeface="Gill Sans MT" panose="020B0502020104020203" pitchFamily="34" charset="0"/>
-              </a:rPr>
-              <a:t>modelos</a:t>
-            </a:r>
-            <a:r>
-              <a:rPr lang="en-US" sz="2400" dirty="0" smtClean="0">
-                <a:solidFill>
-                  <a:srgbClr val="636382"/>
-                </a:solidFill>
-                <a:latin typeface="Gill Sans MT" panose="020B0502020104020203" pitchFamily="34" charset="0"/>
-              </a:rPr>
-              <a:t> </a:t>
-            </a:r>
-            <a:r>
-              <a:rPr lang="en-US" sz="2400" dirty="0" err="1" smtClean="0">
-                <a:solidFill>
-                  <a:srgbClr val="636382"/>
-                </a:solidFill>
-                <a:latin typeface="Gill Sans MT" panose="020B0502020104020203" pitchFamily="34" charset="0"/>
-              </a:rPr>
-              <a:t>mixtos</a:t>
-            </a:r>
-            <a:r>
-              <a:rPr lang="en-US" sz="2400" dirty="0" smtClean="0">
-                <a:solidFill>
-                  <a:srgbClr val="636382"/>
-                </a:solidFill>
-                <a:latin typeface="Gill Sans MT" panose="020B0502020104020203" pitchFamily="34" charset="0"/>
-              </a:rPr>
-              <a:t>, variables </a:t>
-            </a:r>
-            <a:r>
-              <a:rPr lang="en-US" sz="2400" dirty="0" err="1" smtClean="0">
-                <a:solidFill>
-                  <a:srgbClr val="636382"/>
-                </a:solidFill>
-                <a:latin typeface="Gill Sans MT" panose="020B0502020104020203" pitchFamily="34" charset="0"/>
-              </a:rPr>
-              <a:t>latentes</a:t>
-            </a:r>
-            <a:r>
-              <a:rPr lang="en-US" sz="2400" dirty="0" smtClean="0">
-                <a:solidFill>
-                  <a:srgbClr val="636382"/>
-                </a:solidFill>
-                <a:latin typeface="Gill Sans MT" panose="020B0502020104020203" pitchFamily="34" charset="0"/>
-              </a:rPr>
-              <a:t>, </a:t>
-            </a:r>
-            <a:r>
-              <a:rPr lang="en-US" sz="2400" dirty="0" err="1" smtClean="0">
-                <a:solidFill>
-                  <a:srgbClr val="636382"/>
-                </a:solidFill>
-                <a:latin typeface="Gill Sans MT" panose="020B0502020104020203" pitchFamily="34" charset="0"/>
-              </a:rPr>
-              <a:t>etc</a:t>
-            </a:r>
-            <a:r>
-              <a:rPr lang="en-US" sz="2400" dirty="0" smtClean="0">
-                <a:solidFill>
-                  <a:srgbClr val="636382"/>
-                </a:solidFill>
-                <a:latin typeface="Gill Sans MT" panose="020B0502020104020203" pitchFamily="34" charset="0"/>
-              </a:rPr>
-              <a:t>…</a:t>
+            <a:r>
+              <a:rPr lang="es-AR" sz="2400" dirty="0" smtClean="0">
+                <a:solidFill>
+                  <a:srgbClr val="636382"/>
+                </a:solidFill>
+                <a:latin typeface="Gill Sans MT" panose="020B0502020104020203" pitchFamily="34" charset="0"/>
+              </a:rPr>
+              <a:t>Ejemplo</a:t>
+            </a:r>
+            <a:r>
+              <a:rPr lang="es-ES" sz="2400" dirty="0" smtClean="0">
+                <a:solidFill>
+                  <a:srgbClr val="636382"/>
+                </a:solidFill>
+                <a:latin typeface="Gill Sans MT" panose="020B0502020104020203" pitchFamily="34" charset="0"/>
+              </a:rPr>
+              <a:t>: se ve una relación lineal pero la base varía para  poblaciones diferentes (poblaciones </a:t>
+            </a:r>
+            <a:r>
+              <a:rPr lang="es-ES" sz="2400" i="1" dirty="0" smtClean="0">
+                <a:solidFill>
+                  <a:srgbClr val="636382"/>
+                </a:solidFill>
+                <a:latin typeface="Gill Sans MT" panose="020B0502020104020203" pitchFamily="34" charset="0"/>
+              </a:rPr>
+              <a:t>j</a:t>
+            </a:r>
+            <a:r>
+              <a:rPr lang="es-ES" sz="2400" dirty="0" smtClean="0">
+                <a:solidFill>
+                  <a:srgbClr val="636382"/>
+                </a:solidFill>
+                <a:latin typeface="Gill Sans MT" panose="020B0502020104020203" pitchFamily="34" charset="0"/>
+              </a:rPr>
+              <a:t>, individuos </a:t>
+            </a:r>
+            <a:r>
+              <a:rPr lang="es-ES" sz="2400" i="1" dirty="0" smtClean="0">
+                <a:solidFill>
+                  <a:srgbClr val="636382"/>
+                </a:solidFill>
+                <a:latin typeface="Gill Sans MT" panose="020B0502020104020203" pitchFamily="34" charset="0"/>
+              </a:rPr>
+              <a:t>i</a:t>
+            </a:r>
+            <a:r>
+              <a:rPr lang="es-ES" sz="2400" dirty="0" smtClean="0">
+                <a:solidFill>
+                  <a:srgbClr val="636382"/>
+                </a:solidFill>
+                <a:latin typeface="Gill Sans MT" panose="020B0502020104020203" pitchFamily="34" charset="0"/>
+              </a:rPr>
+              <a:t>)</a:t>
             </a:r>
             <a:endParaRPr lang="en-US" sz="2400" dirty="0">
               <a:solidFill>
@@ -14402,60 +14038,346 @@
       </p:sp>
       <p:pic>
         <p:nvPicPr>
-          <p:cNvPr id="1026" name="Picture 2"/>
+          <p:cNvPr id="5" name="Picture 4"/>
           <p:cNvPicPr>
-            <a:picLocks noChangeAspect="1" noChangeArrowheads="1"/>
+            <a:picLocks noChangeAspect="1"/>
           </p:cNvPicPr>
           <p:nvPr/>
         </p:nvPicPr>
         <p:blipFill rotWithShape="1">
-          <a:blip r:embed="rId3">
-            <a:extLst>
-              <a:ext uri="{28A0092B-C50C-407E-A947-70E740481C1C}">
-                <a14:useLocalDpi xmlns:a14="http://schemas.microsoft.com/office/drawing/2010/main" val="0"/>
-              </a:ext>
-            </a:extLst>
-          </a:blip>
-          <a:srcRect l="14612" t="25977" r="8577" b="24597"/>
+          <a:blip r:embed="rId2"/>
+          <a:srcRect t="6558" r="2973"/>
           <a:stretch/>
         </p:blipFill>
-        <p:spPr bwMode="auto">
+        <p:spPr>
           <a:xfrm>
-            <a:off x="1187624" y="2204864"/>
-            <a:ext cx="7598683" cy="2750366"/>
+            <a:off x="2175781" y="3250910"/>
+            <a:ext cx="4844491" cy="3568445"/>
           </a:xfrm>
           <a:prstGeom prst="rect">
             <a:avLst/>
           </a:prstGeom>
-          <a:noFill/>
-          <a:ln>
-            <a:noFill/>
-          </a:ln>
-          <a:extLst>
-            <a:ext uri="{909E8E84-426E-40DD-AFC4-6F175D3DCCD1}">
-              <a14:hiddenFill xmlns:a14="http://schemas.microsoft.com/office/drawing/2010/main">
-                <a:solidFill>
-                  <a:schemeClr val="accent1"/>
-                </a:solidFill>
-              </a14:hiddenFill>
-            </a:ext>
-            <a:ext uri="{91240B29-F687-4F45-9708-019B960494DF}">
-              <a14:hiddenLine xmlns:a14="http://schemas.microsoft.com/office/drawing/2010/main" w="9525">
-                <a:solidFill>
-                  <a:schemeClr val="tx1"/>
-                </a:solidFill>
-                <a:miter lim="800000"/>
-                <a:headEnd/>
-                <a:tailEnd/>
-              </a14:hiddenLine>
-            </a:ext>
-          </a:extLst>
         </p:spPr>
       </p:pic>
+      <mc:AlternateContent xmlns:mc="http://schemas.openxmlformats.org/markup-compatibility/2006">
+        <mc:Choice xmlns:a14="http://schemas.microsoft.com/office/drawing/2010/main" Requires="a14">
+          <p:sp>
+            <p:nvSpPr>
+              <p:cNvPr id="6" name="Rectangle 5"/>
+              <p:cNvSpPr/>
+              <p:nvPr/>
+            </p:nvSpPr>
+            <p:spPr>
+              <a:xfrm>
+                <a:off x="1979712" y="2566772"/>
+                <a:ext cx="5148461" cy="574196"/>
+              </a:xfrm>
+              <a:prstGeom prst="rect">
+                <a:avLst/>
+              </a:prstGeom>
+            </p:spPr>
+            <p:txBody>
+              <a:bodyPr wrap="none">
+                <a:spAutoFit/>
+              </a:bodyPr>
+              <a:lstStyle/>
+              <a:p>
+                <a:pPr fontAlgn="auto">
+                  <a:spcBef>
+                    <a:spcPts val="600"/>
+                  </a:spcBef>
+                  <a:spcAft>
+                    <a:spcPts val="600"/>
+                  </a:spcAft>
+                </a:pPr>
+                <a14:m>
+                  <m:oMathPara xmlns:m="http://schemas.openxmlformats.org/officeDocument/2006/math">
+                    <m:oMathParaPr>
+                      <m:jc m:val="centerGroup"/>
+                    </m:oMathParaPr>
+                    <m:oMath xmlns:m="http://schemas.openxmlformats.org/officeDocument/2006/math">
+                      <m:sSub>
+                        <m:sSubPr>
+                          <m:ctrlPr>
+                            <a:rPr lang="es-AR" sz="2400" b="1" i="1" smtClean="0">
+                              <a:solidFill>
+                                <a:srgbClr val="636382"/>
+                              </a:solidFill>
+                              <a:latin typeface="Cambria Math" panose="02040503050406030204" pitchFamily="18" charset="0"/>
+                            </a:rPr>
+                          </m:ctrlPr>
+                        </m:sSubPr>
+                        <m:e>
+                          <m:r>
+                            <a:rPr lang="es-AR" sz="2400" b="1" i="1" smtClean="0">
+                              <a:solidFill>
+                                <a:srgbClr val="636382"/>
+                              </a:solidFill>
+                              <a:latin typeface="Cambria Math" panose="02040503050406030204" pitchFamily="18" charset="0"/>
+                            </a:rPr>
+                            <m:t>𝒎𝒂𝒔𝒂</m:t>
+                          </m:r>
+                        </m:e>
+                        <m:sub>
+                          <m:r>
+                            <a:rPr lang="es-AR" sz="2400" b="1" i="1" smtClean="0">
+                              <a:solidFill>
+                                <a:srgbClr val="636382"/>
+                              </a:solidFill>
+                              <a:latin typeface="Cambria Math" panose="02040503050406030204" pitchFamily="18" charset="0"/>
+                            </a:rPr>
+                            <m:t>𝒊</m:t>
+                          </m:r>
+                        </m:sub>
+                      </m:sSub>
+                      <m:r>
+                        <a:rPr lang="en-US" sz="2400" b="1" i="1">
+                          <a:solidFill>
+                            <a:srgbClr val="636382"/>
+                          </a:solidFill>
+                          <a:latin typeface="Cambria Math" panose="02040503050406030204" pitchFamily="18" charset="0"/>
+                          <a:ea typeface="Cambria Math" panose="02040503050406030204" pitchFamily="18" charset="0"/>
+                        </a:rPr>
+                        <m:t>= </m:t>
+                      </m:r>
+                      <m:sSub>
+                        <m:sSubPr>
+                          <m:ctrlPr>
+                            <a:rPr lang="en-US" sz="2400" b="1" i="1" smtClean="0">
+                              <a:solidFill>
+                                <a:srgbClr val="636382"/>
+                              </a:solidFill>
+                              <a:latin typeface="Cambria Math" panose="02040503050406030204" pitchFamily="18" charset="0"/>
+                              <a:ea typeface="Cambria Math" panose="02040503050406030204" pitchFamily="18" charset="0"/>
+                            </a:rPr>
+                          </m:ctrlPr>
+                        </m:sSubPr>
+                        <m:e>
+                          <m:r>
+                            <a:rPr lang="en-US" sz="2400" b="1" i="1" smtClean="0">
+                              <a:solidFill>
+                                <a:srgbClr val="636382"/>
+                              </a:solidFill>
+                              <a:latin typeface="Cambria Math" panose="02040503050406030204" pitchFamily="18" charset="0"/>
+                              <a:ea typeface="Cambria Math" panose="02040503050406030204" pitchFamily="18" charset="0"/>
+                            </a:rPr>
+                            <m:t>𝜶</m:t>
+                          </m:r>
+                        </m:e>
+                        <m:sub>
+                          <m:r>
+                            <a:rPr lang="es-AR" sz="2400" b="1" i="1" smtClean="0">
+                              <a:solidFill>
+                                <a:srgbClr val="636382"/>
+                              </a:solidFill>
+                              <a:latin typeface="Cambria Math" panose="02040503050406030204" pitchFamily="18" charset="0"/>
+                              <a:ea typeface="Cambria Math" panose="02040503050406030204" pitchFamily="18" charset="0"/>
+                            </a:rPr>
+                            <m:t>𝒋</m:t>
+                          </m:r>
+                          <m:r>
+                            <a:rPr lang="es-AR" sz="2400" b="1" i="1" smtClean="0">
+                              <a:solidFill>
+                                <a:srgbClr val="636382"/>
+                              </a:solidFill>
+                              <a:latin typeface="Cambria Math" panose="02040503050406030204" pitchFamily="18" charset="0"/>
+                              <a:ea typeface="Cambria Math" panose="02040503050406030204" pitchFamily="18" charset="0"/>
+                            </a:rPr>
+                            <m:t>(</m:t>
+                          </m:r>
+                          <m:r>
+                            <a:rPr lang="es-AR" sz="2400" b="1" i="1" smtClean="0">
+                              <a:solidFill>
+                                <a:srgbClr val="636382"/>
+                              </a:solidFill>
+                              <a:latin typeface="Cambria Math" panose="02040503050406030204" pitchFamily="18" charset="0"/>
+                              <a:ea typeface="Cambria Math" panose="02040503050406030204" pitchFamily="18" charset="0"/>
+                            </a:rPr>
+                            <m:t>𝒊</m:t>
+                          </m:r>
+                          <m:r>
+                            <a:rPr lang="es-AR" sz="2400" b="1" i="1" smtClean="0">
+                              <a:solidFill>
+                                <a:srgbClr val="636382"/>
+                              </a:solidFill>
+                              <a:latin typeface="Cambria Math" panose="02040503050406030204" pitchFamily="18" charset="0"/>
+                              <a:ea typeface="Cambria Math" panose="02040503050406030204" pitchFamily="18" charset="0"/>
+                            </a:rPr>
+                            <m:t>)</m:t>
+                          </m:r>
+                        </m:sub>
+                      </m:sSub>
+                      <m:r>
+                        <a:rPr lang="es-ES" sz="2400" b="1" i="1">
+                          <a:solidFill>
+                            <a:srgbClr val="636382"/>
+                          </a:solidFill>
+                          <a:latin typeface="Cambria Math" panose="02040503050406030204" pitchFamily="18" charset="0"/>
+                          <a:ea typeface="Cambria Math" panose="02040503050406030204" pitchFamily="18" charset="0"/>
+                        </a:rPr>
+                        <m:t>+</m:t>
+                      </m:r>
+                      <m:r>
+                        <a:rPr lang="es-ES" sz="2400" b="1" i="1">
+                          <a:solidFill>
+                            <a:srgbClr val="636382"/>
+                          </a:solidFill>
+                          <a:latin typeface="Cambria Math" panose="02040503050406030204" pitchFamily="18" charset="0"/>
+                          <a:ea typeface="Cambria Math" panose="02040503050406030204" pitchFamily="18" charset="0"/>
+                        </a:rPr>
+                        <m:t>𝜷</m:t>
+                      </m:r>
+                      <m:r>
+                        <a:rPr lang="es-ES" sz="2400" b="1" i="1">
+                          <a:solidFill>
+                            <a:srgbClr val="636382"/>
+                          </a:solidFill>
+                          <a:latin typeface="Cambria Math" panose="02040503050406030204" pitchFamily="18" charset="0"/>
+                          <a:ea typeface="Cambria Math" panose="02040503050406030204" pitchFamily="18" charset="0"/>
+                        </a:rPr>
+                        <m:t>∗</m:t>
+                      </m:r>
+                      <m:sSub>
+                        <m:sSubPr>
+                          <m:ctrlPr>
+                            <a:rPr lang="es-ES" sz="2400" b="1" i="1">
+                              <a:solidFill>
+                                <a:srgbClr val="636382"/>
+                              </a:solidFill>
+                              <a:latin typeface="Cambria Math" panose="02040503050406030204" pitchFamily="18" charset="0"/>
+                              <a:ea typeface="Cambria Math" panose="02040503050406030204" pitchFamily="18" charset="0"/>
+                            </a:rPr>
+                          </m:ctrlPr>
+                        </m:sSubPr>
+                        <m:e>
+                          <m:r>
+                            <a:rPr lang="es-AR" sz="2400" b="1" i="1" smtClean="0">
+                              <a:solidFill>
+                                <a:srgbClr val="636382"/>
+                              </a:solidFill>
+                              <a:latin typeface="Cambria Math" panose="02040503050406030204" pitchFamily="18" charset="0"/>
+                              <a:ea typeface="Cambria Math" panose="02040503050406030204" pitchFamily="18" charset="0"/>
+                            </a:rPr>
+                            <m:t>𝒍𝒐𝒏𝒈𝒊𝒕𝒖𝒅</m:t>
+                          </m:r>
+                        </m:e>
+                        <m:sub>
+                          <m:r>
+                            <a:rPr lang="en-US" sz="2400" b="1" i="1">
+                              <a:solidFill>
+                                <a:srgbClr val="636382"/>
+                              </a:solidFill>
+                              <a:latin typeface="Cambria Math" panose="02040503050406030204" pitchFamily="18" charset="0"/>
+                              <a:ea typeface="Cambria Math" panose="02040503050406030204" pitchFamily="18" charset="0"/>
+                            </a:rPr>
+                            <m:t>𝒊</m:t>
+                          </m:r>
+                        </m:sub>
+                      </m:sSub>
+                      <m:r>
+                        <a:rPr lang="en-US" sz="2400" b="1" i="1">
+                          <a:solidFill>
+                            <a:srgbClr val="636382"/>
+                          </a:solidFill>
+                          <a:latin typeface="Cambria Math" panose="02040503050406030204" pitchFamily="18" charset="0"/>
+                          <a:ea typeface="Cambria Math" panose="02040503050406030204" pitchFamily="18" charset="0"/>
+                        </a:rPr>
+                        <m:t>+</m:t>
+                      </m:r>
+                      <m:sSub>
+                        <m:sSubPr>
+                          <m:ctrlPr>
+                            <a:rPr lang="en-US" sz="2400" b="1" i="1">
+                              <a:solidFill>
+                                <a:srgbClr val="636382"/>
+                              </a:solidFill>
+                              <a:latin typeface="Cambria Math" panose="02040503050406030204" pitchFamily="18" charset="0"/>
+                              <a:ea typeface="Cambria Math" panose="02040503050406030204" pitchFamily="18" charset="0"/>
+                            </a:rPr>
+                          </m:ctrlPr>
+                        </m:sSubPr>
+                        <m:e>
+                          <m:r>
+                            <a:rPr lang="en-US" sz="2400" b="1" i="1">
+                              <a:solidFill>
+                                <a:srgbClr val="636382"/>
+                              </a:solidFill>
+                              <a:latin typeface="Cambria Math" panose="02040503050406030204" pitchFamily="18" charset="0"/>
+                              <a:ea typeface="Cambria Math" panose="02040503050406030204" pitchFamily="18" charset="0"/>
+                            </a:rPr>
+                            <m:t>𝜺</m:t>
+                          </m:r>
+                        </m:e>
+                        <m:sub>
+                          <m:r>
+                            <a:rPr lang="en-US" sz="2400" b="1" i="1">
+                              <a:solidFill>
+                                <a:srgbClr val="636382"/>
+                              </a:solidFill>
+                              <a:latin typeface="Cambria Math" panose="02040503050406030204" pitchFamily="18" charset="0"/>
+                              <a:ea typeface="Cambria Math" panose="02040503050406030204" pitchFamily="18" charset="0"/>
+                            </a:rPr>
+                            <m:t>𝒊</m:t>
+                          </m:r>
+                        </m:sub>
+                      </m:sSub>
+                    </m:oMath>
+                  </m:oMathPara>
+                </a14:m>
+                <a:endParaRPr lang="es-ES" sz="2400" b="1" dirty="0">
+                  <a:solidFill>
+                    <a:srgbClr val="636382"/>
+                  </a:solidFill>
+                  <a:latin typeface="Gill Sans MT" panose="020B0502020104020203" pitchFamily="34" charset="0"/>
+                  <a:ea typeface="Cambria Math" panose="02040503050406030204" pitchFamily="18" charset="0"/>
+                </a:endParaRPr>
+              </a:p>
+            </p:txBody>
+          </p:sp>
+        </mc:Choice>
+        <mc:Fallback>
+          <p:sp>
+            <p:nvSpPr>
+              <p:cNvPr id="6" name="Rectangle 5"/>
+              <p:cNvSpPr>
+                <a:spLocks noRot="1" noChangeAspect="1" noMove="1" noResize="1" noEditPoints="1" noAdjustHandles="1" noChangeArrowheads="1" noChangeShapeType="1" noTextEdit="1"/>
+              </p:cNvSpPr>
+              <p:nvPr/>
+            </p:nvSpPr>
+            <p:spPr>
+              <a:xfrm>
+                <a:off x="1979712" y="2566772"/>
+                <a:ext cx="5148461" cy="574196"/>
+              </a:xfrm>
+              <a:prstGeom prst="rect">
+                <a:avLst/>
+              </a:prstGeom>
+              <a:blipFill rotWithShape="0">
+                <a:blip r:embed="rId3"/>
+                <a:stretch>
+                  <a:fillRect/>
+                </a:stretch>
+              </a:blipFill>
+            </p:spPr>
+            <p:txBody>
+              <a:bodyPr/>
+              <a:lstStyle/>
+              <a:p>
+                <a:r>
+                  <a:rPr lang="es-ES">
+                    <a:noFill/>
+                  </a:rPr>
+                  <a:t> </a:t>
+                </a:r>
+              </a:p>
+            </p:txBody>
+          </p:sp>
+        </mc:Fallback>
+      </mc:AlternateContent>
     </p:spTree>
     <p:extLst>
       <p:ext uri="{BB962C8B-B14F-4D97-AF65-F5344CB8AC3E}">
-        <p14:creationId xmlns:p14="http://schemas.microsoft.com/office/powerpoint/2010/main" val="3997092726"/>
+        <p14:creationId xmlns:p14="http://schemas.microsoft.com/office/powerpoint/2010/main" val="1028457573"/>
       </p:ext>
     </p:extLst>
   </p:cSld>
@@ -14491,14 +14413,14 @@
       </p:grpSpPr>
       <p:sp>
         <p:nvSpPr>
-          <p:cNvPr id="3" name="TextBox 2"/>
+          <p:cNvPr id="2" name="TextBox 12"/>
           <p:cNvSpPr txBox="1"/>
           <p:nvPr/>
         </p:nvSpPr>
         <p:spPr>
           <a:xfrm>
-            <a:off x="971600" y="107921"/>
-            <a:ext cx="8136904" cy="646331"/>
+            <a:off x="323528" y="116632"/>
+            <a:ext cx="8496944" cy="584775"/>
           </a:xfrm>
           <a:prstGeom prst="rect">
             <a:avLst/>
@@ -14512,7 +14434,7 @@
           <a:lstStyle/>
           <a:p>
             <a:r>
-              <a:rPr lang="es-ES" sz="3600" dirty="0" smtClean="0">
+              <a:rPr lang="es-ES" sz="3200" dirty="0" smtClean="0">
                 <a:solidFill>
                   <a:schemeClr val="accent2"/>
                 </a:solidFill>
@@ -14525,9 +14447,25 @@
                 </a:effectLst>
                 <a:latin typeface="Gill Sans MT" panose="020B0502020104020203" pitchFamily="34" charset="0"/>
               </a:rPr>
-              <a:t>REFERENCIAS</a:t>
-            </a:r>
-            <a:endParaRPr lang="es-ES" sz="3800" dirty="0">
+              <a:t>¿Qué son los e</a:t>
+            </a:r>
+            <a:r>
+              <a:rPr lang="es-ES" sz="3200" dirty="0" smtClean="0">
+                <a:solidFill>
+                  <a:schemeClr val="accent2"/>
+                </a:solidFill>
+                <a:effectLst>
+                  <a:outerShdw blurRad="38100" dist="38100" dir="2700000" algn="tl">
+                    <a:srgbClr val="000000">
+                      <a:alpha val="43137"/>
+                    </a:srgbClr>
+                  </a:outerShdw>
+                </a:effectLst>
+                <a:latin typeface="Gill Sans MT" panose="020B0502020104020203" pitchFamily="34" charset="0"/>
+              </a:rPr>
+              <a:t>fectos aleatorios?</a:t>
+            </a:r>
+            <a:endParaRPr lang="es-ES" sz="3600" dirty="0">
               <a:solidFill>
                 <a:schemeClr val="accent2"/>
               </a:solidFill>
@@ -14543,50 +14481,1629 @@
           </a:p>
         </p:txBody>
       </p:sp>
+      <mc:AlternateContent xmlns:mc="http://schemas.openxmlformats.org/markup-compatibility/2006">
+        <mc:Choice xmlns:a14="http://schemas.microsoft.com/office/drawing/2010/main" Requires="a14">
+          <p:sp>
+            <p:nvSpPr>
+              <p:cNvPr id="3" name="Rectángulo 2"/>
+              <p:cNvSpPr/>
+              <p:nvPr/>
+            </p:nvSpPr>
+            <p:spPr>
+              <a:xfrm>
+                <a:off x="267458" y="980728"/>
+                <a:ext cx="8609084" cy="2840008"/>
+              </a:xfrm>
+              <a:prstGeom prst="rect">
+                <a:avLst/>
+              </a:prstGeom>
+            </p:spPr>
+            <p:txBody>
+              <a:bodyPr wrap="square">
+                <a:spAutoFit/>
+              </a:bodyPr>
+              <a:lstStyle/>
+              <a:p>
+                <a:pPr marL="457200" indent="-457200" fontAlgn="auto">
+                  <a:spcBef>
+                    <a:spcPts val="600"/>
+                  </a:spcBef>
+                  <a:spcAft>
+                    <a:spcPts val="600"/>
+                  </a:spcAft>
+                  <a:buFont typeface="+mj-lt"/>
+                  <a:buAutoNum type="arabicPeriod"/>
+                </a:pPr>
+                <a:r>
+                  <a:rPr lang="es-ES" sz="2400" dirty="0" smtClean="0">
+                    <a:solidFill>
+                      <a:srgbClr val="636382"/>
+                    </a:solidFill>
+                    <a:latin typeface="Gill Sans MT" panose="020B0502020104020203" pitchFamily="34" charset="0"/>
+                  </a:rPr>
+                  <a:t>Los efectos poblacionales </a:t>
+                </a:r>
+                <a14:m>
+                  <m:oMath xmlns:m="http://schemas.openxmlformats.org/officeDocument/2006/math">
+                    <m:sSub>
+                      <m:sSubPr>
+                        <m:ctrlPr>
+                          <a:rPr lang="en-US" sz="2400" b="1" i="1">
+                            <a:solidFill>
+                              <a:srgbClr val="636382"/>
+                            </a:solidFill>
+                            <a:latin typeface="Cambria Math" panose="02040503050406030204" pitchFamily="18" charset="0"/>
+                            <a:ea typeface="Cambria Math" panose="02040503050406030204" pitchFamily="18" charset="0"/>
+                          </a:rPr>
+                        </m:ctrlPr>
+                      </m:sSubPr>
+                      <m:e>
+                        <m:r>
+                          <a:rPr lang="en-US" sz="2400" b="1" i="1">
+                            <a:solidFill>
+                              <a:srgbClr val="636382"/>
+                            </a:solidFill>
+                            <a:latin typeface="Cambria Math" panose="02040503050406030204" pitchFamily="18" charset="0"/>
+                            <a:ea typeface="Cambria Math" panose="02040503050406030204" pitchFamily="18" charset="0"/>
+                          </a:rPr>
+                          <m:t>𝜶</m:t>
+                        </m:r>
+                      </m:e>
+                      <m:sub>
+                        <m:r>
+                          <a:rPr lang="es-AR" sz="2400" b="1" i="1">
+                            <a:solidFill>
+                              <a:srgbClr val="636382"/>
+                            </a:solidFill>
+                            <a:latin typeface="Cambria Math" panose="02040503050406030204" pitchFamily="18" charset="0"/>
+                            <a:ea typeface="Cambria Math" panose="02040503050406030204" pitchFamily="18" charset="0"/>
+                          </a:rPr>
+                          <m:t>𝒋</m:t>
+                        </m:r>
+                      </m:sub>
+                    </m:sSub>
+                    <m:r>
+                      <a:rPr lang="es-ES" sz="2400" b="1" i="1" smtClean="0">
+                        <a:solidFill>
+                          <a:srgbClr val="636382"/>
+                        </a:solidFill>
+                        <a:latin typeface="Cambria Math" panose="02040503050406030204" pitchFamily="18" charset="0"/>
+                        <a:ea typeface="Cambria Math" panose="02040503050406030204" pitchFamily="18" charset="0"/>
+                      </a:rPr>
+                      <m:t> </m:t>
+                    </m:r>
+                  </m:oMath>
+                </a14:m>
+                <a:r>
+                  <a:rPr lang="en-US" sz="2400" dirty="0" smtClean="0">
+                    <a:solidFill>
+                      <a:srgbClr val="636382"/>
+                    </a:solidFill>
+                    <a:latin typeface="Gill Sans MT" panose="020B0502020104020203" pitchFamily="34" charset="0"/>
+                  </a:rPr>
+                  <a:t>son </a:t>
+                </a:r>
+                <a:r>
+                  <a:rPr lang="en-US" sz="2400" dirty="0" err="1" smtClean="0">
+                    <a:solidFill>
+                      <a:srgbClr val="636382"/>
+                    </a:solidFill>
+                    <a:latin typeface="Gill Sans MT" panose="020B0502020104020203" pitchFamily="34" charset="0"/>
+                  </a:rPr>
+                  <a:t>completamente</a:t>
+                </a:r>
+                <a:r>
+                  <a:rPr lang="en-US" sz="2400" dirty="0" smtClean="0">
+                    <a:solidFill>
+                      <a:srgbClr val="636382"/>
+                    </a:solidFill>
+                    <a:latin typeface="Gill Sans MT" panose="020B0502020104020203" pitchFamily="34" charset="0"/>
+                  </a:rPr>
+                  <a:t> </a:t>
+                </a:r>
+                <a:r>
+                  <a:rPr lang="en-US" sz="2400" dirty="0" err="1" smtClean="0">
+                    <a:solidFill>
+                      <a:srgbClr val="636382"/>
+                    </a:solidFill>
+                    <a:latin typeface="Gill Sans MT" panose="020B0502020104020203" pitchFamily="34" charset="0"/>
+                  </a:rPr>
+                  <a:t>independientes</a:t>
+                </a:r>
+                <a:r>
+                  <a:rPr lang="en-US" sz="2400" dirty="0" smtClean="0">
+                    <a:solidFill>
+                      <a:srgbClr val="636382"/>
+                    </a:solidFill>
+                    <a:latin typeface="Gill Sans MT" panose="020B0502020104020203" pitchFamily="34" charset="0"/>
+                  </a:rPr>
+                  <a:t> (y hay solo 3 </a:t>
+                </a:r>
+                <a:r>
+                  <a:rPr lang="en-US" sz="2400" dirty="0" err="1" smtClean="0">
+                    <a:solidFill>
+                      <a:srgbClr val="636382"/>
+                    </a:solidFill>
+                    <a:latin typeface="Gill Sans MT" panose="020B0502020104020203" pitchFamily="34" charset="0"/>
+                  </a:rPr>
+                  <a:t>poblaciones</a:t>
+                </a:r>
+                <a:r>
+                  <a:rPr lang="en-US" sz="2400" dirty="0" smtClean="0">
+                    <a:solidFill>
+                      <a:srgbClr val="636382"/>
+                    </a:solidFill>
+                    <a:latin typeface="Gill Sans MT" panose="020B0502020104020203" pitchFamily="34" charset="0"/>
+                  </a:rPr>
+                  <a:t> que </a:t>
+                </a:r>
+                <a:r>
+                  <a:rPr lang="en-US" sz="2400" dirty="0" err="1" smtClean="0">
+                    <a:solidFill>
+                      <a:srgbClr val="636382"/>
+                    </a:solidFill>
+                    <a:latin typeface="Gill Sans MT" panose="020B0502020104020203" pitchFamily="34" charset="0"/>
+                  </a:rPr>
+                  <a:t>nos</a:t>
+                </a:r>
+                <a:r>
+                  <a:rPr lang="en-US" sz="2400" dirty="0" smtClean="0">
+                    <a:solidFill>
+                      <a:srgbClr val="636382"/>
+                    </a:solidFill>
+                    <a:latin typeface="Gill Sans MT" panose="020B0502020104020203" pitchFamily="34" charset="0"/>
+                  </a:rPr>
+                  <a:t> </a:t>
+                </a:r>
+                <a:r>
+                  <a:rPr lang="en-US" sz="2400" dirty="0" err="1" smtClean="0">
+                    <a:solidFill>
+                      <a:srgbClr val="636382"/>
+                    </a:solidFill>
+                    <a:latin typeface="Gill Sans MT" panose="020B0502020104020203" pitchFamily="34" charset="0"/>
+                  </a:rPr>
+                  <a:t>interesan</a:t>
+                </a:r>
+                <a:r>
+                  <a:rPr lang="en-US" sz="2400" dirty="0" smtClean="0">
+                    <a:solidFill>
+                      <a:srgbClr val="636382"/>
+                    </a:solidFill>
+                    <a:latin typeface="Gill Sans MT" panose="020B0502020104020203" pitchFamily="34" charset="0"/>
+                  </a:rPr>
+                  <a:t>)</a:t>
+                </a:r>
+              </a:p>
+              <a:p>
+                <a:pPr marL="457200" indent="-457200" fontAlgn="auto">
+                  <a:spcBef>
+                    <a:spcPts val="600"/>
+                  </a:spcBef>
+                  <a:spcAft>
+                    <a:spcPts val="600"/>
+                  </a:spcAft>
+                  <a:buFont typeface="+mj-lt"/>
+                  <a:buAutoNum type="arabicPeriod"/>
+                </a:pPr>
+                <a:r>
+                  <a:rPr lang="en-US" sz="2400" dirty="0" smtClean="0">
+                    <a:solidFill>
+                      <a:srgbClr val="636382"/>
+                    </a:solidFill>
+                    <a:ea typeface="Cambria Math" panose="02040503050406030204" pitchFamily="18" charset="0"/>
+                  </a:rPr>
+                  <a:t>Los 3 </a:t>
+                </a:r>
+                <a14:m>
+                  <m:oMath xmlns:m="http://schemas.openxmlformats.org/officeDocument/2006/math">
+                    <m:sSub>
+                      <m:sSubPr>
+                        <m:ctrlPr>
+                          <a:rPr lang="en-US" sz="2400" b="1" i="1">
+                            <a:solidFill>
+                              <a:srgbClr val="636382"/>
+                            </a:solidFill>
+                            <a:latin typeface="Cambria Math" panose="02040503050406030204" pitchFamily="18" charset="0"/>
+                            <a:ea typeface="Cambria Math" panose="02040503050406030204" pitchFamily="18" charset="0"/>
+                          </a:rPr>
+                        </m:ctrlPr>
+                      </m:sSubPr>
+                      <m:e>
+                        <m:r>
+                          <a:rPr lang="en-US" sz="2400" b="1" i="1">
+                            <a:solidFill>
+                              <a:srgbClr val="636382"/>
+                            </a:solidFill>
+                            <a:latin typeface="Cambria Math" panose="02040503050406030204" pitchFamily="18" charset="0"/>
+                            <a:ea typeface="Cambria Math" panose="02040503050406030204" pitchFamily="18" charset="0"/>
+                          </a:rPr>
+                          <m:t>𝜶</m:t>
+                        </m:r>
+                      </m:e>
+                      <m:sub>
+                        <m:r>
+                          <a:rPr lang="es-AR" sz="2400" b="1" i="1">
+                            <a:solidFill>
+                              <a:srgbClr val="636382"/>
+                            </a:solidFill>
+                            <a:latin typeface="Cambria Math" panose="02040503050406030204" pitchFamily="18" charset="0"/>
+                            <a:ea typeface="Cambria Math" panose="02040503050406030204" pitchFamily="18" charset="0"/>
+                          </a:rPr>
+                          <m:t>𝒋</m:t>
+                        </m:r>
+                      </m:sub>
+                    </m:sSub>
+                  </m:oMath>
+                </a14:m>
+                <a:r>
+                  <a:rPr lang="en-US" sz="2400" dirty="0" smtClean="0">
+                    <a:solidFill>
+                      <a:srgbClr val="636382"/>
+                    </a:solidFill>
+                    <a:latin typeface="Gill Sans MT" panose="020B0502020104020203" pitchFamily="34" charset="0"/>
+                  </a:rPr>
+                  <a:t> no son </a:t>
+                </a:r>
+                <a:r>
+                  <a:rPr lang="en-US" sz="2400" dirty="0" err="1" smtClean="0">
+                    <a:solidFill>
+                      <a:srgbClr val="636382"/>
+                    </a:solidFill>
+                    <a:latin typeface="Gill Sans MT" panose="020B0502020104020203" pitchFamily="34" charset="0"/>
+                  </a:rPr>
+                  <a:t>independientes</a:t>
+                </a:r>
+                <a:r>
+                  <a:rPr lang="en-US" sz="2400" dirty="0" smtClean="0">
+                    <a:solidFill>
+                      <a:srgbClr val="636382"/>
+                    </a:solidFill>
+                    <a:latin typeface="Gill Sans MT" panose="020B0502020104020203" pitchFamily="34" charset="0"/>
+                  </a:rPr>
+                  <a:t>, y son </a:t>
+                </a:r>
+                <a:r>
+                  <a:rPr lang="en-US" sz="2400" dirty="0" err="1" smtClean="0">
+                    <a:solidFill>
+                      <a:srgbClr val="636382"/>
+                    </a:solidFill>
+                    <a:latin typeface="Gill Sans MT" panose="020B0502020104020203" pitchFamily="34" charset="0"/>
+                  </a:rPr>
+                  <a:t>una</a:t>
+                </a:r>
+                <a:r>
+                  <a:rPr lang="en-US" sz="2400" dirty="0" smtClean="0">
+                    <a:solidFill>
+                      <a:srgbClr val="636382"/>
+                    </a:solidFill>
+                    <a:latin typeface="Gill Sans MT" panose="020B0502020104020203" pitchFamily="34" charset="0"/>
+                  </a:rPr>
+                  <a:t> </a:t>
+                </a:r>
+                <a:r>
+                  <a:rPr lang="en-US" sz="2400" dirty="0" err="1" smtClean="0">
+                    <a:solidFill>
+                      <a:srgbClr val="636382"/>
+                    </a:solidFill>
+                    <a:latin typeface="Gill Sans MT" panose="020B0502020104020203" pitchFamily="34" charset="0"/>
+                  </a:rPr>
+                  <a:t>muestra</a:t>
+                </a:r>
+                <a:r>
+                  <a:rPr lang="en-US" sz="2400" dirty="0" smtClean="0">
+                    <a:solidFill>
+                      <a:srgbClr val="636382"/>
+                    </a:solidFill>
+                    <a:latin typeface="Gill Sans MT" panose="020B0502020104020203" pitchFamily="34" charset="0"/>
+                  </a:rPr>
+                  <a:t> de </a:t>
+                </a:r>
+                <a:r>
+                  <a:rPr lang="en-US" sz="2400" dirty="0" err="1" smtClean="0">
+                    <a:solidFill>
+                      <a:srgbClr val="636382"/>
+                    </a:solidFill>
+                    <a:latin typeface="Gill Sans MT" panose="020B0502020104020203" pitchFamily="34" charset="0"/>
+                  </a:rPr>
+                  <a:t>una</a:t>
+                </a:r>
+                <a:r>
+                  <a:rPr lang="en-US" sz="2400" dirty="0" smtClean="0">
+                    <a:solidFill>
+                      <a:srgbClr val="636382"/>
+                    </a:solidFill>
+                    <a:latin typeface="Gill Sans MT" panose="020B0502020104020203" pitchFamily="34" charset="0"/>
+                  </a:rPr>
+                  <a:t> </a:t>
+                </a:r>
+                <a:r>
+                  <a:rPr lang="en-US" sz="2400" dirty="0" err="1" smtClean="0">
+                    <a:solidFill>
+                      <a:srgbClr val="636382"/>
+                    </a:solidFill>
+                    <a:latin typeface="Gill Sans MT" panose="020B0502020104020203" pitchFamily="34" charset="0"/>
+                  </a:rPr>
+                  <a:t>población</a:t>
+                </a:r>
+                <a:r>
+                  <a:rPr lang="en-US" sz="2400" dirty="0" smtClean="0">
+                    <a:solidFill>
+                      <a:srgbClr val="636382"/>
+                    </a:solidFill>
+                    <a:latin typeface="Gill Sans MT" panose="020B0502020104020203" pitchFamily="34" charset="0"/>
+                  </a:rPr>
+                  <a:t> mayor</a:t>
+                </a:r>
+              </a:p>
+              <a:p>
+                <a:pPr marL="2286000" lvl="4" indent="-457200" fontAlgn="auto">
+                  <a:spcBef>
+                    <a:spcPts val="600"/>
+                  </a:spcBef>
+                  <a:spcAft>
+                    <a:spcPts val="600"/>
+                  </a:spcAft>
+                  <a:buFont typeface="+mj-lt"/>
+                  <a:buAutoNum type="arabicPeriod"/>
+                </a:pPr>
+                <a:r>
+                  <a:rPr lang="en-US" sz="2400" dirty="0" smtClean="0">
+                    <a:solidFill>
+                      <a:srgbClr val="636382"/>
+                    </a:solidFill>
+                    <a:latin typeface="Gill Sans MT" panose="020B0502020104020203" pitchFamily="34" charset="0"/>
+                  </a:rPr>
+                  <a:t>Nos </a:t>
+                </a:r>
+                <a:r>
+                  <a:rPr lang="en-US" sz="2400" dirty="0" err="1" smtClean="0">
+                    <a:solidFill>
+                      <a:srgbClr val="636382"/>
+                    </a:solidFill>
+                    <a:latin typeface="Gill Sans MT" panose="020B0502020104020203" pitchFamily="34" charset="0"/>
+                  </a:rPr>
+                  <a:t>lleva</a:t>
+                </a:r>
+                <a:r>
+                  <a:rPr lang="en-US" sz="2400" dirty="0" smtClean="0">
+                    <a:solidFill>
+                      <a:srgbClr val="636382"/>
+                    </a:solidFill>
+                    <a:latin typeface="Gill Sans MT" panose="020B0502020104020203" pitchFamily="34" charset="0"/>
+                  </a:rPr>
+                  <a:t> a </a:t>
+                </a:r>
+                <a:r>
+                  <a:rPr lang="en-US" sz="2400" dirty="0" err="1" smtClean="0">
+                    <a:solidFill>
+                      <a:srgbClr val="636382"/>
+                    </a:solidFill>
+                    <a:latin typeface="Gill Sans MT" panose="020B0502020104020203" pitchFamily="34" charset="0"/>
+                  </a:rPr>
+                  <a:t>efectos</a:t>
+                </a:r>
+                <a:r>
+                  <a:rPr lang="en-US" sz="2400" dirty="0" smtClean="0">
+                    <a:solidFill>
+                      <a:srgbClr val="636382"/>
+                    </a:solidFill>
+                    <a:latin typeface="Gill Sans MT" panose="020B0502020104020203" pitchFamily="34" charset="0"/>
+                  </a:rPr>
+                  <a:t> </a:t>
+                </a:r>
+                <a:r>
+                  <a:rPr lang="en-US" sz="2400" dirty="0" err="1" smtClean="0">
+                    <a:solidFill>
+                      <a:srgbClr val="636382"/>
+                    </a:solidFill>
+                    <a:latin typeface="Gill Sans MT" panose="020B0502020104020203" pitchFamily="34" charset="0"/>
+                  </a:rPr>
+                  <a:t>fijos</a:t>
+                </a:r>
+                <a:endParaRPr lang="en-US" sz="2400" dirty="0" smtClean="0">
+                  <a:solidFill>
+                    <a:srgbClr val="636382"/>
+                  </a:solidFill>
+                  <a:latin typeface="Gill Sans MT" panose="020B0502020104020203" pitchFamily="34" charset="0"/>
+                </a:endParaRPr>
+              </a:p>
+              <a:p>
+                <a:pPr marL="2286000" lvl="4" indent="-457200" fontAlgn="auto">
+                  <a:spcBef>
+                    <a:spcPts val="600"/>
+                  </a:spcBef>
+                  <a:spcAft>
+                    <a:spcPts val="600"/>
+                  </a:spcAft>
+                  <a:buFont typeface="+mj-lt"/>
+                  <a:buAutoNum type="arabicPeriod"/>
+                </a:pPr>
+                <a:r>
+                  <a:rPr lang="en-US" sz="2400" dirty="0" smtClean="0">
+                    <a:solidFill>
+                      <a:srgbClr val="636382"/>
+                    </a:solidFill>
+                    <a:latin typeface="Gill Sans MT" panose="020B0502020104020203" pitchFamily="34" charset="0"/>
+                  </a:rPr>
+                  <a:t>Nos </a:t>
+                </a:r>
+                <a:r>
+                  <a:rPr lang="en-US" sz="2400" dirty="0" err="1" smtClean="0">
+                    <a:solidFill>
+                      <a:srgbClr val="636382"/>
+                    </a:solidFill>
+                    <a:latin typeface="Gill Sans MT" panose="020B0502020104020203" pitchFamily="34" charset="0"/>
+                  </a:rPr>
+                  <a:t>lleva</a:t>
+                </a:r>
+                <a:r>
+                  <a:rPr lang="en-US" sz="2400" dirty="0" smtClean="0">
+                    <a:solidFill>
+                      <a:srgbClr val="636382"/>
+                    </a:solidFill>
+                    <a:latin typeface="Gill Sans MT" panose="020B0502020104020203" pitchFamily="34" charset="0"/>
+                  </a:rPr>
+                  <a:t> a </a:t>
+                </a:r>
+                <a:r>
+                  <a:rPr lang="en-US" sz="2400" dirty="0" err="1" smtClean="0">
+                    <a:solidFill>
+                      <a:srgbClr val="636382"/>
+                    </a:solidFill>
+                    <a:latin typeface="Gill Sans MT" panose="020B0502020104020203" pitchFamily="34" charset="0"/>
+                  </a:rPr>
+                  <a:t>efectos</a:t>
+                </a:r>
+                <a:r>
+                  <a:rPr lang="en-US" sz="2400" dirty="0" smtClean="0">
+                    <a:solidFill>
+                      <a:srgbClr val="636382"/>
+                    </a:solidFill>
+                    <a:latin typeface="Gill Sans MT" panose="020B0502020104020203" pitchFamily="34" charset="0"/>
+                  </a:rPr>
+                  <a:t> </a:t>
+                </a:r>
+                <a:r>
+                  <a:rPr lang="en-US" sz="2400" dirty="0" err="1" smtClean="0">
+                    <a:solidFill>
+                      <a:srgbClr val="636382"/>
+                    </a:solidFill>
+                    <a:latin typeface="Gill Sans MT" panose="020B0502020104020203" pitchFamily="34" charset="0"/>
+                  </a:rPr>
+                  <a:t>aleatorios</a:t>
+                </a:r>
+                <a:endParaRPr lang="en-US" sz="2400" dirty="0">
+                  <a:solidFill>
+                    <a:srgbClr val="636382"/>
+                  </a:solidFill>
+                  <a:latin typeface="Gill Sans MT" panose="020B0502020104020203" pitchFamily="34" charset="0"/>
+                </a:endParaRPr>
+              </a:p>
+            </p:txBody>
+          </p:sp>
+        </mc:Choice>
+        <mc:Fallback>
+          <p:sp>
+            <p:nvSpPr>
+              <p:cNvPr id="3" name="Rectángulo 2"/>
+              <p:cNvSpPr>
+                <a:spLocks noRot="1" noChangeAspect="1" noMove="1" noResize="1" noEditPoints="1" noAdjustHandles="1" noChangeArrowheads="1" noChangeShapeType="1" noTextEdit="1"/>
+              </p:cNvSpPr>
+              <p:nvPr/>
+            </p:nvSpPr>
+            <p:spPr>
+              <a:xfrm>
+                <a:off x="267458" y="980728"/>
+                <a:ext cx="8609084" cy="2840008"/>
+              </a:xfrm>
+              <a:prstGeom prst="rect">
+                <a:avLst/>
+              </a:prstGeom>
+              <a:blipFill rotWithShape="0">
+                <a:blip r:embed="rId2"/>
+                <a:stretch>
+                  <a:fillRect l="-1133" t="-1717" b="-3863"/>
+                </a:stretch>
+              </a:blipFill>
+            </p:spPr>
+            <p:txBody>
+              <a:bodyPr/>
+              <a:lstStyle/>
+              <a:p>
+                <a:r>
+                  <a:rPr lang="es-ES">
+                    <a:noFill/>
+                  </a:rPr>
+                  <a:t> </a:t>
+                </a:r>
+              </a:p>
+            </p:txBody>
+          </p:sp>
+        </mc:Fallback>
+      </mc:AlternateContent>
+      <mc:AlternateContent xmlns:mc="http://schemas.openxmlformats.org/markup-compatibility/2006">
+        <mc:Choice xmlns:a14="http://schemas.microsoft.com/office/drawing/2010/main" Requires="a14">
+          <p:sp>
+            <p:nvSpPr>
+              <p:cNvPr id="7" name="Rectangle 6"/>
+              <p:cNvSpPr/>
+              <p:nvPr/>
+            </p:nvSpPr>
+            <p:spPr>
+              <a:xfrm>
+                <a:off x="1969661" y="4869160"/>
+                <a:ext cx="5266635" cy="1101392"/>
+              </a:xfrm>
+              <a:prstGeom prst="rect">
+                <a:avLst/>
+              </a:prstGeom>
+            </p:spPr>
+            <p:txBody>
+              <a:bodyPr wrap="none">
+                <a:spAutoFit/>
+              </a:bodyPr>
+              <a:lstStyle/>
+              <a:p>
+                <a:pPr algn="ctr" fontAlgn="auto">
+                  <a:spcBef>
+                    <a:spcPts val="600"/>
+                  </a:spcBef>
+                  <a:spcAft>
+                    <a:spcPts val="600"/>
+                  </a:spcAft>
+                </a:pPr>
+                <a14:m>
+                  <m:oMathPara xmlns:m="http://schemas.openxmlformats.org/officeDocument/2006/math">
+                    <m:oMathParaPr>
+                      <m:jc m:val="centerGroup"/>
+                    </m:oMathParaPr>
+                    <m:oMath xmlns:m="http://schemas.openxmlformats.org/officeDocument/2006/math">
+                      <m:sSub>
+                        <m:sSubPr>
+                          <m:ctrlPr>
+                            <a:rPr lang="es-AR" sz="2400" b="1" i="1" smtClean="0">
+                              <a:solidFill>
+                                <a:srgbClr val="636382"/>
+                              </a:solidFill>
+                              <a:latin typeface="Cambria Math" panose="02040503050406030204" pitchFamily="18" charset="0"/>
+                            </a:rPr>
+                          </m:ctrlPr>
+                        </m:sSubPr>
+                        <m:e>
+                          <m:r>
+                            <a:rPr lang="es-AR" sz="2400" b="1" i="1" smtClean="0">
+                              <a:solidFill>
+                                <a:srgbClr val="636382"/>
+                              </a:solidFill>
+                              <a:latin typeface="Cambria Math" panose="02040503050406030204" pitchFamily="18" charset="0"/>
+                            </a:rPr>
+                            <m:t>𝒎𝒂𝒔𝒂</m:t>
+                          </m:r>
+                        </m:e>
+                        <m:sub>
+                          <m:r>
+                            <a:rPr lang="es-AR" sz="2400" b="1" i="1" smtClean="0">
+                              <a:solidFill>
+                                <a:srgbClr val="636382"/>
+                              </a:solidFill>
+                              <a:latin typeface="Cambria Math" panose="02040503050406030204" pitchFamily="18" charset="0"/>
+                            </a:rPr>
+                            <m:t>𝒊</m:t>
+                          </m:r>
+                        </m:sub>
+                      </m:sSub>
+                      <m:r>
+                        <a:rPr lang="en-US" sz="2400" b="1" i="1">
+                          <a:solidFill>
+                            <a:srgbClr val="636382"/>
+                          </a:solidFill>
+                          <a:latin typeface="Cambria Math" panose="02040503050406030204" pitchFamily="18" charset="0"/>
+                          <a:ea typeface="Cambria Math" panose="02040503050406030204" pitchFamily="18" charset="0"/>
+                        </a:rPr>
+                        <m:t>= </m:t>
+                      </m:r>
+                      <m:sSub>
+                        <m:sSubPr>
+                          <m:ctrlPr>
+                            <a:rPr lang="en-US" sz="2400" b="1" i="1" smtClean="0">
+                              <a:solidFill>
+                                <a:srgbClr val="636382"/>
+                              </a:solidFill>
+                              <a:latin typeface="Cambria Math" panose="02040503050406030204" pitchFamily="18" charset="0"/>
+                              <a:ea typeface="Cambria Math" panose="02040503050406030204" pitchFamily="18" charset="0"/>
+                            </a:rPr>
+                          </m:ctrlPr>
+                        </m:sSubPr>
+                        <m:e>
+                          <m:r>
+                            <a:rPr lang="en-US" sz="2400" b="1" i="1" smtClean="0">
+                              <a:solidFill>
+                                <a:srgbClr val="636382"/>
+                              </a:solidFill>
+                              <a:latin typeface="Cambria Math" panose="02040503050406030204" pitchFamily="18" charset="0"/>
+                              <a:ea typeface="Cambria Math" panose="02040503050406030204" pitchFamily="18" charset="0"/>
+                            </a:rPr>
+                            <m:t>𝜶</m:t>
+                          </m:r>
+                        </m:e>
+                        <m:sub>
+                          <m:r>
+                            <a:rPr lang="es-AR" sz="2400" b="1" i="1" smtClean="0">
+                              <a:solidFill>
+                                <a:srgbClr val="636382"/>
+                              </a:solidFill>
+                              <a:latin typeface="Cambria Math" panose="02040503050406030204" pitchFamily="18" charset="0"/>
+                              <a:ea typeface="Cambria Math" panose="02040503050406030204" pitchFamily="18" charset="0"/>
+                            </a:rPr>
+                            <m:t>𝒋</m:t>
+                          </m:r>
+                          <m:r>
+                            <a:rPr lang="es-AR" sz="2400" b="1" i="1" smtClean="0">
+                              <a:solidFill>
+                                <a:srgbClr val="636382"/>
+                              </a:solidFill>
+                              <a:latin typeface="Cambria Math" panose="02040503050406030204" pitchFamily="18" charset="0"/>
+                              <a:ea typeface="Cambria Math" panose="02040503050406030204" pitchFamily="18" charset="0"/>
+                            </a:rPr>
+                            <m:t>(</m:t>
+                          </m:r>
+                          <m:r>
+                            <a:rPr lang="es-AR" sz="2400" b="1" i="1" smtClean="0">
+                              <a:solidFill>
+                                <a:srgbClr val="636382"/>
+                              </a:solidFill>
+                              <a:latin typeface="Cambria Math" panose="02040503050406030204" pitchFamily="18" charset="0"/>
+                              <a:ea typeface="Cambria Math" panose="02040503050406030204" pitchFamily="18" charset="0"/>
+                            </a:rPr>
+                            <m:t>𝒊</m:t>
+                          </m:r>
+                          <m:r>
+                            <a:rPr lang="es-AR" sz="2400" b="1" i="1" smtClean="0">
+                              <a:solidFill>
+                                <a:srgbClr val="636382"/>
+                              </a:solidFill>
+                              <a:latin typeface="Cambria Math" panose="02040503050406030204" pitchFamily="18" charset="0"/>
+                              <a:ea typeface="Cambria Math" panose="02040503050406030204" pitchFamily="18" charset="0"/>
+                            </a:rPr>
+                            <m:t>)</m:t>
+                          </m:r>
+                        </m:sub>
+                      </m:sSub>
+                      <m:r>
+                        <a:rPr lang="es-ES" sz="2400" b="1" i="1">
+                          <a:solidFill>
+                            <a:srgbClr val="636382"/>
+                          </a:solidFill>
+                          <a:latin typeface="Cambria Math" panose="02040503050406030204" pitchFamily="18" charset="0"/>
+                          <a:ea typeface="Cambria Math" panose="02040503050406030204" pitchFamily="18" charset="0"/>
+                        </a:rPr>
+                        <m:t>+</m:t>
+                      </m:r>
+                      <m:r>
+                        <a:rPr lang="es-ES" sz="2400" b="1" i="1">
+                          <a:solidFill>
+                            <a:srgbClr val="636382"/>
+                          </a:solidFill>
+                          <a:latin typeface="Cambria Math" panose="02040503050406030204" pitchFamily="18" charset="0"/>
+                          <a:ea typeface="Cambria Math" panose="02040503050406030204" pitchFamily="18" charset="0"/>
+                        </a:rPr>
+                        <m:t>𝜷</m:t>
+                      </m:r>
+                      <m:r>
+                        <a:rPr lang="es-ES" sz="2400" b="1" i="1">
+                          <a:solidFill>
+                            <a:srgbClr val="636382"/>
+                          </a:solidFill>
+                          <a:latin typeface="Cambria Math" panose="02040503050406030204" pitchFamily="18" charset="0"/>
+                          <a:ea typeface="Cambria Math" panose="02040503050406030204" pitchFamily="18" charset="0"/>
+                        </a:rPr>
+                        <m:t>∗</m:t>
+                      </m:r>
+                      <m:sSub>
+                        <m:sSubPr>
+                          <m:ctrlPr>
+                            <a:rPr lang="es-ES" sz="2400" b="1" i="1">
+                              <a:solidFill>
+                                <a:srgbClr val="636382"/>
+                              </a:solidFill>
+                              <a:latin typeface="Cambria Math" panose="02040503050406030204" pitchFamily="18" charset="0"/>
+                              <a:ea typeface="Cambria Math" panose="02040503050406030204" pitchFamily="18" charset="0"/>
+                            </a:rPr>
+                          </m:ctrlPr>
+                        </m:sSubPr>
+                        <m:e>
+                          <m:r>
+                            <a:rPr lang="es-AR" sz="2400" b="1" i="1" smtClean="0">
+                              <a:solidFill>
+                                <a:srgbClr val="636382"/>
+                              </a:solidFill>
+                              <a:latin typeface="Cambria Math" panose="02040503050406030204" pitchFamily="18" charset="0"/>
+                              <a:ea typeface="Cambria Math" panose="02040503050406030204" pitchFamily="18" charset="0"/>
+                            </a:rPr>
+                            <m:t>𝒍𝒐𝒏𝒈𝒊𝒕𝒖𝒅</m:t>
+                          </m:r>
+                        </m:e>
+                        <m:sub>
+                          <m:r>
+                            <a:rPr lang="en-US" sz="2400" b="1" i="1">
+                              <a:solidFill>
+                                <a:srgbClr val="636382"/>
+                              </a:solidFill>
+                              <a:latin typeface="Cambria Math" panose="02040503050406030204" pitchFamily="18" charset="0"/>
+                              <a:ea typeface="Cambria Math" panose="02040503050406030204" pitchFamily="18" charset="0"/>
+                            </a:rPr>
+                            <m:t>𝒊</m:t>
+                          </m:r>
+                        </m:sub>
+                      </m:sSub>
+                      <m:r>
+                        <a:rPr lang="en-US" sz="2400" b="1" i="1">
+                          <a:solidFill>
+                            <a:srgbClr val="636382"/>
+                          </a:solidFill>
+                          <a:latin typeface="Cambria Math" panose="02040503050406030204" pitchFamily="18" charset="0"/>
+                          <a:ea typeface="Cambria Math" panose="02040503050406030204" pitchFamily="18" charset="0"/>
+                        </a:rPr>
+                        <m:t>+</m:t>
+                      </m:r>
+                      <m:sSub>
+                        <m:sSubPr>
+                          <m:ctrlPr>
+                            <a:rPr lang="en-US" sz="2400" b="1" i="1">
+                              <a:solidFill>
+                                <a:srgbClr val="636382"/>
+                              </a:solidFill>
+                              <a:latin typeface="Cambria Math" panose="02040503050406030204" pitchFamily="18" charset="0"/>
+                              <a:ea typeface="Cambria Math" panose="02040503050406030204" pitchFamily="18" charset="0"/>
+                            </a:rPr>
+                          </m:ctrlPr>
+                        </m:sSubPr>
+                        <m:e>
+                          <m:r>
+                            <a:rPr lang="en-US" sz="2400" b="1" i="1">
+                              <a:solidFill>
+                                <a:srgbClr val="636382"/>
+                              </a:solidFill>
+                              <a:latin typeface="Cambria Math" panose="02040503050406030204" pitchFamily="18" charset="0"/>
+                              <a:ea typeface="Cambria Math" panose="02040503050406030204" pitchFamily="18" charset="0"/>
+                            </a:rPr>
+                            <m:t>𝜺</m:t>
+                          </m:r>
+                        </m:e>
+                        <m:sub>
+                          <m:r>
+                            <a:rPr lang="en-US" sz="2400" b="1" i="1">
+                              <a:solidFill>
+                                <a:srgbClr val="636382"/>
+                              </a:solidFill>
+                              <a:latin typeface="Cambria Math" panose="02040503050406030204" pitchFamily="18" charset="0"/>
+                              <a:ea typeface="Cambria Math" panose="02040503050406030204" pitchFamily="18" charset="0"/>
+                            </a:rPr>
+                            <m:t>𝒊</m:t>
+                          </m:r>
+                        </m:sub>
+                      </m:sSub>
+                    </m:oMath>
+                  </m:oMathPara>
+                </a14:m>
+                <a:endParaRPr lang="es-ES" sz="2400" b="1" dirty="0" smtClean="0">
+                  <a:solidFill>
+                    <a:srgbClr val="636382"/>
+                  </a:solidFill>
+                  <a:latin typeface="Gill Sans MT" panose="020B0502020104020203" pitchFamily="34" charset="0"/>
+                  <a:ea typeface="Cambria Math" panose="02040503050406030204" pitchFamily="18" charset="0"/>
+                </a:endParaRPr>
+              </a:p>
+              <a:p>
+                <a:pPr algn="ctr" fontAlgn="auto">
+                  <a:spcBef>
+                    <a:spcPts val="600"/>
+                  </a:spcBef>
+                  <a:spcAft>
+                    <a:spcPts val="600"/>
+                  </a:spcAft>
+                </a:pPr>
+                <a14:m>
+                  <m:oMath xmlns:m="http://schemas.openxmlformats.org/officeDocument/2006/math">
+                    <m:sSub>
+                      <m:sSubPr>
+                        <m:ctrlPr>
+                          <a:rPr lang="en-US" sz="2400" b="1" i="1">
+                            <a:solidFill>
+                              <a:srgbClr val="636382"/>
+                            </a:solidFill>
+                            <a:latin typeface="Cambria Math" panose="02040503050406030204" pitchFamily="18" charset="0"/>
+                            <a:ea typeface="Cambria Math" panose="02040503050406030204" pitchFamily="18" charset="0"/>
+                          </a:rPr>
+                        </m:ctrlPr>
+                      </m:sSubPr>
+                      <m:e>
+                        <m:r>
+                          <a:rPr lang="en-US" sz="2400" b="1" i="1">
+                            <a:solidFill>
+                              <a:srgbClr val="636382"/>
+                            </a:solidFill>
+                            <a:latin typeface="Cambria Math" panose="02040503050406030204" pitchFamily="18" charset="0"/>
+                            <a:ea typeface="Cambria Math" panose="02040503050406030204" pitchFamily="18" charset="0"/>
+                          </a:rPr>
+                          <m:t>𝜶</m:t>
+                        </m:r>
+                      </m:e>
+                      <m:sub>
+                        <m:r>
+                          <a:rPr lang="es-AR" sz="2400" b="1" i="1">
+                            <a:solidFill>
+                              <a:srgbClr val="636382"/>
+                            </a:solidFill>
+                            <a:latin typeface="Cambria Math" panose="02040503050406030204" pitchFamily="18" charset="0"/>
+                            <a:ea typeface="Cambria Math" panose="02040503050406030204" pitchFamily="18" charset="0"/>
+                          </a:rPr>
+                          <m:t>𝒋</m:t>
+                        </m:r>
+                      </m:sub>
+                    </m:sSub>
+                    <m:r>
+                      <a:rPr lang="en-US" sz="2400" i="1">
+                        <a:solidFill>
+                          <a:srgbClr val="636382"/>
+                        </a:solidFill>
+                        <a:latin typeface="Cambria Math" panose="02040503050406030204" pitchFamily="18" charset="0"/>
+                        <a:ea typeface="Cambria Math" panose="02040503050406030204" pitchFamily="18" charset="0"/>
+                      </a:rPr>
+                      <m:t>~</m:t>
+                    </m:r>
+                    <m:r>
+                      <a:rPr lang="es-ES" sz="2400" b="0" i="1" smtClean="0">
+                        <a:solidFill>
+                          <a:srgbClr val="636382"/>
+                        </a:solidFill>
+                        <a:latin typeface="Cambria Math" panose="02040503050406030204" pitchFamily="18" charset="0"/>
+                        <a:ea typeface="Cambria Math" panose="02040503050406030204" pitchFamily="18" charset="0"/>
+                      </a:rPr>
+                      <m:t> </m:t>
+                    </m:r>
+                    <m:r>
+                      <a:rPr lang="es-ES" sz="2400" b="0" i="1" smtClean="0">
+                        <a:solidFill>
+                          <a:srgbClr val="636382"/>
+                        </a:solidFill>
+                        <a:latin typeface="Cambria Math" panose="02040503050406030204" pitchFamily="18" charset="0"/>
+                        <a:ea typeface="Cambria Math" panose="02040503050406030204" pitchFamily="18" charset="0"/>
+                      </a:rPr>
+                      <m:t>𝑁𝑜𝑟𝑚𝑎𝑙</m:t>
+                    </m:r>
+                    <m:r>
+                      <a:rPr lang="es-ES" sz="2400" b="0" i="1" smtClean="0">
+                        <a:solidFill>
+                          <a:srgbClr val="636382"/>
+                        </a:solidFill>
+                        <a:latin typeface="Cambria Math" panose="02040503050406030204" pitchFamily="18" charset="0"/>
+                        <a:ea typeface="Cambria Math" panose="02040503050406030204" pitchFamily="18" charset="0"/>
+                      </a:rPr>
+                      <m:t> (</m:t>
+                    </m:r>
+                    <m:sSub>
+                      <m:sSubPr>
+                        <m:ctrlPr>
+                          <a:rPr lang="es-ES" sz="2400" b="0" i="1" smtClean="0">
+                            <a:solidFill>
+                              <a:srgbClr val="636382"/>
+                            </a:solidFill>
+                            <a:latin typeface="Cambria Math" panose="02040503050406030204" pitchFamily="18" charset="0"/>
+                            <a:ea typeface="Cambria Math" panose="02040503050406030204" pitchFamily="18" charset="0"/>
+                          </a:rPr>
+                        </m:ctrlPr>
+                      </m:sSubPr>
+                      <m:e>
+                        <m:r>
+                          <a:rPr lang="es-ES" sz="2400" b="0" i="1" smtClean="0">
+                            <a:solidFill>
+                              <a:srgbClr val="636382"/>
+                            </a:solidFill>
+                            <a:latin typeface="Cambria Math" panose="02040503050406030204" pitchFamily="18" charset="0"/>
+                            <a:ea typeface="Cambria Math" panose="02040503050406030204" pitchFamily="18" charset="0"/>
+                          </a:rPr>
+                          <m:t>𝜇</m:t>
+                        </m:r>
+                      </m:e>
+                      <m:sub>
+                        <m:r>
+                          <a:rPr lang="es-ES" sz="2400" b="0" i="1" smtClean="0">
+                            <a:solidFill>
+                              <a:srgbClr val="636382"/>
+                            </a:solidFill>
+                            <a:latin typeface="Cambria Math" panose="02040503050406030204" pitchFamily="18" charset="0"/>
+                            <a:ea typeface="Cambria Math" panose="02040503050406030204" pitchFamily="18" charset="0"/>
+                          </a:rPr>
+                          <m:t>𝛼</m:t>
+                        </m:r>
+                      </m:sub>
+                    </m:sSub>
+                    <m:r>
+                      <a:rPr lang="es-ES" sz="2400" b="0" i="1" smtClean="0">
+                        <a:solidFill>
+                          <a:srgbClr val="636382"/>
+                        </a:solidFill>
+                        <a:latin typeface="Cambria Math" panose="02040503050406030204" pitchFamily="18" charset="0"/>
+                        <a:ea typeface="Cambria Math" panose="02040503050406030204" pitchFamily="18" charset="0"/>
+                      </a:rPr>
+                      <m:t>,</m:t>
+                    </m:r>
+                    <m:sSubSup>
+                      <m:sSubSupPr>
+                        <m:ctrlPr>
+                          <a:rPr lang="es-ES" sz="2400" b="0" i="1" smtClean="0">
+                            <a:solidFill>
+                              <a:srgbClr val="636382"/>
+                            </a:solidFill>
+                            <a:latin typeface="Cambria Math" panose="02040503050406030204" pitchFamily="18" charset="0"/>
+                            <a:ea typeface="Cambria Math" panose="02040503050406030204" pitchFamily="18" charset="0"/>
+                          </a:rPr>
+                        </m:ctrlPr>
+                      </m:sSubSupPr>
+                      <m:e>
+                        <m:r>
+                          <a:rPr lang="es-ES" sz="2400" b="0" i="1" smtClean="0">
+                            <a:solidFill>
+                              <a:srgbClr val="636382"/>
+                            </a:solidFill>
+                            <a:latin typeface="Cambria Math" panose="02040503050406030204" pitchFamily="18" charset="0"/>
+                            <a:ea typeface="Cambria Math" panose="02040503050406030204" pitchFamily="18" charset="0"/>
+                          </a:rPr>
+                          <m:t>𝜎</m:t>
+                        </m:r>
+                      </m:e>
+                      <m:sub>
+                        <m:r>
+                          <a:rPr lang="es-ES" sz="2400" b="0" i="1" smtClean="0">
+                            <a:solidFill>
+                              <a:srgbClr val="636382"/>
+                            </a:solidFill>
+                            <a:latin typeface="Cambria Math" panose="02040503050406030204" pitchFamily="18" charset="0"/>
+                            <a:ea typeface="Cambria Math" panose="02040503050406030204" pitchFamily="18" charset="0"/>
+                          </a:rPr>
+                          <m:t>𝛼</m:t>
+                        </m:r>
+                      </m:sub>
+                      <m:sup>
+                        <m:r>
+                          <a:rPr lang="es-ES" sz="2400" b="0" i="1" smtClean="0">
+                            <a:solidFill>
+                              <a:srgbClr val="636382"/>
+                            </a:solidFill>
+                            <a:latin typeface="Cambria Math" panose="02040503050406030204" pitchFamily="18" charset="0"/>
+                            <a:ea typeface="Cambria Math" panose="02040503050406030204" pitchFamily="18" charset="0"/>
+                          </a:rPr>
+                          <m:t>2</m:t>
+                        </m:r>
+                      </m:sup>
+                    </m:sSubSup>
+                    <m:r>
+                      <a:rPr lang="es-ES" sz="2400" b="0" i="1" smtClean="0">
+                        <a:solidFill>
+                          <a:srgbClr val="636382"/>
+                        </a:solidFill>
+                        <a:latin typeface="Cambria Math" panose="02040503050406030204" pitchFamily="18" charset="0"/>
+                        <a:ea typeface="Cambria Math" panose="02040503050406030204" pitchFamily="18" charset="0"/>
+                      </a:rPr>
+                      <m:t>)</m:t>
+                    </m:r>
+                  </m:oMath>
+                </a14:m>
+                <a:r>
+                  <a:rPr lang="es-ES" sz="2400" b="1" dirty="0" smtClean="0">
+                    <a:solidFill>
+                      <a:srgbClr val="636382"/>
+                    </a:solidFill>
+                    <a:latin typeface="Gill Sans MT" panose="020B0502020104020203" pitchFamily="34" charset="0"/>
+                    <a:ea typeface="Cambria Math" panose="02040503050406030204" pitchFamily="18" charset="0"/>
+                  </a:rPr>
+                  <a:t>  </a:t>
+                </a:r>
+                <a:endParaRPr lang="es-ES" sz="2400" b="1" dirty="0">
+                  <a:solidFill>
+                    <a:srgbClr val="636382"/>
+                  </a:solidFill>
+                  <a:latin typeface="Gill Sans MT" panose="020B0502020104020203" pitchFamily="34" charset="0"/>
+                  <a:ea typeface="Cambria Math" panose="02040503050406030204" pitchFamily="18" charset="0"/>
+                </a:endParaRPr>
+              </a:p>
+            </p:txBody>
+          </p:sp>
+        </mc:Choice>
+        <mc:Fallback>
+          <p:sp>
+            <p:nvSpPr>
+              <p:cNvPr id="7" name="Rectangle 6"/>
+              <p:cNvSpPr>
+                <a:spLocks noRot="1" noChangeAspect="1" noMove="1" noResize="1" noEditPoints="1" noAdjustHandles="1" noChangeArrowheads="1" noChangeShapeType="1" noTextEdit="1"/>
+              </p:cNvSpPr>
+              <p:nvPr/>
+            </p:nvSpPr>
+            <p:spPr>
+              <a:xfrm>
+                <a:off x="1969661" y="4869160"/>
+                <a:ext cx="5266635" cy="1101392"/>
+              </a:xfrm>
+              <a:prstGeom prst="rect">
+                <a:avLst/>
+              </a:prstGeom>
+              <a:blipFill rotWithShape="0">
+                <a:blip r:embed="rId3"/>
+                <a:stretch>
+                  <a:fillRect b="-1111"/>
+                </a:stretch>
+              </a:blipFill>
+            </p:spPr>
+            <p:txBody>
+              <a:bodyPr/>
+              <a:lstStyle/>
+              <a:p>
+                <a:r>
+                  <a:rPr lang="es-ES">
+                    <a:noFill/>
+                  </a:rPr>
+                  <a:t> </a:t>
+                </a:r>
+              </a:p>
+            </p:txBody>
+          </p:sp>
+        </mc:Fallback>
+      </mc:AlternateContent>
+      <p:cxnSp>
+        <p:nvCxnSpPr>
+          <p:cNvPr id="8" name="Straight Arrow Connector 7"/>
+          <p:cNvCxnSpPr/>
+          <p:nvPr/>
+        </p:nvCxnSpPr>
+        <p:spPr>
+          <a:xfrm>
+            <a:off x="6084168" y="5733256"/>
+            <a:ext cx="576064" cy="0"/>
+          </a:xfrm>
+          <a:prstGeom prst="straightConnector1">
+            <a:avLst/>
+          </a:prstGeom>
+          <a:ln w="38100">
+            <a:solidFill>
+              <a:schemeClr val="accent1"/>
+            </a:solidFill>
+            <a:tailEnd type="triangle"/>
+          </a:ln>
+        </p:spPr>
+        <p:style>
+          <a:lnRef idx="1">
+            <a:schemeClr val="accent1"/>
+          </a:lnRef>
+          <a:fillRef idx="0">
+            <a:schemeClr val="accent1"/>
+          </a:fillRef>
+          <a:effectRef idx="0">
+            <a:schemeClr val="accent1"/>
+          </a:effectRef>
+          <a:fontRef idx="minor">
+            <a:schemeClr val="tx1"/>
+          </a:fontRef>
+        </p:style>
+      </p:cxnSp>
+      <mc:AlternateContent xmlns:mc="http://schemas.openxmlformats.org/markup-compatibility/2006">
+        <mc:Choice xmlns:a14="http://schemas.microsoft.com/office/drawing/2010/main" Requires="a14">
+          <p:sp>
+            <p:nvSpPr>
+              <p:cNvPr id="9" name="TextBox 8"/>
+              <p:cNvSpPr txBox="1"/>
+              <p:nvPr/>
+            </p:nvSpPr>
+            <p:spPr>
+              <a:xfrm>
+                <a:off x="6804248" y="5476212"/>
+                <a:ext cx="1928670" cy="461665"/>
+              </a:xfrm>
+              <a:prstGeom prst="rect">
+                <a:avLst/>
+              </a:prstGeom>
+              <a:noFill/>
+            </p:spPr>
+            <p:txBody>
+              <a:bodyPr wrap="none" rtlCol="0">
+                <a:spAutoFit/>
+              </a:bodyPr>
+              <a:lstStyle/>
+              <a:p>
+                <a14:m>
+                  <m:oMath xmlns:m="http://schemas.openxmlformats.org/officeDocument/2006/math">
+                    <m:sSub>
+                      <m:sSubPr>
+                        <m:ctrlPr>
+                          <a:rPr lang="en-US" b="1" i="1">
+                            <a:solidFill>
+                              <a:srgbClr val="636382"/>
+                            </a:solidFill>
+                            <a:latin typeface="Cambria Math" panose="02040503050406030204" pitchFamily="18" charset="0"/>
+                            <a:ea typeface="Cambria Math" panose="02040503050406030204" pitchFamily="18" charset="0"/>
+                          </a:rPr>
+                        </m:ctrlPr>
+                      </m:sSubPr>
+                      <m:e>
+                        <m:r>
+                          <a:rPr lang="en-US" b="1" i="1">
+                            <a:solidFill>
+                              <a:srgbClr val="636382"/>
+                            </a:solidFill>
+                            <a:latin typeface="Cambria Math" panose="02040503050406030204" pitchFamily="18" charset="0"/>
+                            <a:ea typeface="Cambria Math" panose="02040503050406030204" pitchFamily="18" charset="0"/>
+                          </a:rPr>
+                          <m:t>𝜶</m:t>
+                        </m:r>
+                      </m:e>
+                      <m:sub>
+                        <m:r>
+                          <a:rPr lang="es-AR" b="1" i="1">
+                            <a:solidFill>
+                              <a:srgbClr val="636382"/>
+                            </a:solidFill>
+                            <a:latin typeface="Cambria Math" panose="02040503050406030204" pitchFamily="18" charset="0"/>
+                            <a:ea typeface="Cambria Math" panose="02040503050406030204" pitchFamily="18" charset="0"/>
+                          </a:rPr>
+                          <m:t>𝒋</m:t>
+                        </m:r>
+                      </m:sub>
+                    </m:sSub>
+                  </m:oMath>
+                </a14:m>
+                <a:r>
+                  <a:rPr lang="es-ES" dirty="0" smtClean="0"/>
+                  <a:t> </a:t>
+                </a:r>
+                <a:r>
+                  <a:rPr lang="es-ES" sz="2400" dirty="0">
+                    <a:solidFill>
+                      <a:srgbClr val="636382"/>
+                    </a:solidFill>
+                    <a:latin typeface="Gill Sans MT" panose="020B0502020104020203" pitchFamily="34" charset="0"/>
+                  </a:rPr>
+                  <a:t>es aleatorio</a:t>
+                </a:r>
+                <a:endParaRPr lang="es-ES" sz="2400" dirty="0">
+                  <a:solidFill>
+                    <a:srgbClr val="636382"/>
+                  </a:solidFill>
+                  <a:latin typeface="Gill Sans MT" panose="020B0502020104020203" pitchFamily="34" charset="0"/>
+                </a:endParaRPr>
+              </a:p>
+            </p:txBody>
+          </p:sp>
+        </mc:Choice>
+        <mc:Fallback>
+          <p:sp>
+            <p:nvSpPr>
+              <p:cNvPr id="9" name="TextBox 8"/>
+              <p:cNvSpPr txBox="1">
+                <a:spLocks noRot="1" noChangeAspect="1" noMove="1" noResize="1" noEditPoints="1" noAdjustHandles="1" noChangeArrowheads="1" noChangeShapeType="1" noTextEdit="1"/>
+              </p:cNvSpPr>
+              <p:nvPr/>
+            </p:nvSpPr>
+            <p:spPr>
+              <a:xfrm>
+                <a:off x="6804248" y="5476212"/>
+                <a:ext cx="1928670" cy="461665"/>
+              </a:xfrm>
+              <a:prstGeom prst="rect">
+                <a:avLst/>
+              </a:prstGeom>
+              <a:blipFill rotWithShape="0">
+                <a:blip r:embed="rId4"/>
+                <a:stretch>
+                  <a:fillRect t="-11842" r="-4101" b="-27632"/>
+                </a:stretch>
+              </a:blipFill>
+            </p:spPr>
+            <p:txBody>
+              <a:bodyPr/>
+              <a:lstStyle/>
+              <a:p>
+                <a:r>
+                  <a:rPr lang="es-ES">
+                    <a:noFill/>
+                  </a:rPr>
+                  <a:t> </a:t>
+                </a:r>
+              </a:p>
+            </p:txBody>
+          </p:sp>
+        </mc:Fallback>
+      </mc:AlternateContent>
+      <p:pic>
+        <p:nvPicPr>
+          <p:cNvPr id="4" name="Picture 3"/>
+          <p:cNvPicPr>
+            <a:picLocks noChangeAspect="1"/>
+          </p:cNvPicPr>
+          <p:nvPr/>
+        </p:nvPicPr>
+        <p:blipFill>
+          <a:blip r:embed="rId5"/>
+          <a:stretch>
+            <a:fillRect/>
+          </a:stretch>
+        </p:blipFill>
+        <p:spPr>
+          <a:xfrm>
+            <a:off x="7380312" y="3196893"/>
+            <a:ext cx="1660284" cy="1806327"/>
+          </a:xfrm>
+          <a:prstGeom prst="rect">
+            <a:avLst/>
+          </a:prstGeom>
+        </p:spPr>
+      </p:pic>
+    </p:spTree>
+    <p:extLst>
+      <p:ext uri="{BB962C8B-B14F-4D97-AF65-F5344CB8AC3E}">
+        <p14:creationId xmlns:p14="http://schemas.microsoft.com/office/powerpoint/2010/main" val="4239104204"/>
+      </p:ext>
+    </p:extLst>
+  </p:cSld>
+  <p:clrMapOvr>
+    <a:masterClrMapping/>
+  </p:clrMapOvr>
+  <p:timing>
+    <p:tnLst>
+      <p:par>
+        <p:cTn id="1" dur="indefinite" restart="never" nodeType="tmRoot"/>
+      </p:par>
+    </p:tnLst>
+  </p:timing>
+</p:sld>
+</file>
+
+<file path=ppt/slides/slide14.xml><?xml version="1.0" encoding="utf-8"?>
+<p:sld xmlns:a="http://schemas.openxmlformats.org/drawingml/2006/main" xmlns:r="http://schemas.openxmlformats.org/officeDocument/2006/relationships" xmlns:p="http://schemas.openxmlformats.org/presentationml/2006/main">
+  <p:cSld>
+    <p:spTree>
+      <p:nvGrpSpPr>
+        <p:cNvPr id="1" name=""/>
+        <p:cNvGrpSpPr/>
+        <p:nvPr/>
+      </p:nvGrpSpPr>
+      <p:grpSpPr>
+        <a:xfrm>
+          <a:off x="0" y="0"/>
+          <a:ext cx="0" cy="0"/>
+          <a:chOff x="0" y="0"/>
+          <a:chExt cx="0" cy="0"/>
+        </a:xfrm>
+      </p:grpSpPr>
       <p:sp>
         <p:nvSpPr>
-          <p:cNvPr id="4" name="Rectangle 3"/>
+          <p:cNvPr id="2" name="TextBox 12"/>
+          <p:cNvSpPr txBox="1"/>
+          <p:nvPr/>
+        </p:nvSpPr>
+        <p:spPr>
+          <a:xfrm>
+            <a:off x="323528" y="116632"/>
+            <a:ext cx="8496944" cy="584775"/>
+          </a:xfrm>
+          <a:prstGeom prst="rect">
+            <a:avLst/>
+          </a:prstGeom>
+          <a:noFill/>
+        </p:spPr>
+        <p:txBody>
+          <a:bodyPr wrap="square" rtlCol="0">
+            <a:spAutoFit/>
+          </a:bodyPr>
+          <a:lstStyle/>
+          <a:p>
+            <a:r>
+              <a:rPr lang="es-ES" sz="3200" dirty="0" smtClean="0">
+                <a:solidFill>
+                  <a:schemeClr val="accent2"/>
+                </a:solidFill>
+                <a:effectLst>
+                  <a:outerShdw blurRad="38100" dist="38100" dir="2700000" algn="tl">
+                    <a:srgbClr val="000000">
+                      <a:alpha val="43137"/>
+                    </a:srgbClr>
+                  </a:outerShdw>
+                </a:effectLst>
+                <a:latin typeface="Gill Sans MT" panose="020B0502020104020203" pitchFamily="34" charset="0"/>
+              </a:rPr>
+              <a:t>INTRODUCCIÓN A </a:t>
+            </a:r>
+            <a:r>
+              <a:rPr lang="es-ES" sz="3200" dirty="0" smtClean="0">
+                <a:solidFill>
+                  <a:schemeClr val="accent2"/>
+                </a:solidFill>
+                <a:effectLst>
+                  <a:outerShdw blurRad="38100" dist="38100" dir="2700000" algn="tl">
+                    <a:srgbClr val="000000">
+                      <a:alpha val="43137"/>
+                    </a:srgbClr>
+                  </a:outerShdw>
+                </a:effectLst>
+                <a:latin typeface="Gill Sans MT" panose="020B0502020104020203" pitchFamily="34" charset="0"/>
+              </a:rPr>
+              <a:t>GLMM – Efectos Aleatorios</a:t>
+            </a:r>
+            <a:endParaRPr lang="es-ES" sz="3600" dirty="0">
+              <a:solidFill>
+                <a:schemeClr val="accent2"/>
+              </a:solidFill>
+              <a:effectLst>
+                <a:outerShdw blurRad="38100" dist="38100" dir="2700000" algn="tl">
+                  <a:srgbClr val="000000">
+                    <a:alpha val="43137"/>
+                  </a:srgbClr>
+                </a:outerShdw>
+              </a:effectLst>
+              <a:latin typeface="Gill Sans MT" panose="020B0502020104020203" pitchFamily="34" charset="0"/>
+            </a:endParaRPr>
+          </a:p>
+        </p:txBody>
+      </p:sp>
+      <p:sp>
+        <p:nvSpPr>
+          <p:cNvPr id="3" name="Rectángulo 2"/>
           <p:cNvSpPr/>
           <p:nvPr/>
         </p:nvSpPr>
         <p:spPr>
           <a:xfrm>
-            <a:off x="971600" y="1033717"/>
-            <a:ext cx="7866218" cy="4483515"/>
+            <a:off x="267458" y="908720"/>
+            <a:ext cx="8609084" cy="5509200"/>
           </a:xfrm>
           <a:prstGeom prst="rect">
             <a:avLst/>
           </a:prstGeom>
         </p:spPr>
         <p:txBody>
-          <a:bodyPr>
-            <a:noAutofit/>
+          <a:bodyPr wrap="square">
+            <a:spAutoFit/>
           </a:bodyPr>
           <a:lstStyle/>
           <a:p>
-            <a:pPr marL="342900" indent="-342900" eaLnBrk="1" hangingPunct="1">
+            <a:pPr marL="457200" indent="-457200" fontAlgn="auto">
               <a:spcBef>
-                <a:spcPts val="0"/>
+                <a:spcPts val="600"/>
               </a:spcBef>
               <a:spcAft>
-                <a:spcPts val="1200"/>
+                <a:spcPts val="600"/>
               </a:spcAft>
               <a:buFont typeface="Arial" panose="020B0604020202020204" pitchFamily="34" charset="0"/>
               <a:buChar char="•"/>
             </a:pPr>
-            <a:endParaRPr lang="en-US" sz="2400" dirty="0" err="1">
+            <a:r>
+              <a:rPr lang="es-ES" sz="2400" dirty="0" smtClean="0">
+                <a:solidFill>
+                  <a:srgbClr val="636382"/>
+                </a:solidFill>
+                <a:latin typeface="Gill Sans MT" panose="020B0502020104020203" pitchFamily="34" charset="0"/>
+              </a:rPr>
+              <a:t>Son dos o mas efectos que pertenecen juntos de alguna manera – son estimados bajo alguna limitación o una distribución común</a:t>
+            </a:r>
+          </a:p>
+          <a:p>
+            <a:pPr marL="457200" indent="-457200" fontAlgn="auto">
+              <a:spcBef>
+                <a:spcPts val="600"/>
+              </a:spcBef>
+              <a:spcAft>
+                <a:spcPts val="600"/>
+              </a:spcAft>
+              <a:buFont typeface="Arial" panose="020B0604020202020204" pitchFamily="34" charset="0"/>
+              <a:buChar char="•"/>
+            </a:pPr>
+            <a:r>
+              <a:rPr lang="es-ES" sz="2400" dirty="0" smtClean="0">
+                <a:solidFill>
+                  <a:srgbClr val="636382"/>
+                </a:solidFill>
+                <a:latin typeface="Gill Sans MT" panose="020B0502020104020203" pitchFamily="34" charset="0"/>
+              </a:rPr>
+              <a:t>Generalmente somos libres de elegir si un efecto es fijo o aleatorio, pero hay casos en que ese supuesto no tiene sentido biológico.</a:t>
+            </a:r>
+          </a:p>
+          <a:p>
+            <a:pPr marL="457200" indent="-457200" fontAlgn="auto">
+              <a:spcBef>
+                <a:spcPts val="600"/>
+              </a:spcBef>
+              <a:spcAft>
+                <a:spcPts val="600"/>
+              </a:spcAft>
+              <a:buFont typeface="Arial" panose="020B0604020202020204" pitchFamily="34" charset="0"/>
+              <a:buChar char="•"/>
+            </a:pPr>
+            <a:r>
+              <a:rPr lang="es-ES" sz="2400" dirty="0" smtClean="0">
+                <a:solidFill>
+                  <a:srgbClr val="636382"/>
+                </a:solidFill>
+                <a:latin typeface="Gill Sans MT" panose="020B0502020104020203" pitchFamily="34" charset="0"/>
+              </a:rPr>
+              <a:t>En el “lenguaje” Bayesiano una distribución previa que gobierna un set de efectos también tiene parámetros que deben ser estimados. Esos parámetros (de los efectos aleatorios) se denominan </a:t>
+            </a:r>
+            <a:r>
+              <a:rPr lang="es-ES" sz="2400" b="1" i="1" dirty="0" err="1" smtClean="0">
+                <a:solidFill>
+                  <a:srgbClr val="636382"/>
+                </a:solidFill>
+                <a:latin typeface="Gill Sans MT" panose="020B0502020104020203" pitchFamily="34" charset="0"/>
+              </a:rPr>
+              <a:t>hiperparámetros</a:t>
+            </a:r>
+            <a:r>
+              <a:rPr lang="es-ES" sz="2400" b="1" i="1" dirty="0" smtClean="0">
+                <a:solidFill>
+                  <a:srgbClr val="636382"/>
+                </a:solidFill>
+                <a:latin typeface="Gill Sans MT" panose="020B0502020104020203" pitchFamily="34" charset="0"/>
+              </a:rPr>
+              <a:t>, </a:t>
+            </a:r>
+            <a:r>
+              <a:rPr lang="es-ES" sz="2400" dirty="0" smtClean="0">
+                <a:solidFill>
+                  <a:srgbClr val="636382"/>
+                </a:solidFill>
+                <a:latin typeface="Gill Sans MT" panose="020B0502020104020203" pitchFamily="34" charset="0"/>
+              </a:rPr>
+              <a:t>y sus previas se denominan </a:t>
+            </a:r>
+            <a:r>
+              <a:rPr lang="es-ES" sz="2400" b="1" i="1" dirty="0" err="1" smtClean="0">
+                <a:solidFill>
+                  <a:srgbClr val="636382"/>
+                </a:solidFill>
+                <a:latin typeface="Gill Sans MT" panose="020B0502020104020203" pitchFamily="34" charset="0"/>
+              </a:rPr>
+              <a:t>hiperprevias</a:t>
+            </a:r>
+            <a:endParaRPr lang="es-ES" sz="2400" b="1" i="1" dirty="0" smtClean="0">
               <a:solidFill>
                 <a:srgbClr val="636382"/>
               </a:solidFill>
               <a:latin typeface="Gill Sans MT" panose="020B0502020104020203" pitchFamily="34" charset="0"/>
-              <a:cs typeface="+mn-cs"/>
+            </a:endParaRPr>
+          </a:p>
+          <a:p>
+            <a:pPr marL="457200" indent="-457200" fontAlgn="auto">
+              <a:spcBef>
+                <a:spcPts val="600"/>
+              </a:spcBef>
+              <a:spcAft>
+                <a:spcPts val="600"/>
+              </a:spcAft>
+              <a:buFont typeface="Arial" panose="020B0604020202020204" pitchFamily="34" charset="0"/>
+              <a:buChar char="•"/>
+            </a:pPr>
+            <a:r>
+              <a:rPr lang="es-ES" sz="2400" dirty="0" smtClean="0">
+                <a:solidFill>
+                  <a:srgbClr val="636382"/>
+                </a:solidFill>
+                <a:latin typeface="Gill Sans MT" panose="020B0502020104020203" pitchFamily="34" charset="0"/>
+              </a:rPr>
+              <a:t>Cuando introducimos efectos aleatorios, introducimos una jerarquía de efectos.</a:t>
+            </a:r>
+          </a:p>
+          <a:p>
+            <a:pPr marL="457200" indent="-457200" fontAlgn="auto">
+              <a:spcBef>
+                <a:spcPts val="600"/>
+              </a:spcBef>
+              <a:spcAft>
+                <a:spcPts val="600"/>
+              </a:spcAft>
+              <a:buFont typeface="+mj-lt"/>
+              <a:buAutoNum type="arabicPeriod"/>
+            </a:pPr>
+            <a:endParaRPr lang="en-US" sz="2400" dirty="0" smtClean="0">
+              <a:solidFill>
+                <a:srgbClr val="636382"/>
+              </a:solidFill>
+              <a:latin typeface="Gill Sans MT" panose="020B0502020104020203" pitchFamily="34" charset="0"/>
+            </a:endParaRPr>
+          </a:p>
+        </p:txBody>
+      </p:sp>
+    </p:spTree>
+    <p:extLst>
+      <p:ext uri="{BB962C8B-B14F-4D97-AF65-F5344CB8AC3E}">
+        <p14:creationId xmlns:p14="http://schemas.microsoft.com/office/powerpoint/2010/main" val="2020102432"/>
+      </p:ext>
+    </p:extLst>
+  </p:cSld>
+  <p:clrMapOvr>
+    <a:masterClrMapping/>
+  </p:clrMapOvr>
+  <p:timing>
+    <p:tnLst>
+      <p:par>
+        <p:cTn id="1" dur="indefinite" restart="never" nodeType="tmRoot"/>
+      </p:par>
+    </p:tnLst>
+  </p:timing>
+</p:sld>
+</file>
+
+<file path=ppt/slides/slide15.xml><?xml version="1.0" encoding="utf-8"?>
+<p:sld xmlns:a="http://schemas.openxmlformats.org/drawingml/2006/main" xmlns:r="http://schemas.openxmlformats.org/officeDocument/2006/relationships" xmlns:p="http://schemas.openxmlformats.org/presentationml/2006/main">
+  <p:cSld>
+    <p:spTree>
+      <p:nvGrpSpPr>
+        <p:cNvPr id="1" name=""/>
+        <p:cNvGrpSpPr/>
+        <p:nvPr/>
+      </p:nvGrpSpPr>
+      <p:grpSpPr>
+        <a:xfrm>
+          <a:off x="0" y="0"/>
+          <a:ext cx="0" cy="0"/>
+          <a:chOff x="0" y="0"/>
+          <a:chExt cx="0" cy="0"/>
+        </a:xfrm>
+      </p:grpSpPr>
+      <p:sp>
+        <p:nvSpPr>
+          <p:cNvPr id="13" name="TextBox 12"/>
+          <p:cNvSpPr txBox="1"/>
+          <p:nvPr/>
+        </p:nvSpPr>
+        <p:spPr>
+          <a:xfrm>
+            <a:off x="395536" y="107921"/>
+            <a:ext cx="8136904" cy="584775"/>
+          </a:xfrm>
+          <a:prstGeom prst="rect">
+            <a:avLst/>
+          </a:prstGeom>
+          <a:noFill/>
+        </p:spPr>
+        <p:txBody>
+          <a:bodyPr wrap="square" rtlCol="0">
+            <a:spAutoFit/>
+          </a:bodyPr>
+          <a:lstStyle/>
+          <a:p>
+            <a:r>
+              <a:rPr lang="es-ES" sz="3200" dirty="0" smtClean="0">
+                <a:solidFill>
+                  <a:schemeClr val="accent2"/>
+                </a:solidFill>
+                <a:effectLst>
+                  <a:outerShdw blurRad="38100" dist="38100" dir="2700000" algn="tl">
+                    <a:srgbClr val="000000">
+                      <a:alpha val="43137"/>
+                    </a:srgbClr>
+                  </a:outerShdw>
+                </a:effectLst>
+                <a:latin typeface="Gill Sans MT" panose="020B0502020104020203" pitchFamily="34" charset="0"/>
+              </a:rPr>
+              <a:t>MODELOS JERÁRQUICOS</a:t>
+            </a:r>
+            <a:endParaRPr lang="es-ES" sz="3600" dirty="0">
+              <a:solidFill>
+                <a:schemeClr val="accent2"/>
+              </a:solidFill>
+              <a:effectLst>
+                <a:outerShdw blurRad="38100" dist="38100" dir="2700000" algn="tl">
+                  <a:srgbClr val="000000">
+                    <a:alpha val="43137"/>
+                  </a:srgbClr>
+                </a:outerShdw>
+              </a:effectLst>
+              <a:latin typeface="Gill Sans MT" panose="020B0502020104020203" pitchFamily="34" charset="0"/>
             </a:endParaRPr>
           </a:p>
         </p:txBody>
       </p:sp>
       <p:sp>
         <p:nvSpPr>
-          <p:cNvPr id="6" name="Content Placeholder 4"/>
+          <p:cNvPr id="57" name="Content Placeholder 4"/>
           <p:cNvSpPr txBox="1">
             <a:spLocks/>
           </p:cNvSpPr>
@@ -14594,8 +16111,8 @@
         </p:nvSpPr>
         <p:spPr>
           <a:xfrm>
-            <a:off x="323528" y="998566"/>
-            <a:ext cx="8712968" cy="5310754"/>
+            <a:off x="323528" y="980728"/>
+            <a:ext cx="8496944" cy="5374320"/>
           </a:xfrm>
           <a:prstGeom prst="rect">
             <a:avLst/>
@@ -14748,54 +16265,168 @@
                 <a:spcPts val="600"/>
               </a:spcBef>
               <a:spcAft>
-                <a:spcPts val="0"/>
+                <a:spcPts val="600"/>
               </a:spcAft>
             </a:pPr>
             <a:r>
-              <a:rPr lang="en-US" sz="2000" dirty="0" smtClean="0">
-                <a:solidFill>
-                  <a:srgbClr val="636382"/>
-                </a:solidFill>
-                <a:latin typeface="Gill Sans MT" panose="020B0502020104020203" pitchFamily="34" charset="0"/>
-              </a:rPr>
-              <a:t>Marc </a:t>
-            </a:r>
-            <a:r>
-              <a:rPr lang="en-US" sz="2000" dirty="0" err="1" smtClean="0">
-                <a:solidFill>
-                  <a:srgbClr val="636382"/>
-                </a:solidFill>
-                <a:latin typeface="Gill Sans MT" panose="020B0502020104020203" pitchFamily="34" charset="0"/>
-              </a:rPr>
-              <a:t>Kery</a:t>
-            </a:r>
-            <a:r>
-              <a:rPr lang="en-US" sz="2000" dirty="0" smtClean="0">
-                <a:solidFill>
-                  <a:srgbClr val="636382"/>
-                </a:solidFill>
-                <a:latin typeface="Gill Sans MT" panose="020B0502020104020203" pitchFamily="34" charset="0"/>
-              </a:rPr>
-              <a:t> and Michael Schaub. 2012. Bayesian population analysis using </a:t>
-            </a:r>
-            <a:r>
-              <a:rPr lang="en-US" sz="2000" dirty="0" err="1" smtClean="0">
-                <a:solidFill>
-                  <a:srgbClr val="636382"/>
-                </a:solidFill>
-                <a:latin typeface="Gill Sans MT" panose="020B0502020104020203" pitchFamily="34" charset="0"/>
-              </a:rPr>
-              <a:t>WinBUGS</a:t>
-            </a:r>
-            <a:r>
-              <a:rPr lang="en-US" sz="2000" dirty="0" smtClean="0">
-                <a:solidFill>
-                  <a:srgbClr val="636382"/>
-                </a:solidFill>
-                <a:latin typeface="Gill Sans MT" panose="020B0502020104020203" pitchFamily="34" charset="0"/>
-              </a:rPr>
-              <a:t>. A hierarchical perspective. Academic Press.</a:t>
-            </a:r>
+              <a:rPr lang="en-US" sz="2600" dirty="0" err="1" smtClean="0">
+                <a:solidFill>
+                  <a:srgbClr val="636382"/>
+                </a:solidFill>
+                <a:latin typeface="Gill Sans MT" panose="020B0502020104020203" pitchFamily="34" charset="0"/>
+              </a:rPr>
+              <a:t>Secuencia</a:t>
+            </a:r>
+            <a:r>
+              <a:rPr lang="en-US" sz="2600" dirty="0" smtClean="0">
+                <a:solidFill>
+                  <a:srgbClr val="636382"/>
+                </a:solidFill>
+                <a:latin typeface="Gill Sans MT" panose="020B0502020104020203" pitchFamily="34" charset="0"/>
+              </a:rPr>
+              <a:t> </a:t>
+            </a:r>
+            <a:r>
+              <a:rPr lang="en-US" sz="2600" dirty="0" err="1" smtClean="0">
+                <a:solidFill>
+                  <a:srgbClr val="636382"/>
+                </a:solidFill>
+                <a:latin typeface="Gill Sans MT" panose="020B0502020104020203" pitchFamily="34" charset="0"/>
+              </a:rPr>
+              <a:t>dependiente</a:t>
+            </a:r>
+            <a:r>
+              <a:rPr lang="en-US" sz="2600" dirty="0" smtClean="0">
+                <a:solidFill>
+                  <a:srgbClr val="636382"/>
+                </a:solidFill>
+                <a:latin typeface="Gill Sans MT" panose="020B0502020104020203" pitchFamily="34" charset="0"/>
+              </a:rPr>
+              <a:t> de variables </a:t>
+            </a:r>
+            <a:r>
+              <a:rPr lang="en-US" sz="2600" dirty="0" err="1" smtClean="0">
+                <a:solidFill>
+                  <a:srgbClr val="636382"/>
+                </a:solidFill>
+                <a:latin typeface="Gill Sans MT" panose="020B0502020104020203" pitchFamily="34" charset="0"/>
+              </a:rPr>
+              <a:t>aleatorias</a:t>
+            </a:r>
+            <a:r>
+              <a:rPr lang="en-US" sz="2600" dirty="0" smtClean="0">
+                <a:solidFill>
+                  <a:srgbClr val="636382"/>
+                </a:solidFill>
+                <a:latin typeface="Gill Sans MT" panose="020B0502020104020203" pitchFamily="34" charset="0"/>
+              </a:rPr>
+              <a:t> (</a:t>
+            </a:r>
+            <a:r>
+              <a:rPr lang="en-US" sz="2600" dirty="0" err="1" smtClean="0">
+                <a:solidFill>
+                  <a:srgbClr val="636382"/>
+                </a:solidFill>
+                <a:latin typeface="Gill Sans MT" panose="020B0502020104020203" pitchFamily="34" charset="0"/>
+              </a:rPr>
+              <a:t>observadas</a:t>
+            </a:r>
+            <a:r>
+              <a:rPr lang="en-US" sz="2600" dirty="0" smtClean="0">
+                <a:solidFill>
+                  <a:srgbClr val="636382"/>
+                </a:solidFill>
+                <a:latin typeface="Gill Sans MT" panose="020B0502020104020203" pitchFamily="34" charset="0"/>
+              </a:rPr>
+              <a:t> y no </a:t>
+            </a:r>
+            <a:r>
+              <a:rPr lang="en-US" sz="2600" dirty="0" err="1" smtClean="0">
+                <a:solidFill>
+                  <a:srgbClr val="636382"/>
+                </a:solidFill>
+                <a:latin typeface="Gill Sans MT" panose="020B0502020104020203" pitchFamily="34" charset="0"/>
+              </a:rPr>
+              <a:t>observadas</a:t>
+            </a:r>
+            <a:r>
+              <a:rPr lang="en-US" sz="2600" dirty="0" smtClean="0">
+                <a:solidFill>
+                  <a:srgbClr val="636382"/>
+                </a:solidFill>
+                <a:latin typeface="Gill Sans MT" panose="020B0502020104020203" pitchFamily="34" charset="0"/>
+              </a:rPr>
+              <a:t>) – </a:t>
+            </a:r>
+            <a:r>
+              <a:rPr lang="en-US" sz="2600" dirty="0" err="1" smtClean="0">
+                <a:solidFill>
+                  <a:srgbClr val="636382"/>
+                </a:solidFill>
+                <a:latin typeface="Gill Sans MT" panose="020B0502020104020203" pitchFamily="34" charset="0"/>
+              </a:rPr>
+              <a:t>Ej</a:t>
+            </a:r>
+            <a:r>
+              <a:rPr lang="en-US" sz="2600" dirty="0" smtClean="0">
+                <a:solidFill>
+                  <a:srgbClr val="636382"/>
+                </a:solidFill>
+                <a:latin typeface="Gill Sans MT" panose="020B0502020104020203" pitchFamily="34" charset="0"/>
+              </a:rPr>
+              <a:t>. ANOVA </a:t>
+            </a:r>
+            <a:r>
+              <a:rPr lang="en-US" sz="2600" dirty="0" err="1" smtClean="0">
+                <a:solidFill>
+                  <a:srgbClr val="636382"/>
+                </a:solidFill>
+                <a:latin typeface="Gill Sans MT" panose="020B0502020104020203" pitchFamily="34" charset="0"/>
+              </a:rPr>
+              <a:t>en</a:t>
+            </a:r>
+            <a:r>
+              <a:rPr lang="en-US" sz="2600" dirty="0" smtClean="0">
+                <a:solidFill>
+                  <a:srgbClr val="636382"/>
+                </a:solidFill>
+                <a:latin typeface="Gill Sans MT" panose="020B0502020104020203" pitchFamily="34" charset="0"/>
+              </a:rPr>
+              <a:t> </a:t>
+            </a:r>
+            <a:r>
+              <a:rPr lang="en-US" sz="2600" dirty="0" err="1" smtClean="0">
+                <a:solidFill>
+                  <a:srgbClr val="636382"/>
+                </a:solidFill>
+                <a:latin typeface="Gill Sans MT" panose="020B0502020104020203" pitchFamily="34" charset="0"/>
+              </a:rPr>
+              <a:t>bloques</a:t>
+            </a:r>
+            <a:r>
+              <a:rPr lang="en-US" sz="2600" dirty="0" smtClean="0">
+                <a:solidFill>
+                  <a:srgbClr val="636382"/>
+                </a:solidFill>
+                <a:latin typeface="Gill Sans MT" panose="020B0502020104020203" pitchFamily="34" charset="0"/>
+              </a:rPr>
+              <a:t> </a:t>
+            </a:r>
+            <a:r>
+              <a:rPr lang="en-US" sz="2600" dirty="0" err="1" smtClean="0">
+                <a:solidFill>
+                  <a:srgbClr val="636382"/>
+                </a:solidFill>
+                <a:latin typeface="Gill Sans MT" panose="020B0502020104020203" pitchFamily="34" charset="0"/>
+              </a:rPr>
+              <a:t>aleatorios</a:t>
+            </a:r>
+            <a:endParaRPr lang="en-US" sz="2600" dirty="0" smtClean="0">
+              <a:solidFill>
+                <a:srgbClr val="636382"/>
+              </a:solidFill>
+              <a:latin typeface="Gill Sans MT" panose="020B0502020104020203" pitchFamily="34" charset="0"/>
+            </a:endParaRPr>
           </a:p>
           <a:p>
             <a:pPr fontAlgn="auto">
@@ -14803,22 +16434,1467 @@
                 <a:spcPts val="600"/>
               </a:spcBef>
               <a:spcAft>
-                <a:spcPts val="0"/>
+                <a:spcPts val="600"/>
               </a:spcAft>
             </a:pPr>
-            <a:endParaRPr lang="en-US" sz="600" dirty="0" smtClean="0">
+            <a:endParaRPr lang="en-US" sz="2600" dirty="0">
               <a:solidFill>
                 <a:srgbClr val="636382"/>
               </a:solidFill>
               <a:latin typeface="Gill Sans MT" panose="020B0502020104020203" pitchFamily="34" charset="0"/>
             </a:endParaRPr>
           </a:p>
+          <a:p>
+            <a:pPr fontAlgn="auto">
+              <a:spcBef>
+                <a:spcPts val="600"/>
+              </a:spcBef>
+              <a:spcAft>
+                <a:spcPts val="600"/>
+              </a:spcAft>
+            </a:pPr>
+            <a:endParaRPr lang="en-US" sz="2600" dirty="0" smtClean="0">
+              <a:solidFill>
+                <a:srgbClr val="636382"/>
+              </a:solidFill>
+              <a:latin typeface="Gill Sans MT" panose="020B0502020104020203" pitchFamily="34" charset="0"/>
+            </a:endParaRPr>
+          </a:p>
+          <a:p>
+            <a:pPr fontAlgn="auto">
+              <a:spcBef>
+                <a:spcPts val="600"/>
+              </a:spcBef>
+              <a:spcAft>
+                <a:spcPts val="600"/>
+              </a:spcAft>
+            </a:pPr>
+            <a:endParaRPr lang="en-US" sz="2600" dirty="0">
+              <a:solidFill>
+                <a:srgbClr val="636382"/>
+              </a:solidFill>
+              <a:latin typeface="Gill Sans MT" panose="020B0502020104020203" pitchFamily="34" charset="0"/>
+            </a:endParaRPr>
+          </a:p>
+          <a:p>
+            <a:pPr fontAlgn="auto">
+              <a:spcBef>
+                <a:spcPts val="600"/>
+              </a:spcBef>
+              <a:spcAft>
+                <a:spcPts val="600"/>
+              </a:spcAft>
+            </a:pPr>
+            <a:endParaRPr lang="en-US" sz="2600" dirty="0" smtClean="0">
+              <a:solidFill>
+                <a:srgbClr val="636382"/>
+              </a:solidFill>
+              <a:latin typeface="Gill Sans MT" panose="020B0502020104020203" pitchFamily="34" charset="0"/>
+            </a:endParaRPr>
+          </a:p>
+          <a:p>
+            <a:pPr fontAlgn="auto">
+              <a:spcBef>
+                <a:spcPts val="600"/>
+              </a:spcBef>
+              <a:spcAft>
+                <a:spcPts val="600"/>
+              </a:spcAft>
+            </a:pPr>
+            <a:endParaRPr lang="en-US" sz="2800" dirty="0">
+              <a:solidFill>
+                <a:srgbClr val="636382"/>
+              </a:solidFill>
+              <a:latin typeface="Gill Sans MT" panose="020B0502020104020203" pitchFamily="34" charset="0"/>
+            </a:endParaRPr>
+          </a:p>
+          <a:p>
+            <a:pPr lvl="1" fontAlgn="auto">
+              <a:spcBef>
+                <a:spcPts val="600"/>
+              </a:spcBef>
+              <a:spcAft>
+                <a:spcPts val="600"/>
+              </a:spcAft>
+            </a:pPr>
+            <a:endParaRPr lang="en-US" sz="2400" dirty="0" smtClean="0">
+              <a:solidFill>
+                <a:srgbClr val="636382"/>
+              </a:solidFill>
+              <a:latin typeface="Gill Sans MT" panose="020B0502020104020203" pitchFamily="34" charset="0"/>
+            </a:endParaRPr>
+          </a:p>
+          <a:p>
+            <a:pPr lvl="1" fontAlgn="auto">
+              <a:spcBef>
+                <a:spcPts val="600"/>
+              </a:spcBef>
+              <a:spcAft>
+                <a:spcPts val="600"/>
+              </a:spcAft>
+            </a:pPr>
+            <a:r>
+              <a:rPr lang="en-US" sz="2400" dirty="0" err="1" smtClean="0">
+                <a:solidFill>
+                  <a:srgbClr val="636382"/>
+                </a:solidFill>
+                <a:latin typeface="Gill Sans MT" panose="020B0502020104020203" pitchFamily="34" charset="0"/>
+              </a:rPr>
+              <a:t>Otros</a:t>
+            </a:r>
+            <a:r>
+              <a:rPr lang="en-US" sz="2400" dirty="0" smtClean="0">
+                <a:solidFill>
+                  <a:srgbClr val="636382"/>
+                </a:solidFill>
+                <a:latin typeface="Gill Sans MT" panose="020B0502020104020203" pitchFamily="34" charset="0"/>
+              </a:rPr>
+              <a:t> </a:t>
+            </a:r>
+            <a:r>
+              <a:rPr lang="en-US" sz="2400" dirty="0" err="1" smtClean="0">
+                <a:solidFill>
+                  <a:srgbClr val="636382"/>
+                </a:solidFill>
+                <a:latin typeface="Gill Sans MT" panose="020B0502020104020203" pitchFamily="34" charset="0"/>
+              </a:rPr>
+              <a:t>nombres</a:t>
+            </a:r>
+            <a:r>
+              <a:rPr lang="en-US" sz="2400" dirty="0" smtClean="0">
+                <a:solidFill>
+                  <a:srgbClr val="636382"/>
+                </a:solidFill>
+                <a:latin typeface="Gill Sans MT" panose="020B0502020104020203" pitchFamily="34" charset="0"/>
+              </a:rPr>
+              <a:t>: </a:t>
+            </a:r>
+            <a:r>
+              <a:rPr lang="en-US" sz="2400" dirty="0" err="1" smtClean="0">
+                <a:solidFill>
+                  <a:srgbClr val="636382"/>
+                </a:solidFill>
+                <a:latin typeface="Gill Sans MT" panose="020B0502020104020203" pitchFamily="34" charset="0"/>
+              </a:rPr>
+              <a:t>estado-espacio</a:t>
+            </a:r>
+            <a:r>
+              <a:rPr lang="en-US" sz="2400" dirty="0" smtClean="0">
+                <a:solidFill>
+                  <a:srgbClr val="636382"/>
+                </a:solidFill>
+                <a:latin typeface="Gill Sans MT" panose="020B0502020104020203" pitchFamily="34" charset="0"/>
+              </a:rPr>
+              <a:t>, </a:t>
+            </a:r>
+            <a:r>
+              <a:rPr lang="en-US" sz="2400" dirty="0" err="1" smtClean="0">
+                <a:solidFill>
+                  <a:srgbClr val="636382"/>
+                </a:solidFill>
+                <a:latin typeface="Gill Sans MT" panose="020B0502020104020203" pitchFamily="34" charset="0"/>
+              </a:rPr>
+              <a:t>aleatorios</a:t>
+            </a:r>
+            <a:r>
+              <a:rPr lang="en-US" sz="2400" dirty="0" smtClean="0">
+                <a:solidFill>
+                  <a:srgbClr val="636382"/>
+                </a:solidFill>
+                <a:latin typeface="Gill Sans MT" panose="020B0502020104020203" pitchFamily="34" charset="0"/>
+              </a:rPr>
+              <a:t>, </a:t>
+            </a:r>
+            <a:r>
+              <a:rPr lang="en-US" sz="2400" dirty="0" err="1" smtClean="0">
+                <a:solidFill>
+                  <a:srgbClr val="636382"/>
+                </a:solidFill>
+                <a:latin typeface="Gill Sans MT" panose="020B0502020104020203" pitchFamily="34" charset="0"/>
+              </a:rPr>
+              <a:t>modelos</a:t>
+            </a:r>
+            <a:r>
+              <a:rPr lang="en-US" sz="2400" dirty="0" smtClean="0">
+                <a:solidFill>
+                  <a:srgbClr val="636382"/>
+                </a:solidFill>
+                <a:latin typeface="Gill Sans MT" panose="020B0502020104020203" pitchFamily="34" charset="0"/>
+              </a:rPr>
+              <a:t> </a:t>
+            </a:r>
+            <a:r>
+              <a:rPr lang="en-US" sz="2400" dirty="0" err="1" smtClean="0">
+                <a:solidFill>
+                  <a:srgbClr val="636382"/>
+                </a:solidFill>
+                <a:latin typeface="Gill Sans MT" panose="020B0502020104020203" pitchFamily="34" charset="0"/>
+              </a:rPr>
+              <a:t>mixtos</a:t>
+            </a:r>
+            <a:r>
+              <a:rPr lang="en-US" sz="2400" dirty="0" smtClean="0">
+                <a:solidFill>
+                  <a:srgbClr val="636382"/>
+                </a:solidFill>
+                <a:latin typeface="Gill Sans MT" panose="020B0502020104020203" pitchFamily="34" charset="0"/>
+              </a:rPr>
+              <a:t>, variables </a:t>
+            </a:r>
+            <a:r>
+              <a:rPr lang="en-US" sz="2400" dirty="0" err="1" smtClean="0">
+                <a:solidFill>
+                  <a:srgbClr val="636382"/>
+                </a:solidFill>
+                <a:latin typeface="Gill Sans MT" panose="020B0502020104020203" pitchFamily="34" charset="0"/>
+              </a:rPr>
+              <a:t>latentes</a:t>
+            </a:r>
+            <a:r>
+              <a:rPr lang="en-US" sz="2400" dirty="0" smtClean="0">
+                <a:solidFill>
+                  <a:srgbClr val="636382"/>
+                </a:solidFill>
+                <a:latin typeface="Gill Sans MT" panose="020B0502020104020203" pitchFamily="34" charset="0"/>
+              </a:rPr>
+              <a:t>, </a:t>
+            </a:r>
+            <a:r>
+              <a:rPr lang="en-US" sz="2400" dirty="0" err="1" smtClean="0">
+                <a:solidFill>
+                  <a:srgbClr val="636382"/>
+                </a:solidFill>
+                <a:latin typeface="Gill Sans MT" panose="020B0502020104020203" pitchFamily="34" charset="0"/>
+              </a:rPr>
+              <a:t>etc</a:t>
+            </a:r>
+            <a:r>
+              <a:rPr lang="en-US" sz="2400" dirty="0" smtClean="0">
+                <a:solidFill>
+                  <a:srgbClr val="636382"/>
+                </a:solidFill>
+                <a:latin typeface="Gill Sans MT" panose="020B0502020104020203" pitchFamily="34" charset="0"/>
+              </a:rPr>
+              <a:t>…</a:t>
+            </a:r>
+            <a:endParaRPr lang="en-US" sz="2400" dirty="0">
+              <a:solidFill>
+                <a:srgbClr val="636382"/>
+              </a:solidFill>
+              <a:latin typeface="Gill Sans MT" panose="020B0502020104020203" pitchFamily="34" charset="0"/>
+            </a:endParaRPr>
+          </a:p>
+        </p:txBody>
+      </p:sp>
+      <p:pic>
+        <p:nvPicPr>
+          <p:cNvPr id="1026" name="Picture 2"/>
+          <p:cNvPicPr>
+            <a:picLocks noChangeAspect="1" noChangeArrowheads="1"/>
+          </p:cNvPicPr>
+          <p:nvPr/>
+        </p:nvPicPr>
+        <p:blipFill rotWithShape="1">
+          <a:blip r:embed="rId3">
+            <a:extLst>
+              <a:ext uri="{28A0092B-C50C-407E-A947-70E740481C1C}">
+                <a14:useLocalDpi xmlns:a14="http://schemas.microsoft.com/office/drawing/2010/main" val="0"/>
+              </a:ext>
+            </a:extLst>
+          </a:blip>
+          <a:srcRect l="14612" t="25977" r="8577" b="24597"/>
+          <a:stretch/>
+        </p:blipFill>
+        <p:spPr bwMode="auto">
+          <a:xfrm>
+            <a:off x="611560" y="2204864"/>
+            <a:ext cx="7598683" cy="2750366"/>
+          </a:xfrm>
+          <a:prstGeom prst="rect">
+            <a:avLst/>
+          </a:prstGeom>
+          <a:noFill/>
+          <a:ln>
+            <a:noFill/>
+          </a:ln>
+          <a:extLst>
+            <a:ext uri="{909E8E84-426E-40DD-AFC4-6F175D3DCCD1}">
+              <a14:hiddenFill xmlns:a14="http://schemas.microsoft.com/office/drawing/2010/main">
+                <a:solidFill>
+                  <a:schemeClr val="accent1"/>
+                </a:solidFill>
+              </a14:hiddenFill>
+            </a:ext>
+            <a:ext uri="{91240B29-F687-4F45-9708-019B960494DF}">
+              <a14:hiddenLine xmlns:a14="http://schemas.microsoft.com/office/drawing/2010/main" w="9525">
+                <a:solidFill>
+                  <a:schemeClr val="tx1"/>
+                </a:solidFill>
+                <a:miter lim="800000"/>
+                <a:headEnd/>
+                <a:tailEnd/>
+              </a14:hiddenLine>
+            </a:ext>
+          </a:extLst>
+        </p:spPr>
+      </p:pic>
+    </p:spTree>
+    <p:extLst>
+      <p:ext uri="{BB962C8B-B14F-4D97-AF65-F5344CB8AC3E}">
+        <p14:creationId xmlns:p14="http://schemas.microsoft.com/office/powerpoint/2010/main" val="3997092726"/>
+      </p:ext>
+    </p:extLst>
+  </p:cSld>
+  <p:clrMapOvr>
+    <a:masterClrMapping/>
+  </p:clrMapOvr>
+  <p:timing>
+    <p:tnLst>
+      <p:par>
+        <p:cTn id="1" dur="indefinite" restart="never" nodeType="tmRoot"/>
+      </p:par>
+    </p:tnLst>
+  </p:timing>
+</p:sld>
+</file>
+
+<file path=ppt/slides/slide16.xml><?xml version="1.0" encoding="utf-8"?>
+<p:sld xmlns:a="http://schemas.openxmlformats.org/drawingml/2006/main" xmlns:r="http://schemas.openxmlformats.org/officeDocument/2006/relationships" xmlns:p="http://schemas.openxmlformats.org/presentationml/2006/main">
+  <p:cSld>
+    <p:spTree>
+      <p:nvGrpSpPr>
+        <p:cNvPr id="1" name=""/>
+        <p:cNvGrpSpPr/>
+        <p:nvPr/>
+      </p:nvGrpSpPr>
+      <p:grpSpPr>
+        <a:xfrm>
+          <a:off x="0" y="0"/>
+          <a:ext cx="0" cy="0"/>
+          <a:chOff x="0" y="0"/>
+          <a:chExt cx="0" cy="0"/>
+        </a:xfrm>
+      </p:grpSpPr>
+      <p:sp>
+        <p:nvSpPr>
+          <p:cNvPr id="2" name="TextBox 12"/>
+          <p:cNvSpPr txBox="1"/>
+          <p:nvPr/>
+        </p:nvSpPr>
+        <p:spPr>
+          <a:xfrm>
+            <a:off x="323528" y="116632"/>
+            <a:ext cx="8496944" cy="584775"/>
+          </a:xfrm>
+          <a:prstGeom prst="rect">
+            <a:avLst/>
+          </a:prstGeom>
+          <a:noFill/>
+        </p:spPr>
+        <p:txBody>
+          <a:bodyPr wrap="square" rtlCol="0">
+            <a:spAutoFit/>
+          </a:bodyPr>
+          <a:lstStyle/>
+          <a:p>
+            <a:r>
+              <a:rPr lang="es-ES" sz="3200" dirty="0" smtClean="0">
+                <a:solidFill>
+                  <a:schemeClr val="accent2"/>
+                </a:solidFill>
+                <a:effectLst>
+                  <a:outerShdw blurRad="38100" dist="38100" dir="2700000" algn="tl">
+                    <a:srgbClr val="000000">
+                      <a:alpha val="43137"/>
+                    </a:srgbClr>
+                  </a:outerShdw>
+                </a:effectLst>
+                <a:latin typeface="Gill Sans MT" panose="020B0502020104020203" pitchFamily="34" charset="0"/>
+              </a:rPr>
+              <a:t>Efectos Aleatorios y fijos</a:t>
+            </a:r>
+            <a:endParaRPr lang="es-ES" sz="3600" dirty="0">
+              <a:solidFill>
+                <a:schemeClr val="accent2"/>
+              </a:solidFill>
+              <a:effectLst>
+                <a:outerShdw blurRad="38100" dist="38100" dir="2700000" algn="tl">
+                  <a:srgbClr val="000000">
+                    <a:alpha val="43137"/>
+                  </a:srgbClr>
+                </a:outerShdw>
+              </a:effectLst>
+              <a:latin typeface="Gill Sans MT" panose="020B0502020104020203" pitchFamily="34" charset="0"/>
+            </a:endParaRPr>
+          </a:p>
+        </p:txBody>
+      </p:sp>
+      <p:sp>
+        <p:nvSpPr>
+          <p:cNvPr id="3" name="Rectángulo 2"/>
+          <p:cNvSpPr/>
+          <p:nvPr/>
+        </p:nvSpPr>
+        <p:spPr>
+          <a:xfrm>
+            <a:off x="267458" y="836712"/>
+            <a:ext cx="8120966" cy="6124754"/>
+          </a:xfrm>
+          <a:prstGeom prst="rect">
+            <a:avLst/>
+          </a:prstGeom>
+        </p:spPr>
+        <p:txBody>
+          <a:bodyPr wrap="square">
+            <a:spAutoFit/>
+          </a:bodyPr>
+          <a:lstStyle/>
+          <a:p>
+            <a:pPr marL="457200" indent="-457200" fontAlgn="auto">
+              <a:spcBef>
+                <a:spcPts val="600"/>
+              </a:spcBef>
+              <a:spcAft>
+                <a:spcPts val="600"/>
+              </a:spcAft>
+              <a:buFont typeface="Arial" panose="020B0604020202020204" pitchFamily="34" charset="0"/>
+              <a:buChar char="•"/>
+            </a:pPr>
+            <a:r>
+              <a:rPr lang="es-ES" sz="2400" dirty="0" smtClean="0">
+                <a:solidFill>
+                  <a:srgbClr val="636382"/>
+                </a:solidFill>
+                <a:latin typeface="Gill Sans MT" panose="020B0502020104020203" pitchFamily="34" charset="0"/>
+              </a:rPr>
+              <a:t>A veces tenemos que tratar un efecto como fijo porque los efectos no vienen de una distribución común y pueden ser sistemáticamente diferentes</a:t>
+            </a:r>
+          </a:p>
+          <a:p>
+            <a:pPr marL="457200" indent="-457200" fontAlgn="auto">
+              <a:spcBef>
+                <a:spcPts val="600"/>
+              </a:spcBef>
+              <a:spcAft>
+                <a:spcPts val="600"/>
+              </a:spcAft>
+              <a:buFont typeface="Arial" panose="020B0604020202020204" pitchFamily="34" charset="0"/>
+              <a:buChar char="•"/>
+            </a:pPr>
+            <a:r>
+              <a:rPr lang="es-ES" sz="2400" dirty="0" smtClean="0">
+                <a:solidFill>
+                  <a:srgbClr val="636382"/>
+                </a:solidFill>
+                <a:latin typeface="Gill Sans MT" panose="020B0502020104020203" pitchFamily="34" charset="0"/>
+              </a:rPr>
+              <a:t>Los efectos aleatorios tardan más en llegar a la convergencia</a:t>
+            </a:r>
+          </a:p>
+          <a:p>
+            <a:pPr marL="457200" indent="-457200" fontAlgn="auto">
+              <a:spcBef>
+                <a:spcPts val="600"/>
+              </a:spcBef>
+              <a:spcAft>
+                <a:spcPts val="600"/>
+              </a:spcAft>
+              <a:buFont typeface="Arial" panose="020B0604020202020204" pitchFamily="34" charset="0"/>
+              <a:buChar char="•"/>
+            </a:pPr>
+            <a:r>
+              <a:rPr lang="es-ES" sz="2400" dirty="0" smtClean="0">
+                <a:solidFill>
+                  <a:srgbClr val="636382"/>
+                </a:solidFill>
+                <a:latin typeface="Gill Sans MT" panose="020B0502020104020203" pitchFamily="34" charset="0"/>
+              </a:rPr>
+              <a:t>Depende del alcance de la inferencia: </a:t>
+            </a:r>
+          </a:p>
+          <a:p>
+            <a:pPr marL="914400" lvl="1" indent="-457200" fontAlgn="auto">
+              <a:spcBef>
+                <a:spcPts val="600"/>
+              </a:spcBef>
+              <a:spcAft>
+                <a:spcPts val="600"/>
+              </a:spcAft>
+              <a:buFont typeface="Arial" panose="020B0604020202020204" pitchFamily="34" charset="0"/>
+              <a:buChar char="•"/>
+            </a:pPr>
+            <a:r>
+              <a:rPr lang="es-ES" sz="2400" dirty="0" smtClean="0">
+                <a:solidFill>
+                  <a:srgbClr val="636382"/>
+                </a:solidFill>
+                <a:latin typeface="Gill Sans MT" panose="020B0502020104020203" pitchFamily="34" charset="0"/>
+              </a:rPr>
+              <a:t>¿Todos los niveles de un factor están incluidos en el modelo?	SI --- probablemente “fijo”</a:t>
+            </a:r>
+          </a:p>
+          <a:p>
+            <a:pPr marL="914400" lvl="1" indent="-457200" fontAlgn="auto">
+              <a:spcBef>
+                <a:spcPts val="600"/>
+              </a:spcBef>
+              <a:spcAft>
+                <a:spcPts val="600"/>
+              </a:spcAft>
+              <a:buFont typeface="Arial" panose="020B0604020202020204" pitchFamily="34" charset="0"/>
+              <a:buChar char="•"/>
+            </a:pPr>
+            <a:r>
+              <a:rPr lang="es-ES" sz="2400" dirty="0" smtClean="0">
+                <a:solidFill>
+                  <a:srgbClr val="636382"/>
+                </a:solidFill>
+                <a:latin typeface="Gill Sans MT" panose="020B0502020104020203" pitchFamily="34" charset="0"/>
+              </a:rPr>
+              <a:t>Pueden los niveles de un factor ser vistos como una muestra aleatoria de una población mayor?   </a:t>
+            </a:r>
+          </a:p>
+          <a:p>
+            <a:pPr lvl="1" fontAlgn="auto">
+              <a:spcBef>
+                <a:spcPts val="600"/>
+              </a:spcBef>
+              <a:spcAft>
+                <a:spcPts val="600"/>
+              </a:spcAft>
+            </a:pPr>
+            <a:r>
+              <a:rPr lang="es-ES" sz="2400" dirty="0">
+                <a:solidFill>
+                  <a:srgbClr val="636382"/>
+                </a:solidFill>
+                <a:latin typeface="Gill Sans MT" panose="020B0502020104020203" pitchFamily="34" charset="0"/>
+              </a:rPr>
+              <a:t>	</a:t>
+            </a:r>
+            <a:r>
+              <a:rPr lang="es-ES" sz="2400" dirty="0" smtClean="0">
+                <a:solidFill>
+                  <a:srgbClr val="636382"/>
+                </a:solidFill>
+                <a:latin typeface="Gill Sans MT" panose="020B0502020104020203" pitchFamily="34" charset="0"/>
+              </a:rPr>
+              <a:t>		SI --- </a:t>
+            </a:r>
+            <a:r>
+              <a:rPr lang="es-ES" sz="2400" dirty="0">
+                <a:solidFill>
+                  <a:srgbClr val="636382"/>
+                </a:solidFill>
+                <a:latin typeface="Gill Sans MT" panose="020B0502020104020203" pitchFamily="34" charset="0"/>
+              </a:rPr>
+              <a:t>probablemente </a:t>
+            </a:r>
+            <a:r>
+              <a:rPr lang="es-ES" sz="2400" dirty="0" smtClean="0">
+                <a:solidFill>
+                  <a:srgbClr val="636382"/>
+                </a:solidFill>
+                <a:latin typeface="Gill Sans MT" panose="020B0502020104020203" pitchFamily="34" charset="0"/>
+              </a:rPr>
+              <a:t>“aleatorio”</a:t>
+            </a:r>
+            <a:endParaRPr lang="es-ES" sz="2400" dirty="0">
+              <a:solidFill>
+                <a:srgbClr val="636382"/>
+              </a:solidFill>
+              <a:latin typeface="Gill Sans MT" panose="020B0502020104020203" pitchFamily="34" charset="0"/>
+            </a:endParaRPr>
+          </a:p>
+          <a:p>
+            <a:pPr lvl="1" fontAlgn="auto">
+              <a:spcBef>
+                <a:spcPts val="600"/>
+              </a:spcBef>
+              <a:spcAft>
+                <a:spcPts val="600"/>
+              </a:spcAft>
+            </a:pPr>
+            <a:endParaRPr lang="es-ES" sz="2400" dirty="0" smtClean="0">
+              <a:solidFill>
+                <a:srgbClr val="636382"/>
+              </a:solidFill>
+              <a:latin typeface="Gill Sans MT" panose="020B0502020104020203" pitchFamily="34" charset="0"/>
+            </a:endParaRPr>
+          </a:p>
+          <a:p>
+            <a:pPr marL="457200" indent="-457200" fontAlgn="auto">
+              <a:spcBef>
+                <a:spcPts val="600"/>
+              </a:spcBef>
+              <a:spcAft>
+                <a:spcPts val="600"/>
+              </a:spcAft>
+              <a:buFont typeface="Arial" panose="020B0604020202020204" pitchFamily="34" charset="0"/>
+              <a:buChar char="•"/>
+            </a:pPr>
+            <a:endParaRPr lang="es-ES" sz="2400" dirty="0" smtClean="0">
+              <a:solidFill>
+                <a:srgbClr val="636382"/>
+              </a:solidFill>
+              <a:latin typeface="Gill Sans MT" panose="020B0502020104020203" pitchFamily="34" charset="0"/>
+            </a:endParaRPr>
+          </a:p>
+          <a:p>
+            <a:pPr marL="457200" indent="-457200" fontAlgn="auto">
+              <a:spcBef>
+                <a:spcPts val="600"/>
+              </a:spcBef>
+              <a:spcAft>
+                <a:spcPts val="600"/>
+              </a:spcAft>
+              <a:buFont typeface="+mj-lt"/>
+              <a:buAutoNum type="arabicPeriod"/>
+            </a:pPr>
+            <a:endParaRPr lang="en-US" sz="2400" dirty="0" smtClean="0">
+              <a:solidFill>
+                <a:srgbClr val="636382"/>
+              </a:solidFill>
+              <a:latin typeface="Gill Sans MT" panose="020B0502020104020203" pitchFamily="34" charset="0"/>
+            </a:endParaRPr>
+          </a:p>
         </p:txBody>
       </p:sp>
     </p:spTree>
     <p:extLst>
       <p:ext uri="{BB962C8B-B14F-4D97-AF65-F5344CB8AC3E}">
-        <p14:creationId xmlns:p14="http://schemas.microsoft.com/office/powerpoint/2010/main" val="14646204"/>
+        <p14:creationId xmlns:p14="http://schemas.microsoft.com/office/powerpoint/2010/main" val="1772284388"/>
+      </p:ext>
+    </p:extLst>
+  </p:cSld>
+  <p:clrMapOvr>
+    <a:masterClrMapping/>
+  </p:clrMapOvr>
+  <p:timing>
+    <p:tnLst>
+      <p:par>
+        <p:cTn id="1" dur="indefinite" restart="never" nodeType="tmRoot"/>
+      </p:par>
+    </p:tnLst>
+  </p:timing>
+</p:sld>
+</file>
+
+<file path=ppt/slides/slide17.xml><?xml version="1.0" encoding="utf-8"?>
+<p:sld xmlns:a="http://schemas.openxmlformats.org/drawingml/2006/main" xmlns:r="http://schemas.openxmlformats.org/officeDocument/2006/relationships" xmlns:p="http://schemas.openxmlformats.org/presentationml/2006/main">
+  <p:cSld>
+    <p:spTree>
+      <p:nvGrpSpPr>
+        <p:cNvPr id="1" name=""/>
+        <p:cNvGrpSpPr/>
+        <p:nvPr/>
+      </p:nvGrpSpPr>
+      <p:grpSpPr>
+        <a:xfrm>
+          <a:off x="0" y="0"/>
+          <a:ext cx="0" cy="0"/>
+          <a:chOff x="0" y="0"/>
+          <a:chExt cx="0" cy="0"/>
+        </a:xfrm>
+      </p:grpSpPr>
+      <p:sp>
+        <p:nvSpPr>
+          <p:cNvPr id="2" name="TextBox 12"/>
+          <p:cNvSpPr txBox="1"/>
+          <p:nvPr/>
+        </p:nvSpPr>
+        <p:spPr>
+          <a:xfrm>
+            <a:off x="323528" y="116632"/>
+            <a:ext cx="8496944" cy="584775"/>
+          </a:xfrm>
+          <a:prstGeom prst="rect">
+            <a:avLst/>
+          </a:prstGeom>
+          <a:noFill/>
+        </p:spPr>
+        <p:txBody>
+          <a:bodyPr wrap="square" rtlCol="0">
+            <a:spAutoFit/>
+          </a:bodyPr>
+          <a:lstStyle/>
+          <a:p>
+            <a:r>
+              <a:rPr lang="es-ES" sz="3200" dirty="0" smtClean="0">
+                <a:solidFill>
+                  <a:schemeClr val="accent2"/>
+                </a:solidFill>
+                <a:effectLst>
+                  <a:outerShdw blurRad="38100" dist="38100" dir="2700000" algn="tl">
+                    <a:srgbClr val="000000">
+                      <a:alpha val="43137"/>
+                    </a:srgbClr>
+                  </a:outerShdw>
+                </a:effectLst>
+                <a:latin typeface="Gill Sans MT" panose="020B0502020104020203" pitchFamily="34" charset="0"/>
+              </a:rPr>
+              <a:t>Efectos Aleatorios y fijos</a:t>
+            </a:r>
+            <a:endParaRPr lang="es-ES" sz="3600" dirty="0">
+              <a:solidFill>
+                <a:schemeClr val="accent2"/>
+              </a:solidFill>
+              <a:effectLst>
+                <a:outerShdw blurRad="38100" dist="38100" dir="2700000" algn="tl">
+                  <a:srgbClr val="000000">
+                    <a:alpha val="43137"/>
+                  </a:srgbClr>
+                </a:outerShdw>
+              </a:effectLst>
+              <a:latin typeface="Gill Sans MT" panose="020B0502020104020203" pitchFamily="34" charset="0"/>
+            </a:endParaRPr>
+          </a:p>
+        </p:txBody>
+      </p:sp>
+      <p:sp>
+        <p:nvSpPr>
+          <p:cNvPr id="3" name="Rectángulo 2"/>
+          <p:cNvSpPr/>
+          <p:nvPr/>
+        </p:nvSpPr>
+        <p:spPr>
+          <a:xfrm>
+            <a:off x="267458" y="908720"/>
+            <a:ext cx="8120966" cy="5386090"/>
+          </a:xfrm>
+          <a:prstGeom prst="rect">
+            <a:avLst/>
+          </a:prstGeom>
+        </p:spPr>
+        <p:txBody>
+          <a:bodyPr wrap="square">
+            <a:spAutoFit/>
+          </a:bodyPr>
+          <a:lstStyle/>
+          <a:p>
+            <a:pPr marL="457200" indent="-457200" fontAlgn="auto">
+              <a:spcBef>
+                <a:spcPts val="600"/>
+              </a:spcBef>
+              <a:spcAft>
+                <a:spcPts val="600"/>
+              </a:spcAft>
+              <a:buFont typeface="Arial" panose="020B0604020202020204" pitchFamily="34" charset="0"/>
+              <a:buChar char="•"/>
+            </a:pPr>
+            <a:r>
+              <a:rPr lang="es-ES" sz="2400" dirty="0" smtClean="0">
+                <a:solidFill>
+                  <a:srgbClr val="636382"/>
+                </a:solidFill>
+                <a:latin typeface="Gill Sans MT" panose="020B0502020104020203" pitchFamily="34" charset="0"/>
+              </a:rPr>
+              <a:t>Las definiciones en la literatura son confusas!</a:t>
+            </a:r>
+          </a:p>
+          <a:p>
+            <a:pPr marL="457200" indent="-457200" fontAlgn="auto">
+              <a:spcBef>
+                <a:spcPts val="600"/>
+              </a:spcBef>
+              <a:spcAft>
+                <a:spcPts val="600"/>
+              </a:spcAft>
+              <a:buFont typeface="Arial" panose="020B0604020202020204" pitchFamily="34" charset="0"/>
+              <a:buChar char="•"/>
+            </a:pPr>
+            <a:r>
+              <a:rPr lang="es-ES" sz="2400" dirty="0" smtClean="0">
+                <a:solidFill>
+                  <a:srgbClr val="636382"/>
+                </a:solidFill>
+                <a:latin typeface="Gill Sans MT" panose="020B0502020104020203" pitchFamily="34" charset="0"/>
+              </a:rPr>
+              <a:t>“depende” – muchas definiciones no siempre proveen la guía adecuada para saber si usar efectos fijos o aleatorios</a:t>
+            </a:r>
+          </a:p>
+          <a:p>
+            <a:pPr marL="457200" indent="-457200" fontAlgn="auto">
+              <a:spcBef>
+                <a:spcPts val="600"/>
+              </a:spcBef>
+              <a:spcAft>
+                <a:spcPts val="600"/>
+              </a:spcAft>
+              <a:buFont typeface="Arial" panose="020B0604020202020204" pitchFamily="34" charset="0"/>
+              <a:buChar char="•"/>
+            </a:pPr>
+            <a:r>
+              <a:rPr lang="es-ES" sz="2400" dirty="0">
+                <a:solidFill>
+                  <a:srgbClr val="636382"/>
+                </a:solidFill>
+                <a:latin typeface="Gill Sans MT" panose="020B0502020104020203" pitchFamily="34" charset="0"/>
+              </a:rPr>
+              <a:t>Un factor aleatorio con muy pocos efectos, puede tener estimaciones muy imprecisas </a:t>
+            </a:r>
+          </a:p>
+          <a:p>
+            <a:pPr marL="457200" indent="-457200" fontAlgn="auto">
+              <a:spcBef>
+                <a:spcPts val="600"/>
+              </a:spcBef>
+              <a:spcAft>
+                <a:spcPts val="600"/>
+              </a:spcAft>
+              <a:buFont typeface="Arial" panose="020B0604020202020204" pitchFamily="34" charset="0"/>
+              <a:buChar char="•"/>
+            </a:pPr>
+            <a:r>
+              <a:rPr lang="es-ES" sz="2400" dirty="0" smtClean="0">
+                <a:solidFill>
+                  <a:srgbClr val="636382"/>
+                </a:solidFill>
+                <a:latin typeface="Gill Sans MT" panose="020B0502020104020203" pitchFamily="34" charset="0"/>
+              </a:rPr>
+              <a:t>Pensar bien que es lo que se quiere hacer…</a:t>
+            </a:r>
+          </a:p>
+          <a:p>
+            <a:pPr marL="457200" indent="-457200" fontAlgn="auto">
+              <a:spcBef>
+                <a:spcPts val="600"/>
+              </a:spcBef>
+              <a:spcAft>
+                <a:spcPts val="600"/>
+              </a:spcAft>
+              <a:buFont typeface="Arial" panose="020B0604020202020204" pitchFamily="34" charset="0"/>
+              <a:buChar char="•"/>
+            </a:pPr>
+            <a:endParaRPr lang="es-ES" sz="2400" dirty="0" smtClean="0">
+              <a:solidFill>
+                <a:srgbClr val="636382"/>
+              </a:solidFill>
+              <a:latin typeface="Gill Sans MT" panose="020B0502020104020203" pitchFamily="34" charset="0"/>
+            </a:endParaRPr>
+          </a:p>
+          <a:p>
+            <a:pPr marL="457200" indent="-457200" fontAlgn="auto">
+              <a:spcBef>
+                <a:spcPts val="600"/>
+              </a:spcBef>
+              <a:spcAft>
+                <a:spcPts val="600"/>
+              </a:spcAft>
+              <a:buFont typeface="Arial" panose="020B0604020202020204" pitchFamily="34" charset="0"/>
+              <a:buChar char="•"/>
+            </a:pPr>
+            <a:endParaRPr lang="es-ES" sz="2400" dirty="0">
+              <a:solidFill>
+                <a:srgbClr val="636382"/>
+              </a:solidFill>
+              <a:latin typeface="Gill Sans MT" panose="020B0502020104020203" pitchFamily="34" charset="0"/>
+            </a:endParaRPr>
+          </a:p>
+          <a:p>
+            <a:pPr lvl="1" fontAlgn="auto">
+              <a:spcBef>
+                <a:spcPts val="600"/>
+              </a:spcBef>
+              <a:spcAft>
+                <a:spcPts val="600"/>
+              </a:spcAft>
+            </a:pPr>
+            <a:endParaRPr lang="es-ES" sz="2400" dirty="0" smtClean="0">
+              <a:solidFill>
+                <a:srgbClr val="636382"/>
+              </a:solidFill>
+              <a:latin typeface="Gill Sans MT" panose="020B0502020104020203" pitchFamily="34" charset="0"/>
+            </a:endParaRPr>
+          </a:p>
+          <a:p>
+            <a:pPr marL="457200" indent="-457200" fontAlgn="auto">
+              <a:spcBef>
+                <a:spcPts val="600"/>
+              </a:spcBef>
+              <a:spcAft>
+                <a:spcPts val="600"/>
+              </a:spcAft>
+              <a:buFont typeface="Arial" panose="020B0604020202020204" pitchFamily="34" charset="0"/>
+              <a:buChar char="•"/>
+            </a:pPr>
+            <a:endParaRPr lang="es-ES" sz="2400" dirty="0" smtClean="0">
+              <a:solidFill>
+                <a:srgbClr val="636382"/>
+              </a:solidFill>
+              <a:latin typeface="Gill Sans MT" panose="020B0502020104020203" pitchFamily="34" charset="0"/>
+            </a:endParaRPr>
+          </a:p>
+          <a:p>
+            <a:pPr marL="457200" indent="-457200" fontAlgn="auto">
+              <a:spcBef>
+                <a:spcPts val="600"/>
+              </a:spcBef>
+              <a:spcAft>
+                <a:spcPts val="600"/>
+              </a:spcAft>
+              <a:buFont typeface="+mj-lt"/>
+              <a:buAutoNum type="arabicPeriod"/>
+            </a:pPr>
+            <a:endParaRPr lang="en-US" sz="2400" dirty="0" smtClean="0">
+              <a:solidFill>
+                <a:srgbClr val="636382"/>
+              </a:solidFill>
+              <a:latin typeface="Gill Sans MT" panose="020B0502020104020203" pitchFamily="34" charset="0"/>
+            </a:endParaRPr>
+          </a:p>
+        </p:txBody>
+      </p:sp>
+    </p:spTree>
+    <p:extLst>
+      <p:ext uri="{BB962C8B-B14F-4D97-AF65-F5344CB8AC3E}">
+        <p14:creationId xmlns:p14="http://schemas.microsoft.com/office/powerpoint/2010/main" val="2157235848"/>
+      </p:ext>
+    </p:extLst>
+  </p:cSld>
+  <p:clrMapOvr>
+    <a:masterClrMapping/>
+  </p:clrMapOvr>
+  <p:timing>
+    <p:tnLst>
+      <p:par>
+        <p:cTn id="1" dur="indefinite" restart="never" nodeType="tmRoot"/>
+      </p:par>
+    </p:tnLst>
+  </p:timing>
+</p:sld>
+</file>
+
+<file path=ppt/slides/slide18.xml><?xml version="1.0" encoding="utf-8"?>
+<p:sld xmlns:a="http://schemas.openxmlformats.org/drawingml/2006/main" xmlns:r="http://schemas.openxmlformats.org/officeDocument/2006/relationships" xmlns:p="http://schemas.openxmlformats.org/presentationml/2006/main">
+  <p:cSld>
+    <p:spTree>
+      <p:nvGrpSpPr>
+        <p:cNvPr id="1" name=""/>
+        <p:cNvGrpSpPr/>
+        <p:nvPr/>
+      </p:nvGrpSpPr>
+      <p:grpSpPr>
+        <a:xfrm>
+          <a:off x="0" y="0"/>
+          <a:ext cx="0" cy="0"/>
+          <a:chOff x="0" y="0"/>
+          <a:chExt cx="0" cy="0"/>
+        </a:xfrm>
+      </p:grpSpPr>
+      <p:sp>
+        <p:nvSpPr>
+          <p:cNvPr id="2" name="TextBox 12"/>
+          <p:cNvSpPr txBox="1"/>
+          <p:nvPr/>
+        </p:nvSpPr>
+        <p:spPr>
+          <a:xfrm>
+            <a:off x="323528" y="116632"/>
+            <a:ext cx="8496944" cy="584775"/>
+          </a:xfrm>
+          <a:prstGeom prst="rect">
+            <a:avLst/>
+          </a:prstGeom>
+          <a:noFill/>
+        </p:spPr>
+        <p:txBody>
+          <a:bodyPr wrap="square" rtlCol="0">
+            <a:spAutoFit/>
+          </a:bodyPr>
+          <a:lstStyle/>
+          <a:p>
+            <a:r>
+              <a:rPr lang="es-ES" sz="3200" dirty="0" smtClean="0">
+                <a:solidFill>
+                  <a:schemeClr val="accent2"/>
+                </a:solidFill>
+                <a:effectLst>
+                  <a:outerShdw blurRad="38100" dist="38100" dir="2700000" algn="tl">
+                    <a:srgbClr val="000000">
+                      <a:alpha val="43137"/>
+                    </a:srgbClr>
+                  </a:outerShdw>
+                </a:effectLst>
+                <a:latin typeface="Gill Sans MT" panose="020B0502020104020203" pitchFamily="34" charset="0"/>
+              </a:rPr>
+              <a:t>Efectos Aleatorios y fijos</a:t>
+            </a:r>
+            <a:endParaRPr lang="es-ES" sz="3600" dirty="0">
+              <a:solidFill>
+                <a:schemeClr val="accent2"/>
+              </a:solidFill>
+              <a:effectLst>
+                <a:outerShdw blurRad="38100" dist="38100" dir="2700000" algn="tl">
+                  <a:srgbClr val="000000">
+                    <a:alpha val="43137"/>
+                  </a:srgbClr>
+                </a:outerShdw>
+              </a:effectLst>
+              <a:latin typeface="Gill Sans MT" panose="020B0502020104020203" pitchFamily="34" charset="0"/>
+            </a:endParaRPr>
+          </a:p>
+        </p:txBody>
+      </p:sp>
+      <p:sp>
+        <p:nvSpPr>
+          <p:cNvPr id="3" name="Rectángulo 2"/>
+          <p:cNvSpPr/>
+          <p:nvPr/>
+        </p:nvSpPr>
+        <p:spPr>
+          <a:xfrm>
+            <a:off x="467544" y="908720"/>
+            <a:ext cx="8208912" cy="5201424"/>
+          </a:xfrm>
+          <a:prstGeom prst="rect">
+            <a:avLst/>
+          </a:prstGeom>
+        </p:spPr>
+        <p:txBody>
+          <a:bodyPr wrap="square">
+            <a:spAutoFit/>
+          </a:bodyPr>
+          <a:lstStyle/>
+          <a:p>
+            <a:pPr fontAlgn="auto">
+              <a:spcBef>
+                <a:spcPts val="600"/>
+              </a:spcBef>
+              <a:spcAft>
+                <a:spcPts val="1200"/>
+              </a:spcAft>
+            </a:pPr>
+            <a:r>
+              <a:rPr lang="es-ES" sz="2400" dirty="0">
+                <a:solidFill>
+                  <a:srgbClr val="636382"/>
+                </a:solidFill>
+                <a:latin typeface="Gill Sans MT" panose="020B0502020104020203" pitchFamily="34" charset="0"/>
+              </a:rPr>
+              <a:t>“Finalmente, puedes intentar convencerte a ti mismo (y a </a:t>
+            </a:r>
+            <a:r>
+              <a:rPr lang="es-ES" sz="2400" dirty="0" smtClean="0">
+                <a:solidFill>
+                  <a:srgbClr val="636382"/>
+                </a:solidFill>
+                <a:latin typeface="Gill Sans MT" panose="020B0502020104020203" pitchFamily="34" charset="0"/>
+              </a:rPr>
+              <a:t>tu revisores</a:t>
+            </a:r>
+            <a:r>
+              <a:rPr lang="es-ES" sz="2400" dirty="0">
+                <a:solidFill>
+                  <a:srgbClr val="636382"/>
+                </a:solidFill>
+                <a:latin typeface="Gill Sans MT" panose="020B0502020104020203" pitchFamily="34" charset="0"/>
+              </a:rPr>
+              <a:t>, lectores o supervisor) que entre </a:t>
+            </a:r>
+            <a:r>
+              <a:rPr lang="es-ES" sz="2400" dirty="0" smtClean="0">
+                <a:solidFill>
+                  <a:srgbClr val="636382"/>
+                </a:solidFill>
+                <a:latin typeface="Gill Sans MT" panose="020B0502020104020203" pitchFamily="34" charset="0"/>
+              </a:rPr>
+              <a:t>grupos la </a:t>
+            </a:r>
+            <a:r>
+              <a:rPr lang="es-ES" sz="2400" dirty="0">
+                <a:solidFill>
+                  <a:srgbClr val="636382"/>
+                </a:solidFill>
+                <a:latin typeface="Gill Sans MT" panose="020B0502020104020203" pitchFamily="34" charset="0"/>
+              </a:rPr>
+              <a:t>variación no es importante ajustando el modelo </a:t>
+            </a:r>
+            <a:r>
+              <a:rPr lang="es-ES" sz="2400" dirty="0" smtClean="0">
+                <a:solidFill>
+                  <a:srgbClr val="636382"/>
+                </a:solidFill>
+                <a:latin typeface="Gill Sans MT" panose="020B0502020104020203" pitchFamily="34" charset="0"/>
+              </a:rPr>
+              <a:t>ignorando bloques </a:t>
+            </a:r>
+            <a:r>
+              <a:rPr lang="es-ES" sz="2400" dirty="0">
+                <a:solidFill>
+                  <a:srgbClr val="636382"/>
+                </a:solidFill>
+                <a:latin typeface="Gill Sans MT" panose="020B0502020104020203" pitchFamily="34" charset="0"/>
+              </a:rPr>
+              <a:t>y luego examinando la variación de </a:t>
+            </a:r>
+            <a:r>
+              <a:rPr lang="es-ES" sz="2400" dirty="0" smtClean="0">
+                <a:solidFill>
+                  <a:srgbClr val="636382"/>
+                </a:solidFill>
+                <a:latin typeface="Gill Sans MT" panose="020B0502020104020203" pitchFamily="34" charset="0"/>
+              </a:rPr>
+              <a:t>los residuos </a:t>
+            </a:r>
+            <a:r>
+              <a:rPr lang="es-ES" sz="2400" dirty="0">
+                <a:solidFill>
+                  <a:srgbClr val="636382"/>
+                </a:solidFill>
+                <a:latin typeface="Gill Sans MT" panose="020B0502020104020203" pitchFamily="34" charset="0"/>
+              </a:rPr>
+              <a:t>entre los bloques tanto gráficamente </a:t>
+            </a:r>
+            <a:r>
+              <a:rPr lang="es-ES" sz="2400" dirty="0" smtClean="0">
+                <a:solidFill>
+                  <a:srgbClr val="636382"/>
+                </a:solidFill>
+                <a:latin typeface="Gill Sans MT" panose="020B0502020104020203" pitchFamily="34" charset="0"/>
+              </a:rPr>
+              <a:t>como estadísticamente</a:t>
+            </a:r>
+            <a:r>
+              <a:rPr lang="es-ES" sz="2400" dirty="0">
+                <a:solidFill>
+                  <a:srgbClr val="636382"/>
+                </a:solidFill>
+                <a:latin typeface="Gill Sans MT" panose="020B0502020104020203" pitchFamily="34" charset="0"/>
+              </a:rPr>
+              <a:t>.”</a:t>
+            </a:r>
+          </a:p>
+          <a:p>
+            <a:pPr fontAlgn="auto">
+              <a:spcBef>
+                <a:spcPts val="600"/>
+              </a:spcBef>
+              <a:spcAft>
+                <a:spcPts val="1200"/>
+              </a:spcAft>
+            </a:pPr>
+            <a:r>
+              <a:rPr lang="es-ES" sz="2400" dirty="0">
+                <a:solidFill>
+                  <a:srgbClr val="636382"/>
+                </a:solidFill>
+                <a:latin typeface="Gill Sans MT" panose="020B0502020104020203" pitchFamily="34" charset="0"/>
+              </a:rPr>
+              <a:t>“Para justificar ignorar la variación entre grupos en </a:t>
+            </a:r>
+            <a:r>
+              <a:rPr lang="es-ES" sz="2400" dirty="0" smtClean="0">
+                <a:solidFill>
+                  <a:srgbClr val="636382"/>
+                </a:solidFill>
+                <a:latin typeface="Gill Sans MT" panose="020B0502020104020203" pitchFamily="34" charset="0"/>
+              </a:rPr>
+              <a:t>el modelo</a:t>
+            </a:r>
+            <a:r>
+              <a:rPr lang="es-ES" sz="2400" dirty="0">
+                <a:solidFill>
+                  <a:srgbClr val="636382"/>
+                </a:solidFill>
+                <a:latin typeface="Gill Sans MT" panose="020B0502020104020203" pitchFamily="34" charset="0"/>
+              </a:rPr>
+              <a:t>, debe demostrar </a:t>
+            </a:r>
+            <a:r>
+              <a:rPr lang="es-ES" sz="2400" dirty="0" smtClean="0">
+                <a:solidFill>
+                  <a:srgbClr val="636382"/>
+                </a:solidFill>
+                <a:latin typeface="Gill Sans MT" panose="020B0502020104020203" pitchFamily="34" charset="0"/>
+              </a:rPr>
+              <a:t>la </a:t>
+            </a:r>
+            <a:r>
+              <a:rPr lang="es-ES" sz="2400" dirty="0">
+                <a:solidFill>
+                  <a:srgbClr val="636382"/>
+                </a:solidFill>
+                <a:latin typeface="Gill Sans MT" panose="020B0502020104020203" pitchFamily="34" charset="0"/>
+              </a:rPr>
+              <a:t>variación </a:t>
+            </a:r>
+            <a:r>
+              <a:rPr lang="es-ES" sz="2400" dirty="0" smtClean="0">
+                <a:solidFill>
+                  <a:srgbClr val="636382"/>
+                </a:solidFill>
+                <a:latin typeface="Gill Sans MT" panose="020B0502020104020203" pitchFamily="34" charset="0"/>
+              </a:rPr>
+              <a:t>de </a:t>
+            </a:r>
+            <a:r>
+              <a:rPr lang="es-ES" sz="2400" dirty="0">
+                <a:solidFill>
+                  <a:srgbClr val="636382"/>
+                </a:solidFill>
+                <a:latin typeface="Gill Sans MT" panose="020B0502020104020203" pitchFamily="34" charset="0"/>
+              </a:rPr>
+              <a:t>los </a:t>
+            </a:r>
+            <a:r>
+              <a:rPr lang="es-ES" sz="2400" dirty="0" smtClean="0">
+                <a:solidFill>
+                  <a:srgbClr val="636382"/>
+                </a:solidFill>
+                <a:latin typeface="Gill Sans MT" panose="020B0502020104020203" pitchFamily="34" charset="0"/>
+              </a:rPr>
+              <a:t>residuos entre grupos </a:t>
+            </a:r>
+            <a:r>
+              <a:rPr lang="es-ES" sz="2400" dirty="0">
+                <a:solidFill>
+                  <a:srgbClr val="636382"/>
+                </a:solidFill>
+                <a:latin typeface="Gill Sans MT" panose="020B0502020104020203" pitchFamily="34" charset="0"/>
+              </a:rPr>
+              <a:t>es tanto estadística </a:t>
+            </a:r>
+            <a:r>
+              <a:rPr lang="es-ES" sz="2400" dirty="0" smtClean="0">
+                <a:solidFill>
+                  <a:srgbClr val="636382"/>
+                </a:solidFill>
+                <a:latin typeface="Gill Sans MT" panose="020B0502020104020203" pitchFamily="34" charset="0"/>
+              </a:rPr>
+              <a:t>como biológicamente </a:t>
+            </a:r>
+            <a:r>
+              <a:rPr lang="es-ES" sz="2400" dirty="0">
+                <a:solidFill>
+                  <a:srgbClr val="636382"/>
+                </a:solidFill>
+                <a:latin typeface="Gill Sans MT" panose="020B0502020104020203" pitchFamily="34" charset="0"/>
+              </a:rPr>
+              <a:t>irrelevante”.</a:t>
+            </a:r>
+          </a:p>
+          <a:p>
+            <a:pPr fontAlgn="auto">
+              <a:spcBef>
+                <a:spcPts val="600"/>
+              </a:spcBef>
+              <a:spcAft>
+                <a:spcPts val="1200"/>
+              </a:spcAft>
+            </a:pPr>
+            <a:r>
+              <a:rPr lang="es-ES" sz="2400" dirty="0">
+                <a:solidFill>
+                  <a:srgbClr val="636382"/>
+                </a:solidFill>
+                <a:latin typeface="Gill Sans MT" panose="020B0502020104020203" pitchFamily="34" charset="0"/>
+              </a:rPr>
+              <a:t>“La variación biológicamente relevante es </a:t>
+            </a:r>
+            <a:r>
+              <a:rPr lang="es-ES" sz="2400" dirty="0" smtClean="0">
+                <a:solidFill>
+                  <a:srgbClr val="636382"/>
+                </a:solidFill>
+                <a:latin typeface="Gill Sans MT" panose="020B0502020104020203" pitchFamily="34" charset="0"/>
+              </a:rPr>
+              <a:t>una importante señal </a:t>
+            </a:r>
+            <a:r>
+              <a:rPr lang="es-ES" sz="2400" dirty="0">
+                <a:solidFill>
+                  <a:srgbClr val="636382"/>
+                </a:solidFill>
+                <a:latin typeface="Gill Sans MT" panose="020B0502020104020203" pitchFamily="34" charset="0"/>
+              </a:rPr>
+              <a:t>de advertencia, incluso si no es estadísticamente significativa</a:t>
+            </a:r>
+            <a:r>
+              <a:rPr lang="es-ES" sz="2400" dirty="0" smtClean="0">
+                <a:solidFill>
+                  <a:srgbClr val="636382"/>
+                </a:solidFill>
+                <a:latin typeface="Gill Sans MT" panose="020B0502020104020203" pitchFamily="34" charset="0"/>
+              </a:rPr>
+              <a:t>”.</a:t>
+            </a:r>
+          </a:p>
+          <a:p>
+            <a:pPr algn="r" fontAlgn="auto">
+              <a:spcBef>
+                <a:spcPts val="600"/>
+              </a:spcBef>
+              <a:spcAft>
+                <a:spcPts val="1200"/>
+              </a:spcAft>
+            </a:pPr>
+            <a:endParaRPr lang="es-ES" sz="1600" dirty="0" smtClean="0">
+              <a:solidFill>
+                <a:srgbClr val="636382"/>
+              </a:solidFill>
+              <a:latin typeface="Gill Sans MT" panose="020B0502020104020203" pitchFamily="34" charset="0"/>
+            </a:endParaRPr>
+          </a:p>
+          <a:p>
+            <a:pPr algn="r" fontAlgn="auto">
+              <a:spcBef>
+                <a:spcPts val="600"/>
+              </a:spcBef>
+              <a:spcAft>
+                <a:spcPts val="1200"/>
+              </a:spcAft>
+            </a:pPr>
+            <a:r>
+              <a:rPr lang="es-ES" sz="1600" dirty="0" err="1" smtClean="0">
+                <a:solidFill>
+                  <a:srgbClr val="636382"/>
+                </a:solidFill>
+                <a:latin typeface="Gill Sans MT" panose="020B0502020104020203" pitchFamily="34" charset="0"/>
+              </a:rPr>
+              <a:t>Bolker</a:t>
+            </a:r>
+            <a:r>
+              <a:rPr lang="es-ES" sz="1600" dirty="0" smtClean="0">
+                <a:solidFill>
+                  <a:srgbClr val="636382"/>
+                </a:solidFill>
+                <a:latin typeface="Gill Sans MT" panose="020B0502020104020203" pitchFamily="34" charset="0"/>
+              </a:rPr>
+              <a:t> 2008, p. 326</a:t>
+            </a:r>
+          </a:p>
+        </p:txBody>
+      </p:sp>
+    </p:spTree>
+    <p:extLst>
+      <p:ext uri="{BB962C8B-B14F-4D97-AF65-F5344CB8AC3E}">
+        <p14:creationId xmlns:p14="http://schemas.microsoft.com/office/powerpoint/2010/main" val="1029122179"/>
+      </p:ext>
+    </p:extLst>
+  </p:cSld>
+  <p:clrMapOvr>
+    <a:masterClrMapping/>
+  </p:clrMapOvr>
+  <p:timing>
+    <p:tnLst>
+      <p:par>
+        <p:cTn id="1" dur="indefinite" restart="never" nodeType="tmRoot"/>
+      </p:par>
+    </p:tnLst>
+  </p:timing>
+</p:sld>
+</file>
+
+<file path=ppt/slides/slide19.xml><?xml version="1.0" encoding="utf-8"?>
+<p:sld xmlns:a="http://schemas.openxmlformats.org/drawingml/2006/main" xmlns:r="http://schemas.openxmlformats.org/officeDocument/2006/relationships" xmlns:p="http://schemas.openxmlformats.org/presentationml/2006/main">
+  <p:cSld>
+    <p:spTree>
+      <p:nvGrpSpPr>
+        <p:cNvPr id="1" name=""/>
+        <p:cNvGrpSpPr/>
+        <p:nvPr/>
+      </p:nvGrpSpPr>
+      <p:grpSpPr>
+        <a:xfrm>
+          <a:off x="0" y="0"/>
+          <a:ext cx="0" cy="0"/>
+          <a:chOff x="0" y="0"/>
+          <a:chExt cx="0" cy="0"/>
+        </a:xfrm>
+      </p:grpSpPr>
+      <p:pic>
+        <p:nvPicPr>
+          <p:cNvPr id="4" name="Picture 3"/>
+          <p:cNvPicPr>
+            <a:picLocks noChangeAspect="1"/>
+          </p:cNvPicPr>
+          <p:nvPr/>
+        </p:nvPicPr>
+        <p:blipFill rotWithShape="1">
+          <a:blip r:embed="rId2"/>
+          <a:srcRect l="3941" t="-140" r="-3941" b="140"/>
+          <a:stretch/>
+        </p:blipFill>
+        <p:spPr>
+          <a:xfrm>
+            <a:off x="166687" y="757237"/>
+            <a:ext cx="8810625" cy="5343525"/>
+          </a:xfrm>
+          <a:prstGeom prst="rect">
+            <a:avLst/>
+          </a:prstGeom>
+        </p:spPr>
+      </p:pic>
+      <p:sp>
+        <p:nvSpPr>
+          <p:cNvPr id="5" name="Rectangle 4"/>
+          <p:cNvSpPr/>
+          <p:nvPr/>
+        </p:nvSpPr>
+        <p:spPr>
+          <a:xfrm>
+            <a:off x="539552" y="260648"/>
+            <a:ext cx="6462464" cy="369332"/>
+          </a:xfrm>
+          <a:prstGeom prst="rect">
+            <a:avLst/>
+          </a:prstGeom>
+        </p:spPr>
+        <p:txBody>
+          <a:bodyPr wrap="square">
+            <a:spAutoFit/>
+          </a:bodyPr>
+          <a:lstStyle/>
+          <a:p>
+            <a:r>
+              <a:rPr lang="es-ES" u="sng" dirty="0">
+                <a:solidFill>
+                  <a:srgbClr val="0070C0"/>
+                </a:solidFill>
+              </a:rPr>
+              <a:t>https://bbolker.github.io/mixedmodels-misc/glmmFAQ.html</a:t>
+            </a:r>
+          </a:p>
+        </p:txBody>
+      </p:sp>
+      <p:sp>
+        <p:nvSpPr>
+          <p:cNvPr id="6" name="TextBox 5"/>
+          <p:cNvSpPr txBox="1"/>
+          <p:nvPr/>
+        </p:nvSpPr>
+        <p:spPr>
+          <a:xfrm>
+            <a:off x="5292080" y="3933056"/>
+            <a:ext cx="375424" cy="584775"/>
+          </a:xfrm>
+          <a:prstGeom prst="rect">
+            <a:avLst/>
+          </a:prstGeom>
+          <a:noFill/>
+        </p:spPr>
+        <p:txBody>
+          <a:bodyPr wrap="none" rtlCol="0">
+            <a:spAutoFit/>
+          </a:bodyPr>
+          <a:lstStyle/>
+          <a:p>
+            <a:r>
+              <a:rPr lang="es-ES" sz="3200" b="1" dirty="0">
+                <a:solidFill>
+                  <a:srgbClr val="FF0000"/>
+                </a:solidFill>
+              </a:rPr>
+              <a:t>?</a:t>
+            </a:r>
+          </a:p>
+        </p:txBody>
+      </p:sp>
+    </p:spTree>
+    <p:extLst>
+      <p:ext uri="{BB962C8B-B14F-4D97-AF65-F5344CB8AC3E}">
+        <p14:creationId xmlns:p14="http://schemas.microsoft.com/office/powerpoint/2010/main" val="3451356166"/>
       </p:ext>
     </p:extLst>
   </p:cSld>
@@ -15545,6 +18621,4003 @@
     <p:extLst>
       <p:ext uri="{BB962C8B-B14F-4D97-AF65-F5344CB8AC3E}">
         <p14:creationId xmlns:p14="http://schemas.microsoft.com/office/powerpoint/2010/main" val="2083017789"/>
+      </p:ext>
+    </p:extLst>
+  </p:cSld>
+  <p:clrMapOvr>
+    <a:masterClrMapping/>
+  </p:clrMapOvr>
+  <p:timing>
+    <p:tnLst>
+      <p:par>
+        <p:cTn id="1" dur="indefinite" restart="never" nodeType="tmRoot"/>
+      </p:par>
+    </p:tnLst>
+  </p:timing>
+</p:sld>
+</file>
+
+<file path=ppt/slides/slide20.xml><?xml version="1.0" encoding="utf-8"?>
+<p:sld xmlns:a="http://schemas.openxmlformats.org/drawingml/2006/main" xmlns:r="http://schemas.openxmlformats.org/officeDocument/2006/relationships" xmlns:p="http://schemas.openxmlformats.org/presentationml/2006/main">
+  <p:cSld>
+    <p:spTree>
+      <p:nvGrpSpPr>
+        <p:cNvPr id="1" name=""/>
+        <p:cNvGrpSpPr/>
+        <p:nvPr/>
+      </p:nvGrpSpPr>
+      <p:grpSpPr>
+        <a:xfrm>
+          <a:off x="0" y="0"/>
+          <a:ext cx="0" cy="0"/>
+          <a:chOff x="0" y="0"/>
+          <a:chExt cx="0" cy="0"/>
+        </a:xfrm>
+      </p:grpSpPr>
+      <p:sp>
+        <p:nvSpPr>
+          <p:cNvPr id="2" name="TextBox 12"/>
+          <p:cNvSpPr txBox="1"/>
+          <p:nvPr/>
+        </p:nvSpPr>
+        <p:spPr>
+          <a:xfrm>
+            <a:off x="179512" y="44624"/>
+            <a:ext cx="8496944" cy="584775"/>
+          </a:xfrm>
+          <a:prstGeom prst="rect">
+            <a:avLst/>
+          </a:prstGeom>
+          <a:noFill/>
+        </p:spPr>
+        <p:txBody>
+          <a:bodyPr wrap="square" rtlCol="0">
+            <a:spAutoFit/>
+          </a:bodyPr>
+          <a:lstStyle/>
+          <a:p>
+            <a:r>
+              <a:rPr lang="es-ES" sz="3200" dirty="0" smtClean="0">
+                <a:solidFill>
+                  <a:schemeClr val="accent2"/>
+                </a:solidFill>
+                <a:effectLst>
+                  <a:outerShdw blurRad="38100" dist="38100" dir="2700000" algn="tl">
+                    <a:srgbClr val="000000">
+                      <a:alpha val="43137"/>
+                    </a:srgbClr>
+                  </a:outerShdw>
+                </a:effectLst>
+                <a:latin typeface="Gill Sans MT" panose="020B0502020104020203" pitchFamily="34" charset="0"/>
+              </a:rPr>
+              <a:t>GLMM – Efectos Aleatorios</a:t>
+            </a:r>
+            <a:endParaRPr lang="es-ES" sz="3600" dirty="0">
+              <a:solidFill>
+                <a:schemeClr val="accent2"/>
+              </a:solidFill>
+              <a:effectLst>
+                <a:outerShdw blurRad="38100" dist="38100" dir="2700000" algn="tl">
+                  <a:srgbClr val="000000">
+                    <a:alpha val="43137"/>
+                  </a:srgbClr>
+                </a:outerShdw>
+              </a:effectLst>
+              <a:latin typeface="Gill Sans MT" panose="020B0502020104020203" pitchFamily="34" charset="0"/>
+            </a:endParaRPr>
+          </a:p>
+        </p:txBody>
+      </p:sp>
+      <p:sp>
+        <p:nvSpPr>
+          <p:cNvPr id="3" name="Rectángulo 2"/>
+          <p:cNvSpPr/>
+          <p:nvPr/>
+        </p:nvSpPr>
+        <p:spPr>
+          <a:xfrm>
+            <a:off x="107504" y="1361668"/>
+            <a:ext cx="3999706" cy="3939540"/>
+          </a:xfrm>
+          <a:prstGeom prst="rect">
+            <a:avLst/>
+          </a:prstGeom>
+        </p:spPr>
+        <p:txBody>
+          <a:bodyPr wrap="square">
+            <a:spAutoFit/>
+          </a:bodyPr>
+          <a:lstStyle/>
+          <a:p>
+            <a:pPr marL="457200" indent="-457200" fontAlgn="auto">
+              <a:spcBef>
+                <a:spcPts val="600"/>
+              </a:spcBef>
+              <a:spcAft>
+                <a:spcPts val="600"/>
+              </a:spcAft>
+              <a:buFont typeface="+mj-lt"/>
+              <a:buAutoNum type="arabicPeriod"/>
+            </a:pPr>
+            <a:r>
+              <a:rPr lang="es-AR" sz="2200" dirty="0" smtClean="0">
+                <a:solidFill>
+                  <a:srgbClr val="636382"/>
+                </a:solidFill>
+                <a:latin typeface="Gill Sans MT" panose="020B0502020104020203" pitchFamily="34" charset="0"/>
+              </a:rPr>
+              <a:t>Sólo ordenadas son aleatorias, pero las pendientes son idénticas para los grupos</a:t>
+            </a:r>
+          </a:p>
+          <a:p>
+            <a:pPr marL="457200" indent="-457200" fontAlgn="auto">
+              <a:spcBef>
+                <a:spcPts val="600"/>
+              </a:spcBef>
+              <a:spcAft>
+                <a:spcPts val="600"/>
+              </a:spcAft>
+              <a:buFont typeface="+mj-lt"/>
+              <a:buAutoNum type="arabicPeriod"/>
+            </a:pPr>
+            <a:r>
+              <a:rPr lang="es-AR" sz="2200" dirty="0">
+                <a:solidFill>
+                  <a:srgbClr val="636382"/>
+                </a:solidFill>
+                <a:latin typeface="Gill Sans MT" panose="020B0502020104020203" pitchFamily="34" charset="0"/>
+              </a:rPr>
+              <a:t>Sólo </a:t>
+            </a:r>
+            <a:r>
+              <a:rPr lang="es-AR" sz="2200" dirty="0" smtClean="0">
+                <a:solidFill>
+                  <a:srgbClr val="636382"/>
+                </a:solidFill>
+                <a:latin typeface="Gill Sans MT" panose="020B0502020104020203" pitchFamily="34" charset="0"/>
+              </a:rPr>
+              <a:t>pendientes son </a:t>
+            </a:r>
+            <a:r>
+              <a:rPr lang="es-AR" sz="2200" dirty="0">
+                <a:solidFill>
+                  <a:srgbClr val="636382"/>
+                </a:solidFill>
+                <a:latin typeface="Gill Sans MT" panose="020B0502020104020203" pitchFamily="34" charset="0"/>
+              </a:rPr>
+              <a:t>aleatorias, pero las </a:t>
+            </a:r>
+            <a:r>
+              <a:rPr lang="es-AR" sz="2200" dirty="0" smtClean="0">
+                <a:solidFill>
+                  <a:srgbClr val="636382"/>
+                </a:solidFill>
+                <a:latin typeface="Gill Sans MT" panose="020B0502020104020203" pitchFamily="34" charset="0"/>
+              </a:rPr>
+              <a:t>ordenadas </a:t>
+            </a:r>
+            <a:r>
+              <a:rPr lang="es-AR" sz="2200" dirty="0">
+                <a:solidFill>
+                  <a:srgbClr val="636382"/>
+                </a:solidFill>
+                <a:latin typeface="Gill Sans MT" panose="020B0502020104020203" pitchFamily="34" charset="0"/>
+              </a:rPr>
+              <a:t>son idénticas para los grupos</a:t>
+            </a:r>
+          </a:p>
+          <a:p>
+            <a:pPr marL="457200" indent="-457200" fontAlgn="auto">
+              <a:spcBef>
+                <a:spcPts val="600"/>
+              </a:spcBef>
+              <a:spcAft>
+                <a:spcPts val="600"/>
+              </a:spcAft>
+              <a:buFont typeface="+mj-lt"/>
+              <a:buAutoNum type="arabicPeriod"/>
+            </a:pPr>
+            <a:r>
+              <a:rPr lang="es-AR" sz="2200" dirty="0" smtClean="0">
+                <a:solidFill>
+                  <a:srgbClr val="636382"/>
+                </a:solidFill>
+                <a:latin typeface="Gill Sans MT" panose="020B0502020104020203" pitchFamily="34" charset="0"/>
+              </a:rPr>
+              <a:t>Las ordenadas y pendientes son aleatorias</a:t>
+            </a:r>
+            <a:endParaRPr lang="es-AR" sz="2200" dirty="0">
+              <a:solidFill>
+                <a:srgbClr val="636382"/>
+              </a:solidFill>
+              <a:latin typeface="Gill Sans MT" panose="020B0502020104020203" pitchFamily="34" charset="0"/>
+            </a:endParaRPr>
+          </a:p>
+          <a:p>
+            <a:pPr marL="457200" indent="-457200" fontAlgn="auto">
+              <a:spcBef>
+                <a:spcPts val="600"/>
+              </a:spcBef>
+              <a:spcAft>
+                <a:spcPts val="600"/>
+              </a:spcAft>
+              <a:buFont typeface="+mj-lt"/>
+              <a:buAutoNum type="arabicPeriod"/>
+            </a:pPr>
+            <a:endParaRPr lang="es-AR" sz="2200" dirty="0" smtClean="0">
+              <a:solidFill>
+                <a:srgbClr val="636382"/>
+              </a:solidFill>
+              <a:latin typeface="Gill Sans MT" panose="020B0502020104020203" pitchFamily="34" charset="0"/>
+            </a:endParaRPr>
+          </a:p>
+        </p:txBody>
+      </p:sp>
+      <p:pic>
+        <p:nvPicPr>
+          <p:cNvPr id="4" name="Picture 3"/>
+          <p:cNvPicPr>
+            <a:picLocks noChangeAspect="1"/>
+          </p:cNvPicPr>
+          <p:nvPr/>
+        </p:nvPicPr>
+        <p:blipFill>
+          <a:blip r:embed="rId2"/>
+          <a:stretch>
+            <a:fillRect/>
+          </a:stretch>
+        </p:blipFill>
+        <p:spPr>
+          <a:xfrm>
+            <a:off x="4233137" y="1505397"/>
+            <a:ext cx="5019383" cy="3520681"/>
+          </a:xfrm>
+          <a:prstGeom prst="rect">
+            <a:avLst/>
+          </a:prstGeom>
+        </p:spPr>
+      </p:pic>
+      <p:sp>
+        <p:nvSpPr>
+          <p:cNvPr id="7" name="Rectangle 6"/>
+          <p:cNvSpPr/>
+          <p:nvPr/>
+        </p:nvSpPr>
+        <p:spPr>
+          <a:xfrm>
+            <a:off x="2771800" y="6444044"/>
+            <a:ext cx="6696744" cy="369332"/>
+          </a:xfrm>
+          <a:prstGeom prst="rect">
+            <a:avLst/>
+          </a:prstGeom>
+        </p:spPr>
+        <p:txBody>
+          <a:bodyPr wrap="square">
+            <a:spAutoFit/>
+          </a:bodyPr>
+          <a:lstStyle/>
+          <a:p>
+            <a:r>
+              <a:rPr lang="es-ES" dirty="0">
+                <a:solidFill>
+                  <a:schemeClr val="bg1"/>
+                </a:solidFill>
+                <a:effectLst>
+                  <a:outerShdw blurRad="38100" dist="38100" dir="2700000" algn="tl">
+                    <a:srgbClr val="000000">
+                      <a:alpha val="43137"/>
+                    </a:srgbClr>
+                  </a:outerShdw>
+                </a:effectLst>
+              </a:rPr>
+              <a:t>https://bookdown.org/steve_midway/DAR/random-effects.html</a:t>
+            </a:r>
+          </a:p>
+        </p:txBody>
+      </p:sp>
+    </p:spTree>
+    <p:extLst>
+      <p:ext uri="{BB962C8B-B14F-4D97-AF65-F5344CB8AC3E}">
+        <p14:creationId xmlns:p14="http://schemas.microsoft.com/office/powerpoint/2010/main" val="803974608"/>
+      </p:ext>
+    </p:extLst>
+  </p:cSld>
+  <p:clrMapOvr>
+    <a:masterClrMapping/>
+  </p:clrMapOvr>
+  <p:timing>
+    <p:tnLst>
+      <p:par>
+        <p:cTn id="1" dur="indefinite" restart="never" nodeType="tmRoot"/>
+      </p:par>
+    </p:tnLst>
+  </p:timing>
+</p:sld>
+</file>
+
+<file path=ppt/slides/slide21.xml><?xml version="1.0" encoding="utf-8"?>
+<p:sld xmlns:a="http://schemas.openxmlformats.org/drawingml/2006/main" xmlns:r="http://schemas.openxmlformats.org/officeDocument/2006/relationships" xmlns:p="http://schemas.openxmlformats.org/presentationml/2006/main">
+  <p:cSld>
+    <p:spTree>
+      <p:nvGrpSpPr>
+        <p:cNvPr id="1" name=""/>
+        <p:cNvGrpSpPr/>
+        <p:nvPr/>
+      </p:nvGrpSpPr>
+      <p:grpSpPr>
+        <a:xfrm>
+          <a:off x="0" y="0"/>
+          <a:ext cx="0" cy="0"/>
+          <a:chOff x="0" y="0"/>
+          <a:chExt cx="0" cy="0"/>
+        </a:xfrm>
+      </p:grpSpPr>
+      <p:sp>
+        <p:nvSpPr>
+          <p:cNvPr id="2" name="TextBox 12"/>
+          <p:cNvSpPr txBox="1"/>
+          <p:nvPr/>
+        </p:nvSpPr>
+        <p:spPr>
+          <a:xfrm>
+            <a:off x="179512" y="44624"/>
+            <a:ext cx="8496944" cy="584775"/>
+          </a:xfrm>
+          <a:prstGeom prst="rect">
+            <a:avLst/>
+          </a:prstGeom>
+          <a:noFill/>
+        </p:spPr>
+        <p:txBody>
+          <a:bodyPr wrap="square" rtlCol="0">
+            <a:spAutoFit/>
+          </a:bodyPr>
+          <a:lstStyle/>
+          <a:p>
+            <a:r>
+              <a:rPr lang="es-ES" sz="3200" dirty="0" smtClean="0">
+                <a:solidFill>
+                  <a:schemeClr val="accent2"/>
+                </a:solidFill>
+                <a:effectLst>
+                  <a:outerShdw blurRad="38100" dist="38100" dir="2700000" algn="tl">
+                    <a:srgbClr val="000000">
+                      <a:alpha val="43137"/>
+                    </a:srgbClr>
+                  </a:outerShdw>
+                </a:effectLst>
+                <a:latin typeface="Gill Sans MT" panose="020B0502020104020203" pitchFamily="34" charset="0"/>
+              </a:rPr>
+              <a:t>GLMM – Efectos Aleatorios</a:t>
+            </a:r>
+            <a:endParaRPr lang="es-ES" sz="3600" dirty="0">
+              <a:solidFill>
+                <a:schemeClr val="accent2"/>
+              </a:solidFill>
+              <a:effectLst>
+                <a:outerShdw blurRad="38100" dist="38100" dir="2700000" algn="tl">
+                  <a:srgbClr val="000000">
+                    <a:alpha val="43137"/>
+                  </a:srgbClr>
+                </a:outerShdw>
+              </a:effectLst>
+              <a:latin typeface="Gill Sans MT" panose="020B0502020104020203" pitchFamily="34" charset="0"/>
+            </a:endParaRPr>
+          </a:p>
+        </p:txBody>
+      </p:sp>
+      <mc:AlternateContent xmlns:mc="http://schemas.openxmlformats.org/markup-compatibility/2006">
+        <mc:Choice xmlns:a14="http://schemas.microsoft.com/office/drawing/2010/main" Requires="a14">
+          <p:sp>
+            <p:nvSpPr>
+              <p:cNvPr id="6" name="Rectangle 5"/>
+              <p:cNvSpPr/>
+              <p:nvPr/>
+            </p:nvSpPr>
+            <p:spPr>
+              <a:xfrm>
+                <a:off x="179512" y="1844824"/>
+                <a:ext cx="5549470" cy="3659976"/>
+              </a:xfrm>
+              <a:prstGeom prst="rect">
+                <a:avLst/>
+              </a:prstGeom>
+            </p:spPr>
+            <p:txBody>
+              <a:bodyPr wrap="square">
+                <a:spAutoFit/>
+              </a:bodyPr>
+              <a:lstStyle/>
+              <a:p>
+                <a:pPr algn="ctr" fontAlgn="auto">
+                  <a:spcBef>
+                    <a:spcPts val="600"/>
+                  </a:spcBef>
+                  <a:spcAft>
+                    <a:spcPts val="0"/>
+                  </a:spcAft>
+                </a:pPr>
+                <a14:m>
+                  <m:oMathPara xmlns:m="http://schemas.openxmlformats.org/officeDocument/2006/math">
+                    <m:oMathParaPr>
+                      <m:jc m:val="left"/>
+                    </m:oMathParaPr>
+                    <m:oMath xmlns:m="http://schemas.openxmlformats.org/officeDocument/2006/math">
+                      <m:sSub>
+                        <m:sSubPr>
+                          <m:ctrlPr>
+                            <a:rPr lang="es-AR" sz="2200" b="1" i="1" smtClean="0">
+                              <a:solidFill>
+                                <a:srgbClr val="636382"/>
+                              </a:solidFill>
+                              <a:latin typeface="Cambria Math" panose="02040503050406030204" pitchFamily="18" charset="0"/>
+                            </a:rPr>
+                          </m:ctrlPr>
+                        </m:sSubPr>
+                        <m:e>
+                          <m:r>
+                            <a:rPr lang="es-ES" sz="2200" b="1" i="1" smtClean="0">
+                              <a:solidFill>
+                                <a:srgbClr val="636382"/>
+                              </a:solidFill>
+                              <a:latin typeface="Cambria Math" panose="02040503050406030204" pitchFamily="18" charset="0"/>
+                            </a:rPr>
+                            <m:t>𝒚</m:t>
+                          </m:r>
+                        </m:e>
+                        <m:sub>
+                          <m:r>
+                            <a:rPr lang="es-AR" sz="2200" b="1" i="1" smtClean="0">
+                              <a:solidFill>
+                                <a:srgbClr val="636382"/>
+                              </a:solidFill>
+                              <a:latin typeface="Cambria Math" panose="02040503050406030204" pitchFamily="18" charset="0"/>
+                            </a:rPr>
+                            <m:t>𝒊</m:t>
+                          </m:r>
+                        </m:sub>
+                      </m:sSub>
+                      <m:r>
+                        <a:rPr lang="en-US" sz="2200" b="1" i="1">
+                          <a:solidFill>
+                            <a:srgbClr val="636382"/>
+                          </a:solidFill>
+                          <a:latin typeface="Cambria Math" panose="02040503050406030204" pitchFamily="18" charset="0"/>
+                          <a:ea typeface="Cambria Math" panose="02040503050406030204" pitchFamily="18" charset="0"/>
+                        </a:rPr>
+                        <m:t>= </m:t>
+                      </m:r>
+                      <m:sSub>
+                        <m:sSubPr>
+                          <m:ctrlPr>
+                            <a:rPr lang="en-US" sz="2200" b="1" i="1" smtClean="0">
+                              <a:solidFill>
+                                <a:srgbClr val="636382"/>
+                              </a:solidFill>
+                              <a:latin typeface="Cambria Math" panose="02040503050406030204" pitchFamily="18" charset="0"/>
+                              <a:ea typeface="Cambria Math" panose="02040503050406030204" pitchFamily="18" charset="0"/>
+                            </a:rPr>
+                          </m:ctrlPr>
+                        </m:sSubPr>
+                        <m:e>
+                          <m:r>
+                            <a:rPr lang="en-US" sz="2200" b="1" i="1" smtClean="0">
+                              <a:solidFill>
+                                <a:srgbClr val="636382"/>
+                              </a:solidFill>
+                              <a:latin typeface="Cambria Math" panose="02040503050406030204" pitchFamily="18" charset="0"/>
+                              <a:ea typeface="Cambria Math" panose="02040503050406030204" pitchFamily="18" charset="0"/>
+                            </a:rPr>
+                            <m:t>𝜶</m:t>
+                          </m:r>
+                        </m:e>
+                        <m:sub>
+                          <m:r>
+                            <a:rPr lang="es-AR" sz="2200" b="1" i="1" smtClean="0">
+                              <a:solidFill>
+                                <a:srgbClr val="636382"/>
+                              </a:solidFill>
+                              <a:latin typeface="Cambria Math" panose="02040503050406030204" pitchFamily="18" charset="0"/>
+                              <a:ea typeface="Cambria Math" panose="02040503050406030204" pitchFamily="18" charset="0"/>
+                            </a:rPr>
+                            <m:t>𝒋</m:t>
+                          </m:r>
+                          <m:r>
+                            <a:rPr lang="es-AR" sz="2200" b="1" i="1" smtClean="0">
+                              <a:solidFill>
+                                <a:srgbClr val="636382"/>
+                              </a:solidFill>
+                              <a:latin typeface="Cambria Math" panose="02040503050406030204" pitchFamily="18" charset="0"/>
+                              <a:ea typeface="Cambria Math" panose="02040503050406030204" pitchFamily="18" charset="0"/>
+                            </a:rPr>
+                            <m:t>(</m:t>
+                          </m:r>
+                          <m:r>
+                            <a:rPr lang="es-AR" sz="2200" b="1" i="1" smtClean="0">
+                              <a:solidFill>
+                                <a:srgbClr val="636382"/>
+                              </a:solidFill>
+                              <a:latin typeface="Cambria Math" panose="02040503050406030204" pitchFamily="18" charset="0"/>
+                              <a:ea typeface="Cambria Math" panose="02040503050406030204" pitchFamily="18" charset="0"/>
+                            </a:rPr>
+                            <m:t>𝒊</m:t>
+                          </m:r>
+                          <m:r>
+                            <a:rPr lang="es-AR" sz="2200" b="1" i="1" smtClean="0">
+                              <a:solidFill>
+                                <a:srgbClr val="636382"/>
+                              </a:solidFill>
+                              <a:latin typeface="Cambria Math" panose="02040503050406030204" pitchFamily="18" charset="0"/>
+                              <a:ea typeface="Cambria Math" panose="02040503050406030204" pitchFamily="18" charset="0"/>
+                            </a:rPr>
+                            <m:t>)</m:t>
+                          </m:r>
+                        </m:sub>
+                      </m:sSub>
+                      <m:r>
+                        <a:rPr lang="es-ES" sz="2200" b="1" i="1">
+                          <a:solidFill>
+                            <a:srgbClr val="636382"/>
+                          </a:solidFill>
+                          <a:latin typeface="Cambria Math" panose="02040503050406030204" pitchFamily="18" charset="0"/>
+                          <a:ea typeface="Cambria Math" panose="02040503050406030204" pitchFamily="18" charset="0"/>
+                        </a:rPr>
+                        <m:t>+</m:t>
+                      </m:r>
+                      <m:sSub>
+                        <m:sSubPr>
+                          <m:ctrlPr>
+                            <a:rPr lang="es-ES" sz="2200" b="1" i="1" smtClean="0">
+                              <a:solidFill>
+                                <a:srgbClr val="636382"/>
+                              </a:solidFill>
+                              <a:latin typeface="Cambria Math" panose="02040503050406030204" pitchFamily="18" charset="0"/>
+                              <a:ea typeface="Cambria Math" panose="02040503050406030204" pitchFamily="18" charset="0"/>
+                            </a:rPr>
+                          </m:ctrlPr>
+                        </m:sSubPr>
+                        <m:e>
+                          <m:r>
+                            <a:rPr lang="es-ES" sz="2200" b="1" i="1">
+                              <a:solidFill>
+                                <a:srgbClr val="636382"/>
+                              </a:solidFill>
+                              <a:latin typeface="Cambria Math" panose="02040503050406030204" pitchFamily="18" charset="0"/>
+                              <a:ea typeface="Cambria Math" panose="02040503050406030204" pitchFamily="18" charset="0"/>
+                            </a:rPr>
+                            <m:t>𝜷</m:t>
+                          </m:r>
+                        </m:e>
+                        <m:sub>
+                          <m:r>
+                            <a:rPr lang="es-AR" sz="2200" b="1" i="1">
+                              <a:solidFill>
+                                <a:srgbClr val="636382"/>
+                              </a:solidFill>
+                              <a:latin typeface="Cambria Math" panose="02040503050406030204" pitchFamily="18" charset="0"/>
+                              <a:ea typeface="Cambria Math" panose="02040503050406030204" pitchFamily="18" charset="0"/>
+                            </a:rPr>
+                            <m:t>𝒋</m:t>
+                          </m:r>
+                          <m:r>
+                            <a:rPr lang="es-AR" sz="2200" b="1" i="1">
+                              <a:solidFill>
+                                <a:srgbClr val="636382"/>
+                              </a:solidFill>
+                              <a:latin typeface="Cambria Math" panose="02040503050406030204" pitchFamily="18" charset="0"/>
+                              <a:ea typeface="Cambria Math" panose="02040503050406030204" pitchFamily="18" charset="0"/>
+                            </a:rPr>
+                            <m:t>(</m:t>
+                          </m:r>
+                          <m:r>
+                            <a:rPr lang="es-AR" sz="2200" b="1" i="1">
+                              <a:solidFill>
+                                <a:srgbClr val="636382"/>
+                              </a:solidFill>
+                              <a:latin typeface="Cambria Math" panose="02040503050406030204" pitchFamily="18" charset="0"/>
+                              <a:ea typeface="Cambria Math" panose="02040503050406030204" pitchFamily="18" charset="0"/>
+                            </a:rPr>
+                            <m:t>𝒊</m:t>
+                          </m:r>
+                          <m:r>
+                            <a:rPr lang="es-AR" sz="2200" b="1" i="1">
+                              <a:solidFill>
+                                <a:srgbClr val="636382"/>
+                              </a:solidFill>
+                              <a:latin typeface="Cambria Math" panose="02040503050406030204" pitchFamily="18" charset="0"/>
+                              <a:ea typeface="Cambria Math" panose="02040503050406030204" pitchFamily="18" charset="0"/>
+                            </a:rPr>
+                            <m:t>)</m:t>
+                          </m:r>
+                        </m:sub>
+                      </m:sSub>
+                      <m:r>
+                        <a:rPr lang="es-ES" sz="2200" b="1" i="1">
+                          <a:solidFill>
+                            <a:srgbClr val="636382"/>
+                          </a:solidFill>
+                          <a:latin typeface="Cambria Math" panose="02040503050406030204" pitchFamily="18" charset="0"/>
+                          <a:ea typeface="Cambria Math" panose="02040503050406030204" pitchFamily="18" charset="0"/>
+                        </a:rPr>
+                        <m:t>∗</m:t>
+                      </m:r>
+                      <m:sSub>
+                        <m:sSubPr>
+                          <m:ctrlPr>
+                            <a:rPr lang="es-ES" sz="2200" b="1" i="1">
+                              <a:solidFill>
+                                <a:srgbClr val="636382"/>
+                              </a:solidFill>
+                              <a:latin typeface="Cambria Math" panose="02040503050406030204" pitchFamily="18" charset="0"/>
+                              <a:ea typeface="Cambria Math" panose="02040503050406030204" pitchFamily="18" charset="0"/>
+                            </a:rPr>
+                          </m:ctrlPr>
+                        </m:sSubPr>
+                        <m:e>
+                          <m:r>
+                            <a:rPr lang="es-ES" sz="2200" b="1" i="1" smtClean="0">
+                              <a:solidFill>
+                                <a:srgbClr val="636382"/>
+                              </a:solidFill>
+                              <a:latin typeface="Cambria Math" panose="02040503050406030204" pitchFamily="18" charset="0"/>
+                              <a:ea typeface="Cambria Math" panose="02040503050406030204" pitchFamily="18" charset="0"/>
+                            </a:rPr>
+                            <m:t>𝒙</m:t>
+                          </m:r>
+                        </m:e>
+                        <m:sub>
+                          <m:r>
+                            <a:rPr lang="en-US" sz="2200" b="1" i="1">
+                              <a:solidFill>
+                                <a:srgbClr val="636382"/>
+                              </a:solidFill>
+                              <a:latin typeface="Cambria Math" panose="02040503050406030204" pitchFamily="18" charset="0"/>
+                              <a:ea typeface="Cambria Math" panose="02040503050406030204" pitchFamily="18" charset="0"/>
+                            </a:rPr>
+                            <m:t>𝒊</m:t>
+                          </m:r>
+                        </m:sub>
+                      </m:sSub>
+                      <m:r>
+                        <a:rPr lang="en-US" sz="2200" b="1" i="1">
+                          <a:solidFill>
+                            <a:srgbClr val="636382"/>
+                          </a:solidFill>
+                          <a:latin typeface="Cambria Math" panose="02040503050406030204" pitchFamily="18" charset="0"/>
+                          <a:ea typeface="Cambria Math" panose="02040503050406030204" pitchFamily="18" charset="0"/>
+                        </a:rPr>
+                        <m:t>+</m:t>
+                      </m:r>
+                      <m:sSub>
+                        <m:sSubPr>
+                          <m:ctrlPr>
+                            <a:rPr lang="en-US" sz="2200" b="1" i="1">
+                              <a:solidFill>
+                                <a:srgbClr val="636382"/>
+                              </a:solidFill>
+                              <a:latin typeface="Cambria Math" panose="02040503050406030204" pitchFamily="18" charset="0"/>
+                              <a:ea typeface="Cambria Math" panose="02040503050406030204" pitchFamily="18" charset="0"/>
+                            </a:rPr>
+                          </m:ctrlPr>
+                        </m:sSubPr>
+                        <m:e>
+                          <m:r>
+                            <a:rPr lang="en-US" sz="2200" b="1" i="1">
+                              <a:solidFill>
+                                <a:srgbClr val="636382"/>
+                              </a:solidFill>
+                              <a:latin typeface="Cambria Math" panose="02040503050406030204" pitchFamily="18" charset="0"/>
+                              <a:ea typeface="Cambria Math" panose="02040503050406030204" pitchFamily="18" charset="0"/>
+                            </a:rPr>
+                            <m:t>𝜺</m:t>
+                          </m:r>
+                        </m:e>
+                        <m:sub>
+                          <m:r>
+                            <a:rPr lang="en-US" sz="2200" b="1" i="1">
+                              <a:solidFill>
+                                <a:srgbClr val="636382"/>
+                              </a:solidFill>
+                              <a:latin typeface="Cambria Math" panose="02040503050406030204" pitchFamily="18" charset="0"/>
+                              <a:ea typeface="Cambria Math" panose="02040503050406030204" pitchFamily="18" charset="0"/>
+                            </a:rPr>
+                            <m:t>𝒊</m:t>
+                          </m:r>
+                        </m:sub>
+                      </m:sSub>
+                    </m:oMath>
+                  </m:oMathPara>
+                </a14:m>
+                <a:endParaRPr lang="es-ES" sz="2200" b="1" dirty="0" smtClean="0">
+                  <a:solidFill>
+                    <a:srgbClr val="636382"/>
+                  </a:solidFill>
+                  <a:latin typeface="Gill Sans MT" panose="020B0502020104020203" pitchFamily="34" charset="0"/>
+                  <a:ea typeface="Cambria Math" panose="02040503050406030204" pitchFamily="18" charset="0"/>
+                </a:endParaRPr>
+              </a:p>
+              <a:p>
+                <a:pPr algn="ctr" fontAlgn="auto">
+                  <a:spcBef>
+                    <a:spcPts val="600"/>
+                  </a:spcBef>
+                  <a:spcAft>
+                    <a:spcPts val="0"/>
+                  </a:spcAft>
+                </a:pPr>
+                <a:endParaRPr lang="es-ES" sz="2200" b="1" dirty="0" smtClean="0">
+                  <a:solidFill>
+                    <a:srgbClr val="636382"/>
+                  </a:solidFill>
+                  <a:latin typeface="Gill Sans MT" panose="020B0502020104020203" pitchFamily="34" charset="0"/>
+                  <a:ea typeface="Cambria Math" panose="02040503050406030204" pitchFamily="18" charset="0"/>
+                </a:endParaRPr>
+              </a:p>
+              <a:p>
+                <a:pPr fontAlgn="auto">
+                  <a:spcBef>
+                    <a:spcPts val="600"/>
+                  </a:spcBef>
+                  <a:spcAft>
+                    <a:spcPts val="0"/>
+                  </a:spcAft>
+                </a:pPr>
+                <a14:m>
+                  <m:oMath xmlns:m="http://schemas.openxmlformats.org/officeDocument/2006/math">
+                    <m:sSub>
+                      <m:sSubPr>
+                        <m:ctrlPr>
+                          <a:rPr lang="en-US" sz="2200" b="1" i="1">
+                            <a:solidFill>
+                              <a:srgbClr val="636382"/>
+                            </a:solidFill>
+                            <a:latin typeface="Cambria Math" panose="02040503050406030204" pitchFamily="18" charset="0"/>
+                            <a:ea typeface="Cambria Math" panose="02040503050406030204" pitchFamily="18" charset="0"/>
+                          </a:rPr>
+                        </m:ctrlPr>
+                      </m:sSubPr>
+                      <m:e>
+                        <m:r>
+                          <a:rPr lang="en-US" sz="2200" b="1" i="1">
+                            <a:solidFill>
+                              <a:srgbClr val="636382"/>
+                            </a:solidFill>
+                            <a:latin typeface="Cambria Math" panose="02040503050406030204" pitchFamily="18" charset="0"/>
+                            <a:ea typeface="Cambria Math" panose="02040503050406030204" pitchFamily="18" charset="0"/>
+                          </a:rPr>
+                          <m:t>𝜶</m:t>
+                        </m:r>
+                      </m:e>
+                      <m:sub>
+                        <m:r>
+                          <a:rPr lang="es-AR" sz="2200" b="1" i="1">
+                            <a:solidFill>
+                              <a:srgbClr val="636382"/>
+                            </a:solidFill>
+                            <a:latin typeface="Cambria Math" panose="02040503050406030204" pitchFamily="18" charset="0"/>
+                            <a:ea typeface="Cambria Math" panose="02040503050406030204" pitchFamily="18" charset="0"/>
+                          </a:rPr>
+                          <m:t>𝒋</m:t>
+                        </m:r>
+                      </m:sub>
+                    </m:sSub>
+                    <m:r>
+                      <a:rPr lang="en-US" sz="2200" i="1">
+                        <a:solidFill>
+                          <a:srgbClr val="636382"/>
+                        </a:solidFill>
+                        <a:latin typeface="Cambria Math" panose="02040503050406030204" pitchFamily="18" charset="0"/>
+                        <a:ea typeface="Cambria Math" panose="02040503050406030204" pitchFamily="18" charset="0"/>
+                      </a:rPr>
+                      <m:t>~</m:t>
+                    </m:r>
+                    <m:r>
+                      <a:rPr lang="es-ES" sz="2200" b="0" i="1" smtClean="0">
+                        <a:solidFill>
+                          <a:srgbClr val="636382"/>
+                        </a:solidFill>
+                        <a:latin typeface="Cambria Math" panose="02040503050406030204" pitchFamily="18" charset="0"/>
+                        <a:ea typeface="Cambria Math" panose="02040503050406030204" pitchFamily="18" charset="0"/>
+                      </a:rPr>
+                      <m:t> </m:t>
+                    </m:r>
+                    <m:r>
+                      <a:rPr lang="es-ES" sz="2200" b="0" i="1" smtClean="0">
+                        <a:solidFill>
+                          <a:srgbClr val="636382"/>
+                        </a:solidFill>
+                        <a:latin typeface="Cambria Math" panose="02040503050406030204" pitchFamily="18" charset="0"/>
+                        <a:ea typeface="Cambria Math" panose="02040503050406030204" pitchFamily="18" charset="0"/>
+                      </a:rPr>
+                      <m:t>𝑁𝑜𝑟𝑚𝑎𝑙</m:t>
+                    </m:r>
+                    <m:r>
+                      <a:rPr lang="es-ES" sz="2200" b="0" i="1" smtClean="0">
+                        <a:solidFill>
+                          <a:srgbClr val="636382"/>
+                        </a:solidFill>
+                        <a:latin typeface="Cambria Math" panose="02040503050406030204" pitchFamily="18" charset="0"/>
+                        <a:ea typeface="Cambria Math" panose="02040503050406030204" pitchFamily="18" charset="0"/>
+                      </a:rPr>
+                      <m:t> </m:t>
+                    </m:r>
+                    <m:d>
+                      <m:dPr>
+                        <m:ctrlPr>
+                          <a:rPr lang="es-ES" sz="2200" b="0" i="1" smtClean="0">
+                            <a:solidFill>
+                              <a:srgbClr val="636382"/>
+                            </a:solidFill>
+                            <a:latin typeface="Cambria Math" panose="02040503050406030204" pitchFamily="18" charset="0"/>
+                            <a:ea typeface="Cambria Math" panose="02040503050406030204" pitchFamily="18" charset="0"/>
+                          </a:rPr>
+                        </m:ctrlPr>
+                      </m:dPr>
+                      <m:e>
+                        <m:sSub>
+                          <m:sSubPr>
+                            <m:ctrlPr>
+                              <a:rPr lang="es-ES" sz="2200" b="0" i="1" smtClean="0">
+                                <a:solidFill>
+                                  <a:srgbClr val="636382"/>
+                                </a:solidFill>
+                                <a:latin typeface="Cambria Math" panose="02040503050406030204" pitchFamily="18" charset="0"/>
+                                <a:ea typeface="Cambria Math" panose="02040503050406030204" pitchFamily="18" charset="0"/>
+                              </a:rPr>
+                            </m:ctrlPr>
+                          </m:sSubPr>
+                          <m:e>
+                            <m:r>
+                              <a:rPr lang="es-ES" sz="2200" b="0" i="1" smtClean="0">
+                                <a:solidFill>
+                                  <a:srgbClr val="636382"/>
+                                </a:solidFill>
+                                <a:latin typeface="Cambria Math" panose="02040503050406030204" pitchFamily="18" charset="0"/>
+                                <a:ea typeface="Cambria Math" panose="02040503050406030204" pitchFamily="18" charset="0"/>
+                              </a:rPr>
+                              <m:t>𝜇</m:t>
+                            </m:r>
+                          </m:e>
+                          <m:sub>
+                            <m:r>
+                              <a:rPr lang="es-ES" sz="2200" b="0" i="1" smtClean="0">
+                                <a:solidFill>
+                                  <a:srgbClr val="636382"/>
+                                </a:solidFill>
+                                <a:latin typeface="Cambria Math" panose="02040503050406030204" pitchFamily="18" charset="0"/>
+                                <a:ea typeface="Cambria Math" panose="02040503050406030204" pitchFamily="18" charset="0"/>
+                              </a:rPr>
+                              <m:t>𝛼</m:t>
+                            </m:r>
+                          </m:sub>
+                        </m:sSub>
+                        <m:r>
+                          <a:rPr lang="es-ES" sz="2200" b="0" i="1" smtClean="0">
+                            <a:solidFill>
+                              <a:srgbClr val="636382"/>
+                            </a:solidFill>
+                            <a:latin typeface="Cambria Math" panose="02040503050406030204" pitchFamily="18" charset="0"/>
+                            <a:ea typeface="Cambria Math" panose="02040503050406030204" pitchFamily="18" charset="0"/>
+                          </a:rPr>
+                          <m:t>,</m:t>
+                        </m:r>
+                        <m:sSubSup>
+                          <m:sSubSupPr>
+                            <m:ctrlPr>
+                              <a:rPr lang="es-ES" sz="2200" b="0" i="1" smtClean="0">
+                                <a:solidFill>
+                                  <a:srgbClr val="636382"/>
+                                </a:solidFill>
+                                <a:latin typeface="Cambria Math" panose="02040503050406030204" pitchFamily="18" charset="0"/>
+                                <a:ea typeface="Cambria Math" panose="02040503050406030204" pitchFamily="18" charset="0"/>
+                              </a:rPr>
+                            </m:ctrlPr>
+                          </m:sSubSupPr>
+                          <m:e>
+                            <m:r>
+                              <a:rPr lang="es-ES" sz="2200" b="0" i="1" smtClean="0">
+                                <a:solidFill>
+                                  <a:srgbClr val="636382"/>
+                                </a:solidFill>
+                                <a:latin typeface="Cambria Math" panose="02040503050406030204" pitchFamily="18" charset="0"/>
+                                <a:ea typeface="Cambria Math" panose="02040503050406030204" pitchFamily="18" charset="0"/>
+                              </a:rPr>
+                              <m:t>𝜎</m:t>
+                            </m:r>
+                          </m:e>
+                          <m:sub>
+                            <m:r>
+                              <a:rPr lang="es-ES" sz="2200" b="0" i="1" smtClean="0">
+                                <a:solidFill>
+                                  <a:srgbClr val="636382"/>
+                                </a:solidFill>
+                                <a:latin typeface="Cambria Math" panose="02040503050406030204" pitchFamily="18" charset="0"/>
+                                <a:ea typeface="Cambria Math" panose="02040503050406030204" pitchFamily="18" charset="0"/>
+                              </a:rPr>
+                              <m:t>𝛼</m:t>
+                            </m:r>
+                          </m:sub>
+                          <m:sup>
+                            <m:r>
+                              <a:rPr lang="es-ES" sz="2200" b="0" i="1" smtClean="0">
+                                <a:solidFill>
+                                  <a:srgbClr val="636382"/>
+                                </a:solidFill>
+                                <a:latin typeface="Cambria Math" panose="02040503050406030204" pitchFamily="18" charset="0"/>
+                                <a:ea typeface="Cambria Math" panose="02040503050406030204" pitchFamily="18" charset="0"/>
+                              </a:rPr>
+                              <m:t>2</m:t>
+                            </m:r>
+                          </m:sup>
+                        </m:sSubSup>
+                      </m:e>
+                    </m:d>
+                  </m:oMath>
+                </a14:m>
+                <a:r>
+                  <a:rPr lang="es-ES" sz="2200" b="0" dirty="0" smtClean="0">
+                    <a:solidFill>
+                      <a:srgbClr val="636382"/>
+                    </a:solidFill>
+                    <a:latin typeface="Gill Sans MT" panose="020B0502020104020203" pitchFamily="34" charset="0"/>
+                    <a:ea typeface="Cambria Math" panose="02040503050406030204" pitchFamily="18" charset="0"/>
+                  </a:rPr>
+                  <a:t>    # Efectos aleatorios 			    de las ordenadas</a:t>
+                </a:r>
+              </a:p>
+              <a:p>
+                <a:pPr fontAlgn="auto">
+                  <a:spcBef>
+                    <a:spcPts val="600"/>
+                  </a:spcBef>
+                  <a:spcAft>
+                    <a:spcPts val="0"/>
+                  </a:spcAft>
+                </a:pPr>
+                <a14:m>
+                  <m:oMath xmlns:m="http://schemas.openxmlformats.org/officeDocument/2006/math">
+                    <m:sSub>
+                      <m:sSubPr>
+                        <m:ctrlPr>
+                          <a:rPr lang="en-US" sz="2200" b="1" i="1">
+                            <a:solidFill>
+                              <a:srgbClr val="636382"/>
+                            </a:solidFill>
+                            <a:latin typeface="Cambria Math" panose="02040503050406030204" pitchFamily="18" charset="0"/>
+                            <a:ea typeface="Cambria Math" panose="02040503050406030204" pitchFamily="18" charset="0"/>
+                          </a:rPr>
+                        </m:ctrlPr>
+                      </m:sSubPr>
+                      <m:e>
+                        <m:r>
+                          <a:rPr lang="en-US" sz="2200" b="1" i="1" smtClean="0">
+                            <a:solidFill>
+                              <a:srgbClr val="636382"/>
+                            </a:solidFill>
+                            <a:latin typeface="Cambria Math" panose="02040503050406030204" pitchFamily="18" charset="0"/>
+                            <a:ea typeface="Cambria Math" panose="02040503050406030204" pitchFamily="18" charset="0"/>
+                          </a:rPr>
+                          <m:t>𝜷</m:t>
+                        </m:r>
+                      </m:e>
+                      <m:sub>
+                        <m:r>
+                          <a:rPr lang="es-AR" sz="2200" b="1" i="1">
+                            <a:solidFill>
+                              <a:srgbClr val="636382"/>
+                            </a:solidFill>
+                            <a:latin typeface="Cambria Math" panose="02040503050406030204" pitchFamily="18" charset="0"/>
+                            <a:ea typeface="Cambria Math" panose="02040503050406030204" pitchFamily="18" charset="0"/>
+                          </a:rPr>
+                          <m:t>𝒋</m:t>
+                        </m:r>
+                      </m:sub>
+                    </m:sSub>
+                    <m:r>
+                      <a:rPr lang="en-US" sz="2200" i="1">
+                        <a:solidFill>
+                          <a:srgbClr val="636382"/>
+                        </a:solidFill>
+                        <a:latin typeface="Cambria Math" panose="02040503050406030204" pitchFamily="18" charset="0"/>
+                        <a:ea typeface="Cambria Math" panose="02040503050406030204" pitchFamily="18" charset="0"/>
+                      </a:rPr>
+                      <m:t>~</m:t>
+                    </m:r>
+                    <m:r>
+                      <a:rPr lang="es-ES" sz="2200" i="1">
+                        <a:solidFill>
+                          <a:srgbClr val="636382"/>
+                        </a:solidFill>
+                        <a:latin typeface="Cambria Math" panose="02040503050406030204" pitchFamily="18" charset="0"/>
+                        <a:ea typeface="Cambria Math" panose="02040503050406030204" pitchFamily="18" charset="0"/>
+                      </a:rPr>
+                      <m:t> </m:t>
+                    </m:r>
+                    <m:r>
+                      <a:rPr lang="es-ES" sz="2200" i="1">
+                        <a:solidFill>
+                          <a:srgbClr val="636382"/>
+                        </a:solidFill>
+                        <a:latin typeface="Cambria Math" panose="02040503050406030204" pitchFamily="18" charset="0"/>
+                        <a:ea typeface="Cambria Math" panose="02040503050406030204" pitchFamily="18" charset="0"/>
+                      </a:rPr>
+                      <m:t>𝑁𝑜𝑟𝑚𝑎𝑙</m:t>
+                    </m:r>
+                    <m:r>
+                      <a:rPr lang="es-ES" sz="2200" i="1">
+                        <a:solidFill>
+                          <a:srgbClr val="636382"/>
+                        </a:solidFill>
+                        <a:latin typeface="Cambria Math" panose="02040503050406030204" pitchFamily="18" charset="0"/>
+                        <a:ea typeface="Cambria Math" panose="02040503050406030204" pitchFamily="18" charset="0"/>
+                      </a:rPr>
+                      <m:t> (</m:t>
+                    </m:r>
+                    <m:sSub>
+                      <m:sSubPr>
+                        <m:ctrlPr>
+                          <a:rPr lang="es-ES" sz="2200" i="1">
+                            <a:solidFill>
+                              <a:srgbClr val="636382"/>
+                            </a:solidFill>
+                            <a:latin typeface="Cambria Math" panose="02040503050406030204" pitchFamily="18" charset="0"/>
+                            <a:ea typeface="Cambria Math" panose="02040503050406030204" pitchFamily="18" charset="0"/>
+                          </a:rPr>
+                        </m:ctrlPr>
+                      </m:sSubPr>
+                      <m:e>
+                        <m:r>
+                          <a:rPr lang="es-ES" sz="2200" i="1">
+                            <a:solidFill>
+                              <a:srgbClr val="636382"/>
+                            </a:solidFill>
+                            <a:latin typeface="Cambria Math" panose="02040503050406030204" pitchFamily="18" charset="0"/>
+                            <a:ea typeface="Cambria Math" panose="02040503050406030204" pitchFamily="18" charset="0"/>
+                          </a:rPr>
+                          <m:t>𝜇</m:t>
+                        </m:r>
+                      </m:e>
+                      <m:sub>
+                        <m:r>
+                          <a:rPr lang="es-ES" sz="2200" i="1" smtClean="0">
+                            <a:solidFill>
+                              <a:srgbClr val="636382"/>
+                            </a:solidFill>
+                            <a:latin typeface="Cambria Math" panose="02040503050406030204" pitchFamily="18" charset="0"/>
+                            <a:ea typeface="Cambria Math" panose="02040503050406030204" pitchFamily="18" charset="0"/>
+                          </a:rPr>
+                          <m:t>𝛽</m:t>
+                        </m:r>
+                      </m:sub>
+                    </m:sSub>
+                    <m:r>
+                      <a:rPr lang="es-ES" sz="2200" i="1">
+                        <a:solidFill>
+                          <a:srgbClr val="636382"/>
+                        </a:solidFill>
+                        <a:latin typeface="Cambria Math" panose="02040503050406030204" pitchFamily="18" charset="0"/>
+                        <a:ea typeface="Cambria Math" panose="02040503050406030204" pitchFamily="18" charset="0"/>
+                      </a:rPr>
+                      <m:t>,</m:t>
+                    </m:r>
+                    <m:sSubSup>
+                      <m:sSubSupPr>
+                        <m:ctrlPr>
+                          <a:rPr lang="es-ES" sz="2200" i="1">
+                            <a:solidFill>
+                              <a:srgbClr val="636382"/>
+                            </a:solidFill>
+                            <a:latin typeface="Cambria Math" panose="02040503050406030204" pitchFamily="18" charset="0"/>
+                            <a:ea typeface="Cambria Math" panose="02040503050406030204" pitchFamily="18" charset="0"/>
+                          </a:rPr>
+                        </m:ctrlPr>
+                      </m:sSubSupPr>
+                      <m:e>
+                        <m:r>
+                          <a:rPr lang="es-ES" sz="2200" i="1">
+                            <a:solidFill>
+                              <a:srgbClr val="636382"/>
+                            </a:solidFill>
+                            <a:latin typeface="Cambria Math" panose="02040503050406030204" pitchFamily="18" charset="0"/>
+                            <a:ea typeface="Cambria Math" panose="02040503050406030204" pitchFamily="18" charset="0"/>
+                          </a:rPr>
+                          <m:t>𝜎</m:t>
+                        </m:r>
+                      </m:e>
+                      <m:sub>
+                        <m:r>
+                          <a:rPr lang="es-ES" sz="2200" i="1" smtClean="0">
+                            <a:solidFill>
+                              <a:srgbClr val="636382"/>
+                            </a:solidFill>
+                            <a:latin typeface="Cambria Math" panose="02040503050406030204" pitchFamily="18" charset="0"/>
+                            <a:ea typeface="Cambria Math" panose="02040503050406030204" pitchFamily="18" charset="0"/>
+                          </a:rPr>
+                          <m:t>𝛽</m:t>
+                        </m:r>
+                      </m:sub>
+                      <m:sup>
+                        <m:r>
+                          <a:rPr lang="es-ES" sz="2200" i="1">
+                            <a:solidFill>
+                              <a:srgbClr val="636382"/>
+                            </a:solidFill>
+                            <a:latin typeface="Cambria Math" panose="02040503050406030204" pitchFamily="18" charset="0"/>
+                            <a:ea typeface="Cambria Math" panose="02040503050406030204" pitchFamily="18" charset="0"/>
+                          </a:rPr>
+                          <m:t>2</m:t>
+                        </m:r>
+                      </m:sup>
+                    </m:sSubSup>
+                    <m:r>
+                      <a:rPr lang="es-ES" sz="2200" i="1">
+                        <a:solidFill>
+                          <a:srgbClr val="636382"/>
+                        </a:solidFill>
+                        <a:latin typeface="Cambria Math" panose="02040503050406030204" pitchFamily="18" charset="0"/>
+                        <a:ea typeface="Cambria Math" panose="02040503050406030204" pitchFamily="18" charset="0"/>
+                      </a:rPr>
+                      <m:t>)</m:t>
+                    </m:r>
+                  </m:oMath>
+                </a14:m>
+                <a:r>
+                  <a:rPr lang="es-ES" sz="2200" b="1" dirty="0" smtClean="0">
+                    <a:solidFill>
+                      <a:srgbClr val="636382"/>
+                    </a:solidFill>
+                    <a:latin typeface="Gill Sans MT" panose="020B0502020104020203" pitchFamily="34" charset="0"/>
+                    <a:ea typeface="Cambria Math" panose="02040503050406030204" pitchFamily="18" charset="0"/>
+                  </a:rPr>
+                  <a:t>    </a:t>
+                </a:r>
+                <a:r>
+                  <a:rPr lang="es-ES" sz="2200" dirty="0" smtClean="0">
+                    <a:solidFill>
+                      <a:srgbClr val="636382"/>
+                    </a:solidFill>
+                    <a:latin typeface="Gill Sans MT" panose="020B0502020104020203" pitchFamily="34" charset="0"/>
+                    <a:ea typeface="Cambria Math" panose="02040503050406030204" pitchFamily="18" charset="0"/>
+                  </a:rPr>
+                  <a:t># </a:t>
+                </a:r>
+                <a:r>
+                  <a:rPr lang="es-ES" sz="2200" dirty="0">
+                    <a:solidFill>
+                      <a:srgbClr val="636382"/>
+                    </a:solidFill>
+                    <a:latin typeface="Gill Sans MT" panose="020B0502020104020203" pitchFamily="34" charset="0"/>
+                    <a:ea typeface="Cambria Math" panose="02040503050406030204" pitchFamily="18" charset="0"/>
+                  </a:rPr>
+                  <a:t>Efectos aleatorios </a:t>
+                </a:r>
+                <a:r>
+                  <a:rPr lang="es-ES" sz="2200" dirty="0" smtClean="0">
+                    <a:solidFill>
+                      <a:srgbClr val="636382"/>
+                    </a:solidFill>
+                    <a:latin typeface="Gill Sans MT" panose="020B0502020104020203" pitchFamily="34" charset="0"/>
+                    <a:ea typeface="Cambria Math" panose="02040503050406030204" pitchFamily="18" charset="0"/>
+                  </a:rPr>
+                  <a:t>			    de </a:t>
+                </a:r>
+                <a:r>
+                  <a:rPr lang="es-ES" sz="2200" dirty="0">
+                    <a:solidFill>
+                      <a:srgbClr val="636382"/>
+                    </a:solidFill>
+                    <a:latin typeface="Gill Sans MT" panose="020B0502020104020203" pitchFamily="34" charset="0"/>
+                    <a:ea typeface="Cambria Math" panose="02040503050406030204" pitchFamily="18" charset="0"/>
+                  </a:rPr>
+                  <a:t>las </a:t>
+                </a:r>
+                <a:r>
+                  <a:rPr lang="es-ES" sz="2200" dirty="0" smtClean="0">
+                    <a:solidFill>
+                      <a:srgbClr val="636382"/>
+                    </a:solidFill>
+                    <a:latin typeface="Gill Sans MT" panose="020B0502020104020203" pitchFamily="34" charset="0"/>
+                    <a:ea typeface="Cambria Math" panose="02040503050406030204" pitchFamily="18" charset="0"/>
+                  </a:rPr>
+                  <a:t>pendientes</a:t>
+                </a:r>
+                <a:endParaRPr lang="es-ES" sz="2200" b="1" dirty="0" smtClean="0">
+                  <a:solidFill>
+                    <a:srgbClr val="636382"/>
+                  </a:solidFill>
+                  <a:latin typeface="Gill Sans MT" panose="020B0502020104020203" pitchFamily="34" charset="0"/>
+                  <a:ea typeface="Cambria Math" panose="02040503050406030204" pitchFamily="18" charset="0"/>
+                </a:endParaRPr>
+              </a:p>
+              <a:p>
+                <a:pPr fontAlgn="auto">
+                  <a:spcBef>
+                    <a:spcPts val="600"/>
+                  </a:spcBef>
+                  <a:spcAft>
+                    <a:spcPts val="0"/>
+                  </a:spcAft>
+                </a:pPr>
+                <a14:m>
+                  <m:oMath xmlns:m="http://schemas.openxmlformats.org/officeDocument/2006/math">
+                    <m:sSub>
+                      <m:sSubPr>
+                        <m:ctrlPr>
+                          <a:rPr lang="en-US" sz="2200" b="1" i="1">
+                            <a:solidFill>
+                              <a:srgbClr val="636382"/>
+                            </a:solidFill>
+                            <a:latin typeface="Cambria Math" panose="02040503050406030204" pitchFamily="18" charset="0"/>
+                            <a:ea typeface="Cambria Math" panose="02040503050406030204" pitchFamily="18" charset="0"/>
+                          </a:rPr>
+                        </m:ctrlPr>
+                      </m:sSubPr>
+                      <m:e>
+                        <m:r>
+                          <a:rPr lang="en-US" sz="2200" b="1" i="1" smtClean="0">
+                            <a:solidFill>
+                              <a:srgbClr val="636382"/>
+                            </a:solidFill>
+                            <a:latin typeface="Cambria Math" panose="02040503050406030204" pitchFamily="18" charset="0"/>
+                            <a:ea typeface="Cambria Math" panose="02040503050406030204" pitchFamily="18" charset="0"/>
+                          </a:rPr>
+                          <m:t>𝜺</m:t>
+                        </m:r>
+                      </m:e>
+                      <m:sub>
+                        <m:r>
+                          <a:rPr lang="es-ES" sz="2200" b="1" i="1" smtClean="0">
+                            <a:solidFill>
+                              <a:srgbClr val="636382"/>
+                            </a:solidFill>
+                            <a:latin typeface="Cambria Math" panose="02040503050406030204" pitchFamily="18" charset="0"/>
+                            <a:ea typeface="Cambria Math" panose="02040503050406030204" pitchFamily="18" charset="0"/>
+                          </a:rPr>
+                          <m:t>𝒊</m:t>
+                        </m:r>
+                      </m:sub>
+                    </m:sSub>
+                    <m:r>
+                      <a:rPr lang="en-US" sz="2200" i="1">
+                        <a:solidFill>
+                          <a:srgbClr val="636382"/>
+                        </a:solidFill>
+                        <a:latin typeface="Cambria Math" panose="02040503050406030204" pitchFamily="18" charset="0"/>
+                        <a:ea typeface="Cambria Math" panose="02040503050406030204" pitchFamily="18" charset="0"/>
+                      </a:rPr>
+                      <m:t>~</m:t>
+                    </m:r>
+                    <m:r>
+                      <a:rPr lang="es-ES" sz="2200" i="1">
+                        <a:solidFill>
+                          <a:srgbClr val="636382"/>
+                        </a:solidFill>
+                        <a:latin typeface="Cambria Math" panose="02040503050406030204" pitchFamily="18" charset="0"/>
+                        <a:ea typeface="Cambria Math" panose="02040503050406030204" pitchFamily="18" charset="0"/>
+                      </a:rPr>
+                      <m:t> </m:t>
+                    </m:r>
+                    <m:r>
+                      <a:rPr lang="es-ES" sz="2200" i="1">
+                        <a:solidFill>
+                          <a:srgbClr val="636382"/>
+                        </a:solidFill>
+                        <a:latin typeface="Cambria Math" panose="02040503050406030204" pitchFamily="18" charset="0"/>
+                        <a:ea typeface="Cambria Math" panose="02040503050406030204" pitchFamily="18" charset="0"/>
+                      </a:rPr>
+                      <m:t>𝑁𝑜𝑟𝑚𝑎𝑙</m:t>
+                    </m:r>
+                    <m:r>
+                      <a:rPr lang="es-ES" sz="2200" i="1">
+                        <a:solidFill>
+                          <a:srgbClr val="636382"/>
+                        </a:solidFill>
+                        <a:latin typeface="Cambria Math" panose="02040503050406030204" pitchFamily="18" charset="0"/>
+                        <a:ea typeface="Cambria Math" panose="02040503050406030204" pitchFamily="18" charset="0"/>
+                      </a:rPr>
+                      <m:t> (0,</m:t>
+                    </m:r>
+                    <m:sSup>
+                      <m:sSupPr>
+                        <m:ctrlPr>
+                          <a:rPr lang="es-ES" sz="2200" i="1" smtClean="0">
+                            <a:solidFill>
+                              <a:srgbClr val="636382"/>
+                            </a:solidFill>
+                            <a:latin typeface="Cambria Math" panose="02040503050406030204" pitchFamily="18" charset="0"/>
+                            <a:ea typeface="Cambria Math" panose="02040503050406030204" pitchFamily="18" charset="0"/>
+                          </a:rPr>
+                        </m:ctrlPr>
+                      </m:sSupPr>
+                      <m:e>
+                        <m:r>
+                          <a:rPr lang="es-ES" sz="2200" i="1">
+                            <a:solidFill>
+                              <a:srgbClr val="636382"/>
+                            </a:solidFill>
+                            <a:latin typeface="Cambria Math" panose="02040503050406030204" pitchFamily="18" charset="0"/>
+                            <a:ea typeface="Cambria Math" panose="02040503050406030204" pitchFamily="18" charset="0"/>
+                          </a:rPr>
+                          <m:t>𝜎</m:t>
+                        </m:r>
+                      </m:e>
+                      <m:sup>
+                        <m:r>
+                          <a:rPr lang="es-ES" sz="2200" b="0" i="1" smtClean="0">
+                            <a:solidFill>
+                              <a:srgbClr val="636382"/>
+                            </a:solidFill>
+                            <a:latin typeface="Cambria Math" panose="02040503050406030204" pitchFamily="18" charset="0"/>
+                            <a:ea typeface="Cambria Math" panose="02040503050406030204" pitchFamily="18" charset="0"/>
+                          </a:rPr>
+                          <m:t>2</m:t>
+                        </m:r>
+                      </m:sup>
+                    </m:sSup>
+                    <m:r>
+                      <a:rPr lang="es-ES" sz="2200" i="1">
+                        <a:solidFill>
+                          <a:srgbClr val="636382"/>
+                        </a:solidFill>
+                        <a:latin typeface="Cambria Math" panose="02040503050406030204" pitchFamily="18" charset="0"/>
+                        <a:ea typeface="Cambria Math" panose="02040503050406030204" pitchFamily="18" charset="0"/>
+                      </a:rPr>
+                      <m:t>)</m:t>
+                    </m:r>
+                  </m:oMath>
+                </a14:m>
+                <a:r>
+                  <a:rPr lang="es-ES" sz="2200" b="1" dirty="0">
+                    <a:solidFill>
+                      <a:srgbClr val="636382"/>
+                    </a:solidFill>
+                    <a:latin typeface="Gill Sans MT" panose="020B0502020104020203" pitchFamily="34" charset="0"/>
+                    <a:ea typeface="Cambria Math" panose="02040503050406030204" pitchFamily="18" charset="0"/>
+                  </a:rPr>
+                  <a:t> </a:t>
+                </a:r>
+                <a:r>
+                  <a:rPr lang="es-ES" sz="2200" b="1" dirty="0" smtClean="0">
+                    <a:solidFill>
+                      <a:srgbClr val="636382"/>
+                    </a:solidFill>
+                    <a:latin typeface="Gill Sans MT" panose="020B0502020104020203" pitchFamily="34" charset="0"/>
+                    <a:ea typeface="Cambria Math" panose="02040503050406030204" pitchFamily="18" charset="0"/>
+                  </a:rPr>
+                  <a:t>      </a:t>
+                </a:r>
+                <a:r>
+                  <a:rPr lang="es-ES" sz="2200" dirty="0" smtClean="0">
+                    <a:solidFill>
+                      <a:srgbClr val="636382"/>
+                    </a:solidFill>
+                    <a:latin typeface="Gill Sans MT" panose="020B0502020104020203" pitchFamily="34" charset="0"/>
+                    <a:ea typeface="Cambria Math" panose="02040503050406030204" pitchFamily="18" charset="0"/>
+                  </a:rPr>
+                  <a:t># </a:t>
+                </a:r>
+                <a:r>
+                  <a:rPr lang="es-ES" sz="2200" dirty="0">
+                    <a:solidFill>
+                      <a:srgbClr val="636382"/>
+                    </a:solidFill>
+                    <a:latin typeface="Gill Sans MT" panose="020B0502020104020203" pitchFamily="34" charset="0"/>
+                    <a:ea typeface="Cambria Math" panose="02040503050406030204" pitchFamily="18" charset="0"/>
+                  </a:rPr>
+                  <a:t>Efectos aleatorios </a:t>
+                </a:r>
+                <a:r>
+                  <a:rPr lang="es-ES" sz="2200" dirty="0" smtClean="0">
+                    <a:solidFill>
+                      <a:srgbClr val="636382"/>
+                    </a:solidFill>
+                    <a:latin typeface="Gill Sans MT" panose="020B0502020104020203" pitchFamily="34" charset="0"/>
+                    <a:ea typeface="Cambria Math" panose="02040503050406030204" pitchFamily="18" charset="0"/>
+                  </a:rPr>
+                  <a:t>			     residuales</a:t>
+                </a:r>
+                <a:endParaRPr lang="es-ES" sz="2200" b="1" dirty="0">
+                  <a:solidFill>
+                    <a:srgbClr val="636382"/>
+                  </a:solidFill>
+                  <a:latin typeface="Gill Sans MT" panose="020B0502020104020203" pitchFamily="34" charset="0"/>
+                  <a:ea typeface="Cambria Math" panose="02040503050406030204" pitchFamily="18" charset="0"/>
+                </a:endParaRPr>
+              </a:p>
+              <a:p>
+                <a:pPr algn="ctr" fontAlgn="auto">
+                  <a:spcBef>
+                    <a:spcPts val="600"/>
+                  </a:spcBef>
+                  <a:spcAft>
+                    <a:spcPts val="0"/>
+                  </a:spcAft>
+                </a:pPr>
+                <a:endParaRPr lang="es-ES" sz="2200" b="1" dirty="0">
+                  <a:solidFill>
+                    <a:srgbClr val="636382"/>
+                  </a:solidFill>
+                  <a:latin typeface="Gill Sans MT" panose="020B0502020104020203" pitchFamily="34" charset="0"/>
+                  <a:ea typeface="Cambria Math" panose="02040503050406030204" pitchFamily="18" charset="0"/>
+                </a:endParaRPr>
+              </a:p>
+            </p:txBody>
+          </p:sp>
+        </mc:Choice>
+        <mc:Fallback>
+          <p:sp>
+            <p:nvSpPr>
+              <p:cNvPr id="6" name="Rectangle 5"/>
+              <p:cNvSpPr>
+                <a:spLocks noRot="1" noChangeAspect="1" noMove="1" noResize="1" noEditPoints="1" noAdjustHandles="1" noChangeArrowheads="1" noChangeShapeType="1" noTextEdit="1"/>
+              </p:cNvSpPr>
+              <p:nvPr/>
+            </p:nvSpPr>
+            <p:spPr>
+              <a:xfrm>
+                <a:off x="179512" y="1844824"/>
+                <a:ext cx="5549470" cy="3659976"/>
+              </a:xfrm>
+              <a:prstGeom prst="rect">
+                <a:avLst/>
+              </a:prstGeom>
+              <a:blipFill rotWithShape="0">
+                <a:blip r:embed="rId2"/>
+                <a:stretch>
+                  <a:fillRect l="-659"/>
+                </a:stretch>
+              </a:blipFill>
+            </p:spPr>
+            <p:txBody>
+              <a:bodyPr/>
+              <a:lstStyle/>
+              <a:p>
+                <a:r>
+                  <a:rPr lang="es-ES">
+                    <a:noFill/>
+                  </a:rPr>
+                  <a:t> </a:t>
+                </a:r>
+              </a:p>
+            </p:txBody>
+          </p:sp>
+        </mc:Fallback>
+      </mc:AlternateContent>
+      <p:sp>
+        <p:nvSpPr>
+          <p:cNvPr id="5" name="TextBox 4"/>
+          <p:cNvSpPr txBox="1"/>
+          <p:nvPr/>
+        </p:nvSpPr>
+        <p:spPr>
+          <a:xfrm>
+            <a:off x="251520" y="838647"/>
+            <a:ext cx="5976664" cy="461665"/>
+          </a:xfrm>
+          <a:prstGeom prst="rect">
+            <a:avLst/>
+          </a:prstGeom>
+          <a:solidFill>
+            <a:schemeClr val="accent3">
+              <a:lumMod val="20000"/>
+              <a:lumOff val="80000"/>
+            </a:schemeClr>
+          </a:solidFill>
+        </p:spPr>
+        <p:txBody>
+          <a:bodyPr wrap="square" rtlCol="0">
+            <a:spAutoFit/>
+          </a:bodyPr>
+          <a:lstStyle>
+            <a:defPPr>
+              <a:defRPr lang="es-AR"/>
+            </a:defPPr>
+            <a:lvl1pPr>
+              <a:defRPr sz="3200">
+                <a:solidFill>
+                  <a:schemeClr val="accent2"/>
+                </a:solidFill>
+                <a:effectLst>
+                  <a:outerShdw blurRad="38100" dist="38100" dir="2700000" algn="tl">
+                    <a:srgbClr val="000000">
+                      <a:alpha val="43137"/>
+                    </a:srgbClr>
+                  </a:outerShdw>
+                </a:effectLst>
+                <a:latin typeface="Gill Sans MT" panose="020B0502020104020203" pitchFamily="34" charset="0"/>
+              </a:defRPr>
+            </a:lvl1pPr>
+          </a:lstStyle>
+          <a:p>
+            <a:r>
+              <a:rPr lang="es-ES" sz="2400" dirty="0"/>
+              <a:t>Ejemplo de ordenadas y pendientes aleatorias</a:t>
+            </a:r>
+          </a:p>
+        </p:txBody>
+      </p:sp>
+      <p:sp>
+        <p:nvSpPr>
+          <p:cNvPr id="8" name="TextBox 7"/>
+          <p:cNvSpPr txBox="1"/>
+          <p:nvPr/>
+        </p:nvSpPr>
+        <p:spPr>
+          <a:xfrm>
+            <a:off x="5142983" y="1612057"/>
+            <a:ext cx="1786066" cy="1169551"/>
+          </a:xfrm>
+          <a:prstGeom prst="rect">
+            <a:avLst/>
+          </a:prstGeom>
+          <a:noFill/>
+        </p:spPr>
+        <p:txBody>
+          <a:bodyPr wrap="none" rtlCol="0">
+            <a:spAutoFit/>
+          </a:bodyPr>
+          <a:lstStyle/>
+          <a:p>
+            <a:r>
+              <a:rPr lang="es-ES" i="1" dirty="0">
+                <a:solidFill>
+                  <a:schemeClr val="accent2"/>
+                </a:solidFill>
+                <a:effectLst>
+                  <a:outerShdw blurRad="38100" dist="38100" dir="2700000" algn="tl">
+                    <a:srgbClr val="000000">
+                      <a:alpha val="43137"/>
+                    </a:srgbClr>
+                  </a:outerShdw>
+                </a:effectLst>
+                <a:latin typeface="Gill Sans MT" panose="020B0502020104020203" pitchFamily="34" charset="0"/>
+              </a:rPr>
+              <a:t>i</a:t>
+            </a:r>
+            <a:r>
+              <a:rPr lang="es-ES" dirty="0">
+                <a:solidFill>
+                  <a:schemeClr val="accent2"/>
+                </a:solidFill>
+                <a:effectLst>
+                  <a:outerShdw blurRad="38100" dist="38100" dir="2700000" algn="tl">
+                    <a:srgbClr val="000000">
+                      <a:alpha val="43137"/>
+                    </a:srgbClr>
+                  </a:outerShdw>
+                </a:effectLst>
+                <a:latin typeface="Gill Sans MT" panose="020B0502020104020203" pitchFamily="34" charset="0"/>
+              </a:rPr>
+              <a:t> son </a:t>
+            </a:r>
+            <a:r>
+              <a:rPr lang="es-ES" dirty="0" smtClean="0">
+                <a:solidFill>
+                  <a:schemeClr val="accent2"/>
+                </a:solidFill>
+                <a:effectLst>
+                  <a:outerShdw blurRad="38100" dist="38100" dir="2700000" algn="tl">
+                    <a:srgbClr val="000000">
+                      <a:alpha val="43137"/>
+                    </a:srgbClr>
+                  </a:outerShdw>
+                </a:effectLst>
+                <a:latin typeface="Gill Sans MT" panose="020B0502020104020203" pitchFamily="34" charset="0"/>
+              </a:rPr>
+              <a:t>individuos</a:t>
+            </a:r>
+            <a:endParaRPr lang="es-ES" dirty="0">
+              <a:solidFill>
+                <a:schemeClr val="accent2"/>
+              </a:solidFill>
+              <a:effectLst>
+                <a:outerShdw blurRad="38100" dist="38100" dir="2700000" algn="tl">
+                  <a:srgbClr val="000000">
+                    <a:alpha val="43137"/>
+                  </a:srgbClr>
+                </a:outerShdw>
+              </a:effectLst>
+              <a:latin typeface="Gill Sans MT" panose="020B0502020104020203" pitchFamily="34" charset="0"/>
+            </a:endParaRPr>
+          </a:p>
+          <a:p>
+            <a:r>
+              <a:rPr lang="es-ES" i="1" dirty="0">
+                <a:solidFill>
+                  <a:schemeClr val="accent2"/>
+                </a:solidFill>
+                <a:effectLst>
+                  <a:outerShdw blurRad="38100" dist="38100" dir="2700000" algn="tl">
+                    <a:srgbClr val="000000">
+                      <a:alpha val="43137"/>
+                    </a:srgbClr>
+                  </a:outerShdw>
+                </a:effectLst>
+                <a:latin typeface="Gill Sans MT" panose="020B0502020104020203" pitchFamily="34" charset="0"/>
+              </a:rPr>
+              <a:t>j</a:t>
+            </a:r>
+            <a:r>
+              <a:rPr lang="es-ES" dirty="0">
+                <a:solidFill>
+                  <a:schemeClr val="accent2"/>
+                </a:solidFill>
+                <a:effectLst>
+                  <a:outerShdw blurRad="38100" dist="38100" dir="2700000" algn="tl">
+                    <a:srgbClr val="000000">
+                      <a:alpha val="43137"/>
+                    </a:srgbClr>
+                  </a:outerShdw>
+                </a:effectLst>
+                <a:latin typeface="Gill Sans MT" panose="020B0502020104020203" pitchFamily="34" charset="0"/>
+              </a:rPr>
+              <a:t> son </a:t>
+            </a:r>
+            <a:r>
+              <a:rPr lang="es-ES" dirty="0" smtClean="0">
+                <a:solidFill>
+                  <a:schemeClr val="accent2"/>
+                </a:solidFill>
+                <a:effectLst>
+                  <a:outerShdw blurRad="38100" dist="38100" dir="2700000" algn="tl">
+                    <a:srgbClr val="000000">
+                      <a:alpha val="43137"/>
+                    </a:srgbClr>
+                  </a:outerShdw>
+                </a:effectLst>
+                <a:latin typeface="Gill Sans MT" panose="020B0502020104020203" pitchFamily="34" charset="0"/>
+              </a:rPr>
+              <a:t>poblaciones</a:t>
+            </a:r>
+            <a:endParaRPr lang="es-ES" dirty="0">
+              <a:solidFill>
+                <a:schemeClr val="accent2"/>
+              </a:solidFill>
+              <a:effectLst>
+                <a:outerShdw blurRad="38100" dist="38100" dir="2700000" algn="tl">
+                  <a:srgbClr val="000000">
+                    <a:alpha val="43137"/>
+                  </a:srgbClr>
+                </a:outerShdw>
+              </a:effectLst>
+              <a:latin typeface="Gill Sans MT" panose="020B0502020104020203" pitchFamily="34" charset="0"/>
+            </a:endParaRPr>
+          </a:p>
+          <a:p>
+            <a:r>
+              <a:rPr lang="es-ES" dirty="0">
+                <a:solidFill>
+                  <a:schemeClr val="accent2"/>
+                </a:solidFill>
+                <a:effectLst>
+                  <a:outerShdw blurRad="38100" dist="38100" dir="2700000" algn="tl">
+                    <a:srgbClr val="000000">
+                      <a:alpha val="43137"/>
+                    </a:srgbClr>
+                  </a:outerShdw>
+                </a:effectLst>
+                <a:latin typeface="Gill Sans MT" panose="020B0502020104020203" pitchFamily="34" charset="0"/>
+              </a:rPr>
+              <a:t>X es el tamaño </a:t>
+            </a:r>
+          </a:p>
+          <a:p>
+            <a:endParaRPr lang="es-ES" sz="1400" dirty="0"/>
+          </a:p>
+        </p:txBody>
+      </p:sp>
+      <p:pic>
+        <p:nvPicPr>
+          <p:cNvPr id="9" name="Picture 8"/>
+          <p:cNvPicPr>
+            <a:picLocks noChangeAspect="1"/>
+          </p:cNvPicPr>
+          <p:nvPr/>
+        </p:nvPicPr>
+        <p:blipFill>
+          <a:blip r:embed="rId3">
+            <a:duotone>
+              <a:schemeClr val="accent1">
+                <a:shade val="45000"/>
+                <a:satMod val="135000"/>
+              </a:schemeClr>
+              <a:prstClr val="white"/>
+            </a:duotone>
+          </a:blip>
+          <a:stretch>
+            <a:fillRect/>
+          </a:stretch>
+        </p:blipFill>
+        <p:spPr>
+          <a:xfrm>
+            <a:off x="7308304" y="1377862"/>
+            <a:ext cx="1228990" cy="1337096"/>
+          </a:xfrm>
+          <a:prstGeom prst="rect">
+            <a:avLst/>
+          </a:prstGeom>
+        </p:spPr>
+      </p:pic>
+      <p:sp>
+        <p:nvSpPr>
+          <p:cNvPr id="10" name="TextBox 9"/>
+          <p:cNvSpPr txBox="1"/>
+          <p:nvPr/>
+        </p:nvSpPr>
+        <p:spPr>
+          <a:xfrm>
+            <a:off x="179512" y="5727248"/>
+            <a:ext cx="3881364" cy="1015663"/>
+          </a:xfrm>
+          <a:prstGeom prst="rect">
+            <a:avLst/>
+          </a:prstGeom>
+          <a:solidFill>
+            <a:schemeClr val="accent4">
+              <a:lumMod val="20000"/>
+              <a:lumOff val="80000"/>
+            </a:schemeClr>
+          </a:solidFill>
+        </p:spPr>
+        <p:txBody>
+          <a:bodyPr wrap="square" rtlCol="0">
+            <a:spAutoFit/>
+          </a:bodyPr>
+          <a:lstStyle>
+            <a:defPPr>
+              <a:defRPr lang="es-AR"/>
+            </a:defPPr>
+            <a:lvl1pPr>
+              <a:defRPr sz="3200">
+                <a:solidFill>
+                  <a:schemeClr val="accent2"/>
+                </a:solidFill>
+                <a:effectLst>
+                  <a:outerShdw blurRad="38100" dist="38100" dir="2700000" algn="tl">
+                    <a:srgbClr val="000000">
+                      <a:alpha val="43137"/>
+                    </a:srgbClr>
+                  </a:outerShdw>
+                </a:effectLst>
+                <a:latin typeface="Gill Sans MT" panose="020B0502020104020203" pitchFamily="34" charset="0"/>
+              </a:defRPr>
+            </a:lvl1pPr>
+          </a:lstStyle>
+          <a:p>
+            <a:pPr algn="ctr"/>
+            <a:r>
+              <a:rPr lang="es-ES" sz="2000" dirty="0" smtClean="0"/>
+              <a:t>Podemos hacer lo mismo con un GLMM </a:t>
+            </a:r>
+            <a:r>
+              <a:rPr lang="es-ES" sz="2000" dirty="0" err="1" smtClean="0"/>
+              <a:t>poisson</a:t>
+            </a:r>
+            <a:r>
+              <a:rPr lang="es-ES" sz="2000" dirty="0" smtClean="0"/>
+              <a:t> o binomial </a:t>
+            </a:r>
+          </a:p>
+          <a:p>
+            <a:pPr algn="ctr"/>
+            <a:r>
+              <a:rPr lang="es-ES" sz="2000" dirty="0" smtClean="0"/>
+              <a:t>(no olvidar la función de enlace!)</a:t>
+            </a:r>
+            <a:endParaRPr lang="es-ES" sz="2000" dirty="0"/>
+          </a:p>
+        </p:txBody>
+      </p:sp>
+      <p:pic>
+        <p:nvPicPr>
+          <p:cNvPr id="11" name="Picture 10"/>
+          <p:cNvPicPr>
+            <a:picLocks noChangeAspect="1"/>
+          </p:cNvPicPr>
+          <p:nvPr/>
+        </p:nvPicPr>
+        <p:blipFill rotWithShape="1">
+          <a:blip r:embed="rId4"/>
+          <a:srcRect l="-1390" t="3056" r="3711" b="-3056"/>
+          <a:stretch/>
+        </p:blipFill>
+        <p:spPr>
+          <a:xfrm>
+            <a:off x="5542336" y="3353171"/>
+            <a:ext cx="3494160" cy="3532213"/>
+          </a:xfrm>
+          <a:prstGeom prst="rect">
+            <a:avLst/>
+          </a:prstGeom>
+        </p:spPr>
+      </p:pic>
+    </p:spTree>
+    <p:extLst>
+      <p:ext uri="{BB962C8B-B14F-4D97-AF65-F5344CB8AC3E}">
+        <p14:creationId xmlns:p14="http://schemas.microsoft.com/office/powerpoint/2010/main" val="300041665"/>
+      </p:ext>
+    </p:extLst>
+  </p:cSld>
+  <p:clrMapOvr>
+    <a:masterClrMapping/>
+  </p:clrMapOvr>
+  <p:timing>
+    <p:tnLst>
+      <p:par>
+        <p:cTn id="1" dur="indefinite" restart="never" nodeType="tmRoot"/>
+      </p:par>
+    </p:tnLst>
+  </p:timing>
+</p:sld>
+</file>
+
+<file path=ppt/slides/slide22.xml><?xml version="1.0" encoding="utf-8"?>
+<p:sld xmlns:a="http://schemas.openxmlformats.org/drawingml/2006/main" xmlns:r="http://schemas.openxmlformats.org/officeDocument/2006/relationships" xmlns:p="http://schemas.openxmlformats.org/presentationml/2006/main">
+  <p:cSld>
+    <p:spTree>
+      <p:nvGrpSpPr>
+        <p:cNvPr id="1" name=""/>
+        <p:cNvGrpSpPr/>
+        <p:nvPr/>
+      </p:nvGrpSpPr>
+      <p:grpSpPr>
+        <a:xfrm>
+          <a:off x="0" y="0"/>
+          <a:ext cx="0" cy="0"/>
+          <a:chOff x="0" y="0"/>
+          <a:chExt cx="0" cy="0"/>
+        </a:xfrm>
+      </p:grpSpPr>
+      <p:sp>
+        <p:nvSpPr>
+          <p:cNvPr id="2" name="TextBox 12"/>
+          <p:cNvSpPr txBox="1"/>
+          <p:nvPr/>
+        </p:nvSpPr>
+        <p:spPr>
+          <a:xfrm>
+            <a:off x="179512" y="44624"/>
+            <a:ext cx="8496944" cy="584775"/>
+          </a:xfrm>
+          <a:prstGeom prst="rect">
+            <a:avLst/>
+          </a:prstGeom>
+          <a:noFill/>
+        </p:spPr>
+        <p:txBody>
+          <a:bodyPr wrap="square" rtlCol="0">
+            <a:spAutoFit/>
+          </a:bodyPr>
+          <a:lstStyle/>
+          <a:p>
+            <a:r>
+              <a:rPr lang="es-ES" sz="3200" dirty="0" smtClean="0">
+                <a:solidFill>
+                  <a:schemeClr val="accent2"/>
+                </a:solidFill>
+                <a:effectLst>
+                  <a:outerShdw blurRad="38100" dist="38100" dir="2700000" algn="tl">
+                    <a:srgbClr val="000000">
+                      <a:alpha val="43137"/>
+                    </a:srgbClr>
+                  </a:outerShdw>
+                </a:effectLst>
+                <a:latin typeface="Gill Sans MT" panose="020B0502020104020203" pitchFamily="34" charset="0"/>
+              </a:rPr>
+              <a:t>GLMM – Efectos Aleatorios</a:t>
+            </a:r>
+            <a:endParaRPr lang="es-ES" sz="3600" dirty="0">
+              <a:solidFill>
+                <a:schemeClr val="accent2"/>
+              </a:solidFill>
+              <a:effectLst>
+                <a:outerShdw blurRad="38100" dist="38100" dir="2700000" algn="tl">
+                  <a:srgbClr val="000000">
+                    <a:alpha val="43137"/>
+                  </a:srgbClr>
+                </a:outerShdw>
+              </a:effectLst>
+              <a:latin typeface="Gill Sans MT" panose="020B0502020104020203" pitchFamily="34" charset="0"/>
+            </a:endParaRPr>
+          </a:p>
+        </p:txBody>
+      </p:sp>
+      <mc:AlternateContent xmlns:mc="http://schemas.openxmlformats.org/markup-compatibility/2006">
+        <mc:Choice xmlns:a14="http://schemas.microsoft.com/office/drawing/2010/main" Requires="a14">
+          <p:sp>
+            <p:nvSpPr>
+              <p:cNvPr id="6" name="Rectangle 5"/>
+              <p:cNvSpPr/>
+              <p:nvPr/>
+            </p:nvSpPr>
+            <p:spPr>
+              <a:xfrm>
+                <a:off x="251520" y="1628800"/>
+                <a:ext cx="6768752" cy="3980129"/>
+              </a:xfrm>
+              <a:prstGeom prst="rect">
+                <a:avLst/>
+              </a:prstGeom>
+            </p:spPr>
+            <p:txBody>
+              <a:bodyPr wrap="square">
+                <a:spAutoFit/>
+              </a:bodyPr>
+              <a:lstStyle/>
+              <a:p>
+                <a:pPr algn="ctr" fontAlgn="auto">
+                  <a:spcBef>
+                    <a:spcPts val="600"/>
+                  </a:spcBef>
+                  <a:spcAft>
+                    <a:spcPts val="600"/>
+                  </a:spcAft>
+                </a:pPr>
+                <a14:m>
+                  <m:oMathPara xmlns:m="http://schemas.openxmlformats.org/officeDocument/2006/math">
+                    <m:oMathParaPr>
+                      <m:jc m:val="left"/>
+                    </m:oMathParaPr>
+                    <m:oMath xmlns:m="http://schemas.openxmlformats.org/officeDocument/2006/math">
+                      <m:sSub>
+                        <m:sSubPr>
+                          <m:ctrlPr>
+                            <a:rPr lang="es-AR" sz="2200" b="1" i="1" smtClean="0">
+                              <a:solidFill>
+                                <a:srgbClr val="636382"/>
+                              </a:solidFill>
+                              <a:latin typeface="Cambria Math" panose="02040503050406030204" pitchFamily="18" charset="0"/>
+                            </a:rPr>
+                          </m:ctrlPr>
+                        </m:sSubPr>
+                        <m:e>
+                          <m:r>
+                            <a:rPr lang="es-ES" sz="2200" b="1" i="1" smtClean="0">
+                              <a:solidFill>
+                                <a:srgbClr val="636382"/>
+                              </a:solidFill>
+                              <a:latin typeface="Cambria Math" panose="02040503050406030204" pitchFamily="18" charset="0"/>
+                            </a:rPr>
+                            <m:t>𝒚</m:t>
+                          </m:r>
+                        </m:e>
+                        <m:sub>
+                          <m:r>
+                            <a:rPr lang="es-AR" sz="2200" b="1" i="1" smtClean="0">
+                              <a:solidFill>
+                                <a:srgbClr val="636382"/>
+                              </a:solidFill>
+                              <a:latin typeface="Cambria Math" panose="02040503050406030204" pitchFamily="18" charset="0"/>
+                            </a:rPr>
+                            <m:t>𝒊</m:t>
+                          </m:r>
+                        </m:sub>
+                      </m:sSub>
+                      <m:r>
+                        <a:rPr lang="en-US" sz="2200" b="1" i="1">
+                          <a:solidFill>
+                            <a:srgbClr val="636382"/>
+                          </a:solidFill>
+                          <a:latin typeface="Cambria Math" panose="02040503050406030204" pitchFamily="18" charset="0"/>
+                          <a:ea typeface="Cambria Math" panose="02040503050406030204" pitchFamily="18" charset="0"/>
+                        </a:rPr>
+                        <m:t>= </m:t>
+                      </m:r>
+                      <m:sSub>
+                        <m:sSubPr>
+                          <m:ctrlPr>
+                            <a:rPr lang="en-US" sz="2200" b="1" i="1" smtClean="0">
+                              <a:solidFill>
+                                <a:srgbClr val="636382"/>
+                              </a:solidFill>
+                              <a:latin typeface="Cambria Math" panose="02040503050406030204" pitchFamily="18" charset="0"/>
+                              <a:ea typeface="Cambria Math" panose="02040503050406030204" pitchFamily="18" charset="0"/>
+                            </a:rPr>
+                          </m:ctrlPr>
+                        </m:sSubPr>
+                        <m:e>
+                          <m:r>
+                            <a:rPr lang="en-US" sz="2200" b="1" i="1" smtClean="0">
+                              <a:solidFill>
+                                <a:srgbClr val="636382"/>
+                              </a:solidFill>
+                              <a:latin typeface="Cambria Math" panose="02040503050406030204" pitchFamily="18" charset="0"/>
+                              <a:ea typeface="Cambria Math" panose="02040503050406030204" pitchFamily="18" charset="0"/>
+                            </a:rPr>
+                            <m:t>𝜶</m:t>
+                          </m:r>
+                        </m:e>
+                        <m:sub>
+                          <m:r>
+                            <a:rPr lang="es-AR" sz="2200" b="1" i="1" smtClean="0">
+                              <a:solidFill>
+                                <a:srgbClr val="636382"/>
+                              </a:solidFill>
+                              <a:latin typeface="Cambria Math" panose="02040503050406030204" pitchFamily="18" charset="0"/>
+                              <a:ea typeface="Cambria Math" panose="02040503050406030204" pitchFamily="18" charset="0"/>
+                            </a:rPr>
+                            <m:t>𝒋</m:t>
+                          </m:r>
+                          <m:r>
+                            <a:rPr lang="es-AR" sz="2200" b="1" i="1" smtClean="0">
+                              <a:solidFill>
+                                <a:srgbClr val="636382"/>
+                              </a:solidFill>
+                              <a:latin typeface="Cambria Math" panose="02040503050406030204" pitchFamily="18" charset="0"/>
+                              <a:ea typeface="Cambria Math" panose="02040503050406030204" pitchFamily="18" charset="0"/>
+                            </a:rPr>
+                            <m:t>(</m:t>
+                          </m:r>
+                          <m:r>
+                            <a:rPr lang="es-AR" sz="2200" b="1" i="1" smtClean="0">
+                              <a:solidFill>
+                                <a:srgbClr val="636382"/>
+                              </a:solidFill>
+                              <a:latin typeface="Cambria Math" panose="02040503050406030204" pitchFamily="18" charset="0"/>
+                              <a:ea typeface="Cambria Math" panose="02040503050406030204" pitchFamily="18" charset="0"/>
+                            </a:rPr>
+                            <m:t>𝒊</m:t>
+                          </m:r>
+                          <m:r>
+                            <a:rPr lang="es-AR" sz="2200" b="1" i="1" smtClean="0">
+                              <a:solidFill>
+                                <a:srgbClr val="636382"/>
+                              </a:solidFill>
+                              <a:latin typeface="Cambria Math" panose="02040503050406030204" pitchFamily="18" charset="0"/>
+                              <a:ea typeface="Cambria Math" panose="02040503050406030204" pitchFamily="18" charset="0"/>
+                            </a:rPr>
+                            <m:t>)</m:t>
+                          </m:r>
+                        </m:sub>
+                      </m:sSub>
+                      <m:r>
+                        <a:rPr lang="es-ES" sz="2200" b="1" i="1">
+                          <a:solidFill>
+                            <a:srgbClr val="636382"/>
+                          </a:solidFill>
+                          <a:latin typeface="Cambria Math" panose="02040503050406030204" pitchFamily="18" charset="0"/>
+                          <a:ea typeface="Cambria Math" panose="02040503050406030204" pitchFamily="18" charset="0"/>
+                        </a:rPr>
+                        <m:t>+</m:t>
+                      </m:r>
+                      <m:r>
+                        <a:rPr lang="es-ES" sz="2200" b="1" i="1" smtClean="0">
+                          <a:solidFill>
+                            <a:srgbClr val="636382"/>
+                          </a:solidFill>
+                          <a:latin typeface="Cambria Math" panose="02040503050406030204" pitchFamily="18" charset="0"/>
+                          <a:ea typeface="Cambria Math" panose="02040503050406030204" pitchFamily="18" charset="0"/>
+                        </a:rPr>
+                        <m:t>𝜷</m:t>
+                      </m:r>
+                      <m:r>
+                        <a:rPr lang="es-ES" sz="2200" b="1" i="1">
+                          <a:solidFill>
+                            <a:srgbClr val="636382"/>
+                          </a:solidFill>
+                          <a:latin typeface="Cambria Math" panose="02040503050406030204" pitchFamily="18" charset="0"/>
+                          <a:ea typeface="Cambria Math" panose="02040503050406030204" pitchFamily="18" charset="0"/>
+                        </a:rPr>
+                        <m:t>∗</m:t>
+                      </m:r>
+                      <m:sSub>
+                        <m:sSubPr>
+                          <m:ctrlPr>
+                            <a:rPr lang="es-ES" sz="2200" b="1" i="1">
+                              <a:solidFill>
+                                <a:srgbClr val="636382"/>
+                              </a:solidFill>
+                              <a:latin typeface="Cambria Math" panose="02040503050406030204" pitchFamily="18" charset="0"/>
+                              <a:ea typeface="Cambria Math" panose="02040503050406030204" pitchFamily="18" charset="0"/>
+                            </a:rPr>
+                          </m:ctrlPr>
+                        </m:sSubPr>
+                        <m:e>
+                          <m:r>
+                            <a:rPr lang="es-ES" sz="2200" b="1" i="1" smtClean="0">
+                              <a:solidFill>
+                                <a:srgbClr val="636382"/>
+                              </a:solidFill>
+                              <a:latin typeface="Cambria Math" panose="02040503050406030204" pitchFamily="18" charset="0"/>
+                              <a:ea typeface="Cambria Math" panose="02040503050406030204" pitchFamily="18" charset="0"/>
+                            </a:rPr>
+                            <m:t>𝒙</m:t>
+                          </m:r>
+                        </m:e>
+                        <m:sub>
+                          <m:r>
+                            <a:rPr lang="en-US" sz="2200" b="1" i="1">
+                              <a:solidFill>
+                                <a:srgbClr val="636382"/>
+                              </a:solidFill>
+                              <a:latin typeface="Cambria Math" panose="02040503050406030204" pitchFamily="18" charset="0"/>
+                              <a:ea typeface="Cambria Math" panose="02040503050406030204" pitchFamily="18" charset="0"/>
+                            </a:rPr>
+                            <m:t>𝒊</m:t>
+                          </m:r>
+                        </m:sub>
+                      </m:sSub>
+                      <m:r>
+                        <a:rPr lang="en-US" sz="2200" b="1" i="1">
+                          <a:solidFill>
+                            <a:srgbClr val="636382"/>
+                          </a:solidFill>
+                          <a:latin typeface="Cambria Math" panose="02040503050406030204" pitchFamily="18" charset="0"/>
+                          <a:ea typeface="Cambria Math" panose="02040503050406030204" pitchFamily="18" charset="0"/>
+                        </a:rPr>
+                        <m:t>+</m:t>
+                      </m:r>
+                      <m:sSub>
+                        <m:sSubPr>
+                          <m:ctrlPr>
+                            <a:rPr lang="en-US" sz="2200" b="1" i="1">
+                              <a:solidFill>
+                                <a:srgbClr val="636382"/>
+                              </a:solidFill>
+                              <a:latin typeface="Cambria Math" panose="02040503050406030204" pitchFamily="18" charset="0"/>
+                              <a:ea typeface="Cambria Math" panose="02040503050406030204" pitchFamily="18" charset="0"/>
+                            </a:rPr>
+                          </m:ctrlPr>
+                        </m:sSubPr>
+                        <m:e>
+                          <m:r>
+                            <a:rPr lang="en-US" sz="2200" b="1" i="1">
+                              <a:solidFill>
+                                <a:srgbClr val="636382"/>
+                              </a:solidFill>
+                              <a:latin typeface="Cambria Math" panose="02040503050406030204" pitchFamily="18" charset="0"/>
+                              <a:ea typeface="Cambria Math" panose="02040503050406030204" pitchFamily="18" charset="0"/>
+                            </a:rPr>
+                            <m:t>𝜺</m:t>
+                          </m:r>
+                        </m:e>
+                        <m:sub>
+                          <m:r>
+                            <a:rPr lang="en-US" sz="2200" b="1" i="1">
+                              <a:solidFill>
+                                <a:srgbClr val="636382"/>
+                              </a:solidFill>
+                              <a:latin typeface="Cambria Math" panose="02040503050406030204" pitchFamily="18" charset="0"/>
+                              <a:ea typeface="Cambria Math" panose="02040503050406030204" pitchFamily="18" charset="0"/>
+                            </a:rPr>
+                            <m:t>𝒊</m:t>
+                          </m:r>
+                        </m:sub>
+                      </m:sSub>
+                    </m:oMath>
+                  </m:oMathPara>
+                </a14:m>
+                <a:endParaRPr lang="es-ES" sz="2200" b="1" dirty="0" smtClean="0">
+                  <a:solidFill>
+                    <a:srgbClr val="636382"/>
+                  </a:solidFill>
+                  <a:latin typeface="Gill Sans MT" panose="020B0502020104020203" pitchFamily="34" charset="0"/>
+                  <a:ea typeface="Cambria Math" panose="02040503050406030204" pitchFamily="18" charset="0"/>
+                </a:endParaRPr>
+              </a:p>
+              <a:p>
+                <a:pPr algn="ctr" fontAlgn="auto">
+                  <a:spcBef>
+                    <a:spcPts val="600"/>
+                  </a:spcBef>
+                  <a:spcAft>
+                    <a:spcPts val="600"/>
+                  </a:spcAft>
+                </a:pPr>
+                <a:endParaRPr lang="es-ES" sz="2200" b="1" dirty="0" smtClean="0">
+                  <a:solidFill>
+                    <a:srgbClr val="636382"/>
+                  </a:solidFill>
+                  <a:latin typeface="Gill Sans MT" panose="020B0502020104020203" pitchFamily="34" charset="0"/>
+                  <a:ea typeface="Cambria Math" panose="02040503050406030204" pitchFamily="18" charset="0"/>
+                </a:endParaRPr>
+              </a:p>
+              <a:p>
+                <a:pPr fontAlgn="auto">
+                  <a:spcBef>
+                    <a:spcPts val="600"/>
+                  </a:spcBef>
+                  <a:spcAft>
+                    <a:spcPts val="600"/>
+                  </a:spcAft>
+                </a:pPr>
+                <a14:m>
+                  <m:oMath xmlns:m="http://schemas.openxmlformats.org/officeDocument/2006/math">
+                    <m:sSub>
+                      <m:sSubPr>
+                        <m:ctrlPr>
+                          <a:rPr lang="en-US" sz="2200" b="1" i="1">
+                            <a:solidFill>
+                              <a:srgbClr val="636382"/>
+                            </a:solidFill>
+                            <a:latin typeface="Cambria Math" panose="02040503050406030204" pitchFamily="18" charset="0"/>
+                            <a:ea typeface="Cambria Math" panose="02040503050406030204" pitchFamily="18" charset="0"/>
+                          </a:rPr>
+                        </m:ctrlPr>
+                      </m:sSubPr>
+                      <m:e>
+                        <m:r>
+                          <a:rPr lang="en-US" sz="2200" b="1" i="1">
+                            <a:solidFill>
+                              <a:srgbClr val="636382"/>
+                            </a:solidFill>
+                            <a:latin typeface="Cambria Math" panose="02040503050406030204" pitchFamily="18" charset="0"/>
+                            <a:ea typeface="Cambria Math" panose="02040503050406030204" pitchFamily="18" charset="0"/>
+                          </a:rPr>
+                          <m:t>𝜶</m:t>
+                        </m:r>
+                      </m:e>
+                      <m:sub>
+                        <m:r>
+                          <a:rPr lang="es-AR" sz="2200" b="1" i="1">
+                            <a:solidFill>
+                              <a:srgbClr val="636382"/>
+                            </a:solidFill>
+                            <a:latin typeface="Cambria Math" panose="02040503050406030204" pitchFamily="18" charset="0"/>
+                            <a:ea typeface="Cambria Math" panose="02040503050406030204" pitchFamily="18" charset="0"/>
+                          </a:rPr>
+                          <m:t>𝒋</m:t>
+                        </m:r>
+                      </m:sub>
+                    </m:sSub>
+                    <m:r>
+                      <a:rPr lang="en-US" sz="2200" i="1">
+                        <a:solidFill>
+                          <a:srgbClr val="636382"/>
+                        </a:solidFill>
+                        <a:latin typeface="Cambria Math" panose="02040503050406030204" pitchFamily="18" charset="0"/>
+                        <a:ea typeface="Cambria Math" panose="02040503050406030204" pitchFamily="18" charset="0"/>
+                      </a:rPr>
+                      <m:t>~</m:t>
+                    </m:r>
+                    <m:r>
+                      <a:rPr lang="es-ES" sz="2200" b="0" i="1" smtClean="0">
+                        <a:solidFill>
+                          <a:srgbClr val="636382"/>
+                        </a:solidFill>
+                        <a:latin typeface="Cambria Math" panose="02040503050406030204" pitchFamily="18" charset="0"/>
+                        <a:ea typeface="Cambria Math" panose="02040503050406030204" pitchFamily="18" charset="0"/>
+                      </a:rPr>
+                      <m:t> </m:t>
+                    </m:r>
+                    <m:r>
+                      <a:rPr lang="es-ES" sz="2200" b="0" i="1" smtClean="0">
+                        <a:solidFill>
+                          <a:srgbClr val="636382"/>
+                        </a:solidFill>
+                        <a:latin typeface="Cambria Math" panose="02040503050406030204" pitchFamily="18" charset="0"/>
+                        <a:ea typeface="Cambria Math" panose="02040503050406030204" pitchFamily="18" charset="0"/>
+                      </a:rPr>
+                      <m:t>𝑁𝑜𝑟𝑚𝑎𝑙</m:t>
+                    </m:r>
+                    <m:r>
+                      <a:rPr lang="es-ES" sz="2200" b="0" i="1" smtClean="0">
+                        <a:solidFill>
+                          <a:srgbClr val="636382"/>
+                        </a:solidFill>
+                        <a:latin typeface="Cambria Math" panose="02040503050406030204" pitchFamily="18" charset="0"/>
+                        <a:ea typeface="Cambria Math" panose="02040503050406030204" pitchFamily="18" charset="0"/>
+                      </a:rPr>
+                      <m:t> </m:t>
+                    </m:r>
+                    <m:d>
+                      <m:dPr>
+                        <m:ctrlPr>
+                          <a:rPr lang="es-ES" sz="2200" b="0" i="1" smtClean="0">
+                            <a:solidFill>
+                              <a:srgbClr val="636382"/>
+                            </a:solidFill>
+                            <a:latin typeface="Cambria Math" panose="02040503050406030204" pitchFamily="18" charset="0"/>
+                            <a:ea typeface="Cambria Math" panose="02040503050406030204" pitchFamily="18" charset="0"/>
+                          </a:rPr>
+                        </m:ctrlPr>
+                      </m:dPr>
+                      <m:e>
+                        <m:sSub>
+                          <m:sSubPr>
+                            <m:ctrlPr>
+                              <a:rPr lang="es-ES" sz="2200" b="0" i="1" smtClean="0">
+                                <a:solidFill>
+                                  <a:srgbClr val="636382"/>
+                                </a:solidFill>
+                                <a:latin typeface="Cambria Math" panose="02040503050406030204" pitchFamily="18" charset="0"/>
+                                <a:ea typeface="Cambria Math" panose="02040503050406030204" pitchFamily="18" charset="0"/>
+                              </a:rPr>
+                            </m:ctrlPr>
+                          </m:sSubPr>
+                          <m:e>
+                            <m:r>
+                              <a:rPr lang="es-ES" sz="2200" b="0" i="1" smtClean="0">
+                                <a:solidFill>
+                                  <a:srgbClr val="636382"/>
+                                </a:solidFill>
+                                <a:latin typeface="Cambria Math" panose="02040503050406030204" pitchFamily="18" charset="0"/>
+                                <a:ea typeface="Cambria Math" panose="02040503050406030204" pitchFamily="18" charset="0"/>
+                              </a:rPr>
+                              <m:t>𝜇</m:t>
+                            </m:r>
+                          </m:e>
+                          <m:sub>
+                            <m:r>
+                              <a:rPr lang="es-ES" sz="2200" b="0" i="1" smtClean="0">
+                                <a:solidFill>
+                                  <a:srgbClr val="636382"/>
+                                </a:solidFill>
+                                <a:latin typeface="Cambria Math" panose="02040503050406030204" pitchFamily="18" charset="0"/>
+                                <a:ea typeface="Cambria Math" panose="02040503050406030204" pitchFamily="18" charset="0"/>
+                              </a:rPr>
+                              <m:t>𝛼</m:t>
+                            </m:r>
+                          </m:sub>
+                        </m:sSub>
+                        <m:r>
+                          <a:rPr lang="es-ES" sz="2200" b="0" i="1" smtClean="0">
+                            <a:solidFill>
+                              <a:srgbClr val="636382"/>
+                            </a:solidFill>
+                            <a:latin typeface="Cambria Math" panose="02040503050406030204" pitchFamily="18" charset="0"/>
+                            <a:ea typeface="Cambria Math" panose="02040503050406030204" pitchFamily="18" charset="0"/>
+                          </a:rPr>
+                          <m:t>,</m:t>
+                        </m:r>
+                        <m:sSubSup>
+                          <m:sSubSupPr>
+                            <m:ctrlPr>
+                              <a:rPr lang="es-ES" sz="2200" b="0" i="1" smtClean="0">
+                                <a:solidFill>
+                                  <a:srgbClr val="636382"/>
+                                </a:solidFill>
+                                <a:latin typeface="Cambria Math" panose="02040503050406030204" pitchFamily="18" charset="0"/>
+                                <a:ea typeface="Cambria Math" panose="02040503050406030204" pitchFamily="18" charset="0"/>
+                              </a:rPr>
+                            </m:ctrlPr>
+                          </m:sSubSupPr>
+                          <m:e>
+                            <m:r>
+                              <a:rPr lang="es-ES" sz="2200" b="0" i="1" smtClean="0">
+                                <a:solidFill>
+                                  <a:srgbClr val="636382"/>
+                                </a:solidFill>
+                                <a:latin typeface="Cambria Math" panose="02040503050406030204" pitchFamily="18" charset="0"/>
+                                <a:ea typeface="Cambria Math" panose="02040503050406030204" pitchFamily="18" charset="0"/>
+                              </a:rPr>
+                              <m:t>𝜎</m:t>
+                            </m:r>
+                          </m:e>
+                          <m:sub>
+                            <m:r>
+                              <a:rPr lang="es-ES" sz="2200" b="0" i="1" smtClean="0">
+                                <a:solidFill>
+                                  <a:srgbClr val="636382"/>
+                                </a:solidFill>
+                                <a:latin typeface="Cambria Math" panose="02040503050406030204" pitchFamily="18" charset="0"/>
+                                <a:ea typeface="Cambria Math" panose="02040503050406030204" pitchFamily="18" charset="0"/>
+                              </a:rPr>
+                              <m:t>𝛼</m:t>
+                            </m:r>
+                          </m:sub>
+                          <m:sup>
+                            <m:r>
+                              <a:rPr lang="es-ES" sz="2200" b="0" i="1" smtClean="0">
+                                <a:solidFill>
+                                  <a:srgbClr val="636382"/>
+                                </a:solidFill>
+                                <a:latin typeface="Cambria Math" panose="02040503050406030204" pitchFamily="18" charset="0"/>
+                                <a:ea typeface="Cambria Math" panose="02040503050406030204" pitchFamily="18" charset="0"/>
+                              </a:rPr>
+                              <m:t>2</m:t>
+                            </m:r>
+                          </m:sup>
+                        </m:sSubSup>
+                      </m:e>
+                    </m:d>
+                  </m:oMath>
+                </a14:m>
+                <a:r>
+                  <a:rPr lang="es-ES" sz="2200" b="0" dirty="0" smtClean="0">
+                    <a:solidFill>
+                      <a:srgbClr val="636382"/>
+                    </a:solidFill>
+                    <a:latin typeface="Gill Sans MT" panose="020B0502020104020203" pitchFamily="34" charset="0"/>
+                    <a:ea typeface="Cambria Math" panose="02040503050406030204" pitchFamily="18" charset="0"/>
+                  </a:rPr>
+                  <a:t>    # Efectos aleatorios de las 			                ordenadas</a:t>
+                </a:r>
+              </a:p>
+              <a:p>
+                <a:pPr fontAlgn="auto">
+                  <a:spcBef>
+                    <a:spcPts val="600"/>
+                  </a:spcBef>
+                  <a:spcAft>
+                    <a:spcPts val="600"/>
+                  </a:spcAft>
+                </a:pPr>
+                <a14:m>
+                  <m:oMath xmlns:m="http://schemas.openxmlformats.org/officeDocument/2006/math">
+                    <m:r>
+                      <a:rPr lang="en-US" sz="2200" b="1" i="1" smtClean="0">
+                        <a:solidFill>
+                          <a:srgbClr val="636382"/>
+                        </a:solidFill>
+                        <a:latin typeface="Cambria Math" panose="02040503050406030204" pitchFamily="18" charset="0"/>
+                        <a:ea typeface="Cambria Math" panose="02040503050406030204" pitchFamily="18" charset="0"/>
+                      </a:rPr>
+                      <m:t>𝜷</m:t>
+                    </m:r>
+                    <m:r>
+                      <a:rPr lang="en-US" sz="2200" i="1">
+                        <a:solidFill>
+                          <a:srgbClr val="636382"/>
+                        </a:solidFill>
+                        <a:latin typeface="Cambria Math" panose="02040503050406030204" pitchFamily="18" charset="0"/>
+                        <a:ea typeface="Cambria Math" panose="02040503050406030204" pitchFamily="18" charset="0"/>
+                      </a:rPr>
+                      <m:t>~</m:t>
+                    </m:r>
+                    <m:r>
+                      <a:rPr lang="es-ES" sz="2200" i="1">
+                        <a:solidFill>
+                          <a:srgbClr val="636382"/>
+                        </a:solidFill>
+                        <a:latin typeface="Cambria Math" panose="02040503050406030204" pitchFamily="18" charset="0"/>
+                        <a:ea typeface="Cambria Math" panose="02040503050406030204" pitchFamily="18" charset="0"/>
+                      </a:rPr>
+                      <m:t> </m:t>
+                    </m:r>
+                    <m:r>
+                      <a:rPr lang="es-ES" sz="2200" i="1">
+                        <a:solidFill>
+                          <a:srgbClr val="636382"/>
+                        </a:solidFill>
+                        <a:latin typeface="Cambria Math" panose="02040503050406030204" pitchFamily="18" charset="0"/>
+                        <a:ea typeface="Cambria Math" panose="02040503050406030204" pitchFamily="18" charset="0"/>
+                      </a:rPr>
+                      <m:t>𝑁𝑜𝑟𝑚𝑎𝑙</m:t>
+                    </m:r>
+                    <m:r>
+                      <a:rPr lang="es-ES" sz="2200" i="1">
+                        <a:solidFill>
+                          <a:srgbClr val="636382"/>
+                        </a:solidFill>
+                        <a:latin typeface="Cambria Math" panose="02040503050406030204" pitchFamily="18" charset="0"/>
+                        <a:ea typeface="Cambria Math" panose="02040503050406030204" pitchFamily="18" charset="0"/>
+                      </a:rPr>
+                      <m:t> (0,</m:t>
+                    </m:r>
+                    <m:sSup>
+                      <m:sSupPr>
+                        <m:ctrlPr>
+                          <a:rPr lang="es-ES" sz="2200" i="1">
+                            <a:solidFill>
+                              <a:srgbClr val="636382"/>
+                            </a:solidFill>
+                            <a:latin typeface="Cambria Math" panose="02040503050406030204" pitchFamily="18" charset="0"/>
+                            <a:ea typeface="Cambria Math" panose="02040503050406030204" pitchFamily="18" charset="0"/>
+                          </a:rPr>
+                        </m:ctrlPr>
+                      </m:sSupPr>
+                      <m:e>
+                        <m:r>
+                          <a:rPr lang="es-ES" sz="2200" i="1">
+                            <a:solidFill>
+                              <a:srgbClr val="636382"/>
+                            </a:solidFill>
+                            <a:latin typeface="Cambria Math" panose="02040503050406030204" pitchFamily="18" charset="0"/>
+                            <a:ea typeface="Cambria Math" panose="02040503050406030204" pitchFamily="18" charset="0"/>
+                          </a:rPr>
+                          <m:t>𝜎</m:t>
+                        </m:r>
+                      </m:e>
+                      <m:sup>
+                        <m:r>
+                          <a:rPr lang="es-ES" sz="2200" i="1">
+                            <a:solidFill>
+                              <a:srgbClr val="636382"/>
+                            </a:solidFill>
+                            <a:latin typeface="Cambria Math" panose="02040503050406030204" pitchFamily="18" charset="0"/>
+                            <a:ea typeface="Cambria Math" panose="02040503050406030204" pitchFamily="18" charset="0"/>
+                          </a:rPr>
+                          <m:t>2</m:t>
+                        </m:r>
+                      </m:sup>
+                    </m:sSup>
+                    <m:r>
+                      <a:rPr lang="es-ES" sz="2200" i="1">
+                        <a:solidFill>
+                          <a:srgbClr val="636382"/>
+                        </a:solidFill>
+                        <a:latin typeface="Cambria Math" panose="02040503050406030204" pitchFamily="18" charset="0"/>
+                        <a:ea typeface="Cambria Math" panose="02040503050406030204" pitchFamily="18" charset="0"/>
+                      </a:rPr>
+                      <m:t>)</m:t>
+                    </m:r>
+                  </m:oMath>
+                </a14:m>
+                <a:r>
+                  <a:rPr lang="es-ES" sz="2200" b="1" dirty="0" smtClean="0">
+                    <a:solidFill>
+                      <a:srgbClr val="636382"/>
+                    </a:solidFill>
+                    <a:latin typeface="Gill Sans MT" panose="020B0502020104020203" pitchFamily="34" charset="0"/>
+                    <a:ea typeface="Cambria Math" panose="02040503050406030204" pitchFamily="18" charset="0"/>
+                  </a:rPr>
+                  <a:t>       </a:t>
+                </a:r>
+                <a:r>
+                  <a:rPr lang="es-ES" sz="2200" dirty="0" smtClean="0">
+                    <a:solidFill>
+                      <a:srgbClr val="636382"/>
+                    </a:solidFill>
+                    <a:latin typeface="Gill Sans MT" panose="020B0502020104020203" pitchFamily="34" charset="0"/>
+                    <a:ea typeface="Cambria Math" panose="02040503050406030204" pitchFamily="18" charset="0"/>
+                  </a:rPr>
+                  <a:t># </a:t>
+                </a:r>
+                <a:r>
+                  <a:rPr lang="es-ES" sz="2200" dirty="0">
+                    <a:solidFill>
+                      <a:srgbClr val="636382"/>
+                    </a:solidFill>
+                    <a:latin typeface="Gill Sans MT" panose="020B0502020104020203" pitchFamily="34" charset="0"/>
+                    <a:ea typeface="Cambria Math" panose="02040503050406030204" pitchFamily="18" charset="0"/>
+                  </a:rPr>
+                  <a:t>Efectos </a:t>
+                </a:r>
+                <a:r>
+                  <a:rPr lang="es-ES" sz="2200" dirty="0" smtClean="0">
+                    <a:solidFill>
+                      <a:srgbClr val="636382"/>
+                    </a:solidFill>
+                    <a:latin typeface="Gill Sans MT" panose="020B0502020104020203" pitchFamily="34" charset="0"/>
+                    <a:ea typeface="Cambria Math" panose="02040503050406030204" pitchFamily="18" charset="0"/>
+                  </a:rPr>
+                  <a:t>fijo </a:t>
+                </a:r>
+                <a:r>
+                  <a:rPr lang="es-ES" sz="2200" dirty="0">
+                    <a:solidFill>
+                      <a:srgbClr val="636382"/>
+                    </a:solidFill>
+                    <a:latin typeface="Gill Sans MT" panose="020B0502020104020203" pitchFamily="34" charset="0"/>
+                    <a:ea typeface="Cambria Math" panose="02040503050406030204" pitchFamily="18" charset="0"/>
+                  </a:rPr>
+                  <a:t>de </a:t>
+                </a:r>
+                <a:r>
+                  <a:rPr lang="es-ES" sz="2200" dirty="0" smtClean="0">
+                    <a:solidFill>
+                      <a:srgbClr val="636382"/>
+                    </a:solidFill>
+                    <a:latin typeface="Gill Sans MT" panose="020B0502020104020203" pitchFamily="34" charset="0"/>
+                    <a:ea typeface="Cambria Math" panose="02040503050406030204" pitchFamily="18" charset="0"/>
+                  </a:rPr>
+                  <a:t>la  				                pendiente</a:t>
+                </a:r>
+                <a:endParaRPr lang="es-ES" sz="2200" b="1" dirty="0" smtClean="0">
+                  <a:solidFill>
+                    <a:srgbClr val="636382"/>
+                  </a:solidFill>
+                  <a:latin typeface="Gill Sans MT" panose="020B0502020104020203" pitchFamily="34" charset="0"/>
+                  <a:ea typeface="Cambria Math" panose="02040503050406030204" pitchFamily="18" charset="0"/>
+                </a:endParaRPr>
+              </a:p>
+              <a:p>
+                <a:pPr fontAlgn="auto">
+                  <a:spcBef>
+                    <a:spcPts val="600"/>
+                  </a:spcBef>
+                  <a:spcAft>
+                    <a:spcPts val="600"/>
+                  </a:spcAft>
+                </a:pPr>
+                <a14:m>
+                  <m:oMath xmlns:m="http://schemas.openxmlformats.org/officeDocument/2006/math">
+                    <m:sSub>
+                      <m:sSubPr>
+                        <m:ctrlPr>
+                          <a:rPr lang="en-US" sz="2200" b="1" i="1">
+                            <a:solidFill>
+                              <a:srgbClr val="636382"/>
+                            </a:solidFill>
+                            <a:latin typeface="Cambria Math" panose="02040503050406030204" pitchFamily="18" charset="0"/>
+                            <a:ea typeface="Cambria Math" panose="02040503050406030204" pitchFamily="18" charset="0"/>
+                          </a:rPr>
+                        </m:ctrlPr>
+                      </m:sSubPr>
+                      <m:e>
+                        <m:r>
+                          <a:rPr lang="en-US" sz="2200" b="1" i="1" smtClean="0">
+                            <a:solidFill>
+                              <a:srgbClr val="636382"/>
+                            </a:solidFill>
+                            <a:latin typeface="Cambria Math" panose="02040503050406030204" pitchFamily="18" charset="0"/>
+                            <a:ea typeface="Cambria Math" panose="02040503050406030204" pitchFamily="18" charset="0"/>
+                          </a:rPr>
+                          <m:t>𝜺</m:t>
+                        </m:r>
+                      </m:e>
+                      <m:sub>
+                        <m:r>
+                          <a:rPr lang="es-ES" sz="2200" b="1" i="1" smtClean="0">
+                            <a:solidFill>
+                              <a:srgbClr val="636382"/>
+                            </a:solidFill>
+                            <a:latin typeface="Cambria Math" panose="02040503050406030204" pitchFamily="18" charset="0"/>
+                            <a:ea typeface="Cambria Math" panose="02040503050406030204" pitchFamily="18" charset="0"/>
+                          </a:rPr>
+                          <m:t>𝒊</m:t>
+                        </m:r>
+                      </m:sub>
+                    </m:sSub>
+                    <m:r>
+                      <a:rPr lang="en-US" sz="2200" i="1">
+                        <a:solidFill>
+                          <a:srgbClr val="636382"/>
+                        </a:solidFill>
+                        <a:latin typeface="Cambria Math" panose="02040503050406030204" pitchFamily="18" charset="0"/>
+                        <a:ea typeface="Cambria Math" panose="02040503050406030204" pitchFamily="18" charset="0"/>
+                      </a:rPr>
+                      <m:t>~</m:t>
+                    </m:r>
+                    <m:r>
+                      <a:rPr lang="es-ES" sz="2200" i="1">
+                        <a:solidFill>
+                          <a:srgbClr val="636382"/>
+                        </a:solidFill>
+                        <a:latin typeface="Cambria Math" panose="02040503050406030204" pitchFamily="18" charset="0"/>
+                        <a:ea typeface="Cambria Math" panose="02040503050406030204" pitchFamily="18" charset="0"/>
+                      </a:rPr>
+                      <m:t> </m:t>
+                    </m:r>
+                    <m:r>
+                      <a:rPr lang="es-ES" sz="2200" i="1">
+                        <a:solidFill>
+                          <a:srgbClr val="636382"/>
+                        </a:solidFill>
+                        <a:latin typeface="Cambria Math" panose="02040503050406030204" pitchFamily="18" charset="0"/>
+                        <a:ea typeface="Cambria Math" panose="02040503050406030204" pitchFamily="18" charset="0"/>
+                      </a:rPr>
+                      <m:t>𝑁𝑜𝑟𝑚𝑎𝑙</m:t>
+                    </m:r>
+                    <m:r>
+                      <a:rPr lang="es-ES" sz="2200" i="1">
+                        <a:solidFill>
+                          <a:srgbClr val="636382"/>
+                        </a:solidFill>
+                        <a:latin typeface="Cambria Math" panose="02040503050406030204" pitchFamily="18" charset="0"/>
+                        <a:ea typeface="Cambria Math" panose="02040503050406030204" pitchFamily="18" charset="0"/>
+                      </a:rPr>
+                      <m:t> (0,</m:t>
+                    </m:r>
+                    <m:sSup>
+                      <m:sSupPr>
+                        <m:ctrlPr>
+                          <a:rPr lang="es-ES" sz="2200" i="1" smtClean="0">
+                            <a:solidFill>
+                              <a:srgbClr val="636382"/>
+                            </a:solidFill>
+                            <a:latin typeface="Cambria Math" panose="02040503050406030204" pitchFamily="18" charset="0"/>
+                            <a:ea typeface="Cambria Math" panose="02040503050406030204" pitchFamily="18" charset="0"/>
+                          </a:rPr>
+                        </m:ctrlPr>
+                      </m:sSupPr>
+                      <m:e>
+                        <m:r>
+                          <a:rPr lang="es-ES" sz="2200" i="1">
+                            <a:solidFill>
+                              <a:srgbClr val="636382"/>
+                            </a:solidFill>
+                            <a:latin typeface="Cambria Math" panose="02040503050406030204" pitchFamily="18" charset="0"/>
+                            <a:ea typeface="Cambria Math" panose="02040503050406030204" pitchFamily="18" charset="0"/>
+                          </a:rPr>
+                          <m:t>𝜎</m:t>
+                        </m:r>
+                      </m:e>
+                      <m:sup>
+                        <m:r>
+                          <a:rPr lang="es-ES" sz="2200" b="0" i="1" smtClean="0">
+                            <a:solidFill>
+                              <a:srgbClr val="636382"/>
+                            </a:solidFill>
+                            <a:latin typeface="Cambria Math" panose="02040503050406030204" pitchFamily="18" charset="0"/>
+                            <a:ea typeface="Cambria Math" panose="02040503050406030204" pitchFamily="18" charset="0"/>
+                          </a:rPr>
+                          <m:t>2</m:t>
+                        </m:r>
+                      </m:sup>
+                    </m:sSup>
+                    <m:r>
+                      <a:rPr lang="es-ES" sz="2200" i="1">
+                        <a:solidFill>
+                          <a:srgbClr val="636382"/>
+                        </a:solidFill>
+                        <a:latin typeface="Cambria Math" panose="02040503050406030204" pitchFamily="18" charset="0"/>
+                        <a:ea typeface="Cambria Math" panose="02040503050406030204" pitchFamily="18" charset="0"/>
+                      </a:rPr>
+                      <m:t>)</m:t>
+                    </m:r>
+                  </m:oMath>
+                </a14:m>
+                <a:r>
+                  <a:rPr lang="es-ES" sz="2200" b="1" dirty="0">
+                    <a:solidFill>
+                      <a:srgbClr val="636382"/>
+                    </a:solidFill>
+                    <a:latin typeface="Gill Sans MT" panose="020B0502020104020203" pitchFamily="34" charset="0"/>
+                    <a:ea typeface="Cambria Math" panose="02040503050406030204" pitchFamily="18" charset="0"/>
+                  </a:rPr>
+                  <a:t> </a:t>
+                </a:r>
+                <a:r>
+                  <a:rPr lang="es-ES" sz="2200" b="1" dirty="0" smtClean="0">
+                    <a:solidFill>
+                      <a:srgbClr val="636382"/>
+                    </a:solidFill>
+                    <a:latin typeface="Gill Sans MT" panose="020B0502020104020203" pitchFamily="34" charset="0"/>
+                    <a:ea typeface="Cambria Math" panose="02040503050406030204" pitchFamily="18" charset="0"/>
+                  </a:rPr>
+                  <a:t>     </a:t>
+                </a:r>
+                <a:r>
+                  <a:rPr lang="es-ES" sz="2200" dirty="0" smtClean="0">
+                    <a:solidFill>
+                      <a:srgbClr val="636382"/>
+                    </a:solidFill>
+                    <a:latin typeface="Gill Sans MT" panose="020B0502020104020203" pitchFamily="34" charset="0"/>
+                    <a:ea typeface="Cambria Math" panose="02040503050406030204" pitchFamily="18" charset="0"/>
+                  </a:rPr>
+                  <a:t># </a:t>
+                </a:r>
+                <a:r>
+                  <a:rPr lang="es-ES" sz="2200" dirty="0">
+                    <a:solidFill>
+                      <a:srgbClr val="636382"/>
+                    </a:solidFill>
+                    <a:latin typeface="Gill Sans MT" panose="020B0502020104020203" pitchFamily="34" charset="0"/>
+                    <a:ea typeface="Cambria Math" panose="02040503050406030204" pitchFamily="18" charset="0"/>
+                  </a:rPr>
+                  <a:t>Efectos aleatorios </a:t>
+                </a:r>
+                <a:r>
+                  <a:rPr lang="es-ES" sz="2200" dirty="0" smtClean="0">
+                    <a:solidFill>
+                      <a:srgbClr val="636382"/>
+                    </a:solidFill>
+                    <a:latin typeface="Gill Sans MT" panose="020B0502020104020203" pitchFamily="34" charset="0"/>
+                    <a:ea typeface="Cambria Math" panose="02040503050406030204" pitchFamily="18" charset="0"/>
+                  </a:rPr>
+                  <a:t>				                residuales</a:t>
+                </a:r>
+                <a:endParaRPr lang="es-ES" sz="2200" b="1" dirty="0">
+                  <a:solidFill>
+                    <a:srgbClr val="636382"/>
+                  </a:solidFill>
+                  <a:latin typeface="Gill Sans MT" panose="020B0502020104020203" pitchFamily="34" charset="0"/>
+                  <a:ea typeface="Cambria Math" panose="02040503050406030204" pitchFamily="18" charset="0"/>
+                </a:endParaRPr>
+              </a:p>
+              <a:p>
+                <a:pPr algn="ctr" fontAlgn="auto">
+                  <a:spcBef>
+                    <a:spcPts val="600"/>
+                  </a:spcBef>
+                  <a:spcAft>
+                    <a:spcPts val="600"/>
+                  </a:spcAft>
+                </a:pPr>
+                <a:endParaRPr lang="es-ES" sz="2200" b="1" dirty="0">
+                  <a:solidFill>
+                    <a:srgbClr val="636382"/>
+                  </a:solidFill>
+                  <a:latin typeface="Gill Sans MT" panose="020B0502020104020203" pitchFamily="34" charset="0"/>
+                  <a:ea typeface="Cambria Math" panose="02040503050406030204" pitchFamily="18" charset="0"/>
+                </a:endParaRPr>
+              </a:p>
+            </p:txBody>
+          </p:sp>
+        </mc:Choice>
+        <mc:Fallback>
+          <p:sp>
+            <p:nvSpPr>
+              <p:cNvPr id="6" name="Rectangle 5"/>
+              <p:cNvSpPr>
+                <a:spLocks noRot="1" noChangeAspect="1" noMove="1" noResize="1" noEditPoints="1" noAdjustHandles="1" noChangeArrowheads="1" noChangeShapeType="1" noTextEdit="1"/>
+              </p:cNvSpPr>
+              <p:nvPr/>
+            </p:nvSpPr>
+            <p:spPr>
+              <a:xfrm>
+                <a:off x="251520" y="1628800"/>
+                <a:ext cx="6768752" cy="3980129"/>
+              </a:xfrm>
+              <a:prstGeom prst="rect">
+                <a:avLst/>
+              </a:prstGeom>
+              <a:blipFill rotWithShape="0">
+                <a:blip r:embed="rId2"/>
+                <a:stretch>
+                  <a:fillRect l="-540"/>
+                </a:stretch>
+              </a:blipFill>
+            </p:spPr>
+            <p:txBody>
+              <a:bodyPr/>
+              <a:lstStyle/>
+              <a:p>
+                <a:r>
+                  <a:rPr lang="es-ES">
+                    <a:noFill/>
+                  </a:rPr>
+                  <a:t> </a:t>
+                </a:r>
+              </a:p>
+            </p:txBody>
+          </p:sp>
+        </mc:Fallback>
+      </mc:AlternateContent>
+      <p:sp>
+        <p:nvSpPr>
+          <p:cNvPr id="5" name="TextBox 4"/>
+          <p:cNvSpPr txBox="1"/>
+          <p:nvPr/>
+        </p:nvSpPr>
+        <p:spPr>
+          <a:xfrm>
+            <a:off x="251520" y="838647"/>
+            <a:ext cx="6408712" cy="461665"/>
+          </a:xfrm>
+          <a:prstGeom prst="rect">
+            <a:avLst/>
+          </a:prstGeom>
+          <a:solidFill>
+            <a:schemeClr val="accent5">
+              <a:lumMod val="20000"/>
+              <a:lumOff val="80000"/>
+            </a:schemeClr>
+          </a:solidFill>
+        </p:spPr>
+        <p:txBody>
+          <a:bodyPr wrap="square" rtlCol="0">
+            <a:spAutoFit/>
+          </a:bodyPr>
+          <a:lstStyle>
+            <a:defPPr>
+              <a:defRPr lang="es-AR"/>
+            </a:defPPr>
+            <a:lvl1pPr>
+              <a:defRPr sz="3200">
+                <a:solidFill>
+                  <a:schemeClr val="accent2"/>
+                </a:solidFill>
+                <a:effectLst>
+                  <a:outerShdw blurRad="38100" dist="38100" dir="2700000" algn="tl">
+                    <a:srgbClr val="000000">
+                      <a:alpha val="43137"/>
+                    </a:srgbClr>
+                  </a:outerShdw>
+                </a:effectLst>
+                <a:latin typeface="Gill Sans MT" panose="020B0502020104020203" pitchFamily="34" charset="0"/>
+              </a:defRPr>
+            </a:lvl1pPr>
+          </a:lstStyle>
+          <a:p>
+            <a:r>
+              <a:rPr lang="es-ES" sz="2400" dirty="0"/>
+              <a:t>Ejemplo de ordenadas </a:t>
+            </a:r>
+            <a:r>
+              <a:rPr lang="es-ES" sz="2400" dirty="0" smtClean="0"/>
+              <a:t>aleatoria y pendiente fija</a:t>
+            </a:r>
+            <a:endParaRPr lang="es-ES" sz="2400" dirty="0"/>
+          </a:p>
+        </p:txBody>
+      </p:sp>
+      <p:sp>
+        <p:nvSpPr>
+          <p:cNvPr id="8" name="TextBox 7"/>
+          <p:cNvSpPr txBox="1"/>
+          <p:nvPr/>
+        </p:nvSpPr>
+        <p:spPr>
+          <a:xfrm>
+            <a:off x="5142983" y="1612057"/>
+            <a:ext cx="1786066" cy="1169551"/>
+          </a:xfrm>
+          <a:prstGeom prst="rect">
+            <a:avLst/>
+          </a:prstGeom>
+          <a:noFill/>
+        </p:spPr>
+        <p:txBody>
+          <a:bodyPr wrap="none" rtlCol="0">
+            <a:spAutoFit/>
+          </a:bodyPr>
+          <a:lstStyle/>
+          <a:p>
+            <a:r>
+              <a:rPr lang="es-ES" i="1" dirty="0">
+                <a:solidFill>
+                  <a:schemeClr val="accent2"/>
+                </a:solidFill>
+                <a:effectLst>
+                  <a:outerShdw blurRad="38100" dist="38100" dir="2700000" algn="tl">
+                    <a:srgbClr val="000000">
+                      <a:alpha val="43137"/>
+                    </a:srgbClr>
+                  </a:outerShdw>
+                </a:effectLst>
+                <a:latin typeface="Gill Sans MT" panose="020B0502020104020203" pitchFamily="34" charset="0"/>
+              </a:rPr>
+              <a:t>i</a:t>
+            </a:r>
+            <a:r>
+              <a:rPr lang="es-ES" dirty="0">
+                <a:solidFill>
+                  <a:schemeClr val="accent2"/>
+                </a:solidFill>
+                <a:effectLst>
+                  <a:outerShdw blurRad="38100" dist="38100" dir="2700000" algn="tl">
+                    <a:srgbClr val="000000">
+                      <a:alpha val="43137"/>
+                    </a:srgbClr>
+                  </a:outerShdw>
+                </a:effectLst>
+                <a:latin typeface="Gill Sans MT" panose="020B0502020104020203" pitchFamily="34" charset="0"/>
+              </a:rPr>
+              <a:t> son </a:t>
+            </a:r>
+            <a:r>
+              <a:rPr lang="es-ES" dirty="0" smtClean="0">
+                <a:solidFill>
+                  <a:schemeClr val="accent2"/>
+                </a:solidFill>
+                <a:effectLst>
+                  <a:outerShdw blurRad="38100" dist="38100" dir="2700000" algn="tl">
+                    <a:srgbClr val="000000">
+                      <a:alpha val="43137"/>
+                    </a:srgbClr>
+                  </a:outerShdw>
+                </a:effectLst>
+                <a:latin typeface="Gill Sans MT" panose="020B0502020104020203" pitchFamily="34" charset="0"/>
+              </a:rPr>
+              <a:t>individuos</a:t>
+            </a:r>
+            <a:endParaRPr lang="es-ES" dirty="0">
+              <a:solidFill>
+                <a:schemeClr val="accent2"/>
+              </a:solidFill>
+              <a:effectLst>
+                <a:outerShdw blurRad="38100" dist="38100" dir="2700000" algn="tl">
+                  <a:srgbClr val="000000">
+                    <a:alpha val="43137"/>
+                  </a:srgbClr>
+                </a:outerShdw>
+              </a:effectLst>
+              <a:latin typeface="Gill Sans MT" panose="020B0502020104020203" pitchFamily="34" charset="0"/>
+            </a:endParaRPr>
+          </a:p>
+          <a:p>
+            <a:r>
+              <a:rPr lang="es-ES" i="1" dirty="0">
+                <a:solidFill>
+                  <a:schemeClr val="accent2"/>
+                </a:solidFill>
+                <a:effectLst>
+                  <a:outerShdw blurRad="38100" dist="38100" dir="2700000" algn="tl">
+                    <a:srgbClr val="000000">
+                      <a:alpha val="43137"/>
+                    </a:srgbClr>
+                  </a:outerShdw>
+                </a:effectLst>
+                <a:latin typeface="Gill Sans MT" panose="020B0502020104020203" pitchFamily="34" charset="0"/>
+              </a:rPr>
+              <a:t>j</a:t>
+            </a:r>
+            <a:r>
+              <a:rPr lang="es-ES" dirty="0">
+                <a:solidFill>
+                  <a:schemeClr val="accent2"/>
+                </a:solidFill>
+                <a:effectLst>
+                  <a:outerShdw blurRad="38100" dist="38100" dir="2700000" algn="tl">
+                    <a:srgbClr val="000000">
+                      <a:alpha val="43137"/>
+                    </a:srgbClr>
+                  </a:outerShdw>
+                </a:effectLst>
+                <a:latin typeface="Gill Sans MT" panose="020B0502020104020203" pitchFamily="34" charset="0"/>
+              </a:rPr>
+              <a:t> son </a:t>
+            </a:r>
+            <a:r>
+              <a:rPr lang="es-ES" dirty="0" smtClean="0">
+                <a:solidFill>
+                  <a:schemeClr val="accent2"/>
+                </a:solidFill>
+                <a:effectLst>
+                  <a:outerShdw blurRad="38100" dist="38100" dir="2700000" algn="tl">
+                    <a:srgbClr val="000000">
+                      <a:alpha val="43137"/>
+                    </a:srgbClr>
+                  </a:outerShdw>
+                </a:effectLst>
+                <a:latin typeface="Gill Sans MT" panose="020B0502020104020203" pitchFamily="34" charset="0"/>
+              </a:rPr>
+              <a:t>poblaciones</a:t>
+            </a:r>
+            <a:endParaRPr lang="es-ES" dirty="0">
+              <a:solidFill>
+                <a:schemeClr val="accent2"/>
+              </a:solidFill>
+              <a:effectLst>
+                <a:outerShdw blurRad="38100" dist="38100" dir="2700000" algn="tl">
+                  <a:srgbClr val="000000">
+                    <a:alpha val="43137"/>
+                  </a:srgbClr>
+                </a:outerShdw>
+              </a:effectLst>
+              <a:latin typeface="Gill Sans MT" panose="020B0502020104020203" pitchFamily="34" charset="0"/>
+            </a:endParaRPr>
+          </a:p>
+          <a:p>
+            <a:r>
+              <a:rPr lang="es-ES" dirty="0">
+                <a:solidFill>
+                  <a:schemeClr val="accent2"/>
+                </a:solidFill>
+                <a:effectLst>
+                  <a:outerShdw blurRad="38100" dist="38100" dir="2700000" algn="tl">
+                    <a:srgbClr val="000000">
+                      <a:alpha val="43137"/>
+                    </a:srgbClr>
+                  </a:outerShdw>
+                </a:effectLst>
+                <a:latin typeface="Gill Sans MT" panose="020B0502020104020203" pitchFamily="34" charset="0"/>
+              </a:rPr>
+              <a:t>X es el tamaño </a:t>
+            </a:r>
+          </a:p>
+          <a:p>
+            <a:endParaRPr lang="es-ES" sz="1400" dirty="0"/>
+          </a:p>
+        </p:txBody>
+      </p:sp>
+      <p:pic>
+        <p:nvPicPr>
+          <p:cNvPr id="9" name="Picture 8"/>
+          <p:cNvPicPr>
+            <a:picLocks noChangeAspect="1"/>
+          </p:cNvPicPr>
+          <p:nvPr/>
+        </p:nvPicPr>
+        <p:blipFill>
+          <a:blip r:embed="rId3">
+            <a:duotone>
+              <a:schemeClr val="accent1">
+                <a:shade val="45000"/>
+                <a:satMod val="135000"/>
+              </a:schemeClr>
+              <a:prstClr val="white"/>
+            </a:duotone>
+          </a:blip>
+          <a:stretch>
+            <a:fillRect/>
+          </a:stretch>
+        </p:blipFill>
+        <p:spPr>
+          <a:xfrm>
+            <a:off x="7308304" y="1377862"/>
+            <a:ext cx="1228990" cy="1337096"/>
+          </a:xfrm>
+          <a:prstGeom prst="rect">
+            <a:avLst/>
+          </a:prstGeom>
+        </p:spPr>
+      </p:pic>
+      <p:pic>
+        <p:nvPicPr>
+          <p:cNvPr id="3" name="Picture 2"/>
+          <p:cNvPicPr>
+            <a:picLocks noChangeAspect="1"/>
+          </p:cNvPicPr>
+          <p:nvPr/>
+        </p:nvPicPr>
+        <p:blipFill rotWithShape="1">
+          <a:blip r:embed="rId4"/>
+          <a:srcRect t="4044" r="4159"/>
+          <a:stretch/>
+        </p:blipFill>
+        <p:spPr>
+          <a:xfrm>
+            <a:off x="5719206" y="3284984"/>
+            <a:ext cx="3621148" cy="3464057"/>
+          </a:xfrm>
+          <a:prstGeom prst="rect">
+            <a:avLst/>
+          </a:prstGeom>
+        </p:spPr>
+      </p:pic>
+    </p:spTree>
+    <p:extLst>
+      <p:ext uri="{BB962C8B-B14F-4D97-AF65-F5344CB8AC3E}">
+        <p14:creationId xmlns:p14="http://schemas.microsoft.com/office/powerpoint/2010/main" val="867327471"/>
+      </p:ext>
+    </p:extLst>
+  </p:cSld>
+  <p:clrMapOvr>
+    <a:masterClrMapping/>
+  </p:clrMapOvr>
+  <p:timing>
+    <p:tnLst>
+      <p:par>
+        <p:cTn id="1" dur="indefinite" restart="never" nodeType="tmRoot"/>
+      </p:par>
+    </p:tnLst>
+  </p:timing>
+</p:sld>
+</file>
+
+<file path=ppt/slides/slide23.xml><?xml version="1.0" encoding="utf-8"?>
+<p:sld xmlns:a="http://schemas.openxmlformats.org/drawingml/2006/main" xmlns:r="http://schemas.openxmlformats.org/officeDocument/2006/relationships" xmlns:p="http://schemas.openxmlformats.org/presentationml/2006/main">
+  <p:cSld>
+    <p:spTree>
+      <p:nvGrpSpPr>
+        <p:cNvPr id="1" name=""/>
+        <p:cNvGrpSpPr/>
+        <p:nvPr/>
+      </p:nvGrpSpPr>
+      <p:grpSpPr>
+        <a:xfrm>
+          <a:off x="0" y="0"/>
+          <a:ext cx="0" cy="0"/>
+          <a:chOff x="0" y="0"/>
+          <a:chExt cx="0" cy="0"/>
+        </a:xfrm>
+      </p:grpSpPr>
+      <p:sp>
+        <p:nvSpPr>
+          <p:cNvPr id="3" name="TextBox 2"/>
+          <p:cNvSpPr txBox="1"/>
+          <p:nvPr/>
+        </p:nvSpPr>
+        <p:spPr>
+          <a:xfrm>
+            <a:off x="971600" y="107921"/>
+            <a:ext cx="8136904" cy="646331"/>
+          </a:xfrm>
+          <a:prstGeom prst="rect">
+            <a:avLst/>
+          </a:prstGeom>
+          <a:noFill/>
+        </p:spPr>
+        <p:txBody>
+          <a:bodyPr wrap="square" rtlCol="0">
+            <a:spAutoFit/>
+          </a:bodyPr>
+          <a:lstStyle/>
+          <a:p>
+            <a:r>
+              <a:rPr lang="es-ES" sz="3600" dirty="0" smtClean="0">
+                <a:solidFill>
+                  <a:schemeClr val="accent2"/>
+                </a:solidFill>
+                <a:effectLst>
+                  <a:outerShdw blurRad="38100" dist="38100" dir="2700000" algn="tl">
+                    <a:srgbClr val="000000">
+                      <a:alpha val="43137"/>
+                    </a:srgbClr>
+                  </a:outerShdw>
+                </a:effectLst>
+                <a:latin typeface="Gill Sans MT" panose="020B0502020104020203" pitchFamily="34" charset="0"/>
+              </a:rPr>
+              <a:t>REFERENCIAS</a:t>
+            </a:r>
+            <a:endParaRPr lang="es-ES" sz="3800" dirty="0">
+              <a:solidFill>
+                <a:schemeClr val="accent2"/>
+              </a:solidFill>
+              <a:effectLst>
+                <a:outerShdw blurRad="38100" dist="38100" dir="2700000" algn="tl">
+                  <a:srgbClr val="000000">
+                    <a:alpha val="43137"/>
+                  </a:srgbClr>
+                </a:outerShdw>
+              </a:effectLst>
+              <a:latin typeface="Gill Sans MT" panose="020B0502020104020203" pitchFamily="34" charset="0"/>
+            </a:endParaRPr>
+          </a:p>
+        </p:txBody>
+      </p:sp>
+      <p:sp>
+        <p:nvSpPr>
+          <p:cNvPr id="6" name="Content Placeholder 4"/>
+          <p:cNvSpPr txBox="1">
+            <a:spLocks/>
+          </p:cNvSpPr>
+          <p:nvPr/>
+        </p:nvSpPr>
+        <p:spPr>
+          <a:xfrm>
+            <a:off x="323528" y="998566"/>
+            <a:ext cx="8712968" cy="5310754"/>
+          </a:xfrm>
+          <a:prstGeom prst="rect">
+            <a:avLst/>
+          </a:prstGeom>
+        </p:spPr>
+        <p:txBody>
+          <a:bodyPr>
+            <a:noAutofit/>
+          </a:bodyPr>
+          <a:lstStyle>
+            <a:lvl1pPr marL="342900" indent="-342900" algn="l" defTabSz="914400" rtl="0" eaLnBrk="1" latinLnBrk="0" hangingPunct="1">
+              <a:spcBef>
+                <a:spcPct val="20000"/>
+              </a:spcBef>
+              <a:buFont typeface="Arial" panose="020B0604020202020204" pitchFamily="34" charset="0"/>
+              <a:buChar char="•"/>
+              <a:defRPr sz="3200" kern="1200">
+                <a:solidFill>
+                  <a:schemeClr val="tx1"/>
+                </a:solidFill>
+                <a:latin typeface="+mn-lt"/>
+                <a:ea typeface="+mn-ea"/>
+                <a:cs typeface="+mn-cs"/>
+              </a:defRPr>
+            </a:lvl1pPr>
+            <a:lvl2pPr marL="742950" indent="-285750" algn="l" defTabSz="914400" rtl="0" eaLnBrk="1" latinLnBrk="0" hangingPunct="1">
+              <a:spcBef>
+                <a:spcPct val="20000"/>
+              </a:spcBef>
+              <a:buFont typeface="Arial" panose="020B0604020202020204" pitchFamily="34" charset="0"/>
+              <a:buChar char="–"/>
+              <a:defRPr sz="2800" kern="1200">
+                <a:solidFill>
+                  <a:schemeClr val="tx1"/>
+                </a:solidFill>
+                <a:latin typeface="+mn-lt"/>
+                <a:ea typeface="+mn-ea"/>
+                <a:cs typeface="+mn-cs"/>
+              </a:defRPr>
+            </a:lvl2pPr>
+            <a:lvl3pPr marL="1143000" indent="-228600" algn="l" defTabSz="914400" rtl="0" eaLnBrk="1" latinLnBrk="0" hangingPunct="1">
+              <a:spcBef>
+                <a:spcPct val="20000"/>
+              </a:spcBef>
+              <a:buFont typeface="Arial" panose="020B0604020202020204" pitchFamily="34" charset="0"/>
+              <a:buChar char="•"/>
+              <a:defRPr sz="2400" kern="1200">
+                <a:solidFill>
+                  <a:schemeClr val="tx1"/>
+                </a:solidFill>
+                <a:latin typeface="+mn-lt"/>
+                <a:ea typeface="+mn-ea"/>
+                <a:cs typeface="+mn-cs"/>
+              </a:defRPr>
+            </a:lvl3pPr>
+            <a:lvl4pPr marL="1600200" indent="-228600" algn="l" defTabSz="914400" rtl="0" eaLnBrk="1" latinLnBrk="0" hangingPunct="1">
+              <a:spcBef>
+                <a:spcPct val="20000"/>
+              </a:spcBef>
+              <a:buFont typeface="Arial" panose="020B0604020202020204" pitchFamily="34" charset="0"/>
+              <a:buChar char="–"/>
+              <a:defRPr sz="2000" kern="1200">
+                <a:solidFill>
+                  <a:schemeClr val="tx1"/>
+                </a:solidFill>
+                <a:latin typeface="+mn-lt"/>
+                <a:ea typeface="+mn-ea"/>
+                <a:cs typeface="+mn-cs"/>
+              </a:defRPr>
+            </a:lvl4pPr>
+            <a:lvl5pPr marL="2057400" indent="-228600" algn="l" defTabSz="914400" rtl="0" eaLnBrk="1" latinLnBrk="0" hangingPunct="1">
+              <a:spcBef>
+                <a:spcPct val="20000"/>
+              </a:spcBef>
+              <a:buFont typeface="Arial" panose="020B0604020202020204" pitchFamily="34" charset="0"/>
+              <a:buChar char="»"/>
+              <a:defRPr sz="2000" kern="1200">
+                <a:solidFill>
+                  <a:schemeClr val="tx1"/>
+                </a:solidFill>
+                <a:latin typeface="+mn-lt"/>
+                <a:ea typeface="+mn-ea"/>
+                <a:cs typeface="+mn-cs"/>
+              </a:defRPr>
+            </a:lvl5pPr>
+            <a:lvl6pPr marL="2514600" indent="-228600" algn="l" defTabSz="914400" rtl="0" eaLnBrk="1" latinLnBrk="0" hangingPunct="1">
+              <a:spcBef>
+                <a:spcPct val="20000"/>
+              </a:spcBef>
+              <a:buFont typeface="Arial" panose="020B0604020202020204" pitchFamily="34" charset="0"/>
+              <a:buChar char="•"/>
+              <a:defRPr sz="2000" kern="1200">
+                <a:solidFill>
+                  <a:schemeClr val="tx1"/>
+                </a:solidFill>
+                <a:latin typeface="+mn-lt"/>
+                <a:ea typeface="+mn-ea"/>
+                <a:cs typeface="+mn-cs"/>
+              </a:defRPr>
+            </a:lvl6pPr>
+            <a:lvl7pPr marL="2971800" indent="-228600" algn="l" defTabSz="914400" rtl="0" eaLnBrk="1" latinLnBrk="0" hangingPunct="1">
+              <a:spcBef>
+                <a:spcPct val="20000"/>
+              </a:spcBef>
+              <a:buFont typeface="Arial" panose="020B0604020202020204" pitchFamily="34" charset="0"/>
+              <a:buChar char="•"/>
+              <a:defRPr sz="2000" kern="1200">
+                <a:solidFill>
+                  <a:schemeClr val="tx1"/>
+                </a:solidFill>
+                <a:latin typeface="+mn-lt"/>
+                <a:ea typeface="+mn-ea"/>
+                <a:cs typeface="+mn-cs"/>
+              </a:defRPr>
+            </a:lvl7pPr>
+            <a:lvl8pPr marL="3429000" indent="-228600" algn="l" defTabSz="914400" rtl="0" eaLnBrk="1" latinLnBrk="0" hangingPunct="1">
+              <a:spcBef>
+                <a:spcPct val="20000"/>
+              </a:spcBef>
+              <a:buFont typeface="Arial" panose="020B0604020202020204" pitchFamily="34" charset="0"/>
+              <a:buChar char="•"/>
+              <a:defRPr sz="2000" kern="1200">
+                <a:solidFill>
+                  <a:schemeClr val="tx1"/>
+                </a:solidFill>
+                <a:latin typeface="+mn-lt"/>
+                <a:ea typeface="+mn-ea"/>
+                <a:cs typeface="+mn-cs"/>
+              </a:defRPr>
+            </a:lvl8pPr>
+            <a:lvl9pPr marL="3886200" indent="-228600" algn="l" defTabSz="914400" rtl="0" eaLnBrk="1" latinLnBrk="0" hangingPunct="1">
+              <a:spcBef>
+                <a:spcPct val="20000"/>
+              </a:spcBef>
+              <a:buFont typeface="Arial" panose="020B0604020202020204" pitchFamily="34" charset="0"/>
+              <a:buChar char="•"/>
+              <a:defRPr sz="2000" kern="1200">
+                <a:solidFill>
+                  <a:schemeClr val="tx1"/>
+                </a:solidFill>
+                <a:latin typeface="+mn-lt"/>
+                <a:ea typeface="+mn-ea"/>
+                <a:cs typeface="+mn-cs"/>
+              </a:defRPr>
+            </a:lvl9pPr>
+          </a:lstStyle>
+          <a:p>
+            <a:pPr fontAlgn="auto">
+              <a:spcBef>
+                <a:spcPts val="600"/>
+              </a:spcBef>
+              <a:spcAft>
+                <a:spcPts val="600"/>
+              </a:spcAft>
+            </a:pPr>
+            <a:r>
+              <a:rPr lang="en-US" sz="2000" dirty="0" err="1">
+                <a:solidFill>
+                  <a:srgbClr val="636382"/>
+                </a:solidFill>
+                <a:latin typeface="Gill Sans MT" panose="020B0502020104020203" pitchFamily="34" charset="0"/>
+              </a:rPr>
+              <a:t>Bolker</a:t>
+            </a:r>
+            <a:r>
+              <a:rPr lang="en-US" sz="2000" dirty="0">
+                <a:solidFill>
+                  <a:srgbClr val="636382"/>
+                </a:solidFill>
+                <a:latin typeface="Gill Sans MT" panose="020B0502020104020203" pitchFamily="34" charset="0"/>
+              </a:rPr>
+              <a:t>, B. 2008. Ecological Models and Data in R. </a:t>
+            </a:r>
+            <a:r>
+              <a:rPr lang="en-US" sz="2000" dirty="0">
+                <a:solidFill>
+                  <a:srgbClr val="636382"/>
+                </a:solidFill>
+                <a:latin typeface="Gill Sans MT" panose="020B0502020104020203" pitchFamily="34" charset="0"/>
+              </a:rPr>
+              <a:t>Princeton University </a:t>
+            </a:r>
+            <a:r>
+              <a:rPr lang="en-US" sz="2000" dirty="0" smtClean="0">
+                <a:solidFill>
+                  <a:srgbClr val="636382"/>
+                </a:solidFill>
+                <a:latin typeface="Gill Sans MT" panose="020B0502020104020203" pitchFamily="34" charset="0"/>
+              </a:rPr>
+              <a:t>Press, </a:t>
+            </a:r>
+            <a:r>
+              <a:rPr lang="es-ES" sz="2000" dirty="0" smtClean="0">
+                <a:solidFill>
+                  <a:srgbClr val="636382"/>
+                </a:solidFill>
+                <a:latin typeface="Gill Sans MT" panose="020B0502020104020203" pitchFamily="34" charset="0"/>
+              </a:rPr>
+              <a:t>Princeton</a:t>
+            </a:r>
+            <a:r>
+              <a:rPr lang="es-ES" sz="2000" dirty="0">
+                <a:solidFill>
+                  <a:srgbClr val="636382"/>
+                </a:solidFill>
+                <a:latin typeface="Gill Sans MT" panose="020B0502020104020203" pitchFamily="34" charset="0"/>
+              </a:rPr>
+              <a:t>, NJ.</a:t>
+            </a:r>
+            <a:endParaRPr lang="en-US" sz="2000" dirty="0">
+              <a:solidFill>
+                <a:srgbClr val="636382"/>
+              </a:solidFill>
+              <a:latin typeface="Gill Sans MT" panose="020B0502020104020203" pitchFamily="34" charset="0"/>
+            </a:endParaRPr>
+          </a:p>
+          <a:p>
+            <a:pPr fontAlgn="auto">
+              <a:spcBef>
+                <a:spcPts val="600"/>
+              </a:spcBef>
+              <a:spcAft>
+                <a:spcPts val="600"/>
+              </a:spcAft>
+            </a:pPr>
+            <a:r>
+              <a:rPr lang="en-US" sz="2000" dirty="0">
+                <a:solidFill>
+                  <a:srgbClr val="636382"/>
+                </a:solidFill>
+                <a:latin typeface="Gill Sans MT" panose="020B0502020104020203" pitchFamily="34" charset="0"/>
+              </a:rPr>
+              <a:t>Marc </a:t>
+            </a:r>
+            <a:r>
+              <a:rPr lang="en-US" sz="2000" dirty="0" err="1" smtClean="0">
+                <a:solidFill>
+                  <a:srgbClr val="636382"/>
+                </a:solidFill>
+                <a:latin typeface="Gill Sans MT" panose="020B0502020104020203" pitchFamily="34" charset="0"/>
+              </a:rPr>
+              <a:t>Kery</a:t>
+            </a:r>
+            <a:r>
+              <a:rPr lang="en-US" sz="2000" dirty="0" smtClean="0">
+                <a:solidFill>
+                  <a:srgbClr val="636382"/>
+                </a:solidFill>
+                <a:latin typeface="Gill Sans MT" panose="020B0502020104020203" pitchFamily="34" charset="0"/>
+              </a:rPr>
+              <a:t>. 2010.</a:t>
+            </a:r>
+            <a:r>
+              <a:rPr lang="en-US" sz="2000" dirty="0">
+                <a:solidFill>
+                  <a:srgbClr val="636382"/>
+                </a:solidFill>
+                <a:latin typeface="Gill Sans MT" panose="020B0502020104020203" pitchFamily="34" charset="0"/>
+              </a:rPr>
+              <a:t> </a:t>
+            </a:r>
+            <a:r>
+              <a:rPr lang="en-US" sz="2000" dirty="0">
+                <a:solidFill>
+                  <a:srgbClr val="636382"/>
+                </a:solidFill>
+                <a:latin typeface="Gill Sans MT" panose="020B0502020104020203" pitchFamily="34" charset="0"/>
+              </a:rPr>
+              <a:t>Introduction to </a:t>
+            </a:r>
+            <a:r>
+              <a:rPr lang="en-US" sz="2000" dirty="0" err="1">
+                <a:solidFill>
+                  <a:srgbClr val="636382"/>
+                </a:solidFill>
+                <a:latin typeface="Gill Sans MT" panose="020B0502020104020203" pitchFamily="34" charset="0"/>
+              </a:rPr>
+              <a:t>WinBUGS</a:t>
+            </a:r>
+            <a:r>
+              <a:rPr lang="en-US" sz="2000" dirty="0">
+                <a:solidFill>
+                  <a:srgbClr val="636382"/>
+                </a:solidFill>
+                <a:latin typeface="Gill Sans MT" panose="020B0502020104020203" pitchFamily="34" charset="0"/>
+              </a:rPr>
+              <a:t> for ecologists: Bayesian approach to regression, ANOVA, mixed models and related analyses. </a:t>
+            </a:r>
+            <a:r>
+              <a:rPr lang="en-US" sz="2000" dirty="0">
+                <a:solidFill>
+                  <a:srgbClr val="636382"/>
+                </a:solidFill>
+                <a:latin typeface="Gill Sans MT" panose="020B0502020104020203" pitchFamily="34" charset="0"/>
+              </a:rPr>
+              <a:t>Academic </a:t>
+            </a:r>
+            <a:r>
+              <a:rPr lang="en-US" sz="2000" dirty="0" smtClean="0">
+                <a:solidFill>
+                  <a:srgbClr val="636382"/>
+                </a:solidFill>
+                <a:latin typeface="Gill Sans MT" panose="020B0502020104020203" pitchFamily="34" charset="0"/>
+              </a:rPr>
+              <a:t>Press.</a:t>
+            </a:r>
+            <a:endParaRPr lang="en-US" sz="2000" dirty="0">
+              <a:solidFill>
+                <a:srgbClr val="636382"/>
+              </a:solidFill>
+              <a:latin typeface="Gill Sans MT" panose="020B0502020104020203" pitchFamily="34" charset="0"/>
+            </a:endParaRPr>
+          </a:p>
+          <a:p>
+            <a:pPr fontAlgn="auto">
+              <a:spcBef>
+                <a:spcPts val="600"/>
+              </a:spcBef>
+              <a:spcAft>
+                <a:spcPts val="600"/>
+              </a:spcAft>
+            </a:pPr>
+            <a:r>
+              <a:rPr lang="en-US" sz="2000" dirty="0" smtClean="0">
+                <a:solidFill>
+                  <a:srgbClr val="636382"/>
+                </a:solidFill>
+                <a:latin typeface="Gill Sans MT" panose="020B0502020104020203" pitchFamily="34" charset="0"/>
+              </a:rPr>
+              <a:t>Marc </a:t>
+            </a:r>
+            <a:r>
+              <a:rPr lang="en-US" sz="2000" dirty="0" err="1" smtClean="0">
+                <a:solidFill>
+                  <a:srgbClr val="636382"/>
+                </a:solidFill>
+                <a:latin typeface="Gill Sans MT" panose="020B0502020104020203" pitchFamily="34" charset="0"/>
+              </a:rPr>
+              <a:t>Kery</a:t>
+            </a:r>
+            <a:r>
+              <a:rPr lang="en-US" sz="2000" dirty="0" smtClean="0">
+                <a:solidFill>
+                  <a:srgbClr val="636382"/>
+                </a:solidFill>
+                <a:latin typeface="Gill Sans MT" panose="020B0502020104020203" pitchFamily="34" charset="0"/>
+              </a:rPr>
+              <a:t> and Michael Schaub. 2012. Bayesian population analysis using </a:t>
+            </a:r>
+            <a:r>
+              <a:rPr lang="en-US" sz="2000" dirty="0" err="1" smtClean="0">
+                <a:solidFill>
+                  <a:srgbClr val="636382"/>
+                </a:solidFill>
+                <a:latin typeface="Gill Sans MT" panose="020B0502020104020203" pitchFamily="34" charset="0"/>
+              </a:rPr>
+              <a:t>WinBUGS</a:t>
+            </a:r>
+            <a:r>
+              <a:rPr lang="en-US" sz="2000" dirty="0" smtClean="0">
+                <a:solidFill>
+                  <a:srgbClr val="636382"/>
+                </a:solidFill>
+                <a:latin typeface="Gill Sans MT" panose="020B0502020104020203" pitchFamily="34" charset="0"/>
+              </a:rPr>
+              <a:t>. A hierarchical perspective. Academic Press</a:t>
+            </a:r>
+            <a:r>
+              <a:rPr lang="en-US" sz="2000" dirty="0" smtClean="0">
+                <a:solidFill>
+                  <a:srgbClr val="636382"/>
+                </a:solidFill>
+                <a:latin typeface="Gill Sans MT" panose="020B0502020104020203" pitchFamily="34" charset="0"/>
+              </a:rPr>
+              <a:t>.</a:t>
+            </a:r>
+          </a:p>
+          <a:p>
+            <a:pPr fontAlgn="auto">
+              <a:spcBef>
+                <a:spcPts val="600"/>
+              </a:spcBef>
+              <a:spcAft>
+                <a:spcPts val="600"/>
+              </a:spcAft>
+            </a:pPr>
+            <a:r>
+              <a:rPr lang="es-ES" altLang="es-ES" sz="2000" dirty="0">
+                <a:solidFill>
+                  <a:srgbClr val="636382"/>
+                </a:solidFill>
+                <a:latin typeface="Gill Sans MT" panose="020B0502020104020203" pitchFamily="34" charset="0"/>
+                <a:cs typeface="Arial" pitchFamily="34" charset="0"/>
+              </a:rPr>
+              <a:t>Marc </a:t>
+            </a:r>
+            <a:r>
+              <a:rPr lang="es-ES" altLang="es-ES" sz="2000" dirty="0" err="1">
+                <a:solidFill>
+                  <a:srgbClr val="636382"/>
+                </a:solidFill>
+                <a:latin typeface="Gill Sans MT" panose="020B0502020104020203" pitchFamily="34" charset="0"/>
+                <a:cs typeface="Arial" pitchFamily="34" charset="0"/>
+              </a:rPr>
+              <a:t>Kery</a:t>
+            </a:r>
+            <a:r>
+              <a:rPr lang="es-ES" altLang="es-ES" sz="2000" dirty="0">
+                <a:solidFill>
+                  <a:srgbClr val="636382"/>
+                </a:solidFill>
+                <a:latin typeface="Gill Sans MT" panose="020B0502020104020203" pitchFamily="34" charset="0"/>
+                <a:cs typeface="Arial" pitchFamily="34" charset="0"/>
+              </a:rPr>
+              <a:t> &amp; J. Andy </a:t>
+            </a:r>
+            <a:r>
+              <a:rPr lang="es-ES" altLang="es-ES" sz="2000" dirty="0" err="1">
+                <a:solidFill>
+                  <a:srgbClr val="636382"/>
+                </a:solidFill>
+                <a:latin typeface="Gill Sans MT" panose="020B0502020104020203" pitchFamily="34" charset="0"/>
+                <a:cs typeface="Arial" pitchFamily="34" charset="0"/>
+              </a:rPr>
+              <a:t>Royle</a:t>
+            </a:r>
+            <a:r>
+              <a:rPr lang="es-ES" altLang="es-ES" sz="2000" dirty="0">
+                <a:solidFill>
+                  <a:srgbClr val="636382"/>
+                </a:solidFill>
+                <a:latin typeface="Gill Sans MT" panose="020B0502020104020203" pitchFamily="34" charset="0"/>
+                <a:cs typeface="Arial" pitchFamily="34" charset="0"/>
+              </a:rPr>
+              <a:t>. 2016. </a:t>
+            </a:r>
+            <a:r>
+              <a:rPr lang="es-ES" altLang="es-ES" sz="2000" dirty="0" err="1">
+                <a:solidFill>
+                  <a:srgbClr val="636382"/>
+                </a:solidFill>
+                <a:latin typeface="Gill Sans MT" panose="020B0502020104020203" pitchFamily="34" charset="0"/>
+                <a:cs typeface="Arial" pitchFamily="34" charset="0"/>
+              </a:rPr>
+              <a:t>Applied</a:t>
+            </a:r>
+            <a:r>
+              <a:rPr lang="es-ES" altLang="es-ES" sz="2000" dirty="0">
+                <a:solidFill>
+                  <a:srgbClr val="636382"/>
+                </a:solidFill>
+                <a:latin typeface="Gill Sans MT" panose="020B0502020104020203" pitchFamily="34" charset="0"/>
+                <a:cs typeface="Arial" pitchFamily="34" charset="0"/>
+              </a:rPr>
+              <a:t> </a:t>
+            </a:r>
+            <a:r>
+              <a:rPr lang="es-ES" altLang="es-ES" sz="2000" dirty="0" err="1">
+                <a:solidFill>
+                  <a:srgbClr val="636382"/>
+                </a:solidFill>
+                <a:latin typeface="Gill Sans MT" panose="020B0502020104020203" pitchFamily="34" charset="0"/>
+                <a:cs typeface="Arial" pitchFamily="34" charset="0"/>
+              </a:rPr>
+              <a:t>hierarchical</a:t>
+            </a:r>
+            <a:r>
+              <a:rPr lang="es-ES" altLang="es-ES" sz="2000" dirty="0">
+                <a:solidFill>
+                  <a:srgbClr val="636382"/>
+                </a:solidFill>
+                <a:latin typeface="Gill Sans MT" panose="020B0502020104020203" pitchFamily="34" charset="0"/>
+                <a:cs typeface="Arial" pitchFamily="34" charset="0"/>
+              </a:rPr>
+              <a:t> </a:t>
+            </a:r>
+            <a:r>
+              <a:rPr lang="es-ES" altLang="es-ES" sz="2000" dirty="0" err="1">
+                <a:solidFill>
+                  <a:srgbClr val="636382"/>
+                </a:solidFill>
+                <a:latin typeface="Gill Sans MT" panose="020B0502020104020203" pitchFamily="34" charset="0"/>
+                <a:cs typeface="Arial" pitchFamily="34" charset="0"/>
+              </a:rPr>
+              <a:t>modeling</a:t>
+            </a:r>
+            <a:r>
+              <a:rPr lang="es-ES" altLang="es-ES" sz="2000" dirty="0">
+                <a:solidFill>
+                  <a:srgbClr val="636382"/>
+                </a:solidFill>
+                <a:latin typeface="Gill Sans MT" panose="020B0502020104020203" pitchFamily="34" charset="0"/>
+                <a:cs typeface="Arial" pitchFamily="34" charset="0"/>
+              </a:rPr>
+              <a:t> in </a:t>
+            </a:r>
+            <a:r>
+              <a:rPr lang="es-ES" altLang="es-ES" sz="2000" dirty="0" err="1">
+                <a:solidFill>
+                  <a:srgbClr val="636382"/>
+                </a:solidFill>
+                <a:latin typeface="Gill Sans MT" panose="020B0502020104020203" pitchFamily="34" charset="0"/>
+                <a:cs typeface="Arial" pitchFamily="34" charset="0"/>
+              </a:rPr>
+              <a:t>ecology</a:t>
+            </a:r>
+            <a:r>
+              <a:rPr lang="es-ES" altLang="es-ES" sz="2000" dirty="0">
+                <a:solidFill>
+                  <a:srgbClr val="636382"/>
+                </a:solidFill>
+                <a:latin typeface="Gill Sans MT" panose="020B0502020104020203" pitchFamily="34" charset="0"/>
+                <a:cs typeface="Arial" pitchFamily="34" charset="0"/>
+              </a:rPr>
+              <a:t>. </a:t>
+            </a:r>
+            <a:r>
+              <a:rPr lang="es-ES" altLang="es-ES" sz="2000" dirty="0" err="1">
+                <a:solidFill>
+                  <a:srgbClr val="636382"/>
+                </a:solidFill>
+                <a:latin typeface="Gill Sans MT" panose="020B0502020104020203" pitchFamily="34" charset="0"/>
+                <a:cs typeface="Arial" pitchFamily="34" charset="0"/>
+              </a:rPr>
+              <a:t>Modeling</a:t>
+            </a:r>
+            <a:r>
+              <a:rPr lang="es-ES" altLang="es-ES" sz="2000" dirty="0">
+                <a:solidFill>
+                  <a:srgbClr val="636382"/>
+                </a:solidFill>
+                <a:latin typeface="Gill Sans MT" panose="020B0502020104020203" pitchFamily="34" charset="0"/>
+                <a:cs typeface="Arial" pitchFamily="34" charset="0"/>
+              </a:rPr>
+              <a:t> </a:t>
+            </a:r>
+            <a:r>
+              <a:rPr lang="es-ES" altLang="es-ES" sz="2000" dirty="0" err="1">
+                <a:solidFill>
+                  <a:srgbClr val="636382"/>
+                </a:solidFill>
+                <a:latin typeface="Gill Sans MT" panose="020B0502020104020203" pitchFamily="34" charset="0"/>
+                <a:cs typeface="Arial" pitchFamily="34" charset="0"/>
+              </a:rPr>
+              <a:t>distribution</a:t>
+            </a:r>
+            <a:r>
+              <a:rPr lang="es-ES" altLang="es-ES" sz="2000" dirty="0">
+                <a:solidFill>
+                  <a:srgbClr val="636382"/>
+                </a:solidFill>
+                <a:latin typeface="Gill Sans MT" panose="020B0502020104020203" pitchFamily="34" charset="0"/>
+                <a:cs typeface="Arial" pitchFamily="34" charset="0"/>
+              </a:rPr>
+              <a:t>, </a:t>
+            </a:r>
+            <a:r>
+              <a:rPr lang="es-ES" altLang="es-ES" sz="2000" dirty="0" err="1">
+                <a:solidFill>
+                  <a:srgbClr val="636382"/>
+                </a:solidFill>
+                <a:latin typeface="Gill Sans MT" panose="020B0502020104020203" pitchFamily="34" charset="0"/>
+                <a:cs typeface="Arial" pitchFamily="34" charset="0"/>
+              </a:rPr>
+              <a:t>abundance</a:t>
+            </a:r>
+            <a:r>
+              <a:rPr lang="es-ES" altLang="es-ES" sz="2000" dirty="0">
+                <a:solidFill>
+                  <a:srgbClr val="636382"/>
+                </a:solidFill>
+                <a:latin typeface="Gill Sans MT" panose="020B0502020104020203" pitchFamily="34" charset="0"/>
+                <a:cs typeface="Arial" pitchFamily="34" charset="0"/>
+              </a:rPr>
+              <a:t> and </a:t>
+            </a:r>
+            <a:r>
+              <a:rPr lang="es-ES" altLang="es-ES" sz="2000" dirty="0" err="1">
+                <a:solidFill>
+                  <a:srgbClr val="636382"/>
+                </a:solidFill>
+                <a:latin typeface="Gill Sans MT" panose="020B0502020104020203" pitchFamily="34" charset="0"/>
+                <a:cs typeface="Arial" pitchFamily="34" charset="0"/>
+              </a:rPr>
+              <a:t>species</a:t>
+            </a:r>
+            <a:r>
+              <a:rPr lang="es-ES" altLang="es-ES" sz="2000" dirty="0">
+                <a:solidFill>
+                  <a:srgbClr val="636382"/>
+                </a:solidFill>
+                <a:latin typeface="Gill Sans MT" panose="020B0502020104020203" pitchFamily="34" charset="0"/>
+                <a:cs typeface="Arial" pitchFamily="34" charset="0"/>
+              </a:rPr>
+              <a:t> </a:t>
+            </a:r>
+            <a:r>
+              <a:rPr lang="es-ES" altLang="es-ES" sz="2000" dirty="0" err="1">
+                <a:solidFill>
+                  <a:srgbClr val="636382"/>
+                </a:solidFill>
+                <a:latin typeface="Gill Sans MT" panose="020B0502020104020203" pitchFamily="34" charset="0"/>
+                <a:cs typeface="Arial" pitchFamily="34" charset="0"/>
+              </a:rPr>
+              <a:t>richness</a:t>
+            </a:r>
+            <a:r>
+              <a:rPr lang="es-ES" altLang="es-ES" sz="2000" dirty="0">
+                <a:solidFill>
+                  <a:srgbClr val="636382"/>
+                </a:solidFill>
+                <a:latin typeface="Gill Sans MT" panose="020B0502020104020203" pitchFamily="34" charset="0"/>
+                <a:cs typeface="Arial" pitchFamily="34" charset="0"/>
+              </a:rPr>
+              <a:t> </a:t>
+            </a:r>
+            <a:r>
+              <a:rPr lang="es-ES" altLang="es-ES" sz="2000" dirty="0" err="1">
+                <a:solidFill>
+                  <a:srgbClr val="636382"/>
+                </a:solidFill>
+                <a:latin typeface="Gill Sans MT" panose="020B0502020104020203" pitchFamily="34" charset="0"/>
+                <a:cs typeface="Arial" pitchFamily="34" charset="0"/>
+              </a:rPr>
+              <a:t>using</a:t>
+            </a:r>
+            <a:r>
+              <a:rPr lang="es-ES" altLang="es-ES" sz="2000" dirty="0">
+                <a:solidFill>
+                  <a:srgbClr val="636382"/>
+                </a:solidFill>
+                <a:latin typeface="Gill Sans MT" panose="020B0502020104020203" pitchFamily="34" charset="0"/>
+                <a:cs typeface="Arial" pitchFamily="34" charset="0"/>
+              </a:rPr>
+              <a:t> R and BUGS.  </a:t>
+            </a:r>
+            <a:r>
+              <a:rPr lang="es-ES" altLang="es-ES" sz="2000" dirty="0" err="1">
+                <a:solidFill>
+                  <a:srgbClr val="636382"/>
+                </a:solidFill>
+                <a:latin typeface="Gill Sans MT" panose="020B0502020104020203" pitchFamily="34" charset="0"/>
+                <a:cs typeface="Arial" pitchFamily="34" charset="0"/>
+              </a:rPr>
+              <a:t>Volume</a:t>
+            </a:r>
+            <a:r>
+              <a:rPr lang="es-ES" altLang="es-ES" sz="2000" dirty="0">
+                <a:solidFill>
+                  <a:srgbClr val="636382"/>
+                </a:solidFill>
+                <a:latin typeface="Gill Sans MT" panose="020B0502020104020203" pitchFamily="34" charset="0"/>
+                <a:cs typeface="Arial" pitchFamily="34" charset="0"/>
+              </a:rPr>
+              <a:t> 1: </a:t>
+            </a:r>
+            <a:r>
+              <a:rPr lang="es-ES" altLang="es-ES" sz="2000" dirty="0" err="1">
+                <a:solidFill>
+                  <a:srgbClr val="636382"/>
+                </a:solidFill>
+                <a:latin typeface="Gill Sans MT" panose="020B0502020104020203" pitchFamily="34" charset="0"/>
+                <a:cs typeface="Arial" pitchFamily="34" charset="0"/>
+              </a:rPr>
+              <a:t>Prelude</a:t>
+            </a:r>
+            <a:r>
+              <a:rPr lang="es-ES" altLang="es-ES" sz="2000" dirty="0">
+                <a:solidFill>
+                  <a:srgbClr val="636382"/>
+                </a:solidFill>
+                <a:latin typeface="Gill Sans MT" panose="020B0502020104020203" pitchFamily="34" charset="0"/>
+                <a:cs typeface="Arial" pitchFamily="34" charset="0"/>
+              </a:rPr>
+              <a:t> and </a:t>
+            </a:r>
+            <a:r>
+              <a:rPr lang="es-ES" altLang="es-ES" sz="2000" dirty="0" err="1">
+                <a:solidFill>
+                  <a:srgbClr val="636382"/>
+                </a:solidFill>
+                <a:latin typeface="Gill Sans MT" panose="020B0502020104020203" pitchFamily="34" charset="0"/>
+                <a:cs typeface="Arial" pitchFamily="34" charset="0"/>
+              </a:rPr>
+              <a:t>Static</a:t>
+            </a:r>
+            <a:r>
+              <a:rPr lang="es-ES" altLang="es-ES" sz="2000" dirty="0">
+                <a:solidFill>
+                  <a:srgbClr val="636382"/>
+                </a:solidFill>
+                <a:latin typeface="Gill Sans MT" panose="020B0502020104020203" pitchFamily="34" charset="0"/>
+                <a:cs typeface="Arial" pitchFamily="34" charset="0"/>
+              </a:rPr>
+              <a:t> </a:t>
+            </a:r>
+            <a:r>
+              <a:rPr lang="es-ES" altLang="es-ES" sz="2000" dirty="0" err="1">
+                <a:solidFill>
+                  <a:srgbClr val="636382"/>
+                </a:solidFill>
+                <a:latin typeface="Gill Sans MT" panose="020B0502020104020203" pitchFamily="34" charset="0"/>
+                <a:cs typeface="Arial" pitchFamily="34" charset="0"/>
+              </a:rPr>
+              <a:t>models</a:t>
+            </a:r>
+            <a:r>
+              <a:rPr lang="es-ES" altLang="es-ES" sz="2000" dirty="0">
+                <a:solidFill>
+                  <a:srgbClr val="636382"/>
+                </a:solidFill>
+                <a:latin typeface="Gill Sans MT" panose="020B0502020104020203" pitchFamily="34" charset="0"/>
+                <a:cs typeface="Arial" pitchFamily="34" charset="0"/>
+              </a:rPr>
+              <a:t>. </a:t>
+            </a:r>
+            <a:r>
+              <a:rPr lang="es-ES" altLang="es-ES" sz="2000" dirty="0" err="1">
+                <a:solidFill>
+                  <a:srgbClr val="636382"/>
+                </a:solidFill>
+                <a:latin typeface="Gill Sans MT" panose="020B0502020104020203" pitchFamily="34" charset="0"/>
+                <a:cs typeface="Arial" pitchFamily="34" charset="0"/>
+              </a:rPr>
+              <a:t>Academic</a:t>
+            </a:r>
+            <a:r>
+              <a:rPr lang="es-ES" altLang="es-ES" sz="2000" dirty="0">
+                <a:solidFill>
+                  <a:srgbClr val="636382"/>
+                </a:solidFill>
+                <a:latin typeface="Gill Sans MT" panose="020B0502020104020203" pitchFamily="34" charset="0"/>
+                <a:cs typeface="Arial" pitchFamily="34" charset="0"/>
+              </a:rPr>
+              <a:t> </a:t>
+            </a:r>
+            <a:r>
+              <a:rPr lang="es-ES" altLang="es-ES" sz="2000" dirty="0" err="1">
+                <a:solidFill>
+                  <a:srgbClr val="636382"/>
+                </a:solidFill>
+                <a:latin typeface="Gill Sans MT" panose="020B0502020104020203" pitchFamily="34" charset="0"/>
+                <a:cs typeface="Arial" pitchFamily="34" charset="0"/>
+              </a:rPr>
+              <a:t>Press</a:t>
+            </a:r>
+            <a:endParaRPr lang="en-US" sz="2000" dirty="0" smtClean="0">
+              <a:solidFill>
+                <a:srgbClr val="636382"/>
+              </a:solidFill>
+              <a:latin typeface="Gill Sans MT" panose="020B0502020104020203" pitchFamily="34" charset="0"/>
+            </a:endParaRPr>
+          </a:p>
+          <a:p>
+            <a:pPr fontAlgn="auto">
+              <a:spcBef>
+                <a:spcPts val="600"/>
+              </a:spcBef>
+              <a:spcAft>
+                <a:spcPts val="600"/>
+              </a:spcAft>
+            </a:pPr>
+            <a:endParaRPr lang="en-US" sz="600" dirty="0" smtClean="0">
+              <a:solidFill>
+                <a:srgbClr val="636382"/>
+              </a:solidFill>
+              <a:latin typeface="Gill Sans MT" panose="020B0502020104020203" pitchFamily="34" charset="0"/>
+            </a:endParaRPr>
+          </a:p>
+        </p:txBody>
+      </p:sp>
+    </p:spTree>
+    <p:extLst>
+      <p:ext uri="{BB962C8B-B14F-4D97-AF65-F5344CB8AC3E}">
+        <p14:creationId xmlns:p14="http://schemas.microsoft.com/office/powerpoint/2010/main" val="14646204"/>
       </p:ext>
     </p:extLst>
   </p:cSld>

--- a/ppt/Modulo 4_Ocupacion2023.pptx
+++ b/ppt/Modulo 4_Ocupacion2023.pptx
@@ -284,7 +284,7 @@
               <a:pPr>
                 <a:defRPr/>
               </a:pPr>
-              <a:t>27/03/2023</a:t>
+              <a:t>29/03/2023</a:t>
             </a:fld>
             <a:endParaRPr lang="es-ES"/>
           </a:p>
@@ -1316,7 +1316,7 @@
               <a:pPr>
                 <a:defRPr/>
               </a:pPr>
-              <a:t>27/03/2023</a:t>
+              <a:t>29/03/2023</a:t>
             </a:fld>
             <a:endParaRPr lang="es-AR"/>
           </a:p>
@@ -1503,7 +1503,7 @@
               <a:pPr>
                 <a:defRPr/>
               </a:pPr>
-              <a:t>27/03/2023</a:t>
+              <a:t>29/03/2023</a:t>
             </a:fld>
             <a:endParaRPr lang="es-AR"/>
           </a:p>
@@ -1693,7 +1693,7 @@
               <a:pPr>
                 <a:defRPr/>
               </a:pPr>
-              <a:t>27/03/2023</a:t>
+              <a:t>29/03/2023</a:t>
             </a:fld>
             <a:endParaRPr lang="es-AR"/>
           </a:p>
@@ -1945,7 +1945,7 @@
               <a:pPr>
                 <a:defRPr/>
               </a:pPr>
-              <a:t>27/03/2023</a:t>
+              <a:t>29/03/2023</a:t>
             </a:fld>
             <a:endParaRPr lang="es-AR"/>
           </a:p>
@@ -2125,7 +2125,7 @@
               <a:pPr>
                 <a:defRPr/>
               </a:pPr>
-              <a:t>27/03/2023</a:t>
+              <a:t>29/03/2023</a:t>
             </a:fld>
             <a:endParaRPr lang="es-AR"/>
           </a:p>
@@ -2381,7 +2381,7 @@
               <a:pPr>
                 <a:defRPr/>
               </a:pPr>
-              <a:t>27/03/2023</a:t>
+              <a:t>29/03/2023</a:t>
             </a:fld>
             <a:endParaRPr lang="es-AR"/>
           </a:p>
@@ -2679,7 +2679,7 @@
               <a:pPr>
                 <a:defRPr/>
               </a:pPr>
-              <a:t>27/03/2023</a:t>
+              <a:t>29/03/2023</a:t>
             </a:fld>
             <a:endParaRPr lang="es-AR"/>
           </a:p>
@@ -3111,7 +3111,7 @@
               <a:pPr>
                 <a:defRPr/>
               </a:pPr>
-              <a:t>27/03/2023</a:t>
+              <a:t>29/03/2023</a:t>
             </a:fld>
             <a:endParaRPr lang="es-AR"/>
           </a:p>
@@ -3239,7 +3239,7 @@
               <a:pPr>
                 <a:defRPr/>
               </a:pPr>
-              <a:t>27/03/2023</a:t>
+              <a:t>29/03/2023</a:t>
             </a:fld>
             <a:endParaRPr lang="es-AR"/>
           </a:p>
@@ -3344,7 +3344,7 @@
               <a:pPr>
                 <a:defRPr/>
               </a:pPr>
-              <a:t>27/03/2023</a:t>
+              <a:t>29/03/2023</a:t>
             </a:fld>
             <a:endParaRPr lang="es-AR"/>
           </a:p>
@@ -3631,7 +3631,7 @@
               <a:pPr>
                 <a:defRPr/>
               </a:pPr>
-              <a:t>27/03/2023</a:t>
+              <a:t>29/03/2023</a:t>
             </a:fld>
             <a:endParaRPr lang="es-AR"/>
           </a:p>
@@ -3811,7 +3811,7 @@
               <a:pPr>
                 <a:defRPr/>
               </a:pPr>
-              <a:t>27/03/2023</a:t>
+              <a:t>29/03/2023</a:t>
             </a:fld>
             <a:endParaRPr lang="es-AR"/>
           </a:p>
@@ -4078,7 +4078,7 @@
               <a:pPr>
                 <a:defRPr/>
               </a:pPr>
-              <a:t>27/03/2023</a:t>
+              <a:t>29/03/2023</a:t>
             </a:fld>
             <a:endParaRPr lang="es-AR"/>
           </a:p>
@@ -4258,7 +4258,7 @@
               <a:pPr>
                 <a:defRPr/>
               </a:pPr>
-              <a:t>27/03/2023</a:t>
+              <a:t>29/03/2023</a:t>
             </a:fld>
             <a:endParaRPr lang="es-AR"/>
           </a:p>
@@ -4448,7 +4448,7 @@
               <a:pPr>
                 <a:defRPr/>
               </a:pPr>
-              <a:t>27/03/2023</a:t>
+              <a:t>29/03/2023</a:t>
             </a:fld>
             <a:endParaRPr lang="es-AR"/>
           </a:p>
@@ -4745,7 +4745,7 @@
               <a:pPr>
                 <a:defRPr/>
               </a:pPr>
-              <a:t>27/03/2023</a:t>
+              <a:t>29/03/2023</a:t>
             </a:fld>
             <a:endParaRPr lang="es-AR"/>
           </a:p>
@@ -4963,7 +4963,7 @@
               <a:pPr>
                 <a:defRPr/>
               </a:pPr>
-              <a:t>27/03/2023</a:t>
+              <a:t>29/03/2023</a:t>
             </a:fld>
             <a:endParaRPr lang="es-AR"/>
           </a:p>
@@ -5316,7 +5316,7 @@
               <a:pPr>
                 <a:defRPr/>
               </a:pPr>
-              <a:t>27/03/2023</a:t>
+              <a:t>29/03/2023</a:t>
             </a:fld>
             <a:endParaRPr lang="es-AR"/>
           </a:p>
@@ -5601,7 +5601,7 @@
               <a:pPr>
                 <a:defRPr/>
               </a:pPr>
-              <a:t>27/03/2023</a:t>
+              <a:t>29/03/2023</a:t>
             </a:fld>
             <a:endParaRPr lang="es-AR"/>
           </a:p>
@@ -5990,7 +5990,7 @@
               <a:pPr>
                 <a:defRPr/>
               </a:pPr>
-              <a:t>27/03/2023</a:t>
+              <a:t>29/03/2023</a:t>
             </a:fld>
             <a:endParaRPr lang="es-AR"/>
           </a:p>
@@ -6118,7 +6118,7 @@
               <a:pPr>
                 <a:defRPr/>
               </a:pPr>
-              <a:t>27/03/2023</a:t>
+              <a:t>29/03/2023</a:t>
             </a:fld>
             <a:endParaRPr lang="es-AR"/>
           </a:p>
@@ -6299,7 +6299,7 @@
               <a:pPr>
                 <a:defRPr/>
               </a:pPr>
-              <a:t>27/03/2023</a:t>
+              <a:t>29/03/2023</a:t>
             </a:fld>
             <a:endParaRPr lang="es-AR"/>
           </a:p>
@@ -6625,7 +6625,7 @@
               <a:pPr>
                 <a:defRPr/>
               </a:pPr>
-              <a:t>27/03/2023</a:t>
+              <a:t>29/03/2023</a:t>
             </a:fld>
             <a:endParaRPr lang="es-AR"/>
           </a:p>
@@ -6981,7 +6981,7 @@
               <a:pPr>
                 <a:defRPr/>
               </a:pPr>
-              <a:t>27/03/2023</a:t>
+              <a:t>29/03/2023</a:t>
             </a:fld>
             <a:endParaRPr lang="es-AR"/>
           </a:p>
@@ -7368,7 +7368,7 @@
               <a:pPr>
                 <a:defRPr/>
               </a:pPr>
-              <a:t>27/03/2023</a:t>
+              <a:t>29/03/2023</a:t>
             </a:fld>
             <a:endParaRPr lang="es-AR"/>
           </a:p>
@@ -7548,7 +7548,7 @@
               <a:pPr>
                 <a:defRPr/>
               </a:pPr>
-              <a:t>27/03/2023</a:t>
+              <a:t>29/03/2023</a:t>
             </a:fld>
             <a:endParaRPr lang="es-AR"/>
           </a:p>
@@ -7814,7 +7814,7 @@
               <a:pPr>
                 <a:defRPr/>
               </a:pPr>
-              <a:t>27/03/2023</a:t>
+              <a:t>29/03/2023</a:t>
             </a:fld>
             <a:endParaRPr lang="es-AR"/>
           </a:p>
@@ -8112,7 +8112,7 @@
               <a:pPr>
                 <a:defRPr/>
               </a:pPr>
-              <a:t>27/03/2023</a:t>
+              <a:t>29/03/2023</a:t>
             </a:fld>
             <a:endParaRPr lang="es-AR"/>
           </a:p>
@@ -8544,7 +8544,7 @@
               <a:pPr>
                 <a:defRPr/>
               </a:pPr>
-              <a:t>27/03/2023</a:t>
+              <a:t>29/03/2023</a:t>
             </a:fld>
             <a:endParaRPr lang="es-AR"/>
           </a:p>
@@ -8672,7 +8672,7 @@
               <a:pPr>
                 <a:defRPr/>
               </a:pPr>
-              <a:t>27/03/2023</a:t>
+              <a:t>29/03/2023</a:t>
             </a:fld>
             <a:endParaRPr lang="es-AR"/>
           </a:p>
@@ -8777,7 +8777,7 @@
               <a:pPr>
                 <a:defRPr/>
               </a:pPr>
-              <a:t>27/03/2023</a:t>
+              <a:t>29/03/2023</a:t>
             </a:fld>
             <a:endParaRPr lang="es-AR"/>
           </a:p>
@@ -9064,7 +9064,7 @@
               <a:pPr>
                 <a:defRPr/>
               </a:pPr>
-              <a:t>27/03/2023</a:t>
+              <a:t>29/03/2023</a:t>
             </a:fld>
             <a:endParaRPr lang="es-AR"/>
           </a:p>
@@ -9331,7 +9331,7 @@
               <a:pPr>
                 <a:defRPr/>
               </a:pPr>
-              <a:t>27/03/2023</a:t>
+              <a:t>29/03/2023</a:t>
             </a:fld>
             <a:endParaRPr lang="es-AR"/>
           </a:p>
@@ -9563,7 +9563,7 @@
               <a:pPr>
                 <a:defRPr/>
               </a:pPr>
-              <a:t>27/03/2023</a:t>
+              <a:t>29/03/2023</a:t>
             </a:fld>
             <a:endParaRPr lang="es-AR"/>
           </a:p>
@@ -10099,7 +10099,7 @@
               <a:pPr>
                 <a:defRPr/>
               </a:pPr>
-              <a:t>27/03/2023</a:t>
+              <a:t>29/03/2023</a:t>
             </a:fld>
             <a:endParaRPr lang="es-AR"/>
           </a:p>
@@ -10693,7 +10693,7 @@
               <a:pPr>
                 <a:defRPr/>
               </a:pPr>
-              <a:t>27/03/2023</a:t>
+              <a:t>29/03/2023</a:t>
             </a:fld>
             <a:endParaRPr lang="es-AR"/>
           </a:p>
@@ -11392,7 +11392,7 @@
               <a:defRPr/>
             </a:pPr>
             <a:r>
-              <a:rPr lang="es-ES" sz="3200" dirty="0" smtClean="0">
+              <a:rPr lang="es-ES" sz="3200" smtClean="0">
                 <a:solidFill>
                   <a:srgbClr val="3D3D49"/>
                 </a:solidFill>
@@ -11407,8 +11407,41 @@
                 <a:ea typeface="Verdana" panose="020B0604030504040204" pitchFamily="34" charset="0"/>
                 <a:cs typeface="Verdana" panose="020B0604030504040204" pitchFamily="34" charset="0"/>
               </a:rPr>
-              <a:t>Módulo 3</a:t>
-            </a:r>
+              <a:t>Módulo </a:t>
+            </a:r>
+            <a:r>
+              <a:rPr lang="es-ES" sz="3200" smtClean="0">
+                <a:solidFill>
+                  <a:srgbClr val="3D3D49"/>
+                </a:solidFill>
+                <a:effectLst>
+                  <a:outerShdw blurRad="38100" dist="38100" dir="2700000" algn="tl">
+                    <a:srgbClr val="000000">
+                      <a:alpha val="43137"/>
+                    </a:srgbClr>
+                  </a:outerShdw>
+                </a:effectLst>
+                <a:latin typeface="Gill Sans MT" panose="020B0502020104020203" pitchFamily="34" charset="0"/>
+                <a:ea typeface="Verdana" panose="020B0604030504040204" pitchFamily="34" charset="0"/>
+                <a:cs typeface="Verdana" panose="020B0604030504040204" pitchFamily="34" charset="0"/>
+              </a:rPr>
+              <a:t>4</a:t>
+            </a:r>
+            <a:endParaRPr lang="es-ES" sz="3200" dirty="0" smtClean="0">
+              <a:solidFill>
+                <a:srgbClr val="3D3D49"/>
+              </a:solidFill>
+              <a:effectLst>
+                <a:outerShdw blurRad="38100" dist="38100" dir="2700000" algn="tl">
+                  <a:srgbClr val="000000">
+                    <a:alpha val="43137"/>
+                  </a:srgbClr>
+                </a:outerShdw>
+              </a:effectLst>
+              <a:latin typeface="Gill Sans MT" panose="020B0502020104020203" pitchFamily="34" charset="0"/>
+              <a:ea typeface="Verdana" panose="020B0604030504040204" pitchFamily="34" charset="0"/>
+              <a:cs typeface="Verdana" panose="020B0604030504040204" pitchFamily="34" charset="0"/>
+            </a:endParaRPr>
           </a:p>
           <a:p>
             <a:pPr algn="l">
@@ -12816,8 +12849,8 @@
           </a:p>
         </p:txBody>
       </p:sp>
-      <mc:AlternateContent xmlns:mc="http://schemas.openxmlformats.org/markup-compatibility/2006">
-        <mc:Choice xmlns:a14="http://schemas.microsoft.com/office/drawing/2010/main" Requires="a14">
+      <mc:AlternateContent xmlns:mc="http://schemas.openxmlformats.org/markup-compatibility/2006" xmlns:a14="http://schemas.microsoft.com/office/drawing/2010/main">
+        <mc:Choice Requires="a14">
           <p:sp>
             <p:nvSpPr>
               <p:cNvPr id="14" name="Rectángulo 13"/>
@@ -13464,12 +13497,6 @@
                   </a:rPr>
                   <a:t> </a:t>
                 </a:r>
-                <a:endParaRPr lang="en-US" sz="2400" dirty="0" smtClean="0">
-                  <a:solidFill>
-                    <a:srgbClr val="636382"/>
-                  </a:solidFill>
-                  <a:latin typeface="Gill Sans MT" panose="020B0502020104020203" pitchFamily="34" charset="0"/>
-                </a:endParaRPr>
               </a:p>
               <a:p>
                 <a:pPr algn="ctr" fontAlgn="auto">
@@ -13490,7 +13517,7 @@
             </p:txBody>
           </p:sp>
         </mc:Choice>
-        <mc:Fallback>
+        <mc:Fallback xmlns="">
           <p:sp>
             <p:nvSpPr>
               <p:cNvPr id="14" name="Rectángulo 13"/>
@@ -13618,8 +13645,8 @@
           </a:p>
         </p:txBody>
       </p:sp>
-      <mc:AlternateContent xmlns:mc="http://schemas.openxmlformats.org/markup-compatibility/2006">
-        <mc:Choice xmlns:a14="http://schemas.microsoft.com/office/drawing/2010/main" Requires="a14">
+      <mc:AlternateContent xmlns:mc="http://schemas.openxmlformats.org/markup-compatibility/2006" xmlns:a14="http://schemas.microsoft.com/office/drawing/2010/main">
+        <mc:Choice Requires="a14">
           <p:sp>
             <p:nvSpPr>
               <p:cNvPr id="19" name="Rectángulo 18"/>
@@ -13751,7 +13778,7 @@
             </p:txBody>
           </p:sp>
         </mc:Choice>
-        <mc:Fallback>
+        <mc:Fallback xmlns="">
           <p:sp>
             <p:nvSpPr>
               <p:cNvPr id="19" name="Rectángulo 18"/>
@@ -13887,23 +13914,7 @@
                 </a:effectLst>
                 <a:latin typeface="Gill Sans MT" panose="020B0502020104020203" pitchFamily="34" charset="0"/>
               </a:rPr>
-              <a:t>INTRODUCCIÓN A </a:t>
-            </a:r>
-            <a:r>
-              <a:rPr lang="es-ES" sz="3200" dirty="0" smtClean="0">
-                <a:solidFill>
-                  <a:schemeClr val="accent2"/>
-                </a:solidFill>
-                <a:effectLst>
-                  <a:outerShdw blurRad="38100" dist="38100" dir="2700000" algn="tl">
-                    <a:srgbClr val="000000">
-                      <a:alpha val="43137"/>
-                    </a:srgbClr>
-                  </a:outerShdw>
-                </a:effectLst>
-                <a:latin typeface="Gill Sans MT" panose="020B0502020104020203" pitchFamily="34" charset="0"/>
-              </a:rPr>
-              <a:t>GLMM – Efectos Aleatorios</a:t>
+              <a:t>INTRODUCCIÓN A GLMM – Efectos Aleatorios</a:t>
             </a:r>
             <a:endParaRPr lang="es-ES" sz="3600" dirty="0">
               <a:solidFill>
@@ -14059,8 +14070,8 @@
           </a:prstGeom>
         </p:spPr>
       </p:pic>
-      <mc:AlternateContent xmlns:mc="http://schemas.openxmlformats.org/markup-compatibility/2006">
-        <mc:Choice xmlns:a14="http://schemas.microsoft.com/office/drawing/2010/main" Requires="a14">
+      <mc:AlternateContent xmlns:mc="http://schemas.openxmlformats.org/markup-compatibility/2006" xmlns:a14="http://schemas.microsoft.com/office/drawing/2010/main">
+        <mc:Choice Requires="a14">
           <p:sp>
             <p:nvSpPr>
               <p:cNvPr id="6" name="Rectangle 5"/>
@@ -14335,7 +14346,7 @@
             </p:txBody>
           </p:sp>
         </mc:Choice>
-        <mc:Fallback>
+        <mc:Fallback xmlns="">
           <p:sp>
             <p:nvSpPr>
               <p:cNvPr id="6" name="Rectangle 5"/>
@@ -14447,23 +14458,7 @@
                 </a:effectLst>
                 <a:latin typeface="Gill Sans MT" panose="020B0502020104020203" pitchFamily="34" charset="0"/>
               </a:rPr>
-              <a:t>¿Qué son los e</a:t>
-            </a:r>
-            <a:r>
-              <a:rPr lang="es-ES" sz="3200" dirty="0" smtClean="0">
-                <a:solidFill>
-                  <a:schemeClr val="accent2"/>
-                </a:solidFill>
-                <a:effectLst>
-                  <a:outerShdw blurRad="38100" dist="38100" dir="2700000" algn="tl">
-                    <a:srgbClr val="000000">
-                      <a:alpha val="43137"/>
-                    </a:srgbClr>
-                  </a:outerShdw>
-                </a:effectLst>
-                <a:latin typeface="Gill Sans MT" panose="020B0502020104020203" pitchFamily="34" charset="0"/>
-              </a:rPr>
-              <a:t>fectos aleatorios?</a:t>
+              <a:t>¿Qué son los efectos aleatorios?</a:t>
             </a:r>
             <a:endParaRPr lang="es-ES" sz="3600" dirty="0">
               <a:solidFill>
@@ -14481,8 +14476,8 @@
           </a:p>
         </p:txBody>
       </p:sp>
-      <mc:AlternateContent xmlns:mc="http://schemas.openxmlformats.org/markup-compatibility/2006">
-        <mc:Choice xmlns:a14="http://schemas.microsoft.com/office/drawing/2010/main" Requires="a14">
+      <mc:AlternateContent xmlns:mc="http://schemas.openxmlformats.org/markup-compatibility/2006" xmlns:a14="http://schemas.microsoft.com/office/drawing/2010/main">
+        <mc:Choice Requires="a14">
           <p:sp>
             <p:nvSpPr>
               <p:cNvPr id="3" name="Rectángulo 2"/>
@@ -14982,7 +14977,7 @@
             </p:txBody>
           </p:sp>
         </mc:Choice>
-        <mc:Fallback>
+        <mc:Fallback xmlns="">
           <p:sp>
             <p:nvSpPr>
               <p:cNvPr id="3" name="Rectángulo 2"/>
@@ -15021,8 +15016,8 @@
           </p:sp>
         </mc:Fallback>
       </mc:AlternateContent>
-      <mc:AlternateContent xmlns:mc="http://schemas.openxmlformats.org/markup-compatibility/2006">
-        <mc:Choice xmlns:a14="http://schemas.microsoft.com/office/drawing/2010/main" Requires="a14">
+      <mc:AlternateContent xmlns:mc="http://schemas.openxmlformats.org/markup-compatibility/2006" xmlns:a14="http://schemas.microsoft.com/office/drawing/2010/main">
+        <mc:Choice Requires="a14">
           <p:sp>
             <p:nvSpPr>
               <p:cNvPr id="7" name="Rectangle 6"/>
@@ -15511,7 +15506,7 @@
             </p:txBody>
           </p:sp>
         </mc:Choice>
-        <mc:Fallback>
+        <mc:Fallback xmlns="">
           <p:sp>
             <p:nvSpPr>
               <p:cNvPr id="7" name="Rectangle 6"/>
@@ -15586,8 +15581,8 @@
           </a:fontRef>
         </p:style>
       </p:cxnSp>
-      <mc:AlternateContent xmlns:mc="http://schemas.openxmlformats.org/markup-compatibility/2006">
-        <mc:Choice xmlns:a14="http://schemas.microsoft.com/office/drawing/2010/main" Requires="a14">
+      <mc:AlternateContent xmlns:mc="http://schemas.openxmlformats.org/markup-compatibility/2006" xmlns:a14="http://schemas.microsoft.com/office/drawing/2010/main">
+        <mc:Choice Requires="a14">
           <p:sp>
             <p:nvSpPr>
               <p:cNvPr id="9" name="TextBox 8"/>
@@ -15664,17 +15659,11 @@
                   </a:rPr>
                   <a:t>es aleatorio</a:t>
                 </a:r>
-                <a:endParaRPr lang="es-ES" sz="2400" dirty="0">
-                  <a:solidFill>
-                    <a:srgbClr val="636382"/>
-                  </a:solidFill>
-                  <a:latin typeface="Gill Sans MT" panose="020B0502020104020203" pitchFamily="34" charset="0"/>
-                </a:endParaRPr>
               </a:p>
             </p:txBody>
           </p:sp>
         </mc:Choice>
-        <mc:Fallback>
+        <mc:Fallback xmlns="">
           <p:sp>
             <p:nvSpPr>
               <p:cNvPr id="9" name="TextBox 8"/>
@@ -15810,23 +15799,7 @@
                 </a:effectLst>
                 <a:latin typeface="Gill Sans MT" panose="020B0502020104020203" pitchFamily="34" charset="0"/>
               </a:rPr>
-              <a:t>INTRODUCCIÓN A </a:t>
-            </a:r>
-            <a:r>
-              <a:rPr lang="es-ES" sz="3200" dirty="0" smtClean="0">
-                <a:solidFill>
-                  <a:schemeClr val="accent2"/>
-                </a:solidFill>
-                <a:effectLst>
-                  <a:outerShdw blurRad="38100" dist="38100" dir="2700000" algn="tl">
-                    <a:srgbClr val="000000">
-                      <a:alpha val="43137"/>
-                    </a:srgbClr>
-                  </a:outerShdw>
-                </a:effectLst>
-                <a:latin typeface="Gill Sans MT" panose="020B0502020104020203" pitchFamily="34" charset="0"/>
-              </a:rPr>
-              <a:t>GLMM – Efectos Aleatorios</a:t>
+              <a:t>INTRODUCCIÓN A GLMM – Efectos Aleatorios</a:t>
             </a:r>
             <a:endParaRPr lang="es-ES" sz="3600" dirty="0">
               <a:solidFill>
@@ -19007,8 +18980,8 @@
           </a:p>
         </p:txBody>
       </p:sp>
-      <mc:AlternateContent xmlns:mc="http://schemas.openxmlformats.org/markup-compatibility/2006">
-        <mc:Choice xmlns:a14="http://schemas.microsoft.com/office/drawing/2010/main" Requires="a14">
+      <mc:AlternateContent xmlns:mc="http://schemas.openxmlformats.org/markup-compatibility/2006" xmlns:a14="http://schemas.microsoft.com/office/drawing/2010/main">
+        <mc:Choice Requires="a14">
           <p:sp>
             <p:nvSpPr>
               <p:cNvPr id="6" name="Rectangle 5"/>
@@ -20045,7 +20018,7 @@
             </p:txBody>
           </p:sp>
         </mc:Choice>
-        <mc:Fallback>
+        <mc:Fallback xmlns="">
           <p:sp>
             <p:nvSpPr>
               <p:cNvPr id="6" name="Rectangle 5"/>
@@ -20523,8 +20496,8 @@
           </a:p>
         </p:txBody>
       </p:sp>
-      <mc:AlternateContent xmlns:mc="http://schemas.openxmlformats.org/markup-compatibility/2006">
-        <mc:Choice xmlns:a14="http://schemas.microsoft.com/office/drawing/2010/main" Requires="a14">
+      <mc:AlternateContent xmlns:mc="http://schemas.openxmlformats.org/markup-compatibility/2006" xmlns:a14="http://schemas.microsoft.com/office/drawing/2010/main">
+        <mc:Choice Requires="a14">
           <p:sp>
             <p:nvSpPr>
               <p:cNvPr id="6" name="Rectangle 5"/>
@@ -21418,7 +21391,7 @@
             </p:txBody>
           </p:sp>
         </mc:Choice>
-        <mc:Fallback>
+        <mc:Fallback xmlns="">
           <p:sp>
             <p:nvSpPr>
               <p:cNvPr id="6" name="Rectangle 5"/>
@@ -22014,16 +21987,7 @@
                 </a:solidFill>
                 <a:latin typeface="Gill Sans MT" panose="020B0502020104020203" pitchFamily="34" charset="0"/>
               </a:rPr>
-              <a:t>, B. 2008. Ecological Models and Data in R. </a:t>
-            </a:r>
-            <a:r>
-              <a:rPr lang="en-US" sz="2000" dirty="0">
-                <a:solidFill>
-                  <a:srgbClr val="636382"/>
-                </a:solidFill>
-                <a:latin typeface="Gill Sans MT" panose="020B0502020104020203" pitchFamily="34" charset="0"/>
-              </a:rPr>
-              <a:t>Princeton University </a:t>
+              <a:t>, B. 2008. Ecological Models and Data in R. Princeton University </a:t>
             </a:r>
             <a:r>
               <a:rPr lang="en-US" sz="2000" dirty="0" smtClean="0">
@@ -22102,7 +22066,16 @@
                 </a:solidFill>
                 <a:latin typeface="Gill Sans MT" panose="020B0502020104020203" pitchFamily="34" charset="0"/>
               </a:rPr>
-              <a:t> </a:t>
+              <a:t> Introduction to </a:t>
+            </a:r>
+            <a:r>
+              <a:rPr lang="en-US" sz="2000" dirty="0" err="1">
+                <a:solidFill>
+                  <a:srgbClr val="636382"/>
+                </a:solidFill>
+                <a:latin typeface="Gill Sans MT" panose="020B0502020104020203" pitchFamily="34" charset="0"/>
+              </a:rPr>
+              <a:t>WinBUGS</a:t>
             </a:r>
             <a:r>
               <a:rPr lang="en-US" sz="2000" dirty="0">
@@ -22111,34 +22084,7 @@
                 </a:solidFill>
                 <a:latin typeface="Gill Sans MT" panose="020B0502020104020203" pitchFamily="34" charset="0"/>
               </a:rPr>
-              <a:t>Introduction to </a:t>
-            </a:r>
-            <a:r>
-              <a:rPr lang="en-US" sz="2000" dirty="0" err="1">
-                <a:solidFill>
-                  <a:srgbClr val="636382"/>
-                </a:solidFill>
-                <a:latin typeface="Gill Sans MT" panose="020B0502020104020203" pitchFamily="34" charset="0"/>
-              </a:rPr>
-              <a:t>WinBUGS</a:t>
-            </a:r>
-            <a:r>
-              <a:rPr lang="en-US" sz="2000" dirty="0">
-                <a:solidFill>
-                  <a:srgbClr val="636382"/>
-                </a:solidFill>
-                <a:latin typeface="Gill Sans MT" panose="020B0502020104020203" pitchFamily="34" charset="0"/>
-              </a:rPr>
-              <a:t> for ecologists: Bayesian approach to regression, ANOVA, mixed models and related analyses. </a:t>
-            </a:r>
-            <a:r>
-              <a:rPr lang="en-US" sz="2000" dirty="0">
-                <a:solidFill>
-                  <a:srgbClr val="636382"/>
-                </a:solidFill>
-                <a:latin typeface="Gill Sans MT" panose="020B0502020104020203" pitchFamily="34" charset="0"/>
-              </a:rPr>
-              <a:t>Academic </a:t>
+              <a:t> for ecologists: Bayesian approach to regression, ANOVA, mixed models and related analyses. Academic </a:t>
             </a:r>
             <a:r>
               <a:rPr lang="en-US" sz="2000" dirty="0" smtClean="0">
@@ -22208,16 +22154,7 @@
                 </a:solidFill>
                 <a:latin typeface="Gill Sans MT" panose="020B0502020104020203" pitchFamily="34" charset="0"/>
               </a:rPr>
-              <a:t>. A hierarchical perspective. Academic Press</a:t>
-            </a:r>
-            <a:r>
-              <a:rPr lang="en-US" sz="2000" dirty="0" smtClean="0">
-                <a:solidFill>
-                  <a:srgbClr val="636382"/>
-                </a:solidFill>
-                <a:latin typeface="Gill Sans MT" panose="020B0502020104020203" pitchFamily="34" charset="0"/>
-              </a:rPr>
-              <a:t>.</a:t>
+              <a:t>. A hierarchical perspective. Academic Press.</a:t>
             </a:r>
           </a:p>
           <a:p>
